--- a/CaseStudy_EDA_Palmer_Garrity.pptx
+++ b/CaseStudy_EDA_Palmer_Garrity.pptx
@@ -23,6 +23,10 @@
     <p:sldId id="268" r:id="rId19"/>
     <p:sldId id="269" r:id="rId20"/>
     <p:sldId id="270" r:id="rId21"/>
+    <p:sldId id="271" r:id="rId22"/>
+    <p:sldId id="272" r:id="rId23"/>
+    <p:sldId id="273" r:id="rId24"/>
+    <p:sldId id="274" r:id="rId25"/>
   </p:sldIdLst>
   <p:sldSz cy="5143500" cx="9144000"/>
   <p:notesSz cx="6858000" cy="9144000"/>
@@ -804,7 +808,7 @@
   <p:cSld>
     <p:spTree>
       <p:nvGrpSpPr>
-        <p:cNvPr id="118" name="Shape 118"/>
+        <p:cNvPr id="121" name="Shape 121"/>
         <p:cNvGrpSpPr/>
         <p:nvPr/>
       </p:nvGrpSpPr>
@@ -818,7 +822,7 @@
       </p:grpSpPr>
       <p:sp>
         <p:nvSpPr>
-          <p:cNvPr id="119" name="Google Shape;119;g65034a9332_0_36:notes"/>
+          <p:cNvPr id="122" name="Google Shape;122;g65034a9332_0_43:notes"/>
           <p:cNvSpPr/>
           <p:nvPr>
             <p:ph idx="2" type="sldImg"/>
@@ -853,7 +857,7 @@
       </p:sp>
       <p:sp>
         <p:nvSpPr>
-          <p:cNvPr id="120" name="Google Shape;120;g65034a9332_0_36:notes"/>
+          <p:cNvPr id="123" name="Google Shape;123;g65034a9332_0_43:notes"/>
           <p:cNvSpPr txBox="1"/>
           <p:nvPr>
             <p:ph idx="1" type="body"/>
@@ -903,7 +907,7 @@
   <p:cSld>
     <p:spTree>
       <p:nvGrpSpPr>
-        <p:cNvPr id="126" name="Shape 126"/>
+        <p:cNvPr id="130" name="Shape 130"/>
         <p:cNvGrpSpPr/>
         <p:nvPr/>
       </p:nvGrpSpPr>
@@ -917,7 +921,7 @@
       </p:grpSpPr>
       <p:sp>
         <p:nvSpPr>
-          <p:cNvPr id="127" name="Google Shape;127;g653c506983_0_0:notes"/>
+          <p:cNvPr id="131" name="Google Shape;131;g6f4f0751f6_0_24:notes"/>
           <p:cNvSpPr/>
           <p:nvPr>
             <p:ph idx="2" type="sldImg"/>
@@ -952,7 +956,7 @@
       </p:sp>
       <p:sp>
         <p:nvSpPr>
-          <p:cNvPr id="128" name="Google Shape;128;g653c506983_0_0:notes"/>
+          <p:cNvPr id="132" name="Google Shape;132;g6f4f0751f6_0_24:notes"/>
           <p:cNvSpPr txBox="1"/>
           <p:nvPr>
             <p:ph idx="1" type="body"/>
@@ -1002,7 +1006,7 @@
   <p:cSld>
     <p:spTree>
       <p:nvGrpSpPr>
-        <p:cNvPr id="132" name="Shape 132"/>
+        <p:cNvPr id="139" name="Shape 139"/>
         <p:cNvGrpSpPr/>
         <p:nvPr/>
       </p:nvGrpSpPr>
@@ -1016,7 +1020,7 @@
       </p:grpSpPr>
       <p:sp>
         <p:nvSpPr>
-          <p:cNvPr id="133" name="Google Shape;133;g65034a9332_0_43:notes"/>
+          <p:cNvPr id="140" name="Google Shape;140;g653c506983_0_22:notes"/>
           <p:cNvSpPr/>
           <p:nvPr>
             <p:ph idx="2" type="sldImg"/>
@@ -1051,7 +1055,7 @@
       </p:sp>
       <p:sp>
         <p:nvSpPr>
-          <p:cNvPr id="134" name="Google Shape;134;g65034a9332_0_43:notes"/>
+          <p:cNvPr id="141" name="Google Shape;141;g653c506983_0_22:notes"/>
           <p:cNvSpPr txBox="1"/>
           <p:nvPr>
             <p:ph idx="1" type="body"/>
@@ -1101,7 +1105,7 @@
   <p:cSld>
     <p:spTree>
       <p:nvGrpSpPr>
-        <p:cNvPr id="141" name="Shape 141"/>
+        <p:cNvPr id="147" name="Shape 147"/>
         <p:cNvGrpSpPr/>
         <p:nvPr/>
       </p:nvGrpSpPr>
@@ -1115,7 +1119,7 @@
       </p:grpSpPr>
       <p:sp>
         <p:nvSpPr>
-          <p:cNvPr id="142" name="Google Shape;142;g653c506983_0_12:notes"/>
+          <p:cNvPr id="148" name="Google Shape;148;g6f4f0751f6_0_5:notes"/>
           <p:cNvSpPr/>
           <p:nvPr>
             <p:ph idx="2" type="sldImg"/>
@@ -1150,7 +1154,7 @@
       </p:sp>
       <p:sp>
         <p:nvSpPr>
-          <p:cNvPr id="143" name="Google Shape;143;g653c506983_0_12:notes"/>
+          <p:cNvPr id="149" name="Google Shape;149;g6f4f0751f6_0_5:notes"/>
           <p:cNvSpPr txBox="1"/>
           <p:nvPr>
             <p:ph idx="1" type="body"/>
@@ -1200,7 +1204,7 @@
   <p:cSld>
     <p:spTree>
       <p:nvGrpSpPr>
-        <p:cNvPr id="148" name="Shape 148"/>
+        <p:cNvPr id="155" name="Shape 155"/>
         <p:cNvGrpSpPr/>
         <p:nvPr/>
       </p:nvGrpSpPr>
@@ -1214,7 +1218,7 @@
       </p:grpSpPr>
       <p:sp>
         <p:nvSpPr>
-          <p:cNvPr id="149" name="Google Shape;149;g653c506983_0_22:notes"/>
+          <p:cNvPr id="156" name="Google Shape;156;g653953e195_0_21:notes"/>
           <p:cNvSpPr/>
           <p:nvPr>
             <p:ph idx="2" type="sldImg"/>
@@ -1249,7 +1253,7 @@
       </p:sp>
       <p:sp>
         <p:nvSpPr>
-          <p:cNvPr id="150" name="Google Shape;150;g653c506983_0_22:notes"/>
+          <p:cNvPr id="157" name="Google Shape;157;g653953e195_0_21:notes"/>
           <p:cNvSpPr txBox="1"/>
           <p:nvPr>
             <p:ph idx="1" type="body"/>
@@ -1299,7 +1303,7 @@
   <p:cSld>
     <p:spTree>
       <p:nvGrpSpPr>
-        <p:cNvPr id="157" name="Shape 157"/>
+        <p:cNvPr id="161" name="Shape 161"/>
         <p:cNvGrpSpPr/>
         <p:nvPr/>
       </p:nvGrpSpPr>
@@ -1313,7 +1317,7 @@
       </p:grpSpPr>
       <p:sp>
         <p:nvSpPr>
-          <p:cNvPr id="158" name="Google Shape;158;g6340dddd5e_0_8:notes"/>
+          <p:cNvPr id="162" name="Google Shape;162;g653953e195_0_0:notes"/>
           <p:cNvSpPr/>
           <p:nvPr>
             <p:ph idx="2" type="sldImg"/>
@@ -1348,7 +1352,403 @@
       </p:sp>
       <p:sp>
         <p:nvSpPr>
-          <p:cNvPr id="159" name="Google Shape;159;g6340dddd5e_0_8:notes"/>
+          <p:cNvPr id="163" name="Google Shape;163;g653953e195_0_0:notes"/>
+          <p:cNvSpPr txBox="1"/>
+          <p:nvPr>
+            <p:ph idx="1" type="body"/>
+          </p:nvPr>
+        </p:nvSpPr>
+        <p:spPr>
+          <a:xfrm>
+            <a:off x="685800" y="4343400"/>
+            <a:ext cx="5486400" cy="4114800"/>
+          </a:xfrm>
+          <a:prstGeom prst="rect">
+            <a:avLst/>
+          </a:prstGeom>
+        </p:spPr>
+        <p:txBody>
+          <a:bodyPr anchorCtr="0" anchor="t" bIns="91425" lIns="91425" spcFirstLastPara="1" rIns="91425" wrap="square" tIns="91425">
+            <a:noAutofit/>
+          </a:bodyPr>
+          <a:lstStyle/>
+          <a:p>
+            <a:pPr indent="0" lvl="0" marL="0" rtl="0" algn="l">
+              <a:spcBef>
+                <a:spcPts val="0"/>
+              </a:spcBef>
+              <a:spcAft>
+                <a:spcPts val="0"/>
+              </a:spcAft>
+              <a:buNone/>
+            </a:pPr>
+            <a:r>
+              <a:t/>
+            </a:r>
+            <a:endParaRPr/>
+          </a:p>
+        </p:txBody>
+      </p:sp>
+    </p:spTree>
+  </p:cSld>
+  <p:clrMapOvr>
+    <a:masterClrMapping/>
+  </p:clrMapOvr>
+</p:notes>
+</file>
+
+<file path=ppt/notesSlides/notesSlide16.xml><?xml version="1.0" encoding="utf-8"?>
+<p:notes xmlns:a="http://schemas.openxmlformats.org/drawingml/2006/main" xmlns:r="http://schemas.openxmlformats.org/officeDocument/2006/relationships" xmlns:mc="http://schemas.openxmlformats.org/markup-compatibility/2006" xmlns:mv="urn:schemas-microsoft-com:mac:vml" xmlns:p="http://schemas.openxmlformats.org/presentationml/2006/main" xmlns:c="http://schemas.openxmlformats.org/drawingml/2006/chart" xmlns:dgm="http://schemas.openxmlformats.org/drawingml/2006/diagram" xmlns:o="urn:schemas-microsoft-com:office:office" xmlns:v="urn:schemas-microsoft-com:vml" xmlns:pvml="urn:schemas-microsoft-com:office:powerpoint" xmlns:com="http://schemas.openxmlformats.org/drawingml/2006/compatibility" xmlns:p14="http://schemas.microsoft.com/office/powerpoint/2010/main" xmlns:p15="http://schemas.microsoft.com/office/powerpoint/2012/main" showMasterPhAnim="0" showMasterSp="0">
+  <p:cSld>
+    <p:spTree>
+      <p:nvGrpSpPr>
+        <p:cNvPr id="171" name="Shape 171"/>
+        <p:cNvGrpSpPr/>
+        <p:nvPr/>
+      </p:nvGrpSpPr>
+      <p:grpSpPr>
+        <a:xfrm>
+          <a:off x="0" y="0"/>
+          <a:ext cx="0" cy="0"/>
+          <a:chOff x="0" y="0"/>
+          <a:chExt cx="0" cy="0"/>
+        </a:xfrm>
+      </p:grpSpPr>
+      <p:sp>
+        <p:nvSpPr>
+          <p:cNvPr id="172" name="Google Shape;172;g653953e195_0_13:notes"/>
+          <p:cNvSpPr/>
+          <p:nvPr>
+            <p:ph idx="2" type="sldImg"/>
+          </p:nvPr>
+        </p:nvSpPr>
+        <p:spPr>
+          <a:xfrm>
+            <a:off x="381300" y="685800"/>
+            <a:ext cx="6096000" cy="3429000"/>
+          </a:xfrm>
+          <a:custGeom>
+            <a:rect b="b" l="l" r="r" t="t"/>
+            <a:pathLst>
+              <a:path extrusionOk="0" h="120000" w="120000">
+                <a:moveTo>
+                  <a:pt x="0" y="0"/>
+                </a:moveTo>
+                <a:lnTo>
+                  <a:pt x="120000" y="0"/>
+                </a:lnTo>
+                <a:lnTo>
+                  <a:pt x="120000" y="120000"/>
+                </a:lnTo>
+                <a:lnTo>
+                  <a:pt x="0" y="120000"/>
+                </a:lnTo>
+                <a:close/>
+              </a:path>
+            </a:pathLst>
+          </a:custGeom>
+        </p:spPr>
+      </p:sp>
+      <p:sp>
+        <p:nvSpPr>
+          <p:cNvPr id="173" name="Google Shape;173;g653953e195_0_13:notes"/>
+          <p:cNvSpPr txBox="1"/>
+          <p:nvPr>
+            <p:ph idx="1" type="body"/>
+          </p:nvPr>
+        </p:nvSpPr>
+        <p:spPr>
+          <a:xfrm>
+            <a:off x="685800" y="4343400"/>
+            <a:ext cx="5486400" cy="4114800"/>
+          </a:xfrm>
+          <a:prstGeom prst="rect">
+            <a:avLst/>
+          </a:prstGeom>
+        </p:spPr>
+        <p:txBody>
+          <a:bodyPr anchorCtr="0" anchor="t" bIns="91425" lIns="91425" spcFirstLastPara="1" rIns="91425" wrap="square" tIns="91425">
+            <a:noAutofit/>
+          </a:bodyPr>
+          <a:lstStyle/>
+          <a:p>
+            <a:pPr indent="0" lvl="0" marL="0" rtl="0" algn="l">
+              <a:spcBef>
+                <a:spcPts val="0"/>
+              </a:spcBef>
+              <a:spcAft>
+                <a:spcPts val="0"/>
+              </a:spcAft>
+              <a:buNone/>
+            </a:pPr>
+            <a:r>
+              <a:t/>
+            </a:r>
+            <a:endParaRPr/>
+          </a:p>
+        </p:txBody>
+      </p:sp>
+    </p:spTree>
+  </p:cSld>
+  <p:clrMapOvr>
+    <a:masterClrMapping/>
+  </p:clrMapOvr>
+</p:notes>
+</file>
+
+<file path=ppt/notesSlides/notesSlide17.xml><?xml version="1.0" encoding="utf-8"?>
+<p:notes xmlns:a="http://schemas.openxmlformats.org/drawingml/2006/main" xmlns:r="http://schemas.openxmlformats.org/officeDocument/2006/relationships" xmlns:mc="http://schemas.openxmlformats.org/markup-compatibility/2006" xmlns:mv="urn:schemas-microsoft-com:mac:vml" xmlns:p="http://schemas.openxmlformats.org/presentationml/2006/main" xmlns:c="http://schemas.openxmlformats.org/drawingml/2006/chart" xmlns:dgm="http://schemas.openxmlformats.org/drawingml/2006/diagram" xmlns:o="urn:schemas-microsoft-com:office:office" xmlns:v="urn:schemas-microsoft-com:vml" xmlns:pvml="urn:schemas-microsoft-com:office:powerpoint" xmlns:com="http://schemas.openxmlformats.org/drawingml/2006/compatibility" xmlns:p14="http://schemas.microsoft.com/office/powerpoint/2010/main" xmlns:p15="http://schemas.microsoft.com/office/powerpoint/2012/main" showMasterPhAnim="0" showMasterSp="0">
+  <p:cSld>
+    <p:spTree>
+      <p:nvGrpSpPr>
+        <p:cNvPr id="177" name="Shape 177"/>
+        <p:cNvGrpSpPr/>
+        <p:nvPr/>
+      </p:nvGrpSpPr>
+      <p:grpSpPr>
+        <a:xfrm>
+          <a:off x="0" y="0"/>
+          <a:ext cx="0" cy="0"/>
+          <a:chOff x="0" y="0"/>
+          <a:chExt cx="0" cy="0"/>
+        </a:xfrm>
+      </p:grpSpPr>
+      <p:sp>
+        <p:nvSpPr>
+          <p:cNvPr id="178" name="Google Shape;178;g653953e195_0_17:notes"/>
+          <p:cNvSpPr/>
+          <p:nvPr>
+            <p:ph idx="2" type="sldImg"/>
+          </p:nvPr>
+        </p:nvSpPr>
+        <p:spPr>
+          <a:xfrm>
+            <a:off x="381300" y="685800"/>
+            <a:ext cx="6096000" cy="3429000"/>
+          </a:xfrm>
+          <a:custGeom>
+            <a:rect b="b" l="l" r="r" t="t"/>
+            <a:pathLst>
+              <a:path extrusionOk="0" h="120000" w="120000">
+                <a:moveTo>
+                  <a:pt x="0" y="0"/>
+                </a:moveTo>
+                <a:lnTo>
+                  <a:pt x="120000" y="0"/>
+                </a:lnTo>
+                <a:lnTo>
+                  <a:pt x="120000" y="120000"/>
+                </a:lnTo>
+                <a:lnTo>
+                  <a:pt x="0" y="120000"/>
+                </a:lnTo>
+                <a:close/>
+              </a:path>
+            </a:pathLst>
+          </a:custGeom>
+        </p:spPr>
+      </p:sp>
+      <p:sp>
+        <p:nvSpPr>
+          <p:cNvPr id="179" name="Google Shape;179;g653953e195_0_17:notes"/>
+          <p:cNvSpPr txBox="1"/>
+          <p:nvPr>
+            <p:ph idx="1" type="body"/>
+          </p:nvPr>
+        </p:nvSpPr>
+        <p:spPr>
+          <a:xfrm>
+            <a:off x="685800" y="4343400"/>
+            <a:ext cx="5486400" cy="4114800"/>
+          </a:xfrm>
+          <a:prstGeom prst="rect">
+            <a:avLst/>
+          </a:prstGeom>
+        </p:spPr>
+        <p:txBody>
+          <a:bodyPr anchorCtr="0" anchor="t" bIns="91425" lIns="91425" spcFirstLastPara="1" rIns="91425" wrap="square" tIns="91425">
+            <a:noAutofit/>
+          </a:bodyPr>
+          <a:lstStyle/>
+          <a:p>
+            <a:pPr indent="0" lvl="0" marL="0" rtl="0" algn="l">
+              <a:spcBef>
+                <a:spcPts val="0"/>
+              </a:spcBef>
+              <a:spcAft>
+                <a:spcPts val="0"/>
+              </a:spcAft>
+              <a:buNone/>
+            </a:pPr>
+            <a:r>
+              <a:t/>
+            </a:r>
+            <a:endParaRPr/>
+          </a:p>
+        </p:txBody>
+      </p:sp>
+    </p:spTree>
+  </p:cSld>
+  <p:clrMapOvr>
+    <a:masterClrMapping/>
+  </p:clrMapOvr>
+</p:notes>
+</file>
+
+<file path=ppt/notesSlides/notesSlide18.xml><?xml version="1.0" encoding="utf-8"?>
+<p:notes xmlns:a="http://schemas.openxmlformats.org/drawingml/2006/main" xmlns:r="http://schemas.openxmlformats.org/officeDocument/2006/relationships" xmlns:mc="http://schemas.openxmlformats.org/markup-compatibility/2006" xmlns:mv="urn:schemas-microsoft-com:mac:vml" xmlns:p="http://schemas.openxmlformats.org/presentationml/2006/main" xmlns:c="http://schemas.openxmlformats.org/drawingml/2006/chart" xmlns:dgm="http://schemas.openxmlformats.org/drawingml/2006/diagram" xmlns:o="urn:schemas-microsoft-com:office:office" xmlns:v="urn:schemas-microsoft-com:vml" xmlns:pvml="urn:schemas-microsoft-com:office:powerpoint" xmlns:com="http://schemas.openxmlformats.org/drawingml/2006/compatibility" xmlns:p14="http://schemas.microsoft.com/office/powerpoint/2010/main" xmlns:p15="http://schemas.microsoft.com/office/powerpoint/2012/main" showMasterPhAnim="0" showMasterSp="0">
+  <p:cSld>
+    <p:spTree>
+      <p:nvGrpSpPr>
+        <p:cNvPr id="182" name="Shape 182"/>
+        <p:cNvGrpSpPr/>
+        <p:nvPr/>
+      </p:nvGrpSpPr>
+      <p:grpSpPr>
+        <a:xfrm>
+          <a:off x="0" y="0"/>
+          <a:ext cx="0" cy="0"/>
+          <a:chOff x="0" y="0"/>
+          <a:chExt cx="0" cy="0"/>
+        </a:xfrm>
+      </p:grpSpPr>
+      <p:sp>
+        <p:nvSpPr>
+          <p:cNvPr id="183" name="Google Shape;183;g653953e195_0_25:notes"/>
+          <p:cNvSpPr/>
+          <p:nvPr>
+            <p:ph idx="2" type="sldImg"/>
+          </p:nvPr>
+        </p:nvSpPr>
+        <p:spPr>
+          <a:xfrm>
+            <a:off x="381300" y="685800"/>
+            <a:ext cx="6096000" cy="3429000"/>
+          </a:xfrm>
+          <a:custGeom>
+            <a:rect b="b" l="l" r="r" t="t"/>
+            <a:pathLst>
+              <a:path extrusionOk="0" h="120000" w="120000">
+                <a:moveTo>
+                  <a:pt x="0" y="0"/>
+                </a:moveTo>
+                <a:lnTo>
+                  <a:pt x="120000" y="0"/>
+                </a:lnTo>
+                <a:lnTo>
+                  <a:pt x="120000" y="120000"/>
+                </a:lnTo>
+                <a:lnTo>
+                  <a:pt x="0" y="120000"/>
+                </a:lnTo>
+                <a:close/>
+              </a:path>
+            </a:pathLst>
+          </a:custGeom>
+        </p:spPr>
+      </p:sp>
+      <p:sp>
+        <p:nvSpPr>
+          <p:cNvPr id="184" name="Google Shape;184;g653953e195_0_25:notes"/>
+          <p:cNvSpPr txBox="1"/>
+          <p:nvPr>
+            <p:ph idx="1" type="body"/>
+          </p:nvPr>
+        </p:nvSpPr>
+        <p:spPr>
+          <a:xfrm>
+            <a:off x="685800" y="4343400"/>
+            <a:ext cx="5486400" cy="4114800"/>
+          </a:xfrm>
+          <a:prstGeom prst="rect">
+            <a:avLst/>
+          </a:prstGeom>
+        </p:spPr>
+        <p:txBody>
+          <a:bodyPr anchorCtr="0" anchor="t" bIns="91425" lIns="91425" spcFirstLastPara="1" rIns="91425" wrap="square" tIns="91425">
+            <a:noAutofit/>
+          </a:bodyPr>
+          <a:lstStyle/>
+          <a:p>
+            <a:pPr indent="0" lvl="0" marL="0" rtl="0" algn="l">
+              <a:spcBef>
+                <a:spcPts val="0"/>
+              </a:spcBef>
+              <a:spcAft>
+                <a:spcPts val="0"/>
+              </a:spcAft>
+              <a:buNone/>
+            </a:pPr>
+            <a:r>
+              <a:t/>
+            </a:r>
+            <a:endParaRPr/>
+          </a:p>
+        </p:txBody>
+      </p:sp>
+    </p:spTree>
+  </p:cSld>
+  <p:clrMapOvr>
+    <a:masterClrMapping/>
+  </p:clrMapOvr>
+</p:notes>
+</file>
+
+<file path=ppt/notesSlides/notesSlide19.xml><?xml version="1.0" encoding="utf-8"?>
+<p:notes xmlns:a="http://schemas.openxmlformats.org/drawingml/2006/main" xmlns:r="http://schemas.openxmlformats.org/officeDocument/2006/relationships" xmlns:mc="http://schemas.openxmlformats.org/markup-compatibility/2006" xmlns:mv="urn:schemas-microsoft-com:mac:vml" xmlns:p="http://schemas.openxmlformats.org/presentationml/2006/main" xmlns:c="http://schemas.openxmlformats.org/drawingml/2006/chart" xmlns:dgm="http://schemas.openxmlformats.org/drawingml/2006/diagram" xmlns:o="urn:schemas-microsoft-com:office:office" xmlns:v="urn:schemas-microsoft-com:vml" xmlns:pvml="urn:schemas-microsoft-com:office:powerpoint" xmlns:com="http://schemas.openxmlformats.org/drawingml/2006/compatibility" xmlns:p14="http://schemas.microsoft.com/office/powerpoint/2010/main" xmlns:p15="http://schemas.microsoft.com/office/powerpoint/2012/main" showMasterPhAnim="0" showMasterSp="0">
+  <p:cSld>
+    <p:spTree>
+      <p:nvGrpSpPr>
+        <p:cNvPr id="187" name="Shape 187"/>
+        <p:cNvGrpSpPr/>
+        <p:nvPr/>
+      </p:nvGrpSpPr>
+      <p:grpSpPr>
+        <a:xfrm>
+          <a:off x="0" y="0"/>
+          <a:ext cx="0" cy="0"/>
+          <a:chOff x="0" y="0"/>
+          <a:chExt cx="0" cy="0"/>
+        </a:xfrm>
+      </p:grpSpPr>
+      <p:sp>
+        <p:nvSpPr>
+          <p:cNvPr id="188" name="Google Shape;188;g6340dddd5e_0_8:notes"/>
+          <p:cNvSpPr/>
+          <p:nvPr>
+            <p:ph idx="2" type="sldImg"/>
+          </p:nvPr>
+        </p:nvSpPr>
+        <p:spPr>
+          <a:xfrm>
+            <a:off x="381300" y="685800"/>
+            <a:ext cx="6096000" cy="3429000"/>
+          </a:xfrm>
+          <a:custGeom>
+            <a:rect b="b" l="l" r="r" t="t"/>
+            <a:pathLst>
+              <a:path extrusionOk="0" h="120000" w="120000">
+                <a:moveTo>
+                  <a:pt x="0" y="0"/>
+                </a:moveTo>
+                <a:lnTo>
+                  <a:pt x="120000" y="0"/>
+                </a:lnTo>
+                <a:lnTo>
+                  <a:pt x="120000" y="120000"/>
+                </a:lnTo>
+                <a:lnTo>
+                  <a:pt x="0" y="120000"/>
+                </a:lnTo>
+                <a:close/>
+              </a:path>
+            </a:pathLst>
+          </a:custGeom>
+        </p:spPr>
+      </p:sp>
+      <p:sp>
+        <p:nvSpPr>
+          <p:cNvPr id="189" name="Google Shape;189;g6340dddd5e_0_8:notes"/>
           <p:cNvSpPr txBox="1"/>
           <p:nvPr>
             <p:ph idx="1" type="body"/>
@@ -1808,7 +2208,7 @@
       </p:grpSpPr>
       <p:sp>
         <p:nvSpPr>
-          <p:cNvPr id="88" name="Google Shape;88;g65034a9332_0_28:notes"/>
+          <p:cNvPr id="88" name="Google Shape;88;g64f3e5db9a_0_11:notes"/>
           <p:cNvSpPr/>
           <p:nvPr>
             <p:ph idx="2" type="sldImg"/>
@@ -1843,7 +2243,7 @@
       </p:sp>
       <p:sp>
         <p:nvSpPr>
-          <p:cNvPr id="89" name="Google Shape;89;g65034a9332_0_28:notes"/>
+          <p:cNvPr id="89" name="Google Shape;89;g64f3e5db9a_0_11:notes"/>
           <p:cNvSpPr txBox="1"/>
           <p:nvPr>
             <p:ph idx="1" type="body"/>
@@ -1893,7 +2293,7 @@
   <p:cSld>
     <p:spTree>
       <p:nvGrpSpPr>
-        <p:cNvPr id="93" name="Shape 93"/>
+        <p:cNvPr id="96" name="Shape 96"/>
         <p:cNvGrpSpPr/>
         <p:nvPr/>
       </p:nvGrpSpPr>
@@ -1907,7 +2307,7 @@
       </p:grpSpPr>
       <p:sp>
         <p:nvSpPr>
-          <p:cNvPr id="94" name="Google Shape;94;g64f3e5db9a_0_11:notes"/>
+          <p:cNvPr id="97" name="Google Shape;97;g6340dddd5e_0_4:notes"/>
           <p:cNvSpPr/>
           <p:nvPr>
             <p:ph idx="2" type="sldImg"/>
@@ -1942,7 +2342,7 @@
       </p:sp>
       <p:sp>
         <p:nvSpPr>
-          <p:cNvPr id="95" name="Google Shape;95;g64f3e5db9a_0_11:notes"/>
+          <p:cNvPr id="98" name="Google Shape;98;g6340dddd5e_0_4:notes"/>
           <p:cNvSpPr txBox="1"/>
           <p:nvPr>
             <p:ph idx="1" type="body"/>
@@ -1992,7 +2392,7 @@
   <p:cSld>
     <p:spTree>
       <p:nvGrpSpPr>
-        <p:cNvPr id="102" name="Shape 102"/>
+        <p:cNvPr id="105" name="Shape 105"/>
         <p:cNvGrpSpPr/>
         <p:nvPr/>
       </p:nvGrpSpPr>
@@ -2006,7 +2406,7 @@
       </p:grpSpPr>
       <p:sp>
         <p:nvSpPr>
-          <p:cNvPr id="103" name="Google Shape;103;g6340dddd5e_0_4:notes"/>
+          <p:cNvPr id="106" name="Google Shape;106;g64f3e5db9a_0_43:notes"/>
           <p:cNvSpPr/>
           <p:nvPr>
             <p:ph idx="2" type="sldImg"/>
@@ -2041,7 +2441,7 @@
       </p:sp>
       <p:sp>
         <p:nvSpPr>
-          <p:cNvPr id="104" name="Google Shape;104;g6340dddd5e_0_4:notes"/>
+          <p:cNvPr id="107" name="Google Shape;107;g64f3e5db9a_0_43:notes"/>
           <p:cNvSpPr txBox="1"/>
           <p:nvPr>
             <p:ph idx="1" type="body"/>
@@ -2091,7 +2491,7 @@
   <p:cSld>
     <p:spTree>
       <p:nvGrpSpPr>
-        <p:cNvPr id="110" name="Shape 110"/>
+        <p:cNvPr id="113" name="Shape 113"/>
         <p:cNvGrpSpPr/>
         <p:nvPr/>
       </p:nvGrpSpPr>
@@ -2105,7 +2505,7 @@
       </p:grpSpPr>
       <p:sp>
         <p:nvSpPr>
-          <p:cNvPr id="111" name="Google Shape;111;g64f3e5db9a_0_43:notes"/>
+          <p:cNvPr id="114" name="Google Shape;114;g65034a9332_0_36:notes"/>
           <p:cNvSpPr/>
           <p:nvPr>
             <p:ph idx="2" type="sldImg"/>
@@ -2140,7 +2540,7 @@
       </p:sp>
       <p:sp>
         <p:nvSpPr>
-          <p:cNvPr id="112" name="Google Shape;112;g64f3e5db9a_0_43:notes"/>
+          <p:cNvPr id="115" name="Google Shape;115;g65034a9332_0_36:notes"/>
           <p:cNvSpPr txBox="1"/>
           <p:nvPr>
             <p:ph idx="1" type="body"/>
@@ -7104,814 +7504,7 @@
   <p:cSld>
     <p:spTree>
       <p:nvGrpSpPr>
-        <p:cNvPr id="121" name="Shape 121"/>
-        <p:cNvGrpSpPr/>
-        <p:nvPr/>
-      </p:nvGrpSpPr>
-      <p:grpSpPr>
-        <a:xfrm>
-          <a:off x="0" y="0"/>
-          <a:ext cx="0" cy="0"/>
-          <a:chOff x="0" y="0"/>
-          <a:chExt cx="0" cy="0"/>
-        </a:xfrm>
-      </p:grpSpPr>
-      <p:sp>
-        <p:nvSpPr>
-          <p:cNvPr id="122" name="Google Shape;122;p22"/>
-          <p:cNvSpPr txBox="1"/>
-          <p:nvPr>
-            <p:ph type="title"/>
-          </p:nvPr>
-        </p:nvSpPr>
-        <p:spPr>
-          <a:xfrm>
-            <a:off x="273775" y="262975"/>
-            <a:ext cx="8520600" cy="333600"/>
-          </a:xfrm>
-          <a:prstGeom prst="rect">
-            <a:avLst/>
-          </a:prstGeom>
-        </p:spPr>
-        <p:txBody>
-          <a:bodyPr anchorCtr="0" anchor="t" bIns="91425" lIns="91425" spcFirstLastPara="1" rIns="91425" wrap="square" tIns="91425">
-            <a:noAutofit/>
-          </a:bodyPr>
-          <a:lstStyle/>
-          <a:p>
-            <a:pPr indent="0" lvl="0" marL="0" rtl="0" algn="l">
-              <a:spcBef>
-                <a:spcPts val="0"/>
-              </a:spcBef>
-              <a:spcAft>
-                <a:spcPts val="0"/>
-              </a:spcAft>
-              <a:buNone/>
-            </a:pPr>
-            <a:r>
-              <a:rPr lang="en" sz="1200">
-                <a:latin typeface="Trebuchet MS"/>
-                <a:ea typeface="Trebuchet MS"/>
-                <a:cs typeface="Trebuchet MS"/>
-                <a:sym typeface="Trebuchet MS"/>
-              </a:rPr>
-              <a:t>Question 8 - Investigate difference in ABV and IBU between IPAs and other ales.</a:t>
-            </a:r>
-            <a:endParaRPr sz="1200">
-              <a:latin typeface="Trebuchet MS"/>
-              <a:ea typeface="Trebuchet MS"/>
-              <a:cs typeface="Trebuchet MS"/>
-              <a:sym typeface="Trebuchet MS"/>
-            </a:endParaRPr>
-          </a:p>
-        </p:txBody>
-      </p:sp>
-      <p:pic>
-        <p:nvPicPr>
-          <p:cNvPr id="123" name="Google Shape;123;p22"/>
-          <p:cNvPicPr preferRelativeResize="0"/>
-          <p:nvPr/>
-        </p:nvPicPr>
-        <p:blipFill>
-          <a:blip r:embed="rId3">
-            <a:alphaModFix/>
-          </a:blip>
-          <a:stretch>
-            <a:fillRect/>
-          </a:stretch>
-        </p:blipFill>
-        <p:spPr>
-          <a:xfrm>
-            <a:off x="100275" y="704150"/>
-            <a:ext cx="4453099" cy="3180768"/>
-          </a:xfrm>
-          <a:prstGeom prst="rect">
-            <a:avLst/>
-          </a:prstGeom>
-          <a:noFill/>
-          <a:ln>
-            <a:noFill/>
-          </a:ln>
-        </p:spPr>
-      </p:pic>
-      <p:pic>
-        <p:nvPicPr>
-          <p:cNvPr id="124" name="Google Shape;124;p22"/>
-          <p:cNvPicPr preferRelativeResize="0"/>
-          <p:nvPr/>
-        </p:nvPicPr>
-        <p:blipFill>
-          <a:blip r:embed="rId4">
-            <a:alphaModFix/>
-          </a:blip>
-          <a:stretch>
-            <a:fillRect/>
-          </a:stretch>
-        </p:blipFill>
-        <p:spPr>
-          <a:xfrm>
-            <a:off x="4690900" y="753250"/>
-            <a:ext cx="4453099" cy="3180799"/>
-          </a:xfrm>
-          <a:prstGeom prst="rect">
-            <a:avLst/>
-          </a:prstGeom>
-          <a:noFill/>
-          <a:ln>
-            <a:noFill/>
-          </a:ln>
-        </p:spPr>
-      </p:pic>
-      <p:sp>
-        <p:nvSpPr>
-          <p:cNvPr id="125" name="Google Shape;125;p22"/>
-          <p:cNvSpPr txBox="1"/>
-          <p:nvPr/>
-        </p:nvSpPr>
-        <p:spPr>
-          <a:xfrm>
-            <a:off x="425300" y="4179925"/>
-            <a:ext cx="8140500" cy="644700"/>
-          </a:xfrm>
-          <a:prstGeom prst="rect">
-            <a:avLst/>
-          </a:prstGeom>
-          <a:noFill/>
-          <a:ln>
-            <a:noFill/>
-          </a:ln>
-        </p:spPr>
-        <p:txBody>
-          <a:bodyPr anchorCtr="0" anchor="t" bIns="91425" lIns="91425" spcFirstLastPara="1" rIns="91425" wrap="square" tIns="91425">
-            <a:noAutofit/>
-          </a:bodyPr>
-          <a:lstStyle/>
-          <a:p>
-            <a:pPr indent="0" lvl="0" marL="0" rtl="0" algn="l">
-              <a:spcBef>
-                <a:spcPts val="0"/>
-              </a:spcBef>
-              <a:spcAft>
-                <a:spcPts val="0"/>
-              </a:spcAft>
-              <a:buNone/>
-            </a:pPr>
-            <a:r>
-              <a:rPr lang="en"/>
-              <a:t>Infilling missing values for ABV and IBU does not change the character of their relationship, so subsequent analysis will use infilled datasets</a:t>
-            </a:r>
-            <a:endParaRPr/>
-          </a:p>
-        </p:txBody>
-      </p:sp>
-    </p:spTree>
-  </p:cSld>
-  <p:clrMapOvr>
-    <a:masterClrMapping/>
-  </p:clrMapOvr>
-</p:sld>
-</file>
-
-<file path=ppt/slides/slide11.xml><?xml version="1.0" encoding="utf-8"?>
-<p:sld xmlns:a="http://schemas.openxmlformats.org/drawingml/2006/main" xmlns:r="http://schemas.openxmlformats.org/officeDocument/2006/relationships" xmlns:mc="http://schemas.openxmlformats.org/markup-compatibility/2006" xmlns:mv="urn:schemas-microsoft-com:mac:vml" xmlns:p="http://schemas.openxmlformats.org/presentationml/2006/main" xmlns:c="http://schemas.openxmlformats.org/drawingml/2006/chart" xmlns:dgm="http://schemas.openxmlformats.org/drawingml/2006/diagram" xmlns:o="urn:schemas-microsoft-com:office:office" xmlns:v="urn:schemas-microsoft-com:vml" xmlns:pvml="urn:schemas-microsoft-com:office:powerpoint" xmlns:com="http://schemas.openxmlformats.org/drawingml/2006/compatibility" xmlns:p14="http://schemas.microsoft.com/office/powerpoint/2010/main" xmlns:p15="http://schemas.microsoft.com/office/powerpoint/2012/main">
-  <p:cSld>
-    <p:spTree>
-      <p:nvGrpSpPr>
-        <p:cNvPr id="129" name="Shape 129"/>
-        <p:cNvGrpSpPr/>
-        <p:nvPr/>
-      </p:nvGrpSpPr>
-      <p:grpSpPr>
-        <a:xfrm>
-          <a:off x="0" y="0"/>
-          <a:ext cx="0" cy="0"/>
-          <a:chOff x="0" y="0"/>
-          <a:chExt cx="0" cy="0"/>
-        </a:xfrm>
-      </p:grpSpPr>
-      <p:sp>
-        <p:nvSpPr>
-          <p:cNvPr id="130" name="Google Shape;130;p23"/>
-          <p:cNvSpPr txBox="1"/>
-          <p:nvPr>
-            <p:ph type="title"/>
-          </p:nvPr>
-        </p:nvSpPr>
-        <p:spPr>
-          <a:xfrm>
-            <a:off x="311700" y="445025"/>
-            <a:ext cx="8520600" cy="572700"/>
-          </a:xfrm>
-          <a:prstGeom prst="rect">
-            <a:avLst/>
-          </a:prstGeom>
-        </p:spPr>
-        <p:txBody>
-          <a:bodyPr anchorCtr="0" anchor="t" bIns="91425" lIns="91425" spcFirstLastPara="1" rIns="91425" wrap="square" tIns="91425">
-            <a:noAutofit/>
-          </a:bodyPr>
-          <a:lstStyle/>
-          <a:p>
-            <a:pPr indent="0" lvl="0" marL="0" rtl="0" algn="l">
-              <a:spcBef>
-                <a:spcPts val="0"/>
-              </a:spcBef>
-              <a:spcAft>
-                <a:spcPts val="0"/>
-              </a:spcAft>
-              <a:buNone/>
-            </a:pPr>
-            <a:r>
-              <a:rPr lang="en" sz="1200">
-                <a:latin typeface="Trebuchet MS"/>
-                <a:ea typeface="Trebuchet MS"/>
-                <a:cs typeface="Trebuchet MS"/>
-                <a:sym typeface="Trebuchet MS"/>
-              </a:rPr>
-              <a:t>Question 8 - Discussion</a:t>
-            </a:r>
-            <a:endParaRPr sz="1200">
-              <a:latin typeface="Trebuchet MS"/>
-              <a:ea typeface="Trebuchet MS"/>
-              <a:cs typeface="Trebuchet MS"/>
-              <a:sym typeface="Trebuchet MS"/>
-            </a:endParaRPr>
-          </a:p>
-        </p:txBody>
-      </p:sp>
-      <p:sp>
-        <p:nvSpPr>
-          <p:cNvPr id="131" name="Google Shape;131;p23"/>
-          <p:cNvSpPr txBox="1"/>
-          <p:nvPr>
-            <p:ph idx="1" type="body"/>
-          </p:nvPr>
-        </p:nvSpPr>
-        <p:spPr>
-          <a:xfrm>
-            <a:off x="311700" y="863550"/>
-            <a:ext cx="8520600" cy="4071900"/>
-          </a:xfrm>
-          <a:prstGeom prst="rect">
-            <a:avLst/>
-          </a:prstGeom>
-        </p:spPr>
-        <p:txBody>
-          <a:bodyPr anchorCtr="0" anchor="t" bIns="91425" lIns="91425" spcFirstLastPara="1" rIns="91425" wrap="square" tIns="91425">
-            <a:noAutofit/>
-          </a:bodyPr>
-          <a:lstStyle/>
-          <a:p>
-            <a:pPr indent="0" lvl="0" marL="0" rtl="0" algn="l">
-              <a:spcBef>
-                <a:spcPts val="0"/>
-              </a:spcBef>
-              <a:spcAft>
-                <a:spcPts val="0"/>
-              </a:spcAft>
-              <a:buNone/>
-            </a:pPr>
-            <a:r>
-              <a:rPr lang="en" sz="800">
-                <a:solidFill>
-                  <a:srgbClr val="333333"/>
-                </a:solidFill>
-                <a:highlight>
-                  <a:srgbClr val="FFFFFF"/>
-                </a:highlight>
-              </a:rPr>
-              <a:t>Out of a total of 2410 beers, 571 are IPA and 963 are other ales.</a:t>
-            </a:r>
-            <a:endParaRPr sz="800">
-              <a:solidFill>
-                <a:srgbClr val="333333"/>
-              </a:solidFill>
-              <a:highlight>
-                <a:srgbClr val="FFFFFF"/>
-              </a:highlight>
-            </a:endParaRPr>
-          </a:p>
-          <a:p>
-            <a:pPr indent="0" lvl="0" marL="0" rtl="0" algn="l">
-              <a:spcBef>
-                <a:spcPts val="800"/>
-              </a:spcBef>
-              <a:spcAft>
-                <a:spcPts val="0"/>
-              </a:spcAft>
-              <a:buClr>
-                <a:schemeClr val="dk1"/>
-              </a:buClr>
-              <a:buSzPts val="1100"/>
-              <a:buFont typeface="Arial"/>
-              <a:buNone/>
-            </a:pPr>
-            <a:r>
-              <a:rPr lang="en" sz="800">
-                <a:solidFill>
-                  <a:srgbClr val="333333"/>
-                </a:solidFill>
-                <a:highlight>
-                  <a:srgbClr val="FFFFFF"/>
-                </a:highlight>
-              </a:rPr>
-              <a:t>64 % of beers are ales.</a:t>
-            </a:r>
-            <a:endParaRPr sz="800">
-              <a:solidFill>
-                <a:srgbClr val="333333"/>
-              </a:solidFill>
-              <a:highlight>
-                <a:srgbClr val="FFFFFF"/>
-              </a:highlight>
-            </a:endParaRPr>
-          </a:p>
-          <a:p>
-            <a:pPr indent="0" lvl="0" marL="0" rtl="0" algn="l">
-              <a:spcBef>
-                <a:spcPts val="800"/>
-              </a:spcBef>
-              <a:spcAft>
-                <a:spcPts val="0"/>
-              </a:spcAft>
-              <a:buClr>
-                <a:schemeClr val="dk1"/>
-              </a:buClr>
-              <a:buSzPts val="1100"/>
-              <a:buFont typeface="Arial"/>
-              <a:buNone/>
-            </a:pPr>
-            <a:r>
-              <a:rPr lang="en" sz="800">
-                <a:solidFill>
-                  <a:srgbClr val="333333"/>
-                </a:solidFill>
-                <a:highlight>
-                  <a:srgbClr val="FFFFFF"/>
-                </a:highlight>
-              </a:rPr>
-              <a:t>24 % of beers are IPA.</a:t>
-            </a:r>
-            <a:endParaRPr sz="800">
-              <a:solidFill>
-                <a:srgbClr val="333333"/>
-              </a:solidFill>
-              <a:highlight>
-                <a:srgbClr val="FFFFFF"/>
-              </a:highlight>
-            </a:endParaRPr>
-          </a:p>
-          <a:p>
-            <a:pPr indent="0" lvl="0" marL="0" rtl="0" algn="l">
-              <a:spcBef>
-                <a:spcPts val="800"/>
-              </a:spcBef>
-              <a:spcAft>
-                <a:spcPts val="0"/>
-              </a:spcAft>
-              <a:buClr>
-                <a:schemeClr val="dk1"/>
-              </a:buClr>
-              <a:buSzPts val="1100"/>
-              <a:buFont typeface="Arial"/>
-              <a:buNone/>
-            </a:pPr>
-            <a:r>
-              <a:rPr lang="en" sz="800">
-                <a:solidFill>
-                  <a:srgbClr val="333333"/>
-                </a:solidFill>
-                <a:highlight>
-                  <a:srgbClr val="FFFFFF"/>
-                </a:highlight>
-              </a:rPr>
-              <a:t>37 % of ales are IPA.</a:t>
-            </a:r>
-            <a:endParaRPr sz="800">
-              <a:solidFill>
-                <a:srgbClr val="333333"/>
-              </a:solidFill>
-              <a:highlight>
-                <a:srgbClr val="FFFFFF"/>
-              </a:highlight>
-            </a:endParaRPr>
-          </a:p>
-          <a:p>
-            <a:pPr indent="0" lvl="0" marL="0" rtl="0" algn="l">
-              <a:spcBef>
-                <a:spcPts val="800"/>
-              </a:spcBef>
-              <a:spcAft>
-                <a:spcPts val="0"/>
-              </a:spcAft>
-              <a:buClr>
-                <a:schemeClr val="dk1"/>
-              </a:buClr>
-              <a:buSzPts val="1100"/>
-              <a:buFont typeface="Arial"/>
-              <a:buNone/>
-            </a:pPr>
-            <a:r>
-              <a:rPr lang="en" sz="800">
-                <a:solidFill>
-                  <a:srgbClr val="333333"/>
-                </a:solidFill>
-                <a:highlight>
-                  <a:srgbClr val="FFFFFF"/>
-                </a:highlight>
-              </a:rPr>
-              <a:t>From the previous scatter plots, it appears that the character of the relationship between ABV and IBU, for both IPA’s and other ales, is unaffected by the infilling. This gives us confidence that the infilling was valid, so further analysis will use only the infilled values.</a:t>
-            </a:r>
-            <a:endParaRPr sz="800">
-              <a:solidFill>
-                <a:srgbClr val="333333"/>
-              </a:solidFill>
-              <a:highlight>
-                <a:srgbClr val="FFFFFF"/>
-              </a:highlight>
-            </a:endParaRPr>
-          </a:p>
-          <a:p>
-            <a:pPr indent="0" lvl="0" marL="0" rtl="0" algn="l">
-              <a:spcBef>
-                <a:spcPts val="800"/>
-              </a:spcBef>
-              <a:spcAft>
-                <a:spcPts val="0"/>
-              </a:spcAft>
-              <a:buClr>
-                <a:schemeClr val="dk1"/>
-              </a:buClr>
-              <a:buSzPts val="1100"/>
-              <a:buFont typeface="Arial"/>
-              <a:buNone/>
-            </a:pPr>
-            <a:r>
-              <a:rPr lang="en" sz="800">
-                <a:solidFill>
-                  <a:srgbClr val="333333"/>
-                </a:solidFill>
-                <a:highlight>
-                  <a:srgbClr val="FFFFFF"/>
-                </a:highlight>
-              </a:rPr>
-              <a:t>We know that 37 % of ales are IPA, so a fixed guess that any given Ale is not IPA is the simplest model. We expect this predictor will have an accuracy of 63 %. It would have a sensitivity of 100 % but specificity of 0 %.</a:t>
-            </a:r>
-            <a:endParaRPr sz="800">
-              <a:solidFill>
-                <a:srgbClr val="333333"/>
-              </a:solidFill>
-              <a:highlight>
-                <a:srgbClr val="FFFFFF"/>
-              </a:highlight>
-            </a:endParaRPr>
-          </a:p>
-          <a:p>
-            <a:pPr indent="0" lvl="0" marL="0" rtl="0" algn="l">
-              <a:spcBef>
-                <a:spcPts val="800"/>
-              </a:spcBef>
-              <a:spcAft>
-                <a:spcPts val="0"/>
-              </a:spcAft>
-              <a:buClr>
-                <a:schemeClr val="dk1"/>
-              </a:buClr>
-              <a:buSzPts val="1100"/>
-              <a:buFont typeface="Arial"/>
-              <a:buNone/>
-            </a:pPr>
-            <a:r>
-              <a:rPr lang="en" sz="800">
-                <a:solidFill>
-                  <a:srgbClr val="333333"/>
-                </a:solidFill>
-                <a:highlight>
-                  <a:srgbClr val="FFFFFF"/>
-                </a:highlight>
-              </a:rPr>
-              <a:t>Make a constant classifier and check its performance.</a:t>
-            </a:r>
-            <a:endParaRPr sz="800">
-              <a:solidFill>
-                <a:srgbClr val="333333"/>
-              </a:solidFill>
-              <a:highlight>
-                <a:srgbClr val="FFFFFF"/>
-              </a:highlight>
-            </a:endParaRPr>
-          </a:p>
-          <a:p>
-            <a:pPr indent="0" lvl="0" marL="0" rtl="0" algn="l">
-              <a:spcBef>
-                <a:spcPts val="800"/>
-              </a:spcBef>
-              <a:spcAft>
-                <a:spcPts val="0"/>
-              </a:spcAft>
-              <a:buClr>
-                <a:schemeClr val="dk1"/>
-              </a:buClr>
-              <a:buSzPts val="1100"/>
-              <a:buFont typeface="Arial"/>
-              <a:buNone/>
-            </a:pPr>
-            <a:r>
-              <a:rPr lang="en" sz="800">
-                <a:solidFill>
-                  <a:srgbClr val="333333"/>
-                </a:solidFill>
-                <a:highlight>
-                  <a:srgbClr val="FFFFFF"/>
-                </a:highlight>
-              </a:rPr>
-              <a:t>The accuracy turns out to be 63 %.</a:t>
-            </a:r>
-            <a:endParaRPr sz="800">
-              <a:solidFill>
-                <a:srgbClr val="333333"/>
-              </a:solidFill>
-              <a:highlight>
-                <a:srgbClr val="FFFFFF"/>
-              </a:highlight>
-            </a:endParaRPr>
-          </a:p>
-          <a:p>
-            <a:pPr indent="0" lvl="0" marL="0" rtl="0" algn="l">
-              <a:spcBef>
-                <a:spcPts val="800"/>
-              </a:spcBef>
-              <a:spcAft>
-                <a:spcPts val="0"/>
-              </a:spcAft>
-              <a:buClr>
-                <a:schemeClr val="dk1"/>
-              </a:buClr>
-              <a:buSzPts val="1100"/>
-              <a:buFont typeface="Arial"/>
-              <a:buNone/>
-            </a:pPr>
-            <a:r>
-              <a:rPr lang="en" sz="800">
-                <a:solidFill>
-                  <a:srgbClr val="333333"/>
-                </a:solidFill>
-                <a:highlight>
-                  <a:srgbClr val="FFFFFF"/>
-                </a:highlight>
-              </a:rPr>
-              <a:t>The sensitivity is 0 %.</a:t>
-            </a:r>
-            <a:endParaRPr sz="800">
-              <a:solidFill>
-                <a:srgbClr val="333333"/>
-              </a:solidFill>
-              <a:highlight>
-                <a:srgbClr val="FFFFFF"/>
-              </a:highlight>
-            </a:endParaRPr>
-          </a:p>
-          <a:p>
-            <a:pPr indent="0" lvl="0" marL="0" rtl="0" algn="l">
-              <a:spcBef>
-                <a:spcPts val="800"/>
-              </a:spcBef>
-              <a:spcAft>
-                <a:spcPts val="0"/>
-              </a:spcAft>
-              <a:buClr>
-                <a:schemeClr val="dk1"/>
-              </a:buClr>
-              <a:buSzPts val="1100"/>
-              <a:buFont typeface="Arial"/>
-              <a:buNone/>
-            </a:pPr>
-            <a:r>
-              <a:rPr lang="en" sz="800">
-                <a:solidFill>
-                  <a:srgbClr val="333333"/>
-                </a:solidFill>
-                <a:highlight>
-                  <a:srgbClr val="FFFFFF"/>
-                </a:highlight>
-              </a:rPr>
-              <a:t>The specificity is 100 %.</a:t>
-            </a:r>
-            <a:endParaRPr sz="800">
-              <a:solidFill>
-                <a:srgbClr val="333333"/>
-              </a:solidFill>
-              <a:highlight>
-                <a:srgbClr val="FFFFFF"/>
-              </a:highlight>
-            </a:endParaRPr>
-          </a:p>
-          <a:p>
-            <a:pPr indent="0" lvl="0" marL="0" rtl="0" algn="l">
-              <a:spcBef>
-                <a:spcPts val="800"/>
-              </a:spcBef>
-              <a:spcAft>
-                <a:spcPts val="0"/>
-              </a:spcAft>
-              <a:buClr>
-                <a:schemeClr val="dk1"/>
-              </a:buClr>
-              <a:buSzPts val="1100"/>
-              <a:buFont typeface="Arial"/>
-              <a:buNone/>
-            </a:pPr>
-            <a:r>
-              <a:rPr lang="en" sz="800">
-                <a:solidFill>
-                  <a:srgbClr val="333333"/>
-                </a:solidFill>
-                <a:highlight>
-                  <a:srgbClr val="FFFFFF"/>
-                </a:highlight>
-              </a:rPr>
-              <a:t>A slightly more sophisticated model would be to randomly guess that a beer is an ale 63 % of the time. We simulate this to see how such a ‘guessing’ model would perform.</a:t>
-            </a:r>
-            <a:endParaRPr sz="800">
-              <a:solidFill>
-                <a:srgbClr val="333333"/>
-              </a:solidFill>
-              <a:highlight>
-                <a:srgbClr val="FFFFFF"/>
-              </a:highlight>
-            </a:endParaRPr>
-          </a:p>
-          <a:p>
-            <a:pPr indent="0" lvl="0" marL="0" rtl="0" algn="l">
-              <a:spcBef>
-                <a:spcPts val="800"/>
-              </a:spcBef>
-              <a:spcAft>
-                <a:spcPts val="0"/>
-              </a:spcAft>
-              <a:buClr>
-                <a:schemeClr val="dk1"/>
-              </a:buClr>
-              <a:buSzPts val="1100"/>
-              <a:buFont typeface="Arial"/>
-              <a:buNone/>
-            </a:pPr>
-            <a:r>
-              <a:rPr lang="en" sz="800">
-                <a:solidFill>
-                  <a:srgbClr val="333333"/>
-                </a:solidFill>
-                <a:highlight>
-                  <a:srgbClr val="FFFFFF"/>
-                </a:highlight>
-              </a:rPr>
-              <a:t>Make a random guess classifier. Try it 100 times and find its average performance.</a:t>
-            </a:r>
-            <a:endParaRPr sz="800">
-              <a:solidFill>
-                <a:srgbClr val="333333"/>
-              </a:solidFill>
-              <a:highlight>
-                <a:srgbClr val="FFFFFF"/>
-              </a:highlight>
-            </a:endParaRPr>
-          </a:p>
-          <a:p>
-            <a:pPr indent="0" lvl="0" marL="0" rtl="0" algn="l">
-              <a:spcBef>
-                <a:spcPts val="800"/>
-              </a:spcBef>
-              <a:spcAft>
-                <a:spcPts val="0"/>
-              </a:spcAft>
-              <a:buClr>
-                <a:schemeClr val="dk1"/>
-              </a:buClr>
-              <a:buSzPts val="1100"/>
-              <a:buFont typeface="Arial"/>
-              <a:buNone/>
-            </a:pPr>
-            <a:r>
-              <a:rPr lang="en" sz="800">
-                <a:solidFill>
-                  <a:srgbClr val="333333"/>
-                </a:solidFill>
-                <a:highlight>
-                  <a:srgbClr val="FFFFFF"/>
-                </a:highlight>
-              </a:rPr>
-              <a:t>The random guess model has accuracy of 53 %.</a:t>
-            </a:r>
-            <a:endParaRPr sz="800">
-              <a:solidFill>
-                <a:srgbClr val="333333"/>
-              </a:solidFill>
-              <a:highlight>
-                <a:srgbClr val="FFFFFF"/>
-              </a:highlight>
-            </a:endParaRPr>
-          </a:p>
-          <a:p>
-            <a:pPr indent="0" lvl="0" marL="0" rtl="0" algn="l">
-              <a:spcBef>
-                <a:spcPts val="800"/>
-              </a:spcBef>
-              <a:spcAft>
-                <a:spcPts val="0"/>
-              </a:spcAft>
-              <a:buClr>
-                <a:schemeClr val="dk1"/>
-              </a:buClr>
-              <a:buSzPts val="1100"/>
-              <a:buFont typeface="Arial"/>
-              <a:buNone/>
-            </a:pPr>
-            <a:r>
-              <a:rPr lang="en" sz="800">
-                <a:solidFill>
-                  <a:srgbClr val="333333"/>
-                </a:solidFill>
-                <a:highlight>
-                  <a:srgbClr val="FFFFFF"/>
-                </a:highlight>
-              </a:rPr>
-              <a:t>Its sensitivity is 37 %.</a:t>
-            </a:r>
-            <a:endParaRPr sz="800">
-              <a:solidFill>
-                <a:srgbClr val="333333"/>
-              </a:solidFill>
-              <a:highlight>
-                <a:srgbClr val="FFFFFF"/>
-              </a:highlight>
-            </a:endParaRPr>
-          </a:p>
-          <a:p>
-            <a:pPr indent="0" lvl="0" marL="0" rtl="0" algn="l">
-              <a:spcBef>
-                <a:spcPts val="800"/>
-              </a:spcBef>
-              <a:spcAft>
-                <a:spcPts val="0"/>
-              </a:spcAft>
-              <a:buClr>
-                <a:schemeClr val="dk1"/>
-              </a:buClr>
-              <a:buSzPts val="1100"/>
-              <a:buFont typeface="Arial"/>
-              <a:buNone/>
-            </a:pPr>
-            <a:r>
-              <a:rPr lang="en" sz="800">
-                <a:solidFill>
-                  <a:srgbClr val="333333"/>
-                </a:solidFill>
-                <a:highlight>
-                  <a:srgbClr val="FFFFFF"/>
-                </a:highlight>
-              </a:rPr>
-              <a:t>Its specificity is 63 %.</a:t>
-            </a:r>
-            <a:endParaRPr sz="800">
-              <a:solidFill>
-                <a:srgbClr val="333333"/>
-              </a:solidFill>
-              <a:highlight>
-                <a:srgbClr val="FFFFFF"/>
-              </a:highlight>
-            </a:endParaRPr>
-          </a:p>
-          <a:p>
-            <a:pPr indent="0" lvl="0" marL="0" rtl="0" algn="l">
-              <a:spcBef>
-                <a:spcPts val="800"/>
-              </a:spcBef>
-              <a:spcAft>
-                <a:spcPts val="1600"/>
-              </a:spcAft>
-              <a:buNone/>
-            </a:pPr>
-            <a:r>
-              <a:t/>
-            </a:r>
-            <a:endParaRPr sz="1000"/>
-          </a:p>
-        </p:txBody>
-      </p:sp>
-    </p:spTree>
-  </p:cSld>
-  <p:clrMapOvr>
-    <a:masterClrMapping/>
-  </p:clrMapOvr>
-</p:sld>
-</file>
-
-<file path=ppt/slides/slide12.xml><?xml version="1.0" encoding="utf-8"?>
-<p:sld xmlns:a="http://schemas.openxmlformats.org/drawingml/2006/main" xmlns:r="http://schemas.openxmlformats.org/officeDocument/2006/relationships" xmlns:mc="http://schemas.openxmlformats.org/markup-compatibility/2006" xmlns:mv="urn:schemas-microsoft-com:mac:vml" xmlns:p="http://schemas.openxmlformats.org/presentationml/2006/main" xmlns:c="http://schemas.openxmlformats.org/drawingml/2006/chart" xmlns:dgm="http://schemas.openxmlformats.org/drawingml/2006/diagram" xmlns:o="urn:schemas-microsoft-com:office:office" xmlns:v="urn:schemas-microsoft-com:vml" xmlns:pvml="urn:schemas-microsoft-com:office:powerpoint" xmlns:com="http://schemas.openxmlformats.org/drawingml/2006/compatibility" xmlns:p14="http://schemas.microsoft.com/office/powerpoint/2010/main" xmlns:p15="http://schemas.microsoft.com/office/powerpoint/2012/main">
-  <p:cSld>
-    <p:spTree>
-      <p:nvGrpSpPr>
-        <p:cNvPr id="135" name="Shape 135"/>
+        <p:cNvPr id="124" name="Shape 124"/>
         <p:cNvGrpSpPr/>
         <p:nvPr/>
       </p:nvGrpSpPr>
@@ -7925,7 +7518,7 @@
       </p:grpSpPr>
       <p:pic>
         <p:nvPicPr>
-          <p:cNvPr id="136" name="Google Shape;136;p24"/>
+          <p:cNvPr id="125" name="Google Shape;125;p22"/>
           <p:cNvPicPr preferRelativeResize="0"/>
           <p:nvPr/>
         </p:nvPicPr>
@@ -7953,7 +7546,7 @@
       </p:pic>
       <p:pic>
         <p:nvPicPr>
-          <p:cNvPr id="137" name="Google Shape;137;p24"/>
+          <p:cNvPr id="126" name="Google Shape;126;p22"/>
           <p:cNvPicPr preferRelativeResize="0"/>
           <p:nvPr/>
         </p:nvPicPr>
@@ -7981,7 +7574,7 @@
       </p:pic>
       <p:graphicFrame>
         <p:nvGraphicFramePr>
-          <p:cNvPr id="138" name="Google Shape;138;p24"/>
+          <p:cNvPr id="127" name="Google Shape;127;p22"/>
           <p:cNvGraphicFramePr/>
           <p:nvPr/>
         </p:nvGraphicFramePr>
@@ -7994,7 +7587,7 @@
             <a:tbl>
               <a:tblPr>
                 <a:noFill/>
-                <a:tableStyleId>{EE47825B-A26B-47CC-BF14-1F84EF535E4D}</a:tableStyleId>
+                <a:tableStyleId>{B036B06C-D44B-4C3A-87A3-7ABBB8758451}</a:tableStyleId>
               </a:tblPr>
               <a:tblGrid>
                 <a:gridCol w="2287850"/>
@@ -8230,7 +7823,7 @@
                       </a:pPr>
                       <a:r>
                         <a:rPr lang="en" sz="800"/>
-                        <a:t>95% Conf Interval for diff</a:t>
+                        <a:t>95% Conf Interval for difference</a:t>
                       </a:r>
                       <a:endParaRPr sz="800"/>
                     </a:p>
@@ -8290,14 +7883,14 @@
       </p:graphicFrame>
       <p:sp>
         <p:nvSpPr>
-          <p:cNvPr id="139" name="Google Shape;139;p24"/>
+          <p:cNvPr id="128" name="Google Shape;128;p22"/>
           <p:cNvSpPr txBox="1"/>
           <p:nvPr/>
         </p:nvSpPr>
         <p:spPr>
           <a:xfrm>
-            <a:off x="1511925" y="3397975"/>
-            <a:ext cx="5831700" cy="446700"/>
+            <a:off x="622075" y="3397975"/>
+            <a:ext cx="7492500" cy="446700"/>
           </a:xfrm>
           <a:prstGeom prst="rect">
             <a:avLst/>
@@ -8324,7 +7917,11 @@
             </a:pPr>
             <a:r>
               <a:rPr lang="en" sz="1000"/>
-              <a:t>There is a statistically significant difference in both ABV and IBU between IPA’s and other ales</a:t>
+              <a:t>Welch’s two-sample t-test shows</a:t>
+            </a:r>
+            <a:r>
+              <a:rPr lang="en" sz="1000"/>
+              <a:t> statistically significant differences in both ABV and IBU between IPA’s and other ales</a:t>
             </a:r>
             <a:endParaRPr sz="1000"/>
           </a:p>
@@ -8332,7 +7929,7 @@
       </p:sp>
       <p:sp>
         <p:nvSpPr>
-          <p:cNvPr id="140" name="Google Shape;140;p24"/>
+          <p:cNvPr id="129" name="Google Shape;129;p22"/>
           <p:cNvSpPr txBox="1"/>
           <p:nvPr/>
         </p:nvSpPr>
@@ -8373,7 +7970,7 @@
               <a:buNone/>
             </a:pPr>
             <a:r>
-              <a:rPr lang="en" sz="1000">
+              <a:rPr b="1" lang="en" sz="1200">
                 <a:solidFill>
                   <a:srgbClr val="333333"/>
                 </a:solidFill>
@@ -8381,9 +7978,9 @@
                   <a:srgbClr val="FFFFFF"/>
                 </a:highlight>
               </a:rPr>
-              <a:t>To see if ABV and IBU values can help us predict if an ale is IPA, look at distributions of these quantities, separated by IPA and other ales.</a:t>
+              <a:t>Look at distributions of ABV and IBU by category, for potential use in classifier.</a:t>
             </a:r>
-            <a:endParaRPr sz="1000">
+            <a:endParaRPr b="1" sz="1200">
               <a:solidFill>
                 <a:srgbClr val="333333"/>
               </a:solidFill>
@@ -8444,12 +8041,12 @@
 </p:sld>
 </file>
 
-<file path=ppt/slides/slide13.xml><?xml version="1.0" encoding="utf-8"?>
+<file path=ppt/slides/slide11.xml><?xml version="1.0" encoding="utf-8"?>
 <p:sld xmlns:a="http://schemas.openxmlformats.org/drawingml/2006/main" xmlns:r="http://schemas.openxmlformats.org/officeDocument/2006/relationships" xmlns:mc="http://schemas.openxmlformats.org/markup-compatibility/2006" xmlns:mv="urn:schemas-microsoft-com:mac:vml" xmlns:p="http://schemas.openxmlformats.org/presentationml/2006/main" xmlns:c="http://schemas.openxmlformats.org/drawingml/2006/chart" xmlns:dgm="http://schemas.openxmlformats.org/drawingml/2006/diagram" xmlns:o="urn:schemas-microsoft-com:office:office" xmlns:v="urn:schemas-microsoft-com:vml" xmlns:pvml="urn:schemas-microsoft-com:office:powerpoint" xmlns:com="http://schemas.openxmlformats.org/drawingml/2006/compatibility" xmlns:p14="http://schemas.microsoft.com/office/powerpoint/2010/main" xmlns:p15="http://schemas.microsoft.com/office/powerpoint/2012/main">
   <p:cSld>
     <p:spTree>
       <p:nvGrpSpPr>
-        <p:cNvPr id="144" name="Shape 144"/>
+        <p:cNvPr id="133" name="Shape 133"/>
         <p:cNvGrpSpPr/>
         <p:nvPr/>
       </p:nvGrpSpPr>
@@ -8463,22 +8060,20 @@
       </p:grpSpPr>
       <p:sp>
         <p:nvSpPr>
-          <p:cNvPr id="145" name="Google Shape;145;p25"/>
+          <p:cNvPr id="134" name="Google Shape;134;p23"/>
           <p:cNvSpPr txBox="1"/>
-          <p:nvPr/>
+          <p:nvPr>
+            <p:ph type="title"/>
+          </p:nvPr>
         </p:nvSpPr>
         <p:spPr>
           <a:xfrm>
-            <a:off x="386900" y="584175"/>
-            <a:ext cx="4369800" cy="2192400"/>
+            <a:off x="311700" y="445025"/>
+            <a:ext cx="8668200" cy="341100"/>
           </a:xfrm>
           <a:prstGeom prst="rect">
             <a:avLst/>
           </a:prstGeom>
-          <a:noFill/>
-          <a:ln>
-            <a:noFill/>
-          </a:ln>
         </p:spPr>
         <p:txBody>
           <a:bodyPr anchorCtr="0" anchor="t" bIns="91425" lIns="91425" spcFirstLastPara="1" rIns="91425" wrap="square" tIns="91425">
@@ -8487,252 +8082,25 @@
           <a:lstStyle/>
           <a:p>
             <a:pPr indent="0" lvl="0" marL="0" rtl="0" algn="l">
-              <a:lnSpc>
-                <a:spcPct val="115000"/>
-              </a:lnSpc>
-              <a:spcBef>
-                <a:spcPts val="0"/>
-              </a:spcBef>
-              <a:spcAft>
-                <a:spcPts val="0"/>
-              </a:spcAft>
-              <a:buClr>
-                <a:schemeClr val="dk1"/>
-              </a:buClr>
-              <a:buSzPts val="1100"/>
-              <a:buFont typeface="Arial"/>
+              <a:spcBef>
+                <a:spcPts val="0"/>
+              </a:spcBef>
+              <a:spcAft>
+                <a:spcPts val="0"/>
+              </a:spcAft>
               <a:buNone/>
             </a:pPr>
             <a:r>
-              <a:rPr lang="en" sz="1050">
-                <a:solidFill>
-                  <a:srgbClr val="333333"/>
-                </a:solidFill>
-                <a:highlight>
-                  <a:srgbClr val="FFFFFF"/>
-                </a:highlight>
-              </a:rPr>
-              <a:t>Since there are statistically signficant differences with ABV and IBU, we first try a Naive Bayes classifier.</a:t>
+              <a:rPr b="1" lang="en" sz="1200"/>
+              <a:t>Naive Bayes vs KNN - which captures the relationship between IPA and Other ales?</a:t>
             </a:r>
-            <a:endParaRPr sz="1050">
-              <a:solidFill>
-                <a:srgbClr val="333333"/>
-              </a:solidFill>
-              <a:highlight>
-                <a:srgbClr val="FFFFFF"/>
-              </a:highlight>
-            </a:endParaRPr>
-          </a:p>
-          <a:p>
-            <a:pPr indent="0" lvl="0" marL="0" rtl="0" algn="l">
-              <a:lnSpc>
-                <a:spcPct val="115000"/>
-              </a:lnSpc>
-              <a:spcBef>
-                <a:spcPts val="800"/>
-              </a:spcBef>
-              <a:spcAft>
-                <a:spcPts val="0"/>
-              </a:spcAft>
-              <a:buClr>
-                <a:schemeClr val="dk1"/>
-              </a:buClr>
-              <a:buSzPts val="1100"/>
-              <a:buFont typeface="Arial"/>
-              <a:buNone/>
-            </a:pPr>
-            <a:r>
-              <a:rPr lang="en" sz="1050">
-                <a:solidFill>
-                  <a:srgbClr val="333333"/>
-                </a:solidFill>
-                <a:highlight>
-                  <a:srgbClr val="FFFFFF"/>
-                </a:highlight>
-              </a:rPr>
-              <a:t>Averaging over 100 trials, the Naive Bayes classifier has</a:t>
-            </a:r>
-            <a:endParaRPr sz="1050">
-              <a:solidFill>
-                <a:srgbClr val="333333"/>
-              </a:solidFill>
-              <a:highlight>
-                <a:srgbClr val="FFFFFF"/>
-              </a:highlight>
-            </a:endParaRPr>
-          </a:p>
-          <a:p>
-            <a:pPr indent="0" lvl="0" marL="0" rtl="0" algn="l">
-              <a:lnSpc>
-                <a:spcPct val="115000"/>
-              </a:lnSpc>
-              <a:spcBef>
-                <a:spcPts val="800"/>
-              </a:spcBef>
-              <a:spcAft>
-                <a:spcPts val="0"/>
-              </a:spcAft>
-              <a:buClr>
-                <a:schemeClr val="dk1"/>
-              </a:buClr>
-              <a:buSzPts val="1100"/>
-              <a:buFont typeface="Arial"/>
-              <a:buNone/>
-            </a:pPr>
-            <a:r>
-              <a:rPr lang="en" sz="1050">
-                <a:solidFill>
-                  <a:srgbClr val="333333"/>
-                </a:solidFill>
-                <a:highlight>
-                  <a:srgbClr val="FFFFFF"/>
-                </a:highlight>
-              </a:rPr>
-              <a:t>accuracy of 86 %</a:t>
-            </a:r>
-            <a:endParaRPr sz="1050">
-              <a:solidFill>
-                <a:srgbClr val="333333"/>
-              </a:solidFill>
-              <a:highlight>
-                <a:srgbClr val="FFFFFF"/>
-              </a:highlight>
-            </a:endParaRPr>
-          </a:p>
-          <a:p>
-            <a:pPr indent="0" lvl="0" marL="0" rtl="0" algn="l">
-              <a:lnSpc>
-                <a:spcPct val="115000"/>
-              </a:lnSpc>
-              <a:spcBef>
-                <a:spcPts val="800"/>
-              </a:spcBef>
-              <a:spcAft>
-                <a:spcPts val="0"/>
-              </a:spcAft>
-              <a:buClr>
-                <a:schemeClr val="dk1"/>
-              </a:buClr>
-              <a:buSzPts val="1100"/>
-              <a:buFont typeface="Arial"/>
-              <a:buNone/>
-            </a:pPr>
-            <a:r>
-              <a:rPr lang="en" sz="1050">
-                <a:solidFill>
-                  <a:srgbClr val="333333"/>
-                </a:solidFill>
-                <a:highlight>
-                  <a:srgbClr val="FFFFFF"/>
-                </a:highlight>
-              </a:rPr>
-              <a:t>sensitivity of 81 %</a:t>
-            </a:r>
-            <a:endParaRPr sz="1050">
-              <a:solidFill>
-                <a:srgbClr val="333333"/>
-              </a:solidFill>
-              <a:highlight>
-                <a:srgbClr val="FFFFFF"/>
-              </a:highlight>
-            </a:endParaRPr>
-          </a:p>
-          <a:p>
-            <a:pPr indent="0" lvl="0" marL="0" rtl="0" algn="l">
-              <a:lnSpc>
-                <a:spcPct val="115000"/>
-              </a:lnSpc>
-              <a:spcBef>
-                <a:spcPts val="800"/>
-              </a:spcBef>
-              <a:spcAft>
-                <a:spcPts val="0"/>
-              </a:spcAft>
-              <a:buClr>
-                <a:schemeClr val="dk1"/>
-              </a:buClr>
-              <a:buSzPts val="1100"/>
-              <a:buFont typeface="Arial"/>
-              <a:buNone/>
-            </a:pPr>
-            <a:r>
-              <a:rPr lang="en" sz="1050">
-                <a:solidFill>
-                  <a:srgbClr val="333333"/>
-                </a:solidFill>
-                <a:highlight>
-                  <a:srgbClr val="FFFFFF"/>
-                </a:highlight>
-              </a:rPr>
-              <a:t>specificity of 89 %</a:t>
-            </a:r>
-            <a:endParaRPr sz="1050">
-              <a:solidFill>
-                <a:srgbClr val="333333"/>
-              </a:solidFill>
-              <a:highlight>
-                <a:srgbClr val="FFFFFF"/>
-              </a:highlight>
-            </a:endParaRPr>
-          </a:p>
-          <a:p>
-            <a:pPr indent="0" lvl="0" marL="0" rtl="0" algn="l">
-              <a:lnSpc>
-                <a:spcPct val="115000"/>
-              </a:lnSpc>
-              <a:spcBef>
-                <a:spcPts val="800"/>
-              </a:spcBef>
-              <a:spcAft>
-                <a:spcPts val="0"/>
-              </a:spcAft>
-              <a:buClr>
-                <a:schemeClr val="dk1"/>
-              </a:buClr>
-              <a:buSzPts val="1100"/>
-              <a:buFont typeface="Arial"/>
-              <a:buNone/>
-            </a:pPr>
-            <a:r>
-              <a:rPr lang="en" sz="1050">
-                <a:solidFill>
-                  <a:srgbClr val="333333"/>
-                </a:solidFill>
-                <a:highlight>
-                  <a:srgbClr val="FFFFFF"/>
-                </a:highlight>
-              </a:rPr>
-              <a:t>To understand the classification regions of the Naieve Bayes classifier, we make a prediction at every point in the ABV vs IBU space.</a:t>
-            </a:r>
-            <a:endParaRPr sz="1050">
-              <a:solidFill>
-                <a:srgbClr val="333333"/>
-              </a:solidFill>
-              <a:highlight>
-                <a:srgbClr val="FFFFFF"/>
-              </a:highlight>
-            </a:endParaRPr>
-          </a:p>
-          <a:p>
-            <a:pPr indent="0" lvl="0" marL="0" rtl="0" algn="l">
-              <a:spcBef>
-                <a:spcPts val="800"/>
-              </a:spcBef>
-              <a:spcAft>
-                <a:spcPts val="0"/>
-              </a:spcAft>
-              <a:buNone/>
-            </a:pPr>
-            <a:r>
-              <a:t/>
-            </a:r>
-            <a:endParaRPr/>
+            <a:endParaRPr b="1" sz="1200"/>
           </a:p>
         </p:txBody>
       </p:sp>
       <p:pic>
         <p:nvPicPr>
-          <p:cNvPr id="146" name="Google Shape;146;p25"/>
+          <p:cNvPr id="135" name="Google Shape;135;p23"/>
           <p:cNvPicPr preferRelativeResize="0"/>
           <p:nvPr/>
         </p:nvPicPr>
@@ -8746,8 +8114,8 @@
         </p:blipFill>
         <p:spPr>
           <a:xfrm>
-            <a:off x="4947050" y="319300"/>
-            <a:ext cx="4097675" cy="2926910"/>
+            <a:off x="0" y="1679610"/>
+            <a:ext cx="3150000" cy="2249990"/>
           </a:xfrm>
           <a:prstGeom prst="rect">
             <a:avLst/>
@@ -8758,16 +8126,24 @@
           </a:ln>
         </p:spPr>
       </p:pic>
-      <p:sp>
-        <p:nvSpPr>
-          <p:cNvPr id="147" name="Google Shape;147;p25"/>
-          <p:cNvSpPr txBox="1"/>
+      <p:pic>
+        <p:nvPicPr>
+          <p:cNvPr id="136" name="Google Shape;136;p23"/>
+          <p:cNvPicPr preferRelativeResize="0"/>
           <p:nvPr/>
-        </p:nvSpPr>
-        <p:spPr>
-          <a:xfrm>
-            <a:off x="629650" y="3565550"/>
-            <a:ext cx="7320900" cy="1262700"/>
+        </p:nvPicPr>
+        <p:blipFill>
+          <a:blip r:embed="rId4">
+            <a:alphaModFix/>
+          </a:blip>
+          <a:stretch>
+            <a:fillRect/>
+          </a:stretch>
+        </p:blipFill>
+        <p:spPr>
+          <a:xfrm>
+            <a:off x="6014425" y="1636887"/>
+            <a:ext cx="3149990" cy="2250000"/>
           </a:xfrm>
           <a:prstGeom prst="rect">
             <a:avLst/>
@@ -8777,6 +8153,54 @@
             <a:noFill/>
           </a:ln>
         </p:spPr>
+      </p:pic>
+      <p:pic>
+        <p:nvPicPr>
+          <p:cNvPr id="137" name="Google Shape;137;p23"/>
+          <p:cNvPicPr preferRelativeResize="0"/>
+          <p:nvPr/>
+        </p:nvPicPr>
+        <p:blipFill>
+          <a:blip r:embed="rId5">
+            <a:alphaModFix/>
+          </a:blip>
+          <a:stretch>
+            <a:fillRect/>
+          </a:stretch>
+        </p:blipFill>
+        <p:spPr>
+          <a:xfrm>
+            <a:off x="3277163" y="1741550"/>
+            <a:ext cx="2737274" cy="1955201"/>
+          </a:xfrm>
+          <a:prstGeom prst="rect">
+            <a:avLst/>
+          </a:prstGeom>
+          <a:noFill/>
+          <a:ln>
+            <a:noFill/>
+          </a:ln>
+        </p:spPr>
+      </p:pic>
+      <p:sp>
+        <p:nvSpPr>
+          <p:cNvPr id="138" name="Google Shape;138;p23"/>
+          <p:cNvSpPr txBox="1"/>
+          <p:nvPr/>
+        </p:nvSpPr>
+        <p:spPr>
+          <a:xfrm>
+            <a:off x="3998625" y="1348550"/>
+            <a:ext cx="675900" cy="393000"/>
+          </a:xfrm>
+          <a:prstGeom prst="rect">
+            <a:avLst/>
+          </a:prstGeom>
+          <a:noFill/>
+          <a:ln>
+            <a:noFill/>
+          </a:ln>
+        </p:spPr>
         <p:txBody>
           <a:bodyPr anchorCtr="0" anchor="t" bIns="91425" lIns="91425" spcFirstLastPara="1" rIns="91425" wrap="square" tIns="91425">
             <a:noAutofit/>
@@ -8784,9 +8208,6 @@
           <a:lstStyle/>
           <a:p>
             <a:pPr indent="0" lvl="0" marL="0" rtl="0" algn="l">
-              <a:lnSpc>
-                <a:spcPct val="115000"/>
-              </a:lnSpc>
               <a:spcBef>
                 <a:spcPts val="0"/>
               </a:spcBef>
@@ -8796,57 +8217,10 @@
               <a:buNone/>
             </a:pPr>
             <a:r>
-              <a:rPr lang="en" sz="1050">
-                <a:solidFill>
-                  <a:srgbClr val="333333"/>
-                </a:solidFill>
-                <a:highlight>
-                  <a:srgbClr val="FFFFFF"/>
-                </a:highlight>
-              </a:rPr>
-              <a:t>The Naive Bayes classifier draws a clear boundary betweeen two regions. Ales with high ABV and IBU are predicted to be IPA.</a:t>
+              <a:rPr lang="en"/>
+              <a:t>Truth</a:t>
             </a:r>
-            <a:endParaRPr sz="1050">
-              <a:solidFill>
-                <a:srgbClr val="333333"/>
-              </a:solidFill>
-              <a:highlight>
-                <a:srgbClr val="FFFFFF"/>
-              </a:highlight>
-            </a:endParaRPr>
-          </a:p>
-          <a:p>
-            <a:pPr indent="0" lvl="0" marL="0" rtl="0" algn="l">
-              <a:lnSpc>
-                <a:spcPct val="115000"/>
-              </a:lnSpc>
-              <a:spcBef>
-                <a:spcPts val="800"/>
-              </a:spcBef>
-              <a:spcAft>
-                <a:spcPts val="800"/>
-              </a:spcAft>
-              <a:buNone/>
-            </a:pPr>
-            <a:r>
-              <a:rPr lang="en" sz="1050">
-                <a:solidFill>
-                  <a:srgbClr val="333333"/>
-                </a:solidFill>
-                <a:highlight>
-                  <a:srgbClr val="FFFFFF"/>
-                </a:highlight>
-              </a:rPr>
-              <a:t>However, this does not well capture the relationship that is apparent in the scatter plot of ABV vs IBU for IPA’s and other ales. To better use this information, we use a KNN classifier, labeling an ale as IPA or not according to the majority of its nearest neighbors. To tune the KNN model, we try several different neighborhood sizes (k).</a:t>
-            </a:r>
-            <a:endParaRPr sz="1050">
-              <a:solidFill>
-                <a:srgbClr val="333333"/>
-              </a:solidFill>
-              <a:highlight>
-                <a:srgbClr val="FFFFFF"/>
-              </a:highlight>
-            </a:endParaRPr>
+            <a:endParaRPr/>
           </a:p>
         </p:txBody>
       </p:sp>
@@ -8858,12 +8232,12 @@
 </p:sld>
 </file>
 
-<file path=ppt/slides/slide14.xml><?xml version="1.0" encoding="utf-8"?>
+<file path=ppt/slides/slide12.xml><?xml version="1.0" encoding="utf-8"?>
 <p:sld xmlns:a="http://schemas.openxmlformats.org/drawingml/2006/main" xmlns:r="http://schemas.openxmlformats.org/officeDocument/2006/relationships" xmlns:mc="http://schemas.openxmlformats.org/markup-compatibility/2006" xmlns:mv="urn:schemas-microsoft-com:mac:vml" xmlns:p="http://schemas.openxmlformats.org/presentationml/2006/main" xmlns:c="http://schemas.openxmlformats.org/drawingml/2006/chart" xmlns:dgm="http://schemas.openxmlformats.org/drawingml/2006/diagram" xmlns:o="urn:schemas-microsoft-com:office:office" xmlns:v="urn:schemas-microsoft-com:vml" xmlns:pvml="urn:schemas-microsoft-com:office:powerpoint" xmlns:com="http://schemas.openxmlformats.org/drawingml/2006/compatibility" xmlns:p14="http://schemas.microsoft.com/office/powerpoint/2010/main" xmlns:p15="http://schemas.microsoft.com/office/powerpoint/2012/main">
   <p:cSld>
     <p:spTree>
       <p:nvGrpSpPr>
-        <p:cNvPr id="151" name="Shape 151"/>
+        <p:cNvPr id="142" name="Shape 142"/>
         <p:cNvGrpSpPr/>
         <p:nvPr/>
       </p:nvGrpSpPr>
@@ -8877,14 +8251,14 @@
       </p:grpSpPr>
       <p:sp>
         <p:nvSpPr>
-          <p:cNvPr id="152" name="Google Shape;152;p26"/>
+          <p:cNvPr id="143" name="Google Shape;143;p24"/>
           <p:cNvSpPr txBox="1"/>
           <p:nvPr/>
         </p:nvSpPr>
         <p:spPr>
           <a:xfrm>
-            <a:off x="197250" y="235175"/>
-            <a:ext cx="2824200" cy="1942200"/>
+            <a:off x="257050" y="893050"/>
+            <a:ext cx="8449200" cy="807300"/>
           </a:xfrm>
           <a:prstGeom prst="rect">
             <a:avLst/>
@@ -8921,7 +8295,7 @@
                   <a:srgbClr val="FFFFFF"/>
                 </a:highlight>
               </a:rPr>
-              <a:t>Do KNN classification. Make 100 iterations of the model, splitting the data into training and test datasets each time and averaging the performance statistics of the model. Do this for a number of different k values.</a:t>
+              <a:t>Do KNN classification. Make 100 iterations of the model, splitting the data into training (70%) and test (30%) datasets each time and averaging the performance statistics of the model. Do this for a number of different k values.</a:t>
             </a:r>
             <a:endParaRPr sz="1050">
               <a:solidFill>
@@ -8969,7 +8343,7 @@
       </p:sp>
       <p:pic>
         <p:nvPicPr>
-          <p:cNvPr id="153" name="Google Shape;153;p26"/>
+          <p:cNvPr id="144" name="Google Shape;144;p24"/>
           <p:cNvPicPr preferRelativeResize="0"/>
           <p:nvPr/>
         </p:nvPicPr>
@@ -8983,8 +8357,8 @@
         </p:blipFill>
         <p:spPr>
           <a:xfrm>
-            <a:off x="3159913" y="235175"/>
-            <a:ext cx="2824174" cy="2017274"/>
+            <a:off x="384468" y="1815832"/>
+            <a:ext cx="4420500" cy="3157500"/>
           </a:xfrm>
           <a:prstGeom prst="rect">
             <a:avLst/>
@@ -8997,14 +8371,14 @@
       </p:pic>
       <p:sp>
         <p:nvSpPr>
-          <p:cNvPr id="154" name="Google Shape;154;p26"/>
+          <p:cNvPr id="145" name="Google Shape;145;p24"/>
           <p:cNvSpPr txBox="1"/>
           <p:nvPr/>
         </p:nvSpPr>
         <p:spPr>
           <a:xfrm>
-            <a:off x="108625" y="2492525"/>
-            <a:ext cx="3051300" cy="2250000"/>
+            <a:off x="4933050" y="2723525"/>
+            <a:ext cx="3713400" cy="1222500"/>
           </a:xfrm>
           <a:prstGeom prst="rect">
             <a:avLst/>
@@ -9094,7 +8468,7 @@
                 <a:spcPts val="800"/>
               </a:spcBef>
               <a:spcAft>
-                <a:spcPts val="0"/>
+                <a:spcPts val="800"/>
               </a:spcAft>
               <a:buNone/>
             </a:pPr>
@@ -9118,44 +8492,758 @@
               </a:highlight>
             </a:endParaRPr>
           </a:p>
+        </p:txBody>
+      </p:sp>
+      <p:sp>
+        <p:nvSpPr>
+          <p:cNvPr id="146" name="Google Shape;146;p24"/>
+          <p:cNvSpPr txBox="1"/>
+          <p:nvPr>
+            <p:ph type="title"/>
+          </p:nvPr>
+        </p:nvSpPr>
+        <p:spPr>
+          <a:xfrm>
+            <a:off x="311700" y="204875"/>
+            <a:ext cx="8520600" cy="572700"/>
+          </a:xfrm>
+          <a:prstGeom prst="rect">
+            <a:avLst/>
+          </a:prstGeom>
+        </p:spPr>
+        <p:txBody>
+          <a:bodyPr anchorCtr="0" anchor="t" bIns="91425" lIns="91425" spcFirstLastPara="1" rIns="91425" wrap="square" tIns="91425">
+            <a:noAutofit/>
+          </a:bodyPr>
+          <a:lstStyle/>
           <a:p>
             <a:pPr indent="0" lvl="0" marL="0" rtl="0" algn="l">
-              <a:lnSpc>
-                <a:spcPct val="115000"/>
-              </a:lnSpc>
-              <a:spcBef>
-                <a:spcPts val="800"/>
-              </a:spcBef>
-              <a:spcAft>
-                <a:spcPts val="800"/>
+              <a:spcBef>
+                <a:spcPts val="0"/>
+              </a:spcBef>
+              <a:spcAft>
+                <a:spcPts val="0"/>
               </a:spcAft>
               <a:buNone/>
             </a:pPr>
             <a:r>
-              <a:rPr lang="en" sz="1050">
-                <a:solidFill>
-                  <a:srgbClr val="333333"/>
-                </a:solidFill>
-                <a:highlight>
-                  <a:srgbClr val="FFFFFF"/>
-                </a:highlight>
-              </a:rPr>
-              <a:t>As with the Naive Bayes classifier, to understand the classification regions of the KNN classifier, we make a prediction at every point in the ABV vs IBU space.</a:t>
+              <a:rPr b="1" lang="en" sz="1200"/>
+              <a:t>Constructing KNN Classifier</a:t>
             </a:r>
-            <a:endParaRPr sz="1050">
-              <a:solidFill>
-                <a:srgbClr val="333333"/>
-              </a:solidFill>
-              <a:highlight>
-                <a:srgbClr val="FFFFFF"/>
-              </a:highlight>
-            </a:endParaRPr>
+            <a:endParaRPr b="1" sz="1200"/>
           </a:p>
         </p:txBody>
       </p:sp>
+    </p:spTree>
+  </p:cSld>
+  <p:clrMapOvr>
+    <a:masterClrMapping/>
+  </p:clrMapOvr>
+</p:sld>
+</file>
+
+<file path=ppt/slides/slide13.xml><?xml version="1.0" encoding="utf-8"?>
+<p:sld xmlns:a="http://schemas.openxmlformats.org/drawingml/2006/main" xmlns:r="http://schemas.openxmlformats.org/officeDocument/2006/relationships" xmlns:mc="http://schemas.openxmlformats.org/markup-compatibility/2006" xmlns:mv="urn:schemas-microsoft-com:mac:vml" xmlns:p="http://schemas.openxmlformats.org/presentationml/2006/main" xmlns:c="http://schemas.openxmlformats.org/drawingml/2006/chart" xmlns:dgm="http://schemas.openxmlformats.org/drawingml/2006/diagram" xmlns:o="urn:schemas-microsoft-com:office:office" xmlns:v="urn:schemas-microsoft-com:vml" xmlns:pvml="urn:schemas-microsoft-com:office:powerpoint" xmlns:com="http://schemas.openxmlformats.org/drawingml/2006/compatibility" xmlns:p14="http://schemas.microsoft.com/office/powerpoint/2010/main" xmlns:p15="http://schemas.microsoft.com/office/powerpoint/2012/main">
+  <p:cSld>
+    <p:spTree>
+      <p:nvGrpSpPr>
+        <p:cNvPr id="150" name="Shape 150"/>
+        <p:cNvGrpSpPr/>
+        <p:nvPr/>
+      </p:nvGrpSpPr>
+      <p:grpSpPr>
+        <a:xfrm>
+          <a:off x="0" y="0"/>
+          <a:ext cx="0" cy="0"/>
+          <a:chOff x="0" y="0"/>
+          <a:chExt cx="0" cy="0"/>
+        </a:xfrm>
+      </p:grpSpPr>
+      <p:graphicFrame>
+        <p:nvGraphicFramePr>
+          <p:cNvPr id="151" name="Google Shape;151;p25"/>
+          <p:cNvGraphicFramePr/>
+          <p:nvPr/>
+        </p:nvGraphicFramePr>
+        <p:xfrm>
+          <a:off x="1029400" y="998350"/>
+          <a:ext cx="3000000" cy="3000000"/>
+        </p:xfrm>
+        <a:graphic>
+          <a:graphicData uri="http://schemas.openxmlformats.org/drawingml/2006/table">
+            <a:tbl>
+              <a:tblPr>
+                <a:noFill/>
+                <a:tableStyleId>{B036B06C-D44B-4C3A-87A3-7ABBB8758451}</a:tableStyleId>
+              </a:tblPr>
+              <a:tblGrid>
+                <a:gridCol w="1549475"/>
+                <a:gridCol w="1549475"/>
+                <a:gridCol w="1549475"/>
+                <a:gridCol w="1549475"/>
+                <a:gridCol w="1549475"/>
+              </a:tblGrid>
+              <a:tr h="293675">
+                <a:tc>
+                  <a:txBody>
+                    <a:bodyPr/>
+                    <a:lstStyle/>
+                    <a:p>
+                      <a:pPr indent="0" lvl="0" marL="0" rtl="0" algn="l">
+                        <a:spcBef>
+                          <a:spcPts val="0"/>
+                        </a:spcBef>
+                        <a:spcAft>
+                          <a:spcPts val="0"/>
+                        </a:spcAft>
+                        <a:buNone/>
+                      </a:pPr>
+                      <a:r>
+                        <a:t/>
+                      </a:r>
+                      <a:endParaRPr/>
+                    </a:p>
+                  </a:txBody>
+                  <a:tcPr marT="91425" marB="91425" marR="91425" marL="91425"/>
+                </a:tc>
+                <a:tc>
+                  <a:txBody>
+                    <a:bodyPr/>
+                    <a:lstStyle/>
+                    <a:p>
+                      <a:pPr indent="0" lvl="0" marL="0" rtl="0" algn="l">
+                        <a:spcBef>
+                          <a:spcPts val="0"/>
+                        </a:spcBef>
+                        <a:spcAft>
+                          <a:spcPts val="0"/>
+                        </a:spcAft>
+                        <a:buNone/>
+                      </a:pPr>
+                      <a:r>
+                        <a:rPr lang="en"/>
+                        <a:t>Constant ‘Other’</a:t>
+                      </a:r>
+                      <a:endParaRPr/>
+                    </a:p>
+                  </a:txBody>
+                  <a:tcPr marT="91425" marB="91425" marR="91425" marL="91425"/>
+                </a:tc>
+                <a:tc>
+                  <a:txBody>
+                    <a:bodyPr/>
+                    <a:lstStyle/>
+                    <a:p>
+                      <a:pPr indent="0" lvl="0" marL="0" rtl="0" algn="l">
+                        <a:spcBef>
+                          <a:spcPts val="0"/>
+                        </a:spcBef>
+                        <a:spcAft>
+                          <a:spcPts val="0"/>
+                        </a:spcAft>
+                        <a:buNone/>
+                      </a:pPr>
+                      <a:r>
+                        <a:rPr lang="en"/>
+                        <a:t>Random</a:t>
+                      </a:r>
+                      <a:endParaRPr/>
+                    </a:p>
+                  </a:txBody>
+                  <a:tcPr marT="91425" marB="91425" marR="91425" marL="91425"/>
+                </a:tc>
+                <a:tc>
+                  <a:txBody>
+                    <a:bodyPr/>
+                    <a:lstStyle/>
+                    <a:p>
+                      <a:pPr indent="0" lvl="0" marL="0" rtl="0" algn="l">
+                        <a:spcBef>
+                          <a:spcPts val="0"/>
+                        </a:spcBef>
+                        <a:spcAft>
+                          <a:spcPts val="0"/>
+                        </a:spcAft>
+                        <a:buNone/>
+                      </a:pPr>
+                      <a:r>
+                        <a:rPr lang="en"/>
+                        <a:t>Naive Bayes</a:t>
+                      </a:r>
+                      <a:endParaRPr/>
+                    </a:p>
+                  </a:txBody>
+                  <a:tcPr marT="91425" marB="91425" marR="91425" marL="91425"/>
+                </a:tc>
+                <a:tc>
+                  <a:txBody>
+                    <a:bodyPr/>
+                    <a:lstStyle/>
+                    <a:p>
+                      <a:pPr indent="0" lvl="0" marL="0" rtl="0" algn="l">
+                        <a:spcBef>
+                          <a:spcPts val="0"/>
+                        </a:spcBef>
+                        <a:spcAft>
+                          <a:spcPts val="0"/>
+                        </a:spcAft>
+                        <a:buNone/>
+                      </a:pPr>
+                      <a:r>
+                        <a:rPr lang="en"/>
+                        <a:t>KNN</a:t>
+                      </a:r>
+                      <a:endParaRPr/>
+                    </a:p>
+                  </a:txBody>
+                  <a:tcPr marT="91425" marB="91425" marR="91425" marL="91425"/>
+                </a:tc>
+              </a:tr>
+              <a:tr h="381000">
+                <a:tc>
+                  <a:txBody>
+                    <a:bodyPr/>
+                    <a:lstStyle/>
+                    <a:p>
+                      <a:pPr indent="0" lvl="0" marL="0" rtl="0" algn="l">
+                        <a:spcBef>
+                          <a:spcPts val="0"/>
+                        </a:spcBef>
+                        <a:spcAft>
+                          <a:spcPts val="0"/>
+                        </a:spcAft>
+                        <a:buNone/>
+                      </a:pPr>
+                      <a:r>
+                        <a:rPr lang="en"/>
+                        <a:t>Sensitivity</a:t>
+                      </a:r>
+                      <a:endParaRPr/>
+                    </a:p>
+                  </a:txBody>
+                  <a:tcPr marT="91425" marB="91425" marR="91425" marL="91425"/>
+                </a:tc>
+                <a:tc>
+                  <a:txBody>
+                    <a:bodyPr/>
+                    <a:lstStyle/>
+                    <a:p>
+                      <a:pPr indent="0" lvl="0" marL="0" rtl="0" algn="l">
+                        <a:spcBef>
+                          <a:spcPts val="0"/>
+                        </a:spcBef>
+                        <a:spcAft>
+                          <a:spcPts val="0"/>
+                        </a:spcAft>
+                        <a:buNone/>
+                      </a:pPr>
+                      <a:r>
+                        <a:rPr lang="en"/>
+                        <a:t>100%</a:t>
+                      </a:r>
+                      <a:endParaRPr/>
+                    </a:p>
+                  </a:txBody>
+                  <a:tcPr marT="91425" marB="91425" marR="91425" marL="91425"/>
+                </a:tc>
+                <a:tc>
+                  <a:txBody>
+                    <a:bodyPr/>
+                    <a:lstStyle/>
+                    <a:p>
+                      <a:pPr indent="0" lvl="0" marL="0" rtl="0" algn="l">
+                        <a:spcBef>
+                          <a:spcPts val="0"/>
+                        </a:spcBef>
+                        <a:spcAft>
+                          <a:spcPts val="0"/>
+                        </a:spcAft>
+                        <a:buNone/>
+                      </a:pPr>
+                      <a:r>
+                        <a:rPr lang="en"/>
+                        <a:t>63%</a:t>
+                      </a:r>
+                      <a:endParaRPr/>
+                    </a:p>
+                  </a:txBody>
+                  <a:tcPr marT="91425" marB="91425" marR="91425" marL="91425"/>
+                </a:tc>
+                <a:tc>
+                  <a:txBody>
+                    <a:bodyPr/>
+                    <a:lstStyle/>
+                    <a:p>
+                      <a:pPr indent="0" lvl="0" marL="0" rtl="0" algn="l">
+                        <a:spcBef>
+                          <a:spcPts val="0"/>
+                        </a:spcBef>
+                        <a:spcAft>
+                          <a:spcPts val="0"/>
+                        </a:spcAft>
+                        <a:buNone/>
+                      </a:pPr>
+                      <a:r>
+                        <a:rPr lang="en"/>
+                        <a:t>89%</a:t>
+                      </a:r>
+                      <a:endParaRPr/>
+                    </a:p>
+                  </a:txBody>
+                  <a:tcPr marT="91425" marB="91425" marR="91425" marL="91425"/>
+                </a:tc>
+                <a:tc>
+                  <a:txBody>
+                    <a:bodyPr/>
+                    <a:lstStyle/>
+                    <a:p>
+                      <a:pPr indent="0" lvl="0" marL="0" rtl="0" algn="l">
+                        <a:spcBef>
+                          <a:spcPts val="0"/>
+                        </a:spcBef>
+                        <a:spcAft>
+                          <a:spcPts val="0"/>
+                        </a:spcAft>
+                        <a:buNone/>
+                      </a:pPr>
+                      <a:r>
+                        <a:rPr lang="en"/>
+                        <a:t>92%</a:t>
+                      </a:r>
+                      <a:endParaRPr/>
+                    </a:p>
+                  </a:txBody>
+                  <a:tcPr marT="91425" marB="91425" marR="91425" marL="91425"/>
+                </a:tc>
+              </a:tr>
+              <a:tr h="381000">
+                <a:tc>
+                  <a:txBody>
+                    <a:bodyPr/>
+                    <a:lstStyle/>
+                    <a:p>
+                      <a:pPr indent="0" lvl="0" marL="0" rtl="0" algn="l">
+                        <a:spcBef>
+                          <a:spcPts val="0"/>
+                        </a:spcBef>
+                        <a:spcAft>
+                          <a:spcPts val="0"/>
+                        </a:spcAft>
+                        <a:buNone/>
+                      </a:pPr>
+                      <a:r>
+                        <a:rPr lang="en"/>
+                        <a:t>Specificity</a:t>
+                      </a:r>
+                      <a:endParaRPr/>
+                    </a:p>
+                  </a:txBody>
+                  <a:tcPr marT="91425" marB="91425" marR="91425" marL="91425"/>
+                </a:tc>
+                <a:tc>
+                  <a:txBody>
+                    <a:bodyPr/>
+                    <a:lstStyle/>
+                    <a:p>
+                      <a:pPr indent="0" lvl="0" marL="0" rtl="0" algn="l">
+                        <a:spcBef>
+                          <a:spcPts val="0"/>
+                        </a:spcBef>
+                        <a:spcAft>
+                          <a:spcPts val="0"/>
+                        </a:spcAft>
+                        <a:buNone/>
+                      </a:pPr>
+                      <a:r>
+                        <a:rPr lang="en"/>
+                        <a:t>0%</a:t>
+                      </a:r>
+                      <a:endParaRPr/>
+                    </a:p>
+                  </a:txBody>
+                  <a:tcPr marT="91425" marB="91425" marR="91425" marL="91425"/>
+                </a:tc>
+                <a:tc>
+                  <a:txBody>
+                    <a:bodyPr/>
+                    <a:lstStyle/>
+                    <a:p>
+                      <a:pPr indent="0" lvl="0" marL="0" rtl="0" algn="l">
+                        <a:spcBef>
+                          <a:spcPts val="0"/>
+                        </a:spcBef>
+                        <a:spcAft>
+                          <a:spcPts val="0"/>
+                        </a:spcAft>
+                        <a:buNone/>
+                      </a:pPr>
+                      <a:r>
+                        <a:rPr lang="en"/>
+                        <a:t>37%</a:t>
+                      </a:r>
+                      <a:endParaRPr/>
+                    </a:p>
+                  </a:txBody>
+                  <a:tcPr marT="91425" marB="91425" marR="91425" marL="91425"/>
+                </a:tc>
+                <a:tc>
+                  <a:txBody>
+                    <a:bodyPr/>
+                    <a:lstStyle/>
+                    <a:p>
+                      <a:pPr indent="0" lvl="0" marL="0" rtl="0" algn="l">
+                        <a:spcBef>
+                          <a:spcPts val="0"/>
+                        </a:spcBef>
+                        <a:spcAft>
+                          <a:spcPts val="0"/>
+                        </a:spcAft>
+                        <a:buNone/>
+                      </a:pPr>
+                      <a:r>
+                        <a:rPr lang="en"/>
+                        <a:t>81%</a:t>
+                      </a:r>
+                      <a:endParaRPr/>
+                    </a:p>
+                  </a:txBody>
+                  <a:tcPr marT="91425" marB="91425" marR="91425" marL="91425"/>
+                </a:tc>
+                <a:tc>
+                  <a:txBody>
+                    <a:bodyPr/>
+                    <a:lstStyle/>
+                    <a:p>
+                      <a:pPr indent="0" lvl="0" marL="0" rtl="0" algn="l">
+                        <a:spcBef>
+                          <a:spcPts val="0"/>
+                        </a:spcBef>
+                        <a:spcAft>
+                          <a:spcPts val="0"/>
+                        </a:spcAft>
+                        <a:buNone/>
+                      </a:pPr>
+                      <a:r>
+                        <a:rPr lang="en"/>
+                        <a:t>85%</a:t>
+                      </a:r>
+                      <a:endParaRPr/>
+                    </a:p>
+                  </a:txBody>
+                  <a:tcPr marT="91425" marB="91425" marR="91425" marL="91425"/>
+                </a:tc>
+              </a:tr>
+              <a:tr h="381000">
+                <a:tc>
+                  <a:txBody>
+                    <a:bodyPr/>
+                    <a:lstStyle/>
+                    <a:p>
+                      <a:pPr indent="0" lvl="0" marL="0" rtl="0" algn="l">
+                        <a:spcBef>
+                          <a:spcPts val="0"/>
+                        </a:spcBef>
+                        <a:spcAft>
+                          <a:spcPts val="0"/>
+                        </a:spcAft>
+                        <a:buNone/>
+                      </a:pPr>
+                      <a:r>
+                        <a:rPr lang="en"/>
+                        <a:t>Overall Accuracy</a:t>
+                      </a:r>
+                      <a:endParaRPr/>
+                    </a:p>
+                  </a:txBody>
+                  <a:tcPr marT="91425" marB="91425" marR="91425" marL="91425"/>
+                </a:tc>
+                <a:tc>
+                  <a:txBody>
+                    <a:bodyPr/>
+                    <a:lstStyle/>
+                    <a:p>
+                      <a:pPr indent="0" lvl="0" marL="0" rtl="0" algn="l">
+                        <a:spcBef>
+                          <a:spcPts val="0"/>
+                        </a:spcBef>
+                        <a:spcAft>
+                          <a:spcPts val="0"/>
+                        </a:spcAft>
+                        <a:buNone/>
+                      </a:pPr>
+                      <a:r>
+                        <a:rPr lang="en"/>
+                        <a:t>63%</a:t>
+                      </a:r>
+                      <a:endParaRPr/>
+                    </a:p>
+                  </a:txBody>
+                  <a:tcPr marT="91425" marB="91425" marR="91425" marL="91425"/>
+                </a:tc>
+                <a:tc>
+                  <a:txBody>
+                    <a:bodyPr/>
+                    <a:lstStyle/>
+                    <a:p>
+                      <a:pPr indent="0" lvl="0" marL="0" rtl="0" algn="l">
+                        <a:spcBef>
+                          <a:spcPts val="0"/>
+                        </a:spcBef>
+                        <a:spcAft>
+                          <a:spcPts val="0"/>
+                        </a:spcAft>
+                        <a:buNone/>
+                      </a:pPr>
+                      <a:r>
+                        <a:rPr lang="en"/>
+                        <a:t>53%</a:t>
+                      </a:r>
+                      <a:endParaRPr/>
+                    </a:p>
+                  </a:txBody>
+                  <a:tcPr marT="91425" marB="91425" marR="91425" marL="91425"/>
+                </a:tc>
+                <a:tc>
+                  <a:txBody>
+                    <a:bodyPr/>
+                    <a:lstStyle/>
+                    <a:p>
+                      <a:pPr indent="0" lvl="0" marL="0" rtl="0" algn="l">
+                        <a:spcBef>
+                          <a:spcPts val="0"/>
+                        </a:spcBef>
+                        <a:spcAft>
+                          <a:spcPts val="0"/>
+                        </a:spcAft>
+                        <a:buNone/>
+                      </a:pPr>
+                      <a:r>
+                        <a:rPr lang="en"/>
+                        <a:t>86%</a:t>
+                      </a:r>
+                      <a:endParaRPr/>
+                    </a:p>
+                  </a:txBody>
+                  <a:tcPr marT="91425" marB="91425" marR="91425" marL="91425"/>
+                </a:tc>
+                <a:tc>
+                  <a:txBody>
+                    <a:bodyPr/>
+                    <a:lstStyle/>
+                    <a:p>
+                      <a:pPr indent="0" lvl="0" marL="0" rtl="0" algn="l">
+                        <a:spcBef>
+                          <a:spcPts val="0"/>
+                        </a:spcBef>
+                        <a:spcAft>
+                          <a:spcPts val="0"/>
+                        </a:spcAft>
+                        <a:buNone/>
+                      </a:pPr>
+                      <a:r>
+                        <a:rPr lang="en"/>
+                        <a:t>89%</a:t>
+                      </a:r>
+                      <a:endParaRPr/>
+                    </a:p>
+                  </a:txBody>
+                  <a:tcPr marT="91425" marB="91425" marR="91425" marL="91425"/>
+                </a:tc>
+              </a:tr>
+            </a:tbl>
+          </a:graphicData>
+        </a:graphic>
+      </p:graphicFrame>
+      <p:sp>
+        <p:nvSpPr>
+          <p:cNvPr id="152" name="Google Shape;152;p25"/>
+          <p:cNvSpPr txBox="1"/>
+          <p:nvPr/>
+        </p:nvSpPr>
+        <p:spPr>
+          <a:xfrm>
+            <a:off x="858525" y="3789200"/>
+            <a:ext cx="1845600" cy="401700"/>
+          </a:xfrm>
+          <a:prstGeom prst="rect">
+            <a:avLst/>
+          </a:prstGeom>
+          <a:noFill/>
+          <a:ln>
+            <a:noFill/>
+          </a:ln>
+        </p:spPr>
+        <p:txBody>
+          <a:bodyPr anchorCtr="0" anchor="t" bIns="91425" lIns="91425" spcFirstLastPara="1" rIns="91425" wrap="square" tIns="91425">
+            <a:noAutofit/>
+          </a:bodyPr>
+          <a:lstStyle/>
+          <a:p>
+            <a:pPr indent="0" lvl="0" marL="0" rtl="0" algn="l">
+              <a:spcBef>
+                <a:spcPts val="0"/>
+              </a:spcBef>
+              <a:spcAft>
+                <a:spcPts val="0"/>
+              </a:spcAft>
+              <a:buNone/>
+            </a:pPr>
+            <a:r>
+              <a:rPr lang="en"/>
+              <a:t>Model Sophistication</a:t>
+            </a:r>
+            <a:endParaRPr/>
+          </a:p>
+        </p:txBody>
+      </p:sp>
+      <p:sp>
+        <p:nvSpPr>
+          <p:cNvPr id="153" name="Google Shape;153;p25"/>
+          <p:cNvSpPr/>
+          <p:nvPr/>
+        </p:nvSpPr>
+        <p:spPr>
+          <a:xfrm>
+            <a:off x="2845175" y="3789200"/>
+            <a:ext cx="5083800" cy="401700"/>
+          </a:xfrm>
+          <a:prstGeom prst="rightArrow">
+            <a:avLst>
+              <a:gd fmla="val 50000" name="adj1"/>
+              <a:gd fmla="val 50000" name="adj2"/>
+            </a:avLst>
+          </a:prstGeom>
+          <a:solidFill>
+            <a:schemeClr val="lt2"/>
+          </a:solidFill>
+          <a:ln cap="flat" cmpd="sng" w="9525">
+            <a:solidFill>
+              <a:schemeClr val="dk2"/>
+            </a:solidFill>
+            <a:prstDash val="solid"/>
+            <a:round/>
+            <a:headEnd len="sm" w="sm" type="none"/>
+            <a:tailEnd len="sm" w="sm" type="none"/>
+          </a:ln>
+        </p:spPr>
+        <p:txBody>
+          <a:bodyPr anchorCtr="0" anchor="ctr" bIns="91425" lIns="91425" spcFirstLastPara="1" rIns="91425" wrap="square" tIns="91425">
+            <a:noAutofit/>
+          </a:bodyPr>
+          <a:lstStyle/>
+          <a:p>
+            <a:pPr indent="0" lvl="0" marL="0" rtl="0" algn="l">
+              <a:spcBef>
+                <a:spcPts val="0"/>
+              </a:spcBef>
+              <a:spcAft>
+                <a:spcPts val="0"/>
+              </a:spcAft>
+              <a:buNone/>
+            </a:pPr>
+            <a:r>
+              <a:t/>
+            </a:r>
+            <a:endParaRPr/>
+          </a:p>
+        </p:txBody>
+      </p:sp>
+      <p:sp>
+        <p:nvSpPr>
+          <p:cNvPr id="154" name="Google Shape;154;p25"/>
+          <p:cNvSpPr txBox="1"/>
+          <p:nvPr>
+            <p:ph type="title"/>
+          </p:nvPr>
+        </p:nvSpPr>
+        <p:spPr>
+          <a:xfrm>
+            <a:off x="952500" y="299800"/>
+            <a:ext cx="3179400" cy="572700"/>
+          </a:xfrm>
+          <a:prstGeom prst="rect">
+            <a:avLst/>
+          </a:prstGeom>
+        </p:spPr>
+        <p:txBody>
+          <a:bodyPr anchorCtr="0" anchor="t" bIns="91425" lIns="91425" spcFirstLastPara="1" rIns="91425" wrap="square" tIns="91425">
+            <a:noAutofit/>
+          </a:bodyPr>
+          <a:lstStyle/>
+          <a:p>
+            <a:pPr indent="0" lvl="0" marL="0" rtl="0" algn="l">
+              <a:spcBef>
+                <a:spcPts val="0"/>
+              </a:spcBef>
+              <a:spcAft>
+                <a:spcPts val="0"/>
+              </a:spcAft>
+              <a:buNone/>
+            </a:pPr>
+            <a:r>
+              <a:rPr b="1" lang="en" sz="1200"/>
+              <a:t>Comparing Performance of Predictors</a:t>
+            </a:r>
+            <a:endParaRPr b="1" sz="1200"/>
+          </a:p>
+        </p:txBody>
+      </p:sp>
+    </p:spTree>
+  </p:cSld>
+  <p:clrMapOvr>
+    <a:masterClrMapping/>
+  </p:clrMapOvr>
+</p:sld>
+</file>
+
+<file path=ppt/slides/slide14.xml><?xml version="1.0" encoding="utf-8"?>
+<p:sld xmlns:a="http://schemas.openxmlformats.org/drawingml/2006/main" xmlns:r="http://schemas.openxmlformats.org/officeDocument/2006/relationships" xmlns:mc="http://schemas.openxmlformats.org/markup-compatibility/2006" xmlns:mv="urn:schemas-microsoft-com:mac:vml" xmlns:p="http://schemas.openxmlformats.org/presentationml/2006/main" xmlns:c="http://schemas.openxmlformats.org/drawingml/2006/chart" xmlns:dgm="http://schemas.openxmlformats.org/drawingml/2006/diagram" xmlns:o="urn:schemas-microsoft-com:office:office" xmlns:v="urn:schemas-microsoft-com:vml" xmlns:pvml="urn:schemas-microsoft-com:office:powerpoint" xmlns:com="http://schemas.openxmlformats.org/drawingml/2006/compatibility" xmlns:p14="http://schemas.microsoft.com/office/powerpoint/2010/main" xmlns:p15="http://schemas.microsoft.com/office/powerpoint/2012/main">
+  <p:cSld>
+    <p:spTree>
+      <p:nvGrpSpPr>
+        <p:cNvPr id="158" name="Shape 158"/>
+        <p:cNvGrpSpPr/>
+        <p:nvPr/>
+      </p:nvGrpSpPr>
+      <p:grpSpPr>
+        <a:xfrm>
+          <a:off x="0" y="0"/>
+          <a:ext cx="0" cy="0"/>
+          <a:chOff x="0" y="0"/>
+          <a:chExt cx="0" cy="0"/>
+        </a:xfrm>
+      </p:grpSpPr>
       <p:pic>
         <p:nvPicPr>
-          <p:cNvPr id="155" name="Google Shape;155;p26"/>
+          <p:cNvPr id="159" name="Google Shape;159;p26"/>
+          <p:cNvPicPr preferRelativeResize="0"/>
+          <p:nvPr/>
+        </p:nvPicPr>
+        <p:blipFill>
+          <a:blip r:embed="rId3">
+            <a:alphaModFix/>
+          </a:blip>
+          <a:stretch>
+            <a:fillRect/>
+          </a:stretch>
+        </p:blipFill>
+        <p:spPr>
+          <a:xfrm>
+            <a:off x="4965475" y="2441900"/>
+            <a:ext cx="4143199" cy="2667625"/>
+          </a:xfrm>
+          <a:prstGeom prst="rect">
+            <a:avLst/>
+          </a:prstGeom>
+          <a:noFill/>
+          <a:ln>
+            <a:noFill/>
+          </a:ln>
+        </p:spPr>
+      </p:pic>
+      <p:pic>
+        <p:nvPicPr>
+          <p:cNvPr id="160" name="Google Shape;160;p26"/>
           <p:cNvPicPr preferRelativeResize="0"/>
           <p:nvPr/>
         </p:nvPicPr>
@@ -9169,36 +9257,8 @@
         </p:blipFill>
         <p:spPr>
           <a:xfrm>
-            <a:off x="3159925" y="2597837"/>
-            <a:ext cx="3149990" cy="2250000"/>
-          </a:xfrm>
-          <a:prstGeom prst="rect">
-            <a:avLst/>
-          </a:prstGeom>
-          <a:noFill/>
-          <a:ln>
-            <a:noFill/>
-          </a:ln>
-        </p:spPr>
-      </p:pic>
-      <p:pic>
-        <p:nvPicPr>
-          <p:cNvPr id="156" name="Google Shape;156;p26"/>
-          <p:cNvPicPr preferRelativeResize="0"/>
-          <p:nvPr/>
-        </p:nvPicPr>
-        <p:blipFill>
-          <a:blip r:embed="rId5">
-            <a:alphaModFix/>
-          </a:blip>
-          <a:stretch>
-            <a:fillRect/>
-          </a:stretch>
-        </p:blipFill>
-        <p:spPr>
-          <a:xfrm>
-            <a:off x="6288887" y="2703150"/>
-            <a:ext cx="2855113" cy="2039366"/>
+            <a:off x="152400" y="152400"/>
+            <a:ext cx="5190950" cy="2159850"/>
           </a:xfrm>
           <a:prstGeom prst="rect">
             <a:avLst/>
@@ -9222,7 +9282,411 @@
   <p:cSld>
     <p:spTree>
       <p:nvGrpSpPr>
-        <p:cNvPr id="160" name="Shape 160"/>
+        <p:cNvPr id="164" name="Shape 164"/>
+        <p:cNvGrpSpPr/>
+        <p:nvPr/>
+      </p:nvGrpSpPr>
+      <p:grpSpPr>
+        <a:xfrm>
+          <a:off x="0" y="0"/>
+          <a:ext cx="0" cy="0"/>
+          <a:chOff x="0" y="0"/>
+          <a:chExt cx="0" cy="0"/>
+        </a:xfrm>
+      </p:grpSpPr>
+      <p:pic>
+        <p:nvPicPr>
+          <p:cNvPr id="165" name="Google Shape;165;p27"/>
+          <p:cNvPicPr preferRelativeResize="0"/>
+          <p:nvPr/>
+        </p:nvPicPr>
+        <p:blipFill>
+          <a:blip r:embed="rId3">
+            <a:alphaModFix/>
+          </a:blip>
+          <a:stretch>
+            <a:fillRect/>
+          </a:stretch>
+        </p:blipFill>
+        <p:spPr>
+          <a:xfrm>
+            <a:off x="1526675" y="255996"/>
+            <a:ext cx="3200400" cy="1824228"/>
+          </a:xfrm>
+          <a:prstGeom prst="rect">
+            <a:avLst/>
+          </a:prstGeom>
+          <a:noFill/>
+          <a:ln>
+            <a:noFill/>
+          </a:ln>
+        </p:spPr>
+      </p:pic>
+      <p:pic>
+        <p:nvPicPr>
+          <p:cNvPr id="166" name="Google Shape;166;p27"/>
+          <p:cNvPicPr preferRelativeResize="0"/>
+          <p:nvPr/>
+        </p:nvPicPr>
+        <p:blipFill>
+          <a:blip r:embed="rId4">
+            <a:alphaModFix/>
+          </a:blip>
+          <a:stretch>
+            <a:fillRect/>
+          </a:stretch>
+        </p:blipFill>
+        <p:spPr>
+          <a:xfrm>
+            <a:off x="4780625" y="255987"/>
+            <a:ext cx="3200400" cy="1824228"/>
+          </a:xfrm>
+          <a:prstGeom prst="rect">
+            <a:avLst/>
+          </a:prstGeom>
+          <a:noFill/>
+          <a:ln>
+            <a:noFill/>
+          </a:ln>
+        </p:spPr>
+      </p:pic>
+      <p:pic>
+        <p:nvPicPr>
+          <p:cNvPr id="167" name="Google Shape;167;p27"/>
+          <p:cNvPicPr preferRelativeResize="0"/>
+          <p:nvPr/>
+        </p:nvPicPr>
+        <p:blipFill>
+          <a:blip r:embed="rId5">
+            <a:alphaModFix/>
+          </a:blip>
+          <a:stretch>
+            <a:fillRect/>
+          </a:stretch>
+        </p:blipFill>
+        <p:spPr>
+          <a:xfrm>
+            <a:off x="2597513" y="2376250"/>
+            <a:ext cx="4572000" cy="2594610"/>
+          </a:xfrm>
+          <a:prstGeom prst="rect">
+            <a:avLst/>
+          </a:prstGeom>
+          <a:noFill/>
+          <a:ln>
+            <a:noFill/>
+          </a:ln>
+        </p:spPr>
+      </p:pic>
+      <p:cxnSp>
+        <p:nvCxnSpPr>
+          <p:cNvPr id="168" name="Google Shape;168;p27"/>
+          <p:cNvCxnSpPr/>
+          <p:nvPr/>
+        </p:nvCxnSpPr>
+        <p:spPr>
+          <a:xfrm>
+            <a:off x="3860275" y="1949525"/>
+            <a:ext cx="402900" cy="524700"/>
+          </a:xfrm>
+          <a:prstGeom prst="straightConnector1">
+            <a:avLst/>
+          </a:prstGeom>
+          <a:noFill/>
+          <a:ln cap="flat" cmpd="sng" w="9525">
+            <a:solidFill>
+              <a:schemeClr val="dk2"/>
+            </a:solidFill>
+            <a:prstDash val="solid"/>
+            <a:round/>
+            <a:headEnd len="med" w="med" type="none"/>
+            <a:tailEnd len="med" w="med" type="triangle"/>
+          </a:ln>
+        </p:spPr>
+      </p:cxnSp>
+      <p:cxnSp>
+        <p:nvCxnSpPr>
+          <p:cNvPr id="169" name="Google Shape;169;p27"/>
+          <p:cNvCxnSpPr/>
+          <p:nvPr/>
+        </p:nvCxnSpPr>
+        <p:spPr>
+          <a:xfrm flipH="1">
+            <a:off x="5078250" y="1958975"/>
+            <a:ext cx="459000" cy="505800"/>
+          </a:xfrm>
+          <a:prstGeom prst="straightConnector1">
+            <a:avLst/>
+          </a:prstGeom>
+          <a:noFill/>
+          <a:ln cap="flat" cmpd="sng" w="9525">
+            <a:solidFill>
+              <a:schemeClr val="dk2"/>
+            </a:solidFill>
+            <a:prstDash val="solid"/>
+            <a:round/>
+            <a:headEnd len="med" w="med" type="none"/>
+            <a:tailEnd len="med" w="med" type="triangle"/>
+          </a:ln>
+        </p:spPr>
+      </p:cxnSp>
+      <p:sp>
+        <p:nvSpPr>
+          <p:cNvPr id="170" name="Google Shape;170;p27"/>
+          <p:cNvSpPr txBox="1"/>
+          <p:nvPr/>
+        </p:nvSpPr>
+        <p:spPr>
+          <a:xfrm>
+            <a:off x="759125" y="2780900"/>
+            <a:ext cx="2385300" cy="1414800"/>
+          </a:xfrm>
+          <a:prstGeom prst="rect">
+            <a:avLst/>
+          </a:prstGeom>
+          <a:noFill/>
+          <a:ln>
+            <a:noFill/>
+          </a:ln>
+        </p:spPr>
+        <p:txBody>
+          <a:bodyPr anchorCtr="0" anchor="t" bIns="91425" lIns="91425" spcFirstLastPara="1" rIns="91425" wrap="square" tIns="91425">
+            <a:noAutofit/>
+          </a:bodyPr>
+          <a:lstStyle/>
+          <a:p>
+            <a:pPr indent="0" lvl="0" marL="0" rtl="0" algn="l">
+              <a:spcBef>
+                <a:spcPts val="0"/>
+              </a:spcBef>
+              <a:spcAft>
+                <a:spcPts val="0"/>
+              </a:spcAft>
+              <a:buNone/>
+            </a:pPr>
+            <a:r>
+              <a:rPr lang="en"/>
+              <a:t>States to target are those that have population &gt; 5M and a lower than median number of breweries per capita. (they are underrepresented by craft breweries...Budweiser should investigate further.)</a:t>
+            </a:r>
+            <a:endParaRPr/>
+          </a:p>
+        </p:txBody>
+      </p:sp>
+    </p:spTree>
+  </p:cSld>
+  <p:clrMapOvr>
+    <a:masterClrMapping/>
+  </p:clrMapOvr>
+</p:sld>
+</file>
+
+<file path=ppt/slides/slide16.xml><?xml version="1.0" encoding="utf-8"?>
+<p:sld xmlns:a="http://schemas.openxmlformats.org/drawingml/2006/main" xmlns:r="http://schemas.openxmlformats.org/officeDocument/2006/relationships" xmlns:mc="http://schemas.openxmlformats.org/markup-compatibility/2006" xmlns:mv="urn:schemas-microsoft-com:mac:vml" xmlns:p="http://schemas.openxmlformats.org/presentationml/2006/main" xmlns:c="http://schemas.openxmlformats.org/drawingml/2006/chart" xmlns:dgm="http://schemas.openxmlformats.org/drawingml/2006/diagram" xmlns:o="urn:schemas-microsoft-com:office:office" xmlns:v="urn:schemas-microsoft-com:vml" xmlns:pvml="urn:schemas-microsoft-com:office:powerpoint" xmlns:com="http://schemas.openxmlformats.org/drawingml/2006/compatibility" xmlns:p14="http://schemas.microsoft.com/office/powerpoint/2010/main" xmlns:p15="http://schemas.microsoft.com/office/powerpoint/2012/main">
+  <p:cSld>
+    <p:spTree>
+      <p:nvGrpSpPr>
+        <p:cNvPr id="174" name="Shape 174"/>
+        <p:cNvGrpSpPr/>
+        <p:nvPr/>
+      </p:nvGrpSpPr>
+      <p:grpSpPr>
+        <a:xfrm>
+          <a:off x="0" y="0"/>
+          <a:ext cx="0" cy="0"/>
+          <a:chOff x="0" y="0"/>
+          <a:chExt cx="0" cy="0"/>
+        </a:xfrm>
+      </p:grpSpPr>
+      <p:pic>
+        <p:nvPicPr>
+          <p:cNvPr id="175" name="Google Shape;175;p28"/>
+          <p:cNvPicPr preferRelativeResize="0"/>
+          <p:nvPr/>
+        </p:nvPicPr>
+        <p:blipFill>
+          <a:blip r:embed="rId3">
+            <a:alphaModFix/>
+          </a:blip>
+          <a:stretch>
+            <a:fillRect/>
+          </a:stretch>
+        </p:blipFill>
+        <p:spPr>
+          <a:xfrm>
+            <a:off x="1845554" y="0"/>
+            <a:ext cx="6323771" cy="5143500"/>
+          </a:xfrm>
+          <a:prstGeom prst="rect">
+            <a:avLst/>
+          </a:prstGeom>
+          <a:noFill/>
+          <a:ln>
+            <a:noFill/>
+          </a:ln>
+        </p:spPr>
+      </p:pic>
+      <p:sp>
+        <p:nvSpPr>
+          <p:cNvPr id="176" name="Google Shape;176;p28"/>
+          <p:cNvSpPr txBox="1"/>
+          <p:nvPr/>
+        </p:nvSpPr>
+        <p:spPr>
+          <a:xfrm>
+            <a:off x="1251575" y="200250"/>
+            <a:ext cx="6057000" cy="516000"/>
+          </a:xfrm>
+          <a:prstGeom prst="rect">
+            <a:avLst/>
+          </a:prstGeom>
+          <a:noFill/>
+          <a:ln>
+            <a:noFill/>
+          </a:ln>
+        </p:spPr>
+        <p:txBody>
+          <a:bodyPr anchorCtr="0" anchor="t" bIns="91425" lIns="91425" spcFirstLastPara="1" rIns="91425" wrap="square" tIns="91425">
+            <a:noAutofit/>
+          </a:bodyPr>
+          <a:lstStyle/>
+          <a:p>
+            <a:pPr indent="0" lvl="0" marL="0" rtl="0" algn="l">
+              <a:spcBef>
+                <a:spcPts val="0"/>
+              </a:spcBef>
+              <a:spcAft>
+                <a:spcPts val="0"/>
+              </a:spcAft>
+              <a:buNone/>
+            </a:pPr>
+            <a:r>
+              <a:rPr lang="en"/>
+              <a:t>What is the most frequent beer style in each of the “states to target”</a:t>
+            </a:r>
+            <a:endParaRPr/>
+          </a:p>
+        </p:txBody>
+      </p:sp>
+    </p:spTree>
+  </p:cSld>
+  <p:clrMapOvr>
+    <a:masterClrMapping/>
+  </p:clrMapOvr>
+</p:sld>
+</file>
+
+<file path=ppt/slides/slide17.xml><?xml version="1.0" encoding="utf-8"?>
+<p:sld xmlns:a="http://schemas.openxmlformats.org/drawingml/2006/main" xmlns:r="http://schemas.openxmlformats.org/officeDocument/2006/relationships" xmlns:mc="http://schemas.openxmlformats.org/markup-compatibility/2006" xmlns:mv="urn:schemas-microsoft-com:mac:vml" xmlns:p="http://schemas.openxmlformats.org/presentationml/2006/main" xmlns:c="http://schemas.openxmlformats.org/drawingml/2006/chart" xmlns:dgm="http://schemas.openxmlformats.org/drawingml/2006/diagram" xmlns:o="urn:schemas-microsoft-com:office:office" xmlns:v="urn:schemas-microsoft-com:vml" xmlns:pvml="urn:schemas-microsoft-com:office:powerpoint" xmlns:com="http://schemas.openxmlformats.org/drawingml/2006/compatibility" xmlns:p14="http://schemas.microsoft.com/office/powerpoint/2010/main" xmlns:p15="http://schemas.microsoft.com/office/powerpoint/2012/main">
+  <p:cSld>
+    <p:spTree>
+      <p:nvGrpSpPr>
+        <p:cNvPr id="180" name="Shape 180"/>
+        <p:cNvGrpSpPr/>
+        <p:nvPr/>
+      </p:nvGrpSpPr>
+      <p:grpSpPr>
+        <a:xfrm>
+          <a:off x="0" y="0"/>
+          <a:ext cx="0" cy="0"/>
+          <a:chOff x="0" y="0"/>
+          <a:chExt cx="0" cy="0"/>
+        </a:xfrm>
+      </p:grpSpPr>
+      <p:pic>
+        <p:nvPicPr>
+          <p:cNvPr id="181" name="Google Shape;181;p29"/>
+          <p:cNvPicPr preferRelativeResize="0"/>
+          <p:nvPr/>
+        </p:nvPicPr>
+        <p:blipFill>
+          <a:blip r:embed="rId3">
+            <a:alphaModFix/>
+          </a:blip>
+          <a:stretch>
+            <a:fillRect/>
+          </a:stretch>
+        </p:blipFill>
+        <p:spPr>
+          <a:xfrm>
+            <a:off x="2103412" y="0"/>
+            <a:ext cx="6323784" cy="5143500"/>
+          </a:xfrm>
+          <a:prstGeom prst="rect">
+            <a:avLst/>
+          </a:prstGeom>
+          <a:noFill/>
+          <a:ln>
+            <a:noFill/>
+          </a:ln>
+        </p:spPr>
+      </p:pic>
+    </p:spTree>
+  </p:cSld>
+  <p:clrMapOvr>
+    <a:masterClrMapping/>
+  </p:clrMapOvr>
+</p:sld>
+</file>
+
+<file path=ppt/slides/slide18.xml><?xml version="1.0" encoding="utf-8"?>
+<p:sld xmlns:a="http://schemas.openxmlformats.org/drawingml/2006/main" xmlns:r="http://schemas.openxmlformats.org/officeDocument/2006/relationships" xmlns:mc="http://schemas.openxmlformats.org/markup-compatibility/2006" xmlns:mv="urn:schemas-microsoft-com:mac:vml" xmlns:p="http://schemas.openxmlformats.org/presentationml/2006/main" xmlns:c="http://schemas.openxmlformats.org/drawingml/2006/chart" xmlns:dgm="http://schemas.openxmlformats.org/drawingml/2006/diagram" xmlns:o="urn:schemas-microsoft-com:office:office" xmlns:v="urn:schemas-microsoft-com:vml" xmlns:pvml="urn:schemas-microsoft-com:office:powerpoint" xmlns:com="http://schemas.openxmlformats.org/drawingml/2006/compatibility" xmlns:p14="http://schemas.microsoft.com/office/powerpoint/2010/main" xmlns:p15="http://schemas.microsoft.com/office/powerpoint/2012/main">
+  <p:cSld>
+    <p:spTree>
+      <p:nvGrpSpPr>
+        <p:cNvPr id="185" name="Shape 185"/>
+        <p:cNvGrpSpPr/>
+        <p:nvPr/>
+      </p:nvGrpSpPr>
+      <p:grpSpPr>
+        <a:xfrm>
+          <a:off x="0" y="0"/>
+          <a:ext cx="0" cy="0"/>
+          <a:chOff x="0" y="0"/>
+          <a:chExt cx="0" cy="0"/>
+        </a:xfrm>
+      </p:grpSpPr>
+      <p:pic>
+        <p:nvPicPr>
+          <p:cNvPr id="186" name="Google Shape;186;p30"/>
+          <p:cNvPicPr preferRelativeResize="0"/>
+          <p:nvPr/>
+        </p:nvPicPr>
+        <p:blipFill>
+          <a:blip r:embed="rId3">
+            <a:alphaModFix/>
+          </a:blip>
+          <a:stretch>
+            <a:fillRect/>
+          </a:stretch>
+        </p:blipFill>
+        <p:spPr>
+          <a:xfrm>
+            <a:off x="1564925" y="600075"/>
+            <a:ext cx="6124575" cy="3943350"/>
+          </a:xfrm>
+          <a:prstGeom prst="rect">
+            <a:avLst/>
+          </a:prstGeom>
+          <a:noFill/>
+          <a:ln>
+            <a:noFill/>
+          </a:ln>
+        </p:spPr>
+      </p:pic>
+    </p:spTree>
+  </p:cSld>
+  <p:clrMapOvr>
+    <a:masterClrMapping/>
+  </p:clrMapOvr>
+</p:sld>
+</file>
+
+<file path=ppt/slides/slide19.xml><?xml version="1.0" encoding="utf-8"?>
+<p:sld xmlns:a="http://schemas.openxmlformats.org/drawingml/2006/main" xmlns:r="http://schemas.openxmlformats.org/officeDocument/2006/relationships" xmlns:mc="http://schemas.openxmlformats.org/markup-compatibility/2006" xmlns:mv="urn:schemas-microsoft-com:mac:vml" xmlns:p="http://schemas.openxmlformats.org/presentationml/2006/main" xmlns:c="http://schemas.openxmlformats.org/drawingml/2006/chart" xmlns:dgm="http://schemas.openxmlformats.org/drawingml/2006/diagram" xmlns:o="urn:schemas-microsoft-com:office:office" xmlns:v="urn:schemas-microsoft-com:vml" xmlns:pvml="urn:schemas-microsoft-com:office:powerpoint" xmlns:com="http://schemas.openxmlformats.org/drawingml/2006/compatibility" xmlns:p14="http://schemas.microsoft.com/office/powerpoint/2010/main" xmlns:p15="http://schemas.microsoft.com/office/powerpoint/2012/main">
+  <p:cSld>
+    <p:spTree>
+      <p:nvGrpSpPr>
+        <p:cNvPr id="190" name="Shape 190"/>
         <p:cNvGrpSpPr/>
         <p:nvPr/>
       </p:nvGrpSpPr>
@@ -9236,7 +9700,7 @@
       </p:grpSpPr>
       <p:sp>
         <p:nvSpPr>
-          <p:cNvPr id="161" name="Google Shape;161;p27"/>
+          <p:cNvPr id="191" name="Google Shape;191;p31"/>
           <p:cNvSpPr txBox="1"/>
           <p:nvPr>
             <p:ph type="title"/>
@@ -9276,7 +9740,7 @@
       </p:sp>
       <p:sp>
         <p:nvSpPr>
-          <p:cNvPr id="162" name="Google Shape;162;p27"/>
+          <p:cNvPr id="192" name="Google Shape;192;p31"/>
           <p:cNvSpPr txBox="1"/>
           <p:nvPr>
             <p:ph idx="1" type="body"/>
@@ -10232,7 +10696,7 @@
         </p:blipFill>
         <p:spPr>
           <a:xfrm>
-            <a:off x="180988" y="197250"/>
+            <a:off x="180975" y="77650"/>
             <a:ext cx="8782025" cy="2409450"/>
           </a:xfrm>
           <a:prstGeom prst="rect">
@@ -10260,7 +10724,7 @@
         </p:blipFill>
         <p:spPr>
           <a:xfrm>
-            <a:off x="152400" y="2502388"/>
+            <a:off x="152413" y="2571738"/>
             <a:ext cx="8839201" cy="2488712"/>
           </a:xfrm>
           <a:prstGeom prst="rect">
@@ -10297,90 +10761,9 @@
           <a:chExt cx="0" cy="0"/>
         </a:xfrm>
       </p:grpSpPr>
-      <p:pic>
-        <p:nvPicPr>
-          <p:cNvPr id="91" name="Google Shape;91;p18"/>
-          <p:cNvPicPr preferRelativeResize="0"/>
-          <p:nvPr/>
-        </p:nvPicPr>
-        <p:blipFill>
-          <a:blip r:embed="rId3">
-            <a:alphaModFix/>
-          </a:blip>
-          <a:stretch>
-            <a:fillRect/>
-          </a:stretch>
-        </p:blipFill>
-        <p:spPr>
-          <a:xfrm>
-            <a:off x="159975" y="99300"/>
-            <a:ext cx="4589024" cy="3277874"/>
-          </a:xfrm>
-          <a:prstGeom prst="rect">
-            <a:avLst/>
-          </a:prstGeom>
-          <a:noFill/>
-          <a:ln>
-            <a:noFill/>
-          </a:ln>
-        </p:spPr>
-      </p:pic>
-      <p:pic>
-        <p:nvPicPr>
-          <p:cNvPr id="92" name="Google Shape;92;p18"/>
-          <p:cNvPicPr preferRelativeResize="0"/>
-          <p:nvPr/>
-        </p:nvPicPr>
-        <p:blipFill>
-          <a:blip r:embed="rId4">
-            <a:alphaModFix/>
-          </a:blip>
-          <a:stretch>
-            <a:fillRect/>
-          </a:stretch>
-        </p:blipFill>
-        <p:spPr>
-          <a:xfrm>
-            <a:off x="4878649" y="326875"/>
-            <a:ext cx="4090202" cy="2921573"/>
-          </a:xfrm>
-          <a:prstGeom prst="rect">
-            <a:avLst/>
-          </a:prstGeom>
-          <a:noFill/>
-          <a:ln>
-            <a:noFill/>
-          </a:ln>
-        </p:spPr>
-      </p:pic>
-    </p:spTree>
-  </p:cSld>
-  <p:clrMapOvr>
-    <a:masterClrMapping/>
-  </p:clrMapOvr>
-</p:sld>
-</file>
-
-<file path=ppt/slides/slide7.xml><?xml version="1.0" encoding="utf-8"?>
-<p:sld xmlns:a="http://schemas.openxmlformats.org/drawingml/2006/main" xmlns:r="http://schemas.openxmlformats.org/officeDocument/2006/relationships" xmlns:mc="http://schemas.openxmlformats.org/markup-compatibility/2006" xmlns:mv="urn:schemas-microsoft-com:mac:vml" xmlns:p="http://schemas.openxmlformats.org/presentationml/2006/main" xmlns:c="http://schemas.openxmlformats.org/drawingml/2006/chart" xmlns:dgm="http://schemas.openxmlformats.org/drawingml/2006/diagram" xmlns:o="urn:schemas-microsoft-com:office:office" xmlns:v="urn:schemas-microsoft-com:vml" xmlns:pvml="urn:schemas-microsoft-com:office:powerpoint" xmlns:com="http://schemas.openxmlformats.org/drawingml/2006/compatibility" xmlns:p14="http://schemas.microsoft.com/office/powerpoint/2010/main" xmlns:p15="http://schemas.microsoft.com/office/powerpoint/2012/main">
-  <p:cSld>
-    <p:spTree>
-      <p:nvGrpSpPr>
-        <p:cNvPr id="96" name="Shape 96"/>
-        <p:cNvGrpSpPr/>
-        <p:nvPr/>
-      </p:nvGrpSpPr>
-      <p:grpSpPr>
-        <a:xfrm>
-          <a:off x="0" y="0"/>
-          <a:ext cx="0" cy="0"/>
-          <a:chOff x="0" y="0"/>
-          <a:chExt cx="0" cy="0"/>
-        </a:xfrm>
-      </p:grpSpPr>
       <p:sp>
         <p:nvSpPr>
-          <p:cNvPr id="97" name="Google Shape;97;p19"/>
+          <p:cNvPr id="91" name="Google Shape;91;p18"/>
           <p:cNvSpPr txBox="1"/>
           <p:nvPr/>
         </p:nvSpPr>
@@ -10455,7 +10838,7 @@
       </p:sp>
       <p:pic>
         <p:nvPicPr>
-          <p:cNvPr id="98" name="Google Shape;98;p19"/>
+          <p:cNvPr id="92" name="Google Shape;92;p18"/>
           <p:cNvPicPr preferRelativeResize="0"/>
           <p:nvPr/>
         </p:nvPicPr>
@@ -10483,7 +10866,7 @@
       </p:pic>
       <p:pic>
         <p:nvPicPr>
-          <p:cNvPr id="99" name="Google Shape;99;p19"/>
+          <p:cNvPr id="93" name="Google Shape;93;p18"/>
           <p:cNvPicPr preferRelativeResize="0"/>
           <p:nvPr/>
         </p:nvPicPr>
@@ -10511,7 +10894,7 @@
       </p:pic>
       <p:pic>
         <p:nvPicPr>
-          <p:cNvPr id="100" name="Google Shape;100;p19"/>
+          <p:cNvPr id="94" name="Google Shape;94;p18"/>
           <p:cNvPicPr preferRelativeResize="0"/>
           <p:nvPr/>
         </p:nvPicPr>
@@ -10539,7 +10922,7 @@
       </p:pic>
       <p:pic>
         <p:nvPicPr>
-          <p:cNvPr id="101" name="Google Shape;101;p19"/>
+          <p:cNvPr id="95" name="Google Shape;95;p18"/>
           <p:cNvPicPr preferRelativeResize="0"/>
           <p:nvPr/>
         </p:nvPicPr>
@@ -10573,12 +10956,12 @@
 </p:sld>
 </file>
 
-<file path=ppt/slides/slide8.xml><?xml version="1.0" encoding="utf-8"?>
+<file path=ppt/slides/slide7.xml><?xml version="1.0" encoding="utf-8"?>
 <p:sld xmlns:a="http://schemas.openxmlformats.org/drawingml/2006/main" xmlns:r="http://schemas.openxmlformats.org/officeDocument/2006/relationships" xmlns:mc="http://schemas.openxmlformats.org/markup-compatibility/2006" xmlns:mv="urn:schemas-microsoft-com:mac:vml" xmlns:p="http://schemas.openxmlformats.org/presentationml/2006/main" xmlns:c="http://schemas.openxmlformats.org/drawingml/2006/chart" xmlns:dgm="http://schemas.openxmlformats.org/drawingml/2006/diagram" xmlns:o="urn:schemas-microsoft-com:office:office" xmlns:v="urn:schemas-microsoft-com:vml" xmlns:pvml="urn:schemas-microsoft-com:office:powerpoint" xmlns:com="http://schemas.openxmlformats.org/drawingml/2006/compatibility" xmlns:p14="http://schemas.microsoft.com/office/powerpoint/2010/main" xmlns:p15="http://schemas.microsoft.com/office/powerpoint/2012/main">
   <p:cSld>
     <p:spTree>
       <p:nvGrpSpPr>
-        <p:cNvPr id="105" name="Shape 105"/>
+        <p:cNvPr id="99" name="Shape 99"/>
         <p:cNvGrpSpPr/>
         <p:nvPr/>
       </p:nvGrpSpPr>
@@ -10592,7 +10975,7 @@
       </p:grpSpPr>
       <p:sp>
         <p:nvSpPr>
-          <p:cNvPr id="106" name="Google Shape;106;p20"/>
+          <p:cNvPr id="100" name="Google Shape;100;p19"/>
           <p:cNvSpPr txBox="1"/>
           <p:nvPr/>
         </p:nvSpPr>
@@ -10667,14 +11050,14 @@
       </p:sp>
       <p:sp>
         <p:nvSpPr>
-          <p:cNvPr id="107" name="Google Shape;107;p20"/>
+          <p:cNvPr id="101" name="Google Shape;101;p19"/>
           <p:cNvSpPr txBox="1"/>
           <p:nvPr/>
         </p:nvSpPr>
         <p:spPr>
           <a:xfrm>
-            <a:off x="517150" y="4354525"/>
-            <a:ext cx="8320500" cy="644700"/>
+            <a:off x="195425" y="3021675"/>
+            <a:ext cx="8739600" cy="2010900"/>
           </a:xfrm>
           <a:prstGeom prst="rect">
             <a:avLst/>
@@ -10700,10 +11083,24 @@
               <a:buNone/>
             </a:pPr>
             <a:r>
-              <a:rPr lang="en"/>
-              <a:t>ABV values have a slightly right skewed distribution, indicating a small number of high-value outliers.</a:t>
+              <a:rPr lang="en" sz="1050">
+                <a:solidFill>
+                  <a:srgbClr val="333333"/>
+                </a:solidFill>
+                <a:highlight>
+                  <a:srgbClr val="FFFFFF"/>
+                </a:highlight>
+              </a:rPr>
+              <a:t>The mean is slightly higher than the median, which would indicate a right skewed distribution, one with a long tail of high values.</a:t>
             </a:r>
-            <a:endParaRPr/>
+            <a:endParaRPr sz="1050">
+              <a:solidFill>
+                <a:srgbClr val="333333"/>
+              </a:solidFill>
+              <a:highlight>
+                <a:srgbClr val="FFFFFF"/>
+              </a:highlight>
+            </a:endParaRPr>
           </a:p>
           <a:p>
             <a:pPr indent="0" lvl="0" marL="0" rtl="0" algn="l">
@@ -10716,15 +11113,139 @@
               <a:buNone/>
             </a:pPr>
             <a:r>
-              <a:rPr lang="en"/>
-              <a:t>Otherwise, the values are closely grouped around the mean and median.</a:t>
+              <a:t/>
             </a:r>
-            <a:endParaRPr/>
+            <a:endParaRPr sz="1050">
+              <a:solidFill>
+                <a:srgbClr val="333333"/>
+              </a:solidFill>
+              <a:highlight>
+                <a:srgbClr val="FFFFFF"/>
+              </a:highlight>
+            </a:endParaRPr>
           </a:p>
           <a:p>
             <a:pPr indent="0" lvl="0" marL="0" rtl="0" algn="l">
               <a:spcBef>
                 <a:spcPts val="0"/>
+              </a:spcBef>
+              <a:spcAft>
+                <a:spcPts val="0"/>
+              </a:spcAft>
+              <a:buNone/>
+            </a:pPr>
+            <a:r>
+              <a:rPr lang="en" sz="1050">
+                <a:solidFill>
+                  <a:srgbClr val="333333"/>
+                </a:solidFill>
+                <a:highlight>
+                  <a:srgbClr val="FFFFFF"/>
+                </a:highlight>
+              </a:rPr>
+              <a:t>The histogram bears this out, as does a box plot.</a:t>
+            </a:r>
+            <a:endParaRPr sz="1050">
+              <a:solidFill>
+                <a:srgbClr val="333333"/>
+              </a:solidFill>
+              <a:highlight>
+                <a:srgbClr val="FFFFFF"/>
+              </a:highlight>
+            </a:endParaRPr>
+          </a:p>
+          <a:p>
+            <a:pPr indent="0" lvl="0" marL="0" rtl="0" algn="l">
+              <a:spcBef>
+                <a:spcPts val="0"/>
+              </a:spcBef>
+              <a:spcAft>
+                <a:spcPts val="0"/>
+              </a:spcAft>
+              <a:buNone/>
+            </a:pPr>
+            <a:r>
+              <a:t/>
+            </a:r>
+            <a:endParaRPr sz="1050">
+              <a:solidFill>
+                <a:srgbClr val="333333"/>
+              </a:solidFill>
+              <a:highlight>
+                <a:srgbClr val="FFFFFF"/>
+              </a:highlight>
+            </a:endParaRPr>
+          </a:p>
+          <a:p>
+            <a:pPr indent="0" lvl="0" marL="0" rtl="0" algn="l">
+              <a:lnSpc>
+                <a:spcPct val="115000"/>
+              </a:lnSpc>
+              <a:spcBef>
+                <a:spcPts val="0"/>
+              </a:spcBef>
+              <a:spcAft>
+                <a:spcPts val="0"/>
+              </a:spcAft>
+              <a:buNone/>
+            </a:pPr>
+            <a:r>
+              <a:rPr lang="en" sz="1050">
+                <a:solidFill>
+                  <a:srgbClr val="333333"/>
+                </a:solidFill>
+                <a:highlight>
+                  <a:srgbClr val="FFFFFF"/>
+                </a:highlight>
+              </a:rPr>
+              <a:t>To investigate whether the ABV values are normally distributed, we do a Q-Q plot. This is a plot of the quantiles of the actual data against what would be expected from a normal distribution. If the data do follow a normal distribution, the plot would show a straight line. The more the plot deviates from a straight line, the less closely the data follow a normal distribution.</a:t>
+            </a:r>
+            <a:endParaRPr sz="1050">
+              <a:solidFill>
+                <a:srgbClr val="333333"/>
+              </a:solidFill>
+              <a:highlight>
+                <a:srgbClr val="FFFFFF"/>
+              </a:highlight>
+            </a:endParaRPr>
+          </a:p>
+          <a:p>
+            <a:pPr indent="0" lvl="0" marL="0" rtl="0" algn="l">
+              <a:lnSpc>
+                <a:spcPct val="115000"/>
+              </a:lnSpc>
+              <a:spcBef>
+                <a:spcPts val="800"/>
+              </a:spcBef>
+              <a:spcAft>
+                <a:spcPts val="0"/>
+              </a:spcAft>
+              <a:buNone/>
+            </a:pPr>
+            <a:r>
+              <a:rPr lang="en" sz="1050">
+                <a:solidFill>
+                  <a:srgbClr val="333333"/>
+                </a:solidFill>
+                <a:highlight>
+                  <a:srgbClr val="FFFFFF"/>
+                </a:highlight>
+              </a:rPr>
+              <a:t>From the upward curve in this plot, we infer that the data are somewhat skewed. This confirms what the histogram shows. The apparent discontinuities at the ends of the curve are an indication that the ABV values have a few more extreme values than would be expected from a normal distribution. This confirms what was shown in the box plot.</a:t>
+            </a:r>
+            <a:endParaRPr sz="1050">
+              <a:solidFill>
+                <a:srgbClr val="333333"/>
+              </a:solidFill>
+              <a:highlight>
+                <a:srgbClr val="FFFFFF"/>
+              </a:highlight>
+            </a:endParaRPr>
+          </a:p>
+          <a:p>
+            <a:pPr indent="0" lvl="0" marL="0" rtl="0" algn="l">
+              <a:spcBef>
+                <a:spcPts val="800"/>
               </a:spcBef>
               <a:spcAft>
                 <a:spcPts val="0"/>
@@ -10740,7 +11261,7 @@
       </p:sp>
       <p:pic>
         <p:nvPicPr>
-          <p:cNvPr id="108" name="Google Shape;108;p20"/>
+          <p:cNvPr id="102" name="Google Shape;102;p19"/>
           <p:cNvPicPr preferRelativeResize="0"/>
           <p:nvPr/>
         </p:nvPicPr>
@@ -10754,8 +11275,8 @@
         </p:blipFill>
         <p:spPr>
           <a:xfrm>
-            <a:off x="195425" y="623975"/>
-            <a:ext cx="5155164" cy="3682250"/>
+            <a:off x="195425" y="495825"/>
+            <a:ext cx="3375973" cy="2411400"/>
           </a:xfrm>
           <a:prstGeom prst="rect">
             <a:avLst/>
@@ -10768,7 +11289,7 @@
       </p:pic>
       <p:pic>
         <p:nvPicPr>
-          <p:cNvPr id="109" name="Google Shape;109;p20"/>
+          <p:cNvPr id="103" name="Google Shape;103;p19"/>
           <p:cNvPicPr preferRelativeResize="0"/>
           <p:nvPr/>
         </p:nvPicPr>
@@ -10782,8 +11303,36 @@
         </p:blipFill>
         <p:spPr>
           <a:xfrm>
-            <a:off x="6376114" y="596000"/>
-            <a:ext cx="1921721" cy="3477401"/>
+            <a:off x="3770175" y="495825"/>
+            <a:ext cx="1256025" cy="2272825"/>
+          </a:xfrm>
+          <a:prstGeom prst="rect">
+            <a:avLst/>
+          </a:prstGeom>
+          <a:noFill/>
+          <a:ln>
+            <a:noFill/>
+          </a:ln>
+        </p:spPr>
+      </p:pic>
+      <p:pic>
+        <p:nvPicPr>
+          <p:cNvPr id="104" name="Google Shape;104;p19"/>
+          <p:cNvPicPr preferRelativeResize="0"/>
+          <p:nvPr/>
+        </p:nvPicPr>
+        <p:blipFill>
+          <a:blip r:embed="rId5">
+            <a:alphaModFix/>
+          </a:blip>
+          <a:stretch>
+            <a:fillRect/>
+          </a:stretch>
+        </p:blipFill>
+        <p:spPr>
+          <a:xfrm>
+            <a:off x="5224975" y="495825"/>
+            <a:ext cx="3634499" cy="2596075"/>
           </a:xfrm>
           <a:prstGeom prst="rect">
             <a:avLst/>
@@ -10802,12 +11351,12 @@
 </p:sld>
 </file>
 
-<file path=ppt/slides/slide9.xml><?xml version="1.0" encoding="utf-8"?>
+<file path=ppt/slides/slide8.xml><?xml version="1.0" encoding="utf-8"?>
 <p:sld xmlns:a="http://schemas.openxmlformats.org/drawingml/2006/main" xmlns:r="http://schemas.openxmlformats.org/officeDocument/2006/relationships" xmlns:mc="http://schemas.openxmlformats.org/markup-compatibility/2006" xmlns:mv="urn:schemas-microsoft-com:mac:vml" xmlns:p="http://schemas.openxmlformats.org/presentationml/2006/main" xmlns:c="http://schemas.openxmlformats.org/drawingml/2006/chart" xmlns:dgm="http://schemas.openxmlformats.org/drawingml/2006/diagram" xmlns:o="urn:schemas-microsoft-com:office:office" xmlns:v="urn:schemas-microsoft-com:vml" xmlns:pvml="urn:schemas-microsoft-com:office:powerpoint" xmlns:com="http://schemas.openxmlformats.org/drawingml/2006/compatibility" xmlns:p14="http://schemas.microsoft.com/office/powerpoint/2010/main" xmlns:p15="http://schemas.microsoft.com/office/powerpoint/2012/main">
   <p:cSld>
     <p:spTree>
       <p:nvGrpSpPr>
-        <p:cNvPr id="113" name="Shape 113"/>
+        <p:cNvPr id="108" name="Shape 108"/>
         <p:cNvGrpSpPr/>
         <p:nvPr/>
       </p:nvGrpSpPr>
@@ -10821,7 +11370,7 @@
       </p:grpSpPr>
       <p:sp>
         <p:nvSpPr>
-          <p:cNvPr id="114" name="Google Shape;114;p21"/>
+          <p:cNvPr id="109" name="Google Shape;109;p20"/>
           <p:cNvSpPr txBox="1"/>
           <p:nvPr/>
         </p:nvSpPr>
@@ -10896,7 +11445,7 @@
       </p:sp>
       <p:pic>
         <p:nvPicPr>
-          <p:cNvPr id="115" name="Google Shape;115;p21"/>
+          <p:cNvPr id="110" name="Google Shape;110;p20"/>
           <p:cNvPicPr preferRelativeResize="0"/>
           <p:nvPr/>
         </p:nvPicPr>
@@ -10924,7 +11473,7 @@
       </p:pic>
       <p:sp>
         <p:nvSpPr>
-          <p:cNvPr id="116" name="Google Shape;116;p21"/>
+          <p:cNvPr id="111" name="Google Shape;111;p20"/>
           <p:cNvSpPr txBox="1"/>
           <p:nvPr/>
         </p:nvSpPr>
@@ -11015,7 +11564,7 @@
       </p:sp>
       <p:sp>
         <p:nvSpPr>
-          <p:cNvPr id="117" name="Google Shape;117;p21"/>
+          <p:cNvPr id="112" name="Google Shape;112;p20"/>
           <p:cNvSpPr txBox="1"/>
           <p:nvPr/>
         </p:nvSpPr>
@@ -11063,7 +11612,459 @@
 </p:sld>
 </file>
 
+<file path=ppt/slides/slide9.xml><?xml version="1.0" encoding="utf-8"?>
+<p:sld xmlns:a="http://schemas.openxmlformats.org/drawingml/2006/main" xmlns:r="http://schemas.openxmlformats.org/officeDocument/2006/relationships" xmlns:mc="http://schemas.openxmlformats.org/markup-compatibility/2006" xmlns:mv="urn:schemas-microsoft-com:mac:vml" xmlns:p="http://schemas.openxmlformats.org/presentationml/2006/main" xmlns:c="http://schemas.openxmlformats.org/drawingml/2006/chart" xmlns:dgm="http://schemas.openxmlformats.org/drawingml/2006/diagram" xmlns:o="urn:schemas-microsoft-com:office:office" xmlns:v="urn:schemas-microsoft-com:vml" xmlns:pvml="urn:schemas-microsoft-com:office:powerpoint" xmlns:com="http://schemas.openxmlformats.org/drawingml/2006/compatibility" xmlns:p14="http://schemas.microsoft.com/office/powerpoint/2010/main" xmlns:p15="http://schemas.microsoft.com/office/powerpoint/2012/main">
+  <p:cSld>
+    <p:spTree>
+      <p:nvGrpSpPr>
+        <p:cNvPr id="116" name="Shape 116"/>
+        <p:cNvGrpSpPr/>
+        <p:nvPr/>
+      </p:nvGrpSpPr>
+      <p:grpSpPr>
+        <a:xfrm>
+          <a:off x="0" y="0"/>
+          <a:ext cx="0" cy="0"/>
+          <a:chOff x="0" y="0"/>
+          <a:chExt cx="0" cy="0"/>
+        </a:xfrm>
+      </p:grpSpPr>
+      <p:sp>
+        <p:nvSpPr>
+          <p:cNvPr id="117" name="Google Shape;117;p21"/>
+          <p:cNvSpPr txBox="1"/>
+          <p:nvPr>
+            <p:ph type="title"/>
+          </p:nvPr>
+        </p:nvSpPr>
+        <p:spPr>
+          <a:xfrm>
+            <a:off x="273775" y="262975"/>
+            <a:ext cx="8520600" cy="333600"/>
+          </a:xfrm>
+          <a:prstGeom prst="rect">
+            <a:avLst/>
+          </a:prstGeom>
+        </p:spPr>
+        <p:txBody>
+          <a:bodyPr anchorCtr="0" anchor="t" bIns="91425" lIns="91425" spcFirstLastPara="1" rIns="91425" wrap="square" tIns="91425">
+            <a:noAutofit/>
+          </a:bodyPr>
+          <a:lstStyle/>
+          <a:p>
+            <a:pPr indent="0" lvl="0" marL="0" rtl="0" algn="l">
+              <a:spcBef>
+                <a:spcPts val="0"/>
+              </a:spcBef>
+              <a:spcAft>
+                <a:spcPts val="0"/>
+              </a:spcAft>
+              <a:buNone/>
+            </a:pPr>
+            <a:r>
+              <a:rPr b="1" lang="en" sz="1200">
+                <a:latin typeface="Trebuchet MS"/>
+                <a:ea typeface="Trebuchet MS"/>
+                <a:cs typeface="Trebuchet MS"/>
+                <a:sym typeface="Trebuchet MS"/>
+              </a:rPr>
+              <a:t>Question 8 - Investigate difference in ABV and IBU between IPAs and other ales.</a:t>
+            </a:r>
+            <a:endParaRPr b="1" sz="1200">
+              <a:latin typeface="Trebuchet MS"/>
+              <a:ea typeface="Trebuchet MS"/>
+              <a:cs typeface="Trebuchet MS"/>
+              <a:sym typeface="Trebuchet MS"/>
+            </a:endParaRPr>
+          </a:p>
+        </p:txBody>
+      </p:sp>
+      <p:pic>
+        <p:nvPicPr>
+          <p:cNvPr id="118" name="Google Shape;118;p21"/>
+          <p:cNvPicPr preferRelativeResize="0"/>
+          <p:nvPr/>
+        </p:nvPicPr>
+        <p:blipFill>
+          <a:blip r:embed="rId3">
+            <a:alphaModFix/>
+          </a:blip>
+          <a:stretch>
+            <a:fillRect/>
+          </a:stretch>
+        </p:blipFill>
+        <p:spPr>
+          <a:xfrm>
+            <a:off x="100275" y="704150"/>
+            <a:ext cx="4453099" cy="3180768"/>
+          </a:xfrm>
+          <a:prstGeom prst="rect">
+            <a:avLst/>
+          </a:prstGeom>
+          <a:noFill/>
+          <a:ln>
+            <a:noFill/>
+          </a:ln>
+        </p:spPr>
+      </p:pic>
+      <p:pic>
+        <p:nvPicPr>
+          <p:cNvPr id="119" name="Google Shape;119;p21"/>
+          <p:cNvPicPr preferRelativeResize="0"/>
+          <p:nvPr/>
+        </p:nvPicPr>
+        <p:blipFill>
+          <a:blip r:embed="rId4">
+            <a:alphaModFix/>
+          </a:blip>
+          <a:stretch>
+            <a:fillRect/>
+          </a:stretch>
+        </p:blipFill>
+        <p:spPr>
+          <a:xfrm>
+            <a:off x="4690900" y="753250"/>
+            <a:ext cx="4453099" cy="3180799"/>
+          </a:xfrm>
+          <a:prstGeom prst="rect">
+            <a:avLst/>
+          </a:prstGeom>
+          <a:noFill/>
+          <a:ln>
+            <a:noFill/>
+          </a:ln>
+        </p:spPr>
+      </p:pic>
+      <p:sp>
+        <p:nvSpPr>
+          <p:cNvPr id="120" name="Google Shape;120;p21"/>
+          <p:cNvSpPr txBox="1"/>
+          <p:nvPr/>
+        </p:nvSpPr>
+        <p:spPr>
+          <a:xfrm>
+            <a:off x="425300" y="4179925"/>
+            <a:ext cx="8140500" cy="644700"/>
+          </a:xfrm>
+          <a:prstGeom prst="rect">
+            <a:avLst/>
+          </a:prstGeom>
+          <a:noFill/>
+          <a:ln>
+            <a:noFill/>
+          </a:ln>
+        </p:spPr>
+        <p:txBody>
+          <a:bodyPr anchorCtr="0" anchor="t" bIns="91425" lIns="91425" spcFirstLastPara="1" rIns="91425" wrap="square" tIns="91425">
+            <a:noAutofit/>
+          </a:bodyPr>
+          <a:lstStyle/>
+          <a:p>
+            <a:pPr indent="0" lvl="0" marL="0" rtl="0" algn="l">
+              <a:spcBef>
+                <a:spcPts val="0"/>
+              </a:spcBef>
+              <a:spcAft>
+                <a:spcPts val="0"/>
+              </a:spcAft>
+              <a:buNone/>
+            </a:pPr>
+            <a:r>
+              <a:rPr lang="en"/>
+              <a:t>Infilling missing values for ABV and IBU does not change the character of their relationship, so subsequent analyses will use infilled datasets</a:t>
+            </a:r>
+            <a:endParaRPr/>
+          </a:p>
+        </p:txBody>
+      </p:sp>
+    </p:spTree>
+  </p:cSld>
+  <p:clrMapOvr>
+    <a:masterClrMapping/>
+  </p:clrMapOvr>
+</p:sld>
+</file>
+
 <file path=ppt/theme/theme1.xml><?xml version="1.0" encoding="utf-8"?>
+<a:theme xmlns:a="http://schemas.openxmlformats.org/drawingml/2006/main" xmlns:r="http://schemas.openxmlformats.org/officeDocument/2006/relationships">
+  <a:themeElements>
+    <a:clrScheme name="Default">
+      <a:dk1>
+        <a:srgbClr val="000000"/>
+      </a:dk1>
+      <a:lt1>
+        <a:srgbClr val="FFFFFF"/>
+      </a:lt1>
+      <a:dk2>
+        <a:srgbClr val="158158"/>
+      </a:dk2>
+      <a:lt2>
+        <a:srgbClr val="F3F3F3"/>
+      </a:lt2>
+      <a:accent1>
+        <a:srgbClr val="058DC7"/>
+      </a:accent1>
+      <a:accent2>
+        <a:srgbClr val="50B432"/>
+      </a:accent2>
+      <a:accent3>
+        <a:srgbClr val="ED561B"/>
+      </a:accent3>
+      <a:accent4>
+        <a:srgbClr val="EDEF00"/>
+      </a:accent4>
+      <a:accent5>
+        <a:srgbClr val="24CBE5"/>
+      </a:accent5>
+      <a:accent6>
+        <a:srgbClr val="64E572"/>
+      </a:accent6>
+      <a:hlink>
+        <a:srgbClr val="2200CC"/>
+      </a:hlink>
+      <a:folHlink>
+        <a:srgbClr val="551A8B"/>
+      </a:folHlink>
+    </a:clrScheme>
+    <a:fontScheme name="Office">
+      <a:majorFont>
+        <a:latin typeface="Arial"/>
+        <a:ea typeface=""/>
+        <a:cs typeface=""/>
+        <a:font script="Jpan" typeface="ＭＳ Ｐゴシック"/>
+        <a:font script="Hang" typeface="맑은 고딕"/>
+        <a:font script="Hans" typeface="宋体"/>
+        <a:font script="Hant" typeface="新細明體"/>
+        <a:font script="Arab" typeface="Times New Roman"/>
+        <a:font script="Hebr" typeface="Times New Roman"/>
+        <a:font script="Thai" typeface="Angsana New"/>
+        <a:font script="Ethi" typeface="Nyala"/>
+        <a:font script="Beng" typeface="Vrinda"/>
+        <a:font script="Gujr" typeface="Shruti"/>
+        <a:font script="Khmr" typeface="MoolBoran"/>
+        <a:font script="Knda" typeface="Tunga"/>
+        <a:font script="Guru" typeface="Raavi"/>
+        <a:font script="Cans" typeface="Euphemia"/>
+        <a:font script="Cher" typeface="Plantagenet Cherokee"/>
+        <a:font script="Yiii" typeface="Microsoft Yi Baiti"/>
+        <a:font script="Tibt" typeface="Microsoft Himalaya"/>
+        <a:font script="Thaa" typeface="MV Boli"/>
+        <a:font script="Deva" typeface="Mangal"/>
+        <a:font script="Telu" typeface="Gautami"/>
+        <a:font script="Taml" typeface="Latha"/>
+        <a:font script="Syrc" typeface="Estrangelo Edessa"/>
+        <a:font script="Orya" typeface="Kalinga"/>
+        <a:font script="Mlym" typeface="Kartika"/>
+        <a:font script="Laoo" typeface="DokChampa"/>
+        <a:font script="Sinh" typeface="Iskoola Pota"/>
+        <a:font script="Mong" typeface="Mongolian Baiti"/>
+        <a:font script="Viet" typeface="Times New Roman"/>
+        <a:font script="Uigh" typeface="Microsoft Uighur"/>
+        <a:font script="Geor" typeface="Sylfaen"/>
+      </a:majorFont>
+      <a:minorFont>
+        <a:latin typeface="Arial"/>
+        <a:ea typeface=""/>
+        <a:cs typeface=""/>
+        <a:font script="Jpan" typeface="ＭＳ Ｐゴシック"/>
+        <a:font script="Hang" typeface="맑은 고딕"/>
+        <a:font script="Hans" typeface="宋体"/>
+        <a:font script="Hant" typeface="新細明體"/>
+        <a:font script="Arab" typeface="Arial"/>
+        <a:font script="Hebr" typeface="Arial"/>
+        <a:font script="Thai" typeface="Cordia New"/>
+        <a:font script="Ethi" typeface="Nyala"/>
+        <a:font script="Beng" typeface="Vrinda"/>
+        <a:font script="Gujr" typeface="Shruti"/>
+        <a:font script="Khmr" typeface="DaunPenh"/>
+        <a:font script="Knda" typeface="Tunga"/>
+        <a:font script="Guru" typeface="Raavi"/>
+        <a:font script="Cans" typeface="Euphemia"/>
+        <a:font script="Cher" typeface="Plantagenet Cherokee"/>
+        <a:font script="Yiii" typeface="Microsoft Yi Baiti"/>
+        <a:font script="Tibt" typeface="Microsoft Himalaya"/>
+        <a:font script="Thaa" typeface="MV Boli"/>
+        <a:font script="Deva" typeface="Mangal"/>
+        <a:font script="Telu" typeface="Gautami"/>
+        <a:font script="Taml" typeface="Latha"/>
+        <a:font script="Syrc" typeface="Estrangelo Edessa"/>
+        <a:font script="Orya" typeface="Kalinga"/>
+        <a:font script="Mlym" typeface="Kartika"/>
+        <a:font script="Laoo" typeface="DokChampa"/>
+        <a:font script="Sinh" typeface="Iskoola Pota"/>
+        <a:font script="Mong" typeface="Mongolian Baiti"/>
+        <a:font script="Viet" typeface="Arial"/>
+        <a:font script="Uigh" typeface="Microsoft Uighur"/>
+        <a:font script="Geor" typeface="Sylfaen"/>
+      </a:minorFont>
+    </a:fontScheme>
+    <a:fmtScheme name="Office">
+      <a:fillStyleLst>
+        <a:solidFill>
+          <a:schemeClr val="phClr"/>
+        </a:solidFill>
+        <a:gradFill rotWithShape="1">
+          <a:gsLst>
+            <a:gs pos="0">
+              <a:schemeClr val="phClr">
+                <a:tint val="50000"/>
+                <a:satMod val="300000"/>
+              </a:schemeClr>
+            </a:gs>
+            <a:gs pos="35000">
+              <a:schemeClr val="phClr">
+                <a:tint val="37000"/>
+                <a:satMod val="300000"/>
+              </a:schemeClr>
+            </a:gs>
+            <a:gs pos="100000">
+              <a:schemeClr val="phClr">
+                <a:tint val="15000"/>
+                <a:satMod val="350000"/>
+              </a:schemeClr>
+            </a:gs>
+          </a:gsLst>
+          <a:lin ang="16200000" scaled="1"/>
+        </a:gradFill>
+        <a:gradFill rotWithShape="1">
+          <a:gsLst>
+            <a:gs pos="0">
+              <a:schemeClr val="phClr">
+                <a:tint val="100000"/>
+                <a:shade val="100000"/>
+                <a:satMod val="130000"/>
+              </a:schemeClr>
+            </a:gs>
+            <a:gs pos="100000">
+              <a:schemeClr val="phClr">
+                <a:tint val="50000"/>
+                <a:shade val="100000"/>
+                <a:satMod val="350000"/>
+              </a:schemeClr>
+            </a:gs>
+          </a:gsLst>
+          <a:lin ang="16200000" scaled="0"/>
+        </a:gradFill>
+      </a:fillStyleLst>
+      <a:lnStyleLst>
+        <a:ln w="9525" cap="flat" cmpd="sng" algn="ctr">
+          <a:solidFill>
+            <a:schemeClr val="phClr">
+              <a:shade val="95000"/>
+              <a:satMod val="105000"/>
+            </a:schemeClr>
+          </a:solidFill>
+          <a:prstDash val="solid"/>
+        </a:ln>
+        <a:ln w="25400" cap="flat" cmpd="sng" algn="ctr">
+          <a:solidFill>
+            <a:schemeClr val="phClr"/>
+          </a:solidFill>
+          <a:prstDash val="solid"/>
+        </a:ln>
+        <a:ln w="38100" cap="flat" cmpd="sng" algn="ctr">
+          <a:solidFill>
+            <a:schemeClr val="phClr"/>
+          </a:solidFill>
+          <a:prstDash val="solid"/>
+        </a:ln>
+      </a:lnStyleLst>
+      <a:effectStyleLst>
+        <a:effectStyle>
+          <a:effectLst>
+            <a:outerShdw blurRad="40000" dist="20000" dir="5400000" rotWithShape="0">
+              <a:srgbClr val="000000">
+                <a:alpha val="38000"/>
+              </a:srgbClr>
+            </a:outerShdw>
+          </a:effectLst>
+        </a:effectStyle>
+        <a:effectStyle>
+          <a:effectLst>
+            <a:outerShdw blurRad="40000" dist="23000" dir="5400000" rotWithShape="0">
+              <a:srgbClr val="000000">
+                <a:alpha val="35000"/>
+              </a:srgbClr>
+            </a:outerShdw>
+          </a:effectLst>
+        </a:effectStyle>
+        <a:effectStyle>
+          <a:effectLst>
+            <a:outerShdw blurRad="40000" dist="23000" dir="5400000" rotWithShape="0">
+              <a:srgbClr val="000000">
+                <a:alpha val="35000"/>
+              </a:srgbClr>
+            </a:outerShdw>
+          </a:effectLst>
+          <a:scene3d>
+            <a:camera prst="orthographicFront">
+              <a:rot lat="0" lon="0" rev="0"/>
+            </a:camera>
+            <a:lightRig rig="threePt" dir="t">
+              <a:rot lat="0" lon="0" rev="1200000"/>
+            </a:lightRig>
+          </a:scene3d>
+          <a:sp3d>
+            <a:bevelT w="63500" h="25400"/>
+          </a:sp3d>
+        </a:effectStyle>
+      </a:effectStyleLst>
+      <a:bgFillStyleLst>
+        <a:solidFill>
+          <a:schemeClr val="phClr"/>
+        </a:solidFill>
+        <a:gradFill rotWithShape="1">
+          <a:gsLst>
+            <a:gs pos="0">
+              <a:schemeClr val="phClr">
+                <a:tint val="40000"/>
+                <a:satMod val="350000"/>
+              </a:schemeClr>
+            </a:gs>
+            <a:gs pos="40000">
+              <a:schemeClr val="phClr">
+                <a:tint val="45000"/>
+                <a:shade val="99000"/>
+                <a:satMod val="350000"/>
+              </a:schemeClr>
+            </a:gs>
+            <a:gs pos="100000">
+              <a:schemeClr val="phClr">
+                <a:shade val="20000"/>
+                <a:satMod val="255000"/>
+              </a:schemeClr>
+            </a:gs>
+          </a:gsLst>
+          <a:path path="circle">
+            <a:fillToRect l="50000" t="-80000" r="50000" b="180000"/>
+          </a:path>
+        </a:gradFill>
+        <a:gradFill rotWithShape="1">
+          <a:gsLst>
+            <a:gs pos="0">
+              <a:schemeClr val="phClr">
+                <a:tint val="80000"/>
+                <a:satMod val="300000"/>
+              </a:schemeClr>
+            </a:gs>
+            <a:gs pos="100000">
+              <a:schemeClr val="phClr">
+                <a:shade val="30000"/>
+                <a:satMod val="200000"/>
+              </a:schemeClr>
+            </a:gs>
+          </a:gsLst>
+          <a:path path="circle">
+            <a:fillToRect l="50000" t="50000" r="50000" b="50000"/>
+          </a:path>
+        </a:gradFill>
+      </a:bgFillStyleLst>
+    </a:fmtScheme>
+  </a:themeElements>
+</a:theme>
+</file>
+
+<file path=ppt/theme/theme2.xml><?xml version="1.0" encoding="utf-8"?>
 <a:theme xmlns:a="http://schemas.openxmlformats.org/drawingml/2006/main" xmlns:r="http://schemas.openxmlformats.org/officeDocument/2006/relationships" name="Simple Light">
   <a:themeElements>
     <a:clrScheme name="Simple Light">
@@ -11340,283 +12341,4 @@
     </a:fmtScheme>
   </a:themeElements>
 </a:theme>
-</file>
-
-<file path=ppt/theme/theme2.xml><?xml version="1.0" encoding="utf-8"?>
-<a:theme xmlns:a="http://schemas.openxmlformats.org/drawingml/2006/main" xmlns:r="http://schemas.openxmlformats.org/officeDocument/2006/relationships">
-  <a:themeElements>
-    <a:clrScheme name="Default">
-      <a:dk1>
-        <a:srgbClr val="000000"/>
-      </a:dk1>
-      <a:lt1>
-        <a:srgbClr val="FFFFFF"/>
-      </a:lt1>
-      <a:dk2>
-        <a:srgbClr val="158158"/>
-      </a:dk2>
-      <a:lt2>
-        <a:srgbClr val="F3F3F3"/>
-      </a:lt2>
-      <a:accent1>
-        <a:srgbClr val="058DC7"/>
-      </a:accent1>
-      <a:accent2>
-        <a:srgbClr val="50B432"/>
-      </a:accent2>
-      <a:accent3>
-        <a:srgbClr val="ED561B"/>
-      </a:accent3>
-      <a:accent4>
-        <a:srgbClr val="EDEF00"/>
-      </a:accent4>
-      <a:accent5>
-        <a:srgbClr val="24CBE5"/>
-      </a:accent5>
-      <a:accent6>
-        <a:srgbClr val="64E572"/>
-      </a:accent6>
-      <a:hlink>
-        <a:srgbClr val="2200CC"/>
-      </a:hlink>
-      <a:folHlink>
-        <a:srgbClr val="551A8B"/>
-      </a:folHlink>
-    </a:clrScheme>
-    <a:fontScheme name="Office">
-      <a:majorFont>
-        <a:latin typeface="Arial"/>
-        <a:ea typeface=""/>
-        <a:cs typeface=""/>
-        <a:font script="Jpan" typeface="ＭＳ Ｐゴシック"/>
-        <a:font script="Hang" typeface="맑은 고딕"/>
-        <a:font script="Hans" typeface="宋体"/>
-        <a:font script="Hant" typeface="新細明體"/>
-        <a:font script="Arab" typeface="Times New Roman"/>
-        <a:font script="Hebr" typeface="Times New Roman"/>
-        <a:font script="Thai" typeface="Angsana New"/>
-        <a:font script="Ethi" typeface="Nyala"/>
-        <a:font script="Beng" typeface="Vrinda"/>
-        <a:font script="Gujr" typeface="Shruti"/>
-        <a:font script="Khmr" typeface="MoolBoran"/>
-        <a:font script="Knda" typeface="Tunga"/>
-        <a:font script="Guru" typeface="Raavi"/>
-        <a:font script="Cans" typeface="Euphemia"/>
-        <a:font script="Cher" typeface="Plantagenet Cherokee"/>
-        <a:font script="Yiii" typeface="Microsoft Yi Baiti"/>
-        <a:font script="Tibt" typeface="Microsoft Himalaya"/>
-        <a:font script="Thaa" typeface="MV Boli"/>
-        <a:font script="Deva" typeface="Mangal"/>
-        <a:font script="Telu" typeface="Gautami"/>
-        <a:font script="Taml" typeface="Latha"/>
-        <a:font script="Syrc" typeface="Estrangelo Edessa"/>
-        <a:font script="Orya" typeface="Kalinga"/>
-        <a:font script="Mlym" typeface="Kartika"/>
-        <a:font script="Laoo" typeface="DokChampa"/>
-        <a:font script="Sinh" typeface="Iskoola Pota"/>
-        <a:font script="Mong" typeface="Mongolian Baiti"/>
-        <a:font script="Viet" typeface="Times New Roman"/>
-        <a:font script="Uigh" typeface="Microsoft Uighur"/>
-        <a:font script="Geor" typeface="Sylfaen"/>
-      </a:majorFont>
-      <a:minorFont>
-        <a:latin typeface="Arial"/>
-        <a:ea typeface=""/>
-        <a:cs typeface=""/>
-        <a:font script="Jpan" typeface="ＭＳ Ｐゴシック"/>
-        <a:font script="Hang" typeface="맑은 고딕"/>
-        <a:font script="Hans" typeface="宋体"/>
-        <a:font script="Hant" typeface="新細明體"/>
-        <a:font script="Arab" typeface="Arial"/>
-        <a:font script="Hebr" typeface="Arial"/>
-        <a:font script="Thai" typeface="Cordia New"/>
-        <a:font script="Ethi" typeface="Nyala"/>
-        <a:font script="Beng" typeface="Vrinda"/>
-        <a:font script="Gujr" typeface="Shruti"/>
-        <a:font script="Khmr" typeface="DaunPenh"/>
-        <a:font script="Knda" typeface="Tunga"/>
-        <a:font script="Guru" typeface="Raavi"/>
-        <a:font script="Cans" typeface="Euphemia"/>
-        <a:font script="Cher" typeface="Plantagenet Cherokee"/>
-        <a:font script="Yiii" typeface="Microsoft Yi Baiti"/>
-        <a:font script="Tibt" typeface="Microsoft Himalaya"/>
-        <a:font script="Thaa" typeface="MV Boli"/>
-        <a:font script="Deva" typeface="Mangal"/>
-        <a:font script="Telu" typeface="Gautami"/>
-        <a:font script="Taml" typeface="Latha"/>
-        <a:font script="Syrc" typeface="Estrangelo Edessa"/>
-        <a:font script="Orya" typeface="Kalinga"/>
-        <a:font script="Mlym" typeface="Kartika"/>
-        <a:font script="Laoo" typeface="DokChampa"/>
-        <a:font script="Sinh" typeface="Iskoola Pota"/>
-        <a:font script="Mong" typeface="Mongolian Baiti"/>
-        <a:font script="Viet" typeface="Arial"/>
-        <a:font script="Uigh" typeface="Microsoft Uighur"/>
-        <a:font script="Geor" typeface="Sylfaen"/>
-      </a:minorFont>
-    </a:fontScheme>
-    <a:fmtScheme name="Office">
-      <a:fillStyleLst>
-        <a:solidFill>
-          <a:schemeClr val="phClr"/>
-        </a:solidFill>
-        <a:gradFill rotWithShape="1">
-          <a:gsLst>
-            <a:gs pos="0">
-              <a:schemeClr val="phClr">
-                <a:tint val="50000"/>
-                <a:satMod val="300000"/>
-              </a:schemeClr>
-            </a:gs>
-            <a:gs pos="35000">
-              <a:schemeClr val="phClr">
-                <a:tint val="37000"/>
-                <a:satMod val="300000"/>
-              </a:schemeClr>
-            </a:gs>
-            <a:gs pos="100000">
-              <a:schemeClr val="phClr">
-                <a:tint val="15000"/>
-                <a:satMod val="350000"/>
-              </a:schemeClr>
-            </a:gs>
-          </a:gsLst>
-          <a:lin ang="16200000" scaled="1"/>
-        </a:gradFill>
-        <a:gradFill rotWithShape="1">
-          <a:gsLst>
-            <a:gs pos="0">
-              <a:schemeClr val="phClr">
-                <a:tint val="100000"/>
-                <a:shade val="100000"/>
-                <a:satMod val="130000"/>
-              </a:schemeClr>
-            </a:gs>
-            <a:gs pos="100000">
-              <a:schemeClr val="phClr">
-                <a:tint val="50000"/>
-                <a:shade val="100000"/>
-                <a:satMod val="350000"/>
-              </a:schemeClr>
-            </a:gs>
-          </a:gsLst>
-          <a:lin ang="16200000" scaled="0"/>
-        </a:gradFill>
-      </a:fillStyleLst>
-      <a:lnStyleLst>
-        <a:ln w="9525" cap="flat" cmpd="sng" algn="ctr">
-          <a:solidFill>
-            <a:schemeClr val="phClr">
-              <a:shade val="95000"/>
-              <a:satMod val="105000"/>
-            </a:schemeClr>
-          </a:solidFill>
-          <a:prstDash val="solid"/>
-        </a:ln>
-        <a:ln w="25400" cap="flat" cmpd="sng" algn="ctr">
-          <a:solidFill>
-            <a:schemeClr val="phClr"/>
-          </a:solidFill>
-          <a:prstDash val="solid"/>
-        </a:ln>
-        <a:ln w="38100" cap="flat" cmpd="sng" algn="ctr">
-          <a:solidFill>
-            <a:schemeClr val="phClr"/>
-          </a:solidFill>
-          <a:prstDash val="solid"/>
-        </a:ln>
-      </a:lnStyleLst>
-      <a:effectStyleLst>
-        <a:effectStyle>
-          <a:effectLst>
-            <a:outerShdw blurRad="40000" dist="20000" dir="5400000" rotWithShape="0">
-              <a:srgbClr val="000000">
-                <a:alpha val="38000"/>
-              </a:srgbClr>
-            </a:outerShdw>
-          </a:effectLst>
-        </a:effectStyle>
-        <a:effectStyle>
-          <a:effectLst>
-            <a:outerShdw blurRad="40000" dist="23000" dir="5400000" rotWithShape="0">
-              <a:srgbClr val="000000">
-                <a:alpha val="35000"/>
-              </a:srgbClr>
-            </a:outerShdw>
-          </a:effectLst>
-        </a:effectStyle>
-        <a:effectStyle>
-          <a:effectLst>
-            <a:outerShdw blurRad="40000" dist="23000" dir="5400000" rotWithShape="0">
-              <a:srgbClr val="000000">
-                <a:alpha val="35000"/>
-              </a:srgbClr>
-            </a:outerShdw>
-          </a:effectLst>
-          <a:scene3d>
-            <a:camera prst="orthographicFront">
-              <a:rot lat="0" lon="0" rev="0"/>
-            </a:camera>
-            <a:lightRig rig="threePt" dir="t">
-              <a:rot lat="0" lon="0" rev="1200000"/>
-            </a:lightRig>
-          </a:scene3d>
-          <a:sp3d>
-            <a:bevelT w="63500" h="25400"/>
-          </a:sp3d>
-        </a:effectStyle>
-      </a:effectStyleLst>
-      <a:bgFillStyleLst>
-        <a:solidFill>
-          <a:schemeClr val="phClr"/>
-        </a:solidFill>
-        <a:gradFill rotWithShape="1">
-          <a:gsLst>
-            <a:gs pos="0">
-              <a:schemeClr val="phClr">
-                <a:tint val="40000"/>
-                <a:satMod val="350000"/>
-              </a:schemeClr>
-            </a:gs>
-            <a:gs pos="40000">
-              <a:schemeClr val="phClr">
-                <a:tint val="45000"/>
-                <a:shade val="99000"/>
-                <a:satMod val="350000"/>
-              </a:schemeClr>
-            </a:gs>
-            <a:gs pos="100000">
-              <a:schemeClr val="phClr">
-                <a:shade val="20000"/>
-                <a:satMod val="255000"/>
-              </a:schemeClr>
-            </a:gs>
-          </a:gsLst>
-          <a:path path="circle">
-            <a:fillToRect l="50000" t="-80000" r="50000" b="180000"/>
-          </a:path>
-        </a:gradFill>
-        <a:gradFill rotWithShape="1">
-          <a:gsLst>
-            <a:gs pos="0">
-              <a:schemeClr val="phClr">
-                <a:tint val="80000"/>
-                <a:satMod val="300000"/>
-              </a:schemeClr>
-            </a:gs>
-            <a:gs pos="100000">
-              <a:schemeClr val="phClr">
-                <a:shade val="30000"/>
-                <a:satMod val="200000"/>
-              </a:schemeClr>
-            </a:gs>
-          </a:gsLst>
-          <a:path path="circle">
-            <a:fillToRect l="50000" t="50000" r="50000" b="50000"/>
-          </a:path>
-        </a:gradFill>
-      </a:bgFillStyleLst>
-    </a:fmtScheme>
-  </a:themeElements>
-</a:theme>
 </file>
--- a/CaseStudy_EDA_Palmer_Garrity.pptx
+++ b/CaseStudy_EDA_Palmer_Garrity.pptx
@@ -25,8 +25,6 @@
     <p:sldId id="270" r:id="rId21"/>
     <p:sldId id="271" r:id="rId22"/>
     <p:sldId id="272" r:id="rId23"/>
-    <p:sldId id="273" r:id="rId24"/>
-    <p:sldId id="274" r:id="rId25"/>
   </p:sldIdLst>
   <p:sldSz cy="5143500" cx="9144000"/>
   <p:notesSz cx="6858000" cy="9144000"/>
@@ -808,7 +806,7 @@
   <p:cSld>
     <p:spTree>
       <p:nvGrpSpPr>
-        <p:cNvPr id="121" name="Shape 121"/>
+        <p:cNvPr id="120" name="Shape 120"/>
         <p:cNvGrpSpPr/>
         <p:nvPr/>
       </p:nvGrpSpPr>
@@ -822,7 +820,7 @@
       </p:grpSpPr>
       <p:sp>
         <p:nvSpPr>
-          <p:cNvPr id="122" name="Google Shape;122;g65034a9332_0_43:notes"/>
+          <p:cNvPr id="121" name="Google Shape;121;g65034a9332_0_43:notes"/>
           <p:cNvSpPr/>
           <p:nvPr>
             <p:ph idx="2" type="sldImg"/>
@@ -857,7 +855,7 @@
       </p:sp>
       <p:sp>
         <p:nvSpPr>
-          <p:cNvPr id="123" name="Google Shape;123;g65034a9332_0_43:notes"/>
+          <p:cNvPr id="122" name="Google Shape;122;g65034a9332_0_43:notes"/>
           <p:cNvSpPr txBox="1"/>
           <p:nvPr>
             <p:ph idx="1" type="body"/>
@@ -907,7 +905,7 @@
   <p:cSld>
     <p:spTree>
       <p:nvGrpSpPr>
-        <p:cNvPr id="130" name="Shape 130"/>
+        <p:cNvPr id="129" name="Shape 129"/>
         <p:cNvGrpSpPr/>
         <p:nvPr/>
       </p:nvGrpSpPr>
@@ -921,7 +919,7 @@
       </p:grpSpPr>
       <p:sp>
         <p:nvSpPr>
-          <p:cNvPr id="131" name="Google Shape;131;g6f4f0751f6_0_24:notes"/>
+          <p:cNvPr id="130" name="Google Shape;130;g653c506983_0_22:notes"/>
           <p:cNvSpPr/>
           <p:nvPr>
             <p:ph idx="2" type="sldImg"/>
@@ -956,7 +954,7 @@
       </p:sp>
       <p:sp>
         <p:nvSpPr>
-          <p:cNvPr id="132" name="Google Shape;132;g6f4f0751f6_0_24:notes"/>
+          <p:cNvPr id="131" name="Google Shape;131;g653c506983_0_22:notes"/>
           <p:cNvSpPr txBox="1"/>
           <p:nvPr>
             <p:ph idx="1" type="body"/>
@@ -1006,7 +1004,7 @@
   <p:cSld>
     <p:spTree>
       <p:nvGrpSpPr>
-        <p:cNvPr id="139" name="Shape 139"/>
+        <p:cNvPr id="137" name="Shape 137"/>
         <p:cNvGrpSpPr/>
         <p:nvPr/>
       </p:nvGrpSpPr>
@@ -1020,7 +1018,7 @@
       </p:grpSpPr>
       <p:sp>
         <p:nvSpPr>
-          <p:cNvPr id="140" name="Google Shape;140;g653c506983_0_22:notes"/>
+          <p:cNvPr id="138" name="Google Shape;138;g6f68ffb323_5_0:notes"/>
           <p:cNvSpPr/>
           <p:nvPr>
             <p:ph idx="2" type="sldImg"/>
@@ -1055,7 +1053,7 @@
       </p:sp>
       <p:sp>
         <p:nvSpPr>
-          <p:cNvPr id="141" name="Google Shape;141;g653c506983_0_22:notes"/>
+          <p:cNvPr id="139" name="Google Shape;139;g6f68ffb323_5_0:notes"/>
           <p:cNvSpPr txBox="1"/>
           <p:nvPr>
             <p:ph idx="1" type="body"/>
@@ -1105,7 +1103,7 @@
   <p:cSld>
     <p:spTree>
       <p:nvGrpSpPr>
-        <p:cNvPr id="147" name="Shape 147"/>
+        <p:cNvPr id="152" name="Shape 152"/>
         <p:cNvGrpSpPr/>
         <p:nvPr/>
       </p:nvGrpSpPr>
@@ -1119,7 +1117,7 @@
       </p:grpSpPr>
       <p:sp>
         <p:nvSpPr>
-          <p:cNvPr id="148" name="Google Shape;148;g6f4f0751f6_0_5:notes"/>
+          <p:cNvPr id="153" name="Google Shape;153;g653953e195_0_0:notes"/>
           <p:cNvSpPr/>
           <p:nvPr>
             <p:ph idx="2" type="sldImg"/>
@@ -1154,7 +1152,7 @@
       </p:sp>
       <p:sp>
         <p:nvSpPr>
-          <p:cNvPr id="149" name="Google Shape;149;g6f4f0751f6_0_5:notes"/>
+          <p:cNvPr id="154" name="Google Shape;154;g653953e195_0_0:notes"/>
           <p:cNvSpPr txBox="1"/>
           <p:nvPr>
             <p:ph idx="1" type="body"/>
@@ -1204,7 +1202,7 @@
   <p:cSld>
     <p:spTree>
       <p:nvGrpSpPr>
-        <p:cNvPr id="155" name="Shape 155"/>
+        <p:cNvPr id="169" name="Shape 169"/>
         <p:cNvGrpSpPr/>
         <p:nvPr/>
       </p:nvGrpSpPr>
@@ -1218,7 +1216,7 @@
       </p:grpSpPr>
       <p:sp>
         <p:nvSpPr>
-          <p:cNvPr id="156" name="Google Shape;156;g653953e195_0_21:notes"/>
+          <p:cNvPr id="170" name="Google Shape;170;g653953e195_0_33:notes"/>
           <p:cNvSpPr/>
           <p:nvPr>
             <p:ph idx="2" type="sldImg"/>
@@ -1253,7 +1251,7 @@
       </p:sp>
       <p:sp>
         <p:nvSpPr>
-          <p:cNvPr id="157" name="Google Shape;157;g653953e195_0_21:notes"/>
+          <p:cNvPr id="171" name="Google Shape;171;g653953e195_0_33:notes"/>
           <p:cNvSpPr txBox="1"/>
           <p:nvPr>
             <p:ph idx="1" type="body"/>
@@ -1303,7 +1301,7 @@
   <p:cSld>
     <p:spTree>
       <p:nvGrpSpPr>
-        <p:cNvPr id="161" name="Shape 161"/>
+        <p:cNvPr id="188" name="Shape 188"/>
         <p:cNvGrpSpPr/>
         <p:nvPr/>
       </p:nvGrpSpPr>
@@ -1317,7 +1315,7 @@
       </p:grpSpPr>
       <p:sp>
         <p:nvSpPr>
-          <p:cNvPr id="162" name="Google Shape;162;g653953e195_0_0:notes"/>
+          <p:cNvPr id="189" name="Google Shape;189;g653953e195_0_39:notes"/>
           <p:cNvSpPr/>
           <p:nvPr>
             <p:ph idx="2" type="sldImg"/>
@@ -1352,7 +1350,7 @@
       </p:sp>
       <p:sp>
         <p:nvSpPr>
-          <p:cNvPr id="163" name="Google Shape;163;g653953e195_0_0:notes"/>
+          <p:cNvPr id="190" name="Google Shape;190;g653953e195_0_39:notes"/>
           <p:cNvSpPr txBox="1"/>
           <p:nvPr>
             <p:ph idx="1" type="body"/>
@@ -1402,7 +1400,7 @@
   <p:cSld>
     <p:spTree>
       <p:nvGrpSpPr>
-        <p:cNvPr id="171" name="Shape 171"/>
+        <p:cNvPr id="196" name="Shape 196"/>
         <p:cNvGrpSpPr/>
         <p:nvPr/>
       </p:nvGrpSpPr>
@@ -1416,7 +1414,7 @@
       </p:grpSpPr>
       <p:sp>
         <p:nvSpPr>
-          <p:cNvPr id="172" name="Google Shape;172;g653953e195_0_13:notes"/>
+          <p:cNvPr id="197" name="Google Shape;197;g6f68ffb323_5_59:notes"/>
           <p:cNvSpPr/>
           <p:nvPr>
             <p:ph idx="2" type="sldImg"/>
@@ -1451,7 +1449,7 @@
       </p:sp>
       <p:sp>
         <p:nvSpPr>
-          <p:cNvPr id="173" name="Google Shape;173;g653953e195_0_13:notes"/>
+          <p:cNvPr id="198" name="Google Shape;198;g6f68ffb323_5_59:notes"/>
           <p:cNvSpPr txBox="1"/>
           <p:nvPr>
             <p:ph idx="1" type="body"/>
@@ -1501,7 +1499,7 @@
   <p:cSld>
     <p:spTree>
       <p:nvGrpSpPr>
-        <p:cNvPr id="177" name="Shape 177"/>
+        <p:cNvPr id="204" name="Shape 204"/>
         <p:cNvGrpSpPr/>
         <p:nvPr/>
       </p:nvGrpSpPr>
@@ -1515,7 +1513,7 @@
       </p:grpSpPr>
       <p:sp>
         <p:nvSpPr>
-          <p:cNvPr id="178" name="Google Shape;178;g653953e195_0_17:notes"/>
+          <p:cNvPr id="205" name="Google Shape;205;g6f68ffb323_5_66:notes"/>
           <p:cNvSpPr/>
           <p:nvPr>
             <p:ph idx="2" type="sldImg"/>
@@ -1550,205 +1548,7 @@
       </p:sp>
       <p:sp>
         <p:nvSpPr>
-          <p:cNvPr id="179" name="Google Shape;179;g653953e195_0_17:notes"/>
-          <p:cNvSpPr txBox="1"/>
-          <p:nvPr>
-            <p:ph idx="1" type="body"/>
-          </p:nvPr>
-        </p:nvSpPr>
-        <p:spPr>
-          <a:xfrm>
-            <a:off x="685800" y="4343400"/>
-            <a:ext cx="5486400" cy="4114800"/>
-          </a:xfrm>
-          <a:prstGeom prst="rect">
-            <a:avLst/>
-          </a:prstGeom>
-        </p:spPr>
-        <p:txBody>
-          <a:bodyPr anchorCtr="0" anchor="t" bIns="91425" lIns="91425" spcFirstLastPara="1" rIns="91425" wrap="square" tIns="91425">
-            <a:noAutofit/>
-          </a:bodyPr>
-          <a:lstStyle/>
-          <a:p>
-            <a:pPr indent="0" lvl="0" marL="0" rtl="0" algn="l">
-              <a:spcBef>
-                <a:spcPts val="0"/>
-              </a:spcBef>
-              <a:spcAft>
-                <a:spcPts val="0"/>
-              </a:spcAft>
-              <a:buNone/>
-            </a:pPr>
-            <a:r>
-              <a:t/>
-            </a:r>
-            <a:endParaRPr/>
-          </a:p>
-        </p:txBody>
-      </p:sp>
-    </p:spTree>
-  </p:cSld>
-  <p:clrMapOvr>
-    <a:masterClrMapping/>
-  </p:clrMapOvr>
-</p:notes>
-</file>
-
-<file path=ppt/notesSlides/notesSlide18.xml><?xml version="1.0" encoding="utf-8"?>
-<p:notes xmlns:a="http://schemas.openxmlformats.org/drawingml/2006/main" xmlns:r="http://schemas.openxmlformats.org/officeDocument/2006/relationships" xmlns:mc="http://schemas.openxmlformats.org/markup-compatibility/2006" xmlns:mv="urn:schemas-microsoft-com:mac:vml" xmlns:p="http://schemas.openxmlformats.org/presentationml/2006/main" xmlns:c="http://schemas.openxmlformats.org/drawingml/2006/chart" xmlns:dgm="http://schemas.openxmlformats.org/drawingml/2006/diagram" xmlns:o="urn:schemas-microsoft-com:office:office" xmlns:v="urn:schemas-microsoft-com:vml" xmlns:pvml="urn:schemas-microsoft-com:office:powerpoint" xmlns:com="http://schemas.openxmlformats.org/drawingml/2006/compatibility" xmlns:p14="http://schemas.microsoft.com/office/powerpoint/2010/main" xmlns:p15="http://schemas.microsoft.com/office/powerpoint/2012/main" showMasterPhAnim="0" showMasterSp="0">
-  <p:cSld>
-    <p:spTree>
-      <p:nvGrpSpPr>
-        <p:cNvPr id="182" name="Shape 182"/>
-        <p:cNvGrpSpPr/>
-        <p:nvPr/>
-      </p:nvGrpSpPr>
-      <p:grpSpPr>
-        <a:xfrm>
-          <a:off x="0" y="0"/>
-          <a:ext cx="0" cy="0"/>
-          <a:chOff x="0" y="0"/>
-          <a:chExt cx="0" cy="0"/>
-        </a:xfrm>
-      </p:grpSpPr>
-      <p:sp>
-        <p:nvSpPr>
-          <p:cNvPr id="183" name="Google Shape;183;g653953e195_0_25:notes"/>
-          <p:cNvSpPr/>
-          <p:nvPr>
-            <p:ph idx="2" type="sldImg"/>
-          </p:nvPr>
-        </p:nvSpPr>
-        <p:spPr>
-          <a:xfrm>
-            <a:off x="381300" y="685800"/>
-            <a:ext cx="6096000" cy="3429000"/>
-          </a:xfrm>
-          <a:custGeom>
-            <a:rect b="b" l="l" r="r" t="t"/>
-            <a:pathLst>
-              <a:path extrusionOk="0" h="120000" w="120000">
-                <a:moveTo>
-                  <a:pt x="0" y="0"/>
-                </a:moveTo>
-                <a:lnTo>
-                  <a:pt x="120000" y="0"/>
-                </a:lnTo>
-                <a:lnTo>
-                  <a:pt x="120000" y="120000"/>
-                </a:lnTo>
-                <a:lnTo>
-                  <a:pt x="0" y="120000"/>
-                </a:lnTo>
-                <a:close/>
-              </a:path>
-            </a:pathLst>
-          </a:custGeom>
-        </p:spPr>
-      </p:sp>
-      <p:sp>
-        <p:nvSpPr>
-          <p:cNvPr id="184" name="Google Shape;184;g653953e195_0_25:notes"/>
-          <p:cNvSpPr txBox="1"/>
-          <p:nvPr>
-            <p:ph idx="1" type="body"/>
-          </p:nvPr>
-        </p:nvSpPr>
-        <p:spPr>
-          <a:xfrm>
-            <a:off x="685800" y="4343400"/>
-            <a:ext cx="5486400" cy="4114800"/>
-          </a:xfrm>
-          <a:prstGeom prst="rect">
-            <a:avLst/>
-          </a:prstGeom>
-        </p:spPr>
-        <p:txBody>
-          <a:bodyPr anchorCtr="0" anchor="t" bIns="91425" lIns="91425" spcFirstLastPara="1" rIns="91425" wrap="square" tIns="91425">
-            <a:noAutofit/>
-          </a:bodyPr>
-          <a:lstStyle/>
-          <a:p>
-            <a:pPr indent="0" lvl="0" marL="0" rtl="0" algn="l">
-              <a:spcBef>
-                <a:spcPts val="0"/>
-              </a:spcBef>
-              <a:spcAft>
-                <a:spcPts val="0"/>
-              </a:spcAft>
-              <a:buNone/>
-            </a:pPr>
-            <a:r>
-              <a:t/>
-            </a:r>
-            <a:endParaRPr/>
-          </a:p>
-        </p:txBody>
-      </p:sp>
-    </p:spTree>
-  </p:cSld>
-  <p:clrMapOvr>
-    <a:masterClrMapping/>
-  </p:clrMapOvr>
-</p:notes>
-</file>
-
-<file path=ppt/notesSlides/notesSlide19.xml><?xml version="1.0" encoding="utf-8"?>
-<p:notes xmlns:a="http://schemas.openxmlformats.org/drawingml/2006/main" xmlns:r="http://schemas.openxmlformats.org/officeDocument/2006/relationships" xmlns:mc="http://schemas.openxmlformats.org/markup-compatibility/2006" xmlns:mv="urn:schemas-microsoft-com:mac:vml" xmlns:p="http://schemas.openxmlformats.org/presentationml/2006/main" xmlns:c="http://schemas.openxmlformats.org/drawingml/2006/chart" xmlns:dgm="http://schemas.openxmlformats.org/drawingml/2006/diagram" xmlns:o="urn:schemas-microsoft-com:office:office" xmlns:v="urn:schemas-microsoft-com:vml" xmlns:pvml="urn:schemas-microsoft-com:office:powerpoint" xmlns:com="http://schemas.openxmlformats.org/drawingml/2006/compatibility" xmlns:p14="http://schemas.microsoft.com/office/powerpoint/2010/main" xmlns:p15="http://schemas.microsoft.com/office/powerpoint/2012/main" showMasterPhAnim="0" showMasterSp="0">
-  <p:cSld>
-    <p:spTree>
-      <p:nvGrpSpPr>
-        <p:cNvPr id="187" name="Shape 187"/>
-        <p:cNvGrpSpPr/>
-        <p:nvPr/>
-      </p:nvGrpSpPr>
-      <p:grpSpPr>
-        <a:xfrm>
-          <a:off x="0" y="0"/>
-          <a:ext cx="0" cy="0"/>
-          <a:chOff x="0" y="0"/>
-          <a:chExt cx="0" cy="0"/>
-        </a:xfrm>
-      </p:grpSpPr>
-      <p:sp>
-        <p:nvSpPr>
-          <p:cNvPr id="188" name="Google Shape;188;g6340dddd5e_0_8:notes"/>
-          <p:cNvSpPr/>
-          <p:nvPr>
-            <p:ph idx="2" type="sldImg"/>
-          </p:nvPr>
-        </p:nvSpPr>
-        <p:spPr>
-          <a:xfrm>
-            <a:off x="381300" y="685800"/>
-            <a:ext cx="6096000" cy="3429000"/>
-          </a:xfrm>
-          <a:custGeom>
-            <a:rect b="b" l="l" r="r" t="t"/>
-            <a:pathLst>
-              <a:path extrusionOk="0" h="120000" w="120000">
-                <a:moveTo>
-                  <a:pt x="0" y="0"/>
-                </a:moveTo>
-                <a:lnTo>
-                  <a:pt x="120000" y="0"/>
-                </a:lnTo>
-                <a:lnTo>
-                  <a:pt x="120000" y="120000"/>
-                </a:lnTo>
-                <a:lnTo>
-                  <a:pt x="0" y="120000"/>
-                </a:lnTo>
-                <a:close/>
-              </a:path>
-            </a:pathLst>
-          </a:custGeom>
-        </p:spPr>
-      </p:sp>
-      <p:sp>
-        <p:nvSpPr>
-          <p:cNvPr id="189" name="Google Shape;189;g6340dddd5e_0_8:notes"/>
+          <p:cNvPr id="206" name="Google Shape;206;g6f68ffb323_5_66:notes"/>
           <p:cNvSpPr txBox="1"/>
           <p:nvPr>
             <p:ph idx="1" type="body"/>
@@ -1798,7 +1598,7 @@
   <p:cSld>
     <p:spTree>
       <p:nvGrpSpPr>
-        <p:cNvPr id="60" name="Shape 60"/>
+        <p:cNvPr id="59" name="Shape 59"/>
         <p:cNvGrpSpPr/>
         <p:nvPr/>
       </p:nvGrpSpPr>
@@ -1812,7 +1612,7 @@
       </p:grpSpPr>
       <p:sp>
         <p:nvSpPr>
-          <p:cNvPr id="61" name="Google Shape;61;p:notes"/>
+          <p:cNvPr id="60" name="Google Shape;60;p:notes"/>
           <p:cNvSpPr/>
           <p:nvPr>
             <p:ph idx="2" type="sldImg"/>
@@ -1847,7 +1647,7 @@
       </p:sp>
       <p:sp>
         <p:nvSpPr>
-          <p:cNvPr id="62" name="Google Shape;62;p:notes"/>
+          <p:cNvPr id="61" name="Google Shape;61;p:notes"/>
           <p:cNvSpPr txBox="1"/>
           <p:nvPr>
             <p:ph idx="1" type="body"/>
@@ -1897,7 +1697,7 @@
   <p:cSld>
     <p:spTree>
       <p:nvGrpSpPr>
-        <p:cNvPr id="66" name="Shape 66"/>
+        <p:cNvPr id="65" name="Shape 65"/>
         <p:cNvGrpSpPr/>
         <p:nvPr/>
       </p:nvGrpSpPr>
@@ -1911,7 +1711,7 @@
       </p:grpSpPr>
       <p:sp>
         <p:nvSpPr>
-          <p:cNvPr id="67" name="Google Shape;67;g64f3e5db9a_0_0:notes"/>
+          <p:cNvPr id="66" name="Google Shape;66;g64f3e5db9a_0_0:notes"/>
           <p:cNvSpPr/>
           <p:nvPr>
             <p:ph idx="2" type="sldImg"/>
@@ -1946,7 +1746,7 @@
       </p:sp>
       <p:sp>
         <p:nvSpPr>
-          <p:cNvPr id="68" name="Google Shape;68;g64f3e5db9a_0_0:notes"/>
+          <p:cNvPr id="67" name="Google Shape;67;g64f3e5db9a_0_0:notes"/>
           <p:cNvSpPr txBox="1"/>
           <p:nvPr>
             <p:ph idx="1" type="body"/>
@@ -1996,7 +1796,7 @@
   <p:cSld>
     <p:spTree>
       <p:nvGrpSpPr>
-        <p:cNvPr id="73" name="Shape 73"/>
+        <p:cNvPr id="72" name="Shape 72"/>
         <p:cNvGrpSpPr/>
         <p:nvPr/>
       </p:nvGrpSpPr>
@@ -2010,7 +1810,7 @@
       </p:grpSpPr>
       <p:sp>
         <p:nvSpPr>
-          <p:cNvPr id="74" name="Google Shape;74;g64f3e5db9a_0_25:notes"/>
+          <p:cNvPr id="73" name="Google Shape;73;g64f3e5db9a_0_25:notes"/>
           <p:cNvSpPr/>
           <p:nvPr>
             <p:ph idx="2" type="sldImg"/>
@@ -2045,7 +1845,7 @@
       </p:sp>
       <p:sp>
         <p:nvSpPr>
-          <p:cNvPr id="75" name="Google Shape;75;g64f3e5db9a_0_25:notes"/>
+          <p:cNvPr id="74" name="Google Shape;74;g64f3e5db9a_0_25:notes"/>
           <p:cNvSpPr txBox="1"/>
           <p:nvPr>
             <p:ph idx="1" type="body"/>
@@ -2095,7 +1895,7 @@
   <p:cSld>
     <p:spTree>
       <p:nvGrpSpPr>
-        <p:cNvPr id="81" name="Shape 81"/>
+        <p:cNvPr id="80" name="Shape 80"/>
         <p:cNvGrpSpPr/>
         <p:nvPr/>
       </p:nvGrpSpPr>
@@ -2109,7 +1909,7 @@
       </p:grpSpPr>
       <p:sp>
         <p:nvSpPr>
-          <p:cNvPr id="82" name="Google Shape;82;g6340dddd5e_0_0:notes"/>
+          <p:cNvPr id="81" name="Google Shape;81;g6340dddd5e_0_0:notes"/>
           <p:cNvSpPr/>
           <p:nvPr>
             <p:ph idx="2" type="sldImg"/>
@@ -2144,7 +1944,7 @@
       </p:sp>
       <p:sp>
         <p:nvSpPr>
-          <p:cNvPr id="83" name="Google Shape;83;g6340dddd5e_0_0:notes"/>
+          <p:cNvPr id="82" name="Google Shape;82;g6340dddd5e_0_0:notes"/>
           <p:cNvSpPr txBox="1"/>
           <p:nvPr>
             <p:ph idx="1" type="body"/>
@@ -2194,7 +1994,7 @@
   <p:cSld>
     <p:spTree>
       <p:nvGrpSpPr>
-        <p:cNvPr id="87" name="Shape 87"/>
+        <p:cNvPr id="86" name="Shape 86"/>
         <p:cNvGrpSpPr/>
         <p:nvPr/>
       </p:nvGrpSpPr>
@@ -2208,7 +2008,7 @@
       </p:grpSpPr>
       <p:sp>
         <p:nvSpPr>
-          <p:cNvPr id="88" name="Google Shape;88;g64f3e5db9a_0_11:notes"/>
+          <p:cNvPr id="87" name="Google Shape;87;g64f3e5db9a_0_11:notes"/>
           <p:cNvSpPr/>
           <p:nvPr>
             <p:ph idx="2" type="sldImg"/>
@@ -2243,7 +2043,7 @@
       </p:sp>
       <p:sp>
         <p:nvSpPr>
-          <p:cNvPr id="89" name="Google Shape;89;g64f3e5db9a_0_11:notes"/>
+          <p:cNvPr id="88" name="Google Shape;88;g64f3e5db9a_0_11:notes"/>
           <p:cNvSpPr txBox="1"/>
           <p:nvPr>
             <p:ph idx="1" type="body"/>
@@ -2293,7 +2093,7 @@
   <p:cSld>
     <p:spTree>
       <p:nvGrpSpPr>
-        <p:cNvPr id="96" name="Shape 96"/>
+        <p:cNvPr id="95" name="Shape 95"/>
         <p:cNvGrpSpPr/>
         <p:nvPr/>
       </p:nvGrpSpPr>
@@ -2307,7 +2107,7 @@
       </p:grpSpPr>
       <p:sp>
         <p:nvSpPr>
-          <p:cNvPr id="97" name="Google Shape;97;g6340dddd5e_0_4:notes"/>
+          <p:cNvPr id="96" name="Google Shape;96;g6340dddd5e_0_4:notes"/>
           <p:cNvSpPr/>
           <p:nvPr>
             <p:ph idx="2" type="sldImg"/>
@@ -2342,7 +2142,7 @@
       </p:sp>
       <p:sp>
         <p:nvSpPr>
-          <p:cNvPr id="98" name="Google Shape;98;g6340dddd5e_0_4:notes"/>
+          <p:cNvPr id="97" name="Google Shape;97;g6340dddd5e_0_4:notes"/>
           <p:cNvSpPr txBox="1"/>
           <p:nvPr>
             <p:ph idx="1" type="body"/>
@@ -2392,7 +2192,7 @@
   <p:cSld>
     <p:spTree>
       <p:nvGrpSpPr>
-        <p:cNvPr id="105" name="Shape 105"/>
+        <p:cNvPr id="104" name="Shape 104"/>
         <p:cNvGrpSpPr/>
         <p:nvPr/>
       </p:nvGrpSpPr>
@@ -2406,7 +2206,7 @@
       </p:grpSpPr>
       <p:sp>
         <p:nvSpPr>
-          <p:cNvPr id="106" name="Google Shape;106;g64f3e5db9a_0_43:notes"/>
+          <p:cNvPr id="105" name="Google Shape;105;g64f3e5db9a_0_43:notes"/>
           <p:cNvSpPr/>
           <p:nvPr>
             <p:ph idx="2" type="sldImg"/>
@@ -2441,7 +2241,7 @@
       </p:sp>
       <p:sp>
         <p:nvSpPr>
-          <p:cNvPr id="107" name="Google Shape;107;g64f3e5db9a_0_43:notes"/>
+          <p:cNvPr id="106" name="Google Shape;106;g64f3e5db9a_0_43:notes"/>
           <p:cNvSpPr txBox="1"/>
           <p:nvPr>
             <p:ph idx="1" type="body"/>
@@ -2491,7 +2291,7 @@
   <p:cSld>
     <p:spTree>
       <p:nvGrpSpPr>
-        <p:cNvPr id="113" name="Shape 113"/>
+        <p:cNvPr id="112" name="Shape 112"/>
         <p:cNvGrpSpPr/>
         <p:nvPr/>
       </p:nvGrpSpPr>
@@ -2505,7 +2305,7 @@
       </p:grpSpPr>
       <p:sp>
         <p:nvSpPr>
-          <p:cNvPr id="114" name="Google Shape;114;g65034a9332_0_36:notes"/>
+          <p:cNvPr id="113" name="Google Shape;113;g65034a9332_0_36:notes"/>
           <p:cNvSpPr/>
           <p:nvPr>
             <p:ph idx="2" type="sldImg"/>
@@ -2540,7 +2340,7 @@
       </p:sp>
       <p:sp>
         <p:nvSpPr>
-          <p:cNvPr id="115" name="Google Shape;115;g65034a9332_0_36:notes"/>
+          <p:cNvPr id="114" name="Google Shape;114;g65034a9332_0_36:notes"/>
           <p:cNvSpPr txBox="1"/>
           <p:nvPr>
             <p:ph idx="1" type="body"/>
@@ -7251,137 +7051,9 @@
           <a:chExt cx="0" cy="0"/>
         </a:xfrm>
       </p:grpSpPr>
-      <p:sp>
-        <p:nvSpPr>
-          <p:cNvPr id="54" name="Google Shape;54;p13"/>
-          <p:cNvSpPr txBox="1"/>
-          <p:nvPr>
-            <p:ph type="ctrTitle"/>
-          </p:nvPr>
-        </p:nvSpPr>
-        <p:spPr>
-          <a:xfrm>
-            <a:off x="311700" y="1723825"/>
-            <a:ext cx="8520600" cy="1073400"/>
-          </a:xfrm>
-          <a:prstGeom prst="rect">
-            <a:avLst/>
-          </a:prstGeom>
-        </p:spPr>
-        <p:txBody>
-          <a:bodyPr anchorCtr="0" anchor="b" bIns="91425" lIns="91425" spcFirstLastPara="1" rIns="91425" wrap="square" tIns="91425">
-            <a:noAutofit/>
-          </a:bodyPr>
-          <a:lstStyle/>
-          <a:p>
-            <a:pPr indent="0" lvl="0" marL="0" rtl="0" algn="ctr">
-              <a:spcBef>
-                <a:spcPts val="0"/>
-              </a:spcBef>
-              <a:spcAft>
-                <a:spcPts val="0"/>
-              </a:spcAft>
-              <a:buNone/>
-            </a:pPr>
-            <a:r>
-              <a:rPr lang="en"/>
-              <a:t>Beers in the United States</a:t>
-            </a:r>
-            <a:endParaRPr/>
-          </a:p>
-        </p:txBody>
-      </p:sp>
-      <p:sp>
-        <p:nvSpPr>
-          <p:cNvPr id="55" name="Google Shape;55;p13"/>
-          <p:cNvSpPr txBox="1"/>
-          <p:nvPr>
-            <p:ph idx="1" type="subTitle"/>
-          </p:nvPr>
-        </p:nvSpPr>
-        <p:spPr>
-          <a:xfrm>
-            <a:off x="311700" y="2834125"/>
-            <a:ext cx="8520600" cy="1134000"/>
-          </a:xfrm>
-          <a:prstGeom prst="rect">
-            <a:avLst/>
-          </a:prstGeom>
-        </p:spPr>
-        <p:txBody>
-          <a:bodyPr anchorCtr="0" anchor="t" bIns="91425" lIns="91425" spcFirstLastPara="1" rIns="91425" wrap="square" tIns="91425">
-            <a:noAutofit/>
-          </a:bodyPr>
-          <a:lstStyle/>
-          <a:p>
-            <a:pPr indent="0" lvl="0" marL="0" rtl="0" algn="ctr">
-              <a:spcBef>
-                <a:spcPts val="0"/>
-              </a:spcBef>
-              <a:spcAft>
-                <a:spcPts val="0"/>
-              </a:spcAft>
-              <a:buNone/>
-            </a:pPr>
-            <a:r>
-              <a:rPr lang="en" sz="1400"/>
-              <a:t>Preliminary Analysis prepared for</a:t>
-            </a:r>
-            <a:endParaRPr sz="1400"/>
-          </a:p>
-          <a:p>
-            <a:pPr indent="0" lvl="0" marL="0" rtl="0" algn="ctr">
-              <a:spcBef>
-                <a:spcPts val="0"/>
-              </a:spcBef>
-              <a:spcAft>
-                <a:spcPts val="0"/>
-              </a:spcAft>
-              <a:buNone/>
-            </a:pPr>
-            <a:r>
-              <a:rPr lang="en" sz="1400"/>
-              <a:t>Budweiser CEO and CFO</a:t>
-            </a:r>
-            <a:endParaRPr sz="1400"/>
-          </a:p>
-          <a:p>
-            <a:pPr indent="0" lvl="0" marL="0" rtl="0" algn="ctr">
-              <a:spcBef>
-                <a:spcPts val="0"/>
-              </a:spcBef>
-              <a:spcAft>
-                <a:spcPts val="0"/>
-              </a:spcAft>
-              <a:buNone/>
-            </a:pPr>
-            <a:r>
-              <a:rPr lang="en" sz="1400"/>
-              <a:t>17 October 19</a:t>
-            </a:r>
-            <a:endParaRPr sz="1400"/>
-          </a:p>
-          <a:p>
-            <a:pPr indent="0" lvl="0" marL="0" rtl="0" algn="ctr">
-              <a:spcBef>
-                <a:spcPts val="0"/>
-              </a:spcBef>
-              <a:spcAft>
-                <a:spcPts val="0"/>
-              </a:spcAft>
-              <a:buNone/>
-            </a:pPr>
-            <a:r>
-              <a:rPr lang="en" sz="1400"/>
-              <a:t>Steven Garrity and Richard Palmer</a:t>
-            </a:r>
-            <a:endParaRPr sz="1400"/>
-          </a:p>
-        </p:txBody>
-      </p:sp>
       <p:pic>
         <p:nvPicPr>
-          <p:cNvPr id="56" name="Google Shape;56;p13"/>
+          <p:cNvPr id="54" name="Google Shape;54;p13"/>
           <p:cNvPicPr preferRelativeResize="0"/>
           <p:nvPr/>
         </p:nvPicPr>
@@ -7395,8 +7067,8 @@
         </p:blipFill>
         <p:spPr>
           <a:xfrm>
-            <a:off x="421950" y="3551483"/>
-            <a:ext cx="1951125" cy="1951125"/>
+            <a:off x="0" y="0"/>
+            <a:ext cx="9144001" cy="5252776"/>
           </a:xfrm>
           <a:prstGeom prst="rect">
             <a:avLst/>
@@ -7407,9 +7079,49 @@
           </a:ln>
         </p:spPr>
       </p:pic>
+      <p:sp>
+        <p:nvSpPr>
+          <p:cNvPr id="55" name="Google Shape;55;p13"/>
+          <p:cNvSpPr txBox="1"/>
+          <p:nvPr>
+            <p:ph type="ctrTitle"/>
+          </p:nvPr>
+        </p:nvSpPr>
+        <p:spPr>
+          <a:xfrm>
+            <a:off x="311700" y="1495225"/>
+            <a:ext cx="8520600" cy="1073400"/>
+          </a:xfrm>
+          <a:prstGeom prst="rect">
+            <a:avLst/>
+          </a:prstGeom>
+        </p:spPr>
+        <p:txBody>
+          <a:bodyPr anchorCtr="0" anchor="b" bIns="91425" lIns="91425" spcFirstLastPara="1" rIns="91425" wrap="square" tIns="91425">
+            <a:noAutofit/>
+          </a:bodyPr>
+          <a:lstStyle/>
+          <a:p>
+            <a:pPr indent="0" lvl="0" marL="0" rtl="0" algn="ctr">
+              <a:spcBef>
+                <a:spcPts val="0"/>
+              </a:spcBef>
+              <a:spcAft>
+                <a:spcPts val="0"/>
+              </a:spcAft>
+              <a:buNone/>
+            </a:pPr>
+            <a:r>
+              <a:rPr lang="en"/>
+              <a:t>Craft Beers in the U.S.</a:t>
+            </a:r>
+            <a:endParaRPr/>
+          </a:p>
+        </p:txBody>
+      </p:sp>
       <p:pic>
         <p:nvPicPr>
-          <p:cNvPr id="57" name="Google Shape;57;p13"/>
+          <p:cNvPr id="56" name="Google Shape;56;p13"/>
           <p:cNvPicPr preferRelativeResize="0"/>
           <p:nvPr/>
         </p:nvPicPr>
@@ -7423,8 +7135,8 @@
         </p:blipFill>
         <p:spPr>
           <a:xfrm>
-            <a:off x="5692000" y="4547000"/>
-            <a:ext cx="3079901" cy="271875"/>
+            <a:off x="30950" y="3329573"/>
+            <a:ext cx="2317075" cy="2317075"/>
           </a:xfrm>
           <a:prstGeom prst="rect">
             <a:avLst/>
@@ -7435,6 +7147,102 @@
           </a:ln>
         </p:spPr>
       </p:pic>
+      <p:sp>
+        <p:nvSpPr>
+          <p:cNvPr id="57" name="Google Shape;57;p13"/>
+          <p:cNvSpPr txBox="1"/>
+          <p:nvPr>
+            <p:ph idx="1" type="subTitle"/>
+          </p:nvPr>
+        </p:nvSpPr>
+        <p:spPr>
+          <a:xfrm>
+            <a:off x="30950" y="2604100"/>
+            <a:ext cx="9058800" cy="958200"/>
+          </a:xfrm>
+          <a:prstGeom prst="rect">
+            <a:avLst/>
+          </a:prstGeom>
+        </p:spPr>
+        <p:txBody>
+          <a:bodyPr anchorCtr="0" anchor="t" bIns="91425" lIns="91425" spcFirstLastPara="1" rIns="91425" wrap="square" tIns="91425">
+            <a:noAutofit/>
+          </a:bodyPr>
+          <a:lstStyle/>
+          <a:p>
+            <a:pPr indent="0" lvl="0" marL="0" rtl="0" algn="ctr">
+              <a:spcBef>
+                <a:spcPts val="0"/>
+              </a:spcBef>
+              <a:spcAft>
+                <a:spcPts val="0"/>
+              </a:spcAft>
+              <a:buNone/>
+            </a:pPr>
+            <a:r>
+              <a:rPr lang="en" sz="1600">
+                <a:solidFill>
+                  <a:srgbClr val="000000"/>
+                </a:solidFill>
+              </a:rPr>
+              <a:t>Prepared for: Budweiser</a:t>
+            </a:r>
+            <a:endParaRPr sz="1600">
+              <a:solidFill>
+                <a:srgbClr val="000000"/>
+              </a:solidFill>
+            </a:endParaRPr>
+          </a:p>
+          <a:p>
+            <a:pPr indent="0" lvl="0" marL="0" rtl="0" algn="ctr">
+              <a:spcBef>
+                <a:spcPts val="0"/>
+              </a:spcBef>
+              <a:spcAft>
+                <a:spcPts val="0"/>
+              </a:spcAft>
+              <a:buNone/>
+            </a:pPr>
+            <a:r>
+              <a:rPr lang="en" sz="1600">
+                <a:solidFill>
+                  <a:srgbClr val="000000"/>
+                </a:solidFill>
+              </a:rPr>
+              <a:t>26 October 19</a:t>
+            </a:r>
+            <a:endParaRPr sz="1600">
+              <a:solidFill>
+                <a:srgbClr val="000000"/>
+              </a:solidFill>
+            </a:endParaRPr>
+          </a:p>
+          <a:p>
+            <a:pPr indent="0" lvl="0" marL="0" rtl="0" algn="ctr">
+              <a:spcBef>
+                <a:spcPts val="0"/>
+              </a:spcBef>
+              <a:spcAft>
+                <a:spcPts val="0"/>
+              </a:spcAft>
+              <a:buNone/>
+            </a:pPr>
+            <a:r>
+              <a:rPr lang="en" sz="1600">
+                <a:solidFill>
+                  <a:srgbClr val="000000"/>
+                </a:solidFill>
+              </a:rPr>
+              <a:t>Steven Garrity and Richard Palmer</a:t>
+            </a:r>
+            <a:endParaRPr sz="1600">
+              <a:solidFill>
+                <a:srgbClr val="000000"/>
+              </a:solidFill>
+            </a:endParaRPr>
+          </a:p>
+        </p:txBody>
+      </p:sp>
       <p:pic>
         <p:nvPicPr>
           <p:cNvPr id="58" name="Google Shape;58;p13"/>
@@ -7451,36 +7259,8 @@
         </p:blipFill>
         <p:spPr>
           <a:xfrm>
-            <a:off x="663025" y="347000"/>
-            <a:ext cx="2336976" cy="1309675"/>
-          </a:xfrm>
-          <a:prstGeom prst="rect">
-            <a:avLst/>
-          </a:prstGeom>
-          <a:noFill/>
-          <a:ln>
-            <a:noFill/>
-          </a:ln>
-        </p:spPr>
-      </p:pic>
-      <p:pic>
-        <p:nvPicPr>
-          <p:cNvPr id="59" name="Google Shape;59;p13"/>
-          <p:cNvPicPr preferRelativeResize="0"/>
-          <p:nvPr/>
-        </p:nvPicPr>
-        <p:blipFill>
-          <a:blip r:embed="rId6">
-            <a:alphaModFix/>
-          </a:blip>
-          <a:stretch>
-            <a:fillRect/>
-          </a:stretch>
-        </p:blipFill>
-        <p:spPr>
-          <a:xfrm>
-            <a:off x="6262625" y="255975"/>
-            <a:ext cx="2509275" cy="1792325"/>
+            <a:off x="6546288" y="4496575"/>
+            <a:ext cx="2286001" cy="194310"/>
           </a:xfrm>
           <a:prstGeom prst="rect">
             <a:avLst/>
@@ -7504,7 +7284,7 @@
   <p:cSld>
     <p:spTree>
       <p:nvGrpSpPr>
-        <p:cNvPr id="124" name="Shape 124"/>
+        <p:cNvPr id="123" name="Shape 123"/>
         <p:cNvGrpSpPr/>
         <p:nvPr/>
       </p:nvGrpSpPr>
@@ -7518,7 +7298,7 @@
       </p:grpSpPr>
       <p:pic>
         <p:nvPicPr>
-          <p:cNvPr id="125" name="Google Shape;125;p22"/>
+          <p:cNvPr id="124" name="Google Shape;124;p22"/>
           <p:cNvPicPr preferRelativeResize="0"/>
           <p:nvPr/>
         </p:nvPicPr>
@@ -7532,8 +7312,8 @@
         </p:blipFill>
         <p:spPr>
           <a:xfrm>
-            <a:off x="348975" y="572000"/>
-            <a:ext cx="4118675" cy="2941901"/>
+            <a:off x="389300" y="456088"/>
+            <a:ext cx="3578524" cy="2556074"/>
           </a:xfrm>
           <a:prstGeom prst="rect">
             <a:avLst/>
@@ -7546,7 +7326,7 @@
       </p:pic>
       <p:pic>
         <p:nvPicPr>
-          <p:cNvPr id="126" name="Google Shape;126;p22"/>
+          <p:cNvPr id="125" name="Google Shape;125;p22"/>
           <p:cNvPicPr preferRelativeResize="0"/>
           <p:nvPr/>
         </p:nvPicPr>
@@ -7560,8 +7340,8 @@
         </p:blipFill>
         <p:spPr>
           <a:xfrm>
-            <a:off x="4661975" y="610175"/>
-            <a:ext cx="3902926" cy="2787799"/>
+            <a:off x="4391500" y="456100"/>
+            <a:ext cx="3467601" cy="2476850"/>
           </a:xfrm>
           <a:prstGeom prst="rect">
             <a:avLst/>
@@ -7574,12 +7354,12 @@
       </p:pic>
       <p:graphicFrame>
         <p:nvGraphicFramePr>
-          <p:cNvPr id="127" name="Google Shape;127;p22"/>
+          <p:cNvPr id="126" name="Google Shape;126;p22"/>
           <p:cNvGraphicFramePr/>
           <p:nvPr/>
         </p:nvGraphicFramePr>
         <p:xfrm>
-          <a:off x="854250" y="3814250"/>
+          <a:off x="679450" y="3303250"/>
           <a:ext cx="3000000" cy="3000000"/>
         </p:xfrm>
         <a:graphic>
@@ -7587,12 +7367,12 @@
             <a:tbl>
               <a:tblPr>
                 <a:noFill/>
-                <a:tableStyleId>{B036B06C-D44B-4C3A-87A3-7ABBB8758451}</a:tableStyleId>
+                <a:tableStyleId>{2036F789-2510-43E5-A703-83E1445A89AC}</a:tableStyleId>
               </a:tblPr>
               <a:tblGrid>
-                <a:gridCol w="2287850"/>
-                <a:gridCol w="2287850"/>
-                <a:gridCol w="2287850"/>
+                <a:gridCol w="3128300"/>
+                <a:gridCol w="1736500"/>
+                <a:gridCol w="1998750"/>
               </a:tblGrid>
               <a:tr h="268600">
                 <a:tc>
@@ -7806,6 +7586,97 @@
                   <a:tcPr marT="91425" marB="91425" marR="91425" marL="91425"/>
                 </a:tc>
               </a:tr>
+              <a:tr h="371675">
+                <a:tc>
+                  <a:txBody>
+                    <a:bodyPr/>
+                    <a:lstStyle/>
+                    <a:p>
+                      <a:pPr indent="0" lvl="0" marL="0" rtl="0" algn="l">
+                        <a:spcBef>
+                          <a:spcPts val="0"/>
+                        </a:spcBef>
+                        <a:spcAft>
+                          <a:spcPts val="0"/>
+                        </a:spcAft>
+                        <a:buNone/>
+                      </a:pPr>
+                      <a:r>
+                        <a:rPr lang="en" sz="800"/>
+                        <a:t>P-value for Hypothesis Test</a:t>
+                      </a:r>
+                      <a:endParaRPr sz="800"/>
+                    </a:p>
+                  </a:txBody>
+                  <a:tcPr marT="91425" marB="91425" marR="91425" marL="91425"/>
+                </a:tc>
+                <a:tc>
+                  <a:txBody>
+                    <a:bodyPr/>
+                    <a:lstStyle/>
+                    <a:p>
+                      <a:pPr indent="0" lvl="0" marL="0" marR="88900" rtl="0" algn="l">
+                        <a:lnSpc>
+                          <a:spcPct val="142857"/>
+                        </a:lnSpc>
+                        <a:spcBef>
+                          <a:spcPts val="0"/>
+                        </a:spcBef>
+                        <a:spcAft>
+                          <a:spcPts val="800"/>
+                        </a:spcAft>
+                        <a:buNone/>
+                      </a:pPr>
+                      <a:r>
+                        <a:rPr lang="en" sz="800">
+                          <a:solidFill>
+                            <a:srgbClr val="333333"/>
+                          </a:solidFill>
+                          <a:highlight>
+                            <a:srgbClr val="FFFFFF"/>
+                          </a:highlight>
+                        </a:rPr>
+                        <a:t> &lt; 2.2e-16</a:t>
+                      </a:r>
+                      <a:endParaRPr sz="800"/>
+                    </a:p>
+                  </a:txBody>
+                  <a:tcPr marT="91425" marB="91425" marR="91425" marL="91425"/>
+                </a:tc>
+                <a:tc>
+                  <a:txBody>
+                    <a:bodyPr/>
+                    <a:lstStyle/>
+                    <a:p>
+                      <a:pPr indent="0" lvl="0" marL="0" marR="88900" rtl="0" algn="l">
+                        <a:lnSpc>
+                          <a:spcPct val="142857"/>
+                        </a:lnSpc>
+                        <a:spcBef>
+                          <a:spcPts val="0"/>
+                        </a:spcBef>
+                        <a:spcAft>
+                          <a:spcPts val="800"/>
+                        </a:spcAft>
+                        <a:buNone/>
+                      </a:pPr>
+                      <a:r>
+                        <a:rPr lang="en" sz="800">
+                          <a:solidFill>
+                            <a:srgbClr val="333333"/>
+                          </a:solidFill>
+                          <a:highlight>
+                            <a:srgbClr val="FFFFFF"/>
+                          </a:highlight>
+                        </a:rPr>
+                        <a:t>&lt; 2.2e-16</a:t>
+                      </a:r>
+                      <a:endParaRPr sz="800"/>
+                    </a:p>
+                  </a:txBody>
+                  <a:tcPr marT="91425" marB="91425" marR="91425" marL="91425"/>
+                </a:tc>
+              </a:tr>
               <a:tr h="268600">
                 <a:tc>
                   <a:txBody>
@@ -7883,13 +7754,13 @@
       </p:graphicFrame>
       <p:sp>
         <p:nvSpPr>
-          <p:cNvPr id="128" name="Google Shape;128;p22"/>
+          <p:cNvPr id="127" name="Google Shape;127;p22"/>
           <p:cNvSpPr txBox="1"/>
           <p:nvPr/>
         </p:nvSpPr>
         <p:spPr>
           <a:xfrm>
-            <a:off x="622075" y="3397975"/>
+            <a:off x="581725" y="2970850"/>
             <a:ext cx="7492500" cy="446700"/>
           </a:xfrm>
           <a:prstGeom prst="rect">
@@ -7929,7 +7800,7 @@
       </p:sp>
       <p:sp>
         <p:nvSpPr>
-          <p:cNvPr id="129" name="Google Shape;129;p22"/>
+          <p:cNvPr id="128" name="Google Shape;128;p22"/>
           <p:cNvSpPr txBox="1"/>
           <p:nvPr/>
         </p:nvSpPr>
@@ -7972,7 +7843,7 @@
             <a:r>
               <a:rPr b="1" lang="en" sz="1200">
                 <a:solidFill>
-                  <a:srgbClr val="333333"/>
+                  <a:srgbClr val="9E9E9E"/>
                 </a:solidFill>
                 <a:highlight>
                   <a:srgbClr val="FFFFFF"/>
@@ -7982,7 +7853,7 @@
             </a:r>
             <a:endParaRPr b="1" sz="1200">
               <a:solidFill>
-                <a:srgbClr val="333333"/>
+                <a:srgbClr val="9E9E9E"/>
               </a:solidFill>
               <a:highlight>
                 <a:srgbClr val="FFFFFF"/>
@@ -8012,7 +7883,7 @@
             </a:r>
             <a:endParaRPr sz="1100">
               <a:solidFill>
-                <a:schemeClr val="dk1"/>
+                <a:srgbClr val="9E9E9E"/>
               </a:solidFill>
             </a:endParaRPr>
           </a:p>
@@ -8029,7 +7900,11 @@
             <a:r>
               <a:t/>
             </a:r>
-            <a:endParaRPr/>
+            <a:endParaRPr>
+              <a:solidFill>
+                <a:srgbClr val="9E9E9E"/>
+              </a:solidFill>
+            </a:endParaRPr>
           </a:p>
         </p:txBody>
       </p:sp>
@@ -8046,7 +7921,7 @@
   <p:cSld>
     <p:spTree>
       <p:nvGrpSpPr>
-        <p:cNvPr id="133" name="Shape 133"/>
+        <p:cNvPr id="132" name="Shape 132"/>
         <p:cNvGrpSpPr/>
         <p:nvPr/>
       </p:nvGrpSpPr>
@@ -8060,198 +7935,7 @@
       </p:grpSpPr>
       <p:sp>
         <p:nvSpPr>
-          <p:cNvPr id="134" name="Google Shape;134;p23"/>
-          <p:cNvSpPr txBox="1"/>
-          <p:nvPr>
-            <p:ph type="title"/>
-          </p:nvPr>
-        </p:nvSpPr>
-        <p:spPr>
-          <a:xfrm>
-            <a:off x="311700" y="445025"/>
-            <a:ext cx="8668200" cy="341100"/>
-          </a:xfrm>
-          <a:prstGeom prst="rect">
-            <a:avLst/>
-          </a:prstGeom>
-        </p:spPr>
-        <p:txBody>
-          <a:bodyPr anchorCtr="0" anchor="t" bIns="91425" lIns="91425" spcFirstLastPara="1" rIns="91425" wrap="square" tIns="91425">
-            <a:noAutofit/>
-          </a:bodyPr>
-          <a:lstStyle/>
-          <a:p>
-            <a:pPr indent="0" lvl="0" marL="0" rtl="0" algn="l">
-              <a:spcBef>
-                <a:spcPts val="0"/>
-              </a:spcBef>
-              <a:spcAft>
-                <a:spcPts val="0"/>
-              </a:spcAft>
-              <a:buNone/>
-            </a:pPr>
-            <a:r>
-              <a:rPr b="1" lang="en" sz="1200"/>
-              <a:t>Naive Bayes vs KNN - which captures the relationship between IPA and Other ales?</a:t>
-            </a:r>
-            <a:endParaRPr b="1" sz="1200"/>
-          </a:p>
-        </p:txBody>
-      </p:sp>
-      <p:pic>
-        <p:nvPicPr>
-          <p:cNvPr id="135" name="Google Shape;135;p23"/>
-          <p:cNvPicPr preferRelativeResize="0"/>
-          <p:nvPr/>
-        </p:nvPicPr>
-        <p:blipFill>
-          <a:blip r:embed="rId3">
-            <a:alphaModFix/>
-          </a:blip>
-          <a:stretch>
-            <a:fillRect/>
-          </a:stretch>
-        </p:blipFill>
-        <p:spPr>
-          <a:xfrm>
-            <a:off x="0" y="1679610"/>
-            <a:ext cx="3150000" cy="2249990"/>
-          </a:xfrm>
-          <a:prstGeom prst="rect">
-            <a:avLst/>
-          </a:prstGeom>
-          <a:noFill/>
-          <a:ln>
-            <a:noFill/>
-          </a:ln>
-        </p:spPr>
-      </p:pic>
-      <p:pic>
-        <p:nvPicPr>
-          <p:cNvPr id="136" name="Google Shape;136;p23"/>
-          <p:cNvPicPr preferRelativeResize="0"/>
-          <p:nvPr/>
-        </p:nvPicPr>
-        <p:blipFill>
-          <a:blip r:embed="rId4">
-            <a:alphaModFix/>
-          </a:blip>
-          <a:stretch>
-            <a:fillRect/>
-          </a:stretch>
-        </p:blipFill>
-        <p:spPr>
-          <a:xfrm>
-            <a:off x="6014425" y="1636887"/>
-            <a:ext cx="3149990" cy="2250000"/>
-          </a:xfrm>
-          <a:prstGeom prst="rect">
-            <a:avLst/>
-          </a:prstGeom>
-          <a:noFill/>
-          <a:ln>
-            <a:noFill/>
-          </a:ln>
-        </p:spPr>
-      </p:pic>
-      <p:pic>
-        <p:nvPicPr>
-          <p:cNvPr id="137" name="Google Shape;137;p23"/>
-          <p:cNvPicPr preferRelativeResize="0"/>
-          <p:nvPr/>
-        </p:nvPicPr>
-        <p:blipFill>
-          <a:blip r:embed="rId5">
-            <a:alphaModFix/>
-          </a:blip>
-          <a:stretch>
-            <a:fillRect/>
-          </a:stretch>
-        </p:blipFill>
-        <p:spPr>
-          <a:xfrm>
-            <a:off x="3277163" y="1741550"/>
-            <a:ext cx="2737274" cy="1955201"/>
-          </a:xfrm>
-          <a:prstGeom prst="rect">
-            <a:avLst/>
-          </a:prstGeom>
-          <a:noFill/>
-          <a:ln>
-            <a:noFill/>
-          </a:ln>
-        </p:spPr>
-      </p:pic>
-      <p:sp>
-        <p:nvSpPr>
-          <p:cNvPr id="138" name="Google Shape;138;p23"/>
-          <p:cNvSpPr txBox="1"/>
-          <p:nvPr/>
-        </p:nvSpPr>
-        <p:spPr>
-          <a:xfrm>
-            <a:off x="3998625" y="1348550"/>
-            <a:ext cx="675900" cy="393000"/>
-          </a:xfrm>
-          <a:prstGeom prst="rect">
-            <a:avLst/>
-          </a:prstGeom>
-          <a:noFill/>
-          <a:ln>
-            <a:noFill/>
-          </a:ln>
-        </p:spPr>
-        <p:txBody>
-          <a:bodyPr anchorCtr="0" anchor="t" bIns="91425" lIns="91425" spcFirstLastPara="1" rIns="91425" wrap="square" tIns="91425">
-            <a:noAutofit/>
-          </a:bodyPr>
-          <a:lstStyle/>
-          <a:p>
-            <a:pPr indent="0" lvl="0" marL="0" rtl="0" algn="l">
-              <a:spcBef>
-                <a:spcPts val="0"/>
-              </a:spcBef>
-              <a:spcAft>
-                <a:spcPts val="0"/>
-              </a:spcAft>
-              <a:buNone/>
-            </a:pPr>
-            <a:r>
-              <a:rPr lang="en"/>
-              <a:t>Truth</a:t>
-            </a:r>
-            <a:endParaRPr/>
-          </a:p>
-        </p:txBody>
-      </p:sp>
-    </p:spTree>
-  </p:cSld>
-  <p:clrMapOvr>
-    <a:masterClrMapping/>
-  </p:clrMapOvr>
-</p:sld>
-</file>
-
-<file path=ppt/slides/slide12.xml><?xml version="1.0" encoding="utf-8"?>
-<p:sld xmlns:a="http://schemas.openxmlformats.org/drawingml/2006/main" xmlns:r="http://schemas.openxmlformats.org/officeDocument/2006/relationships" xmlns:mc="http://schemas.openxmlformats.org/markup-compatibility/2006" xmlns:mv="urn:schemas-microsoft-com:mac:vml" xmlns:p="http://schemas.openxmlformats.org/presentationml/2006/main" xmlns:c="http://schemas.openxmlformats.org/drawingml/2006/chart" xmlns:dgm="http://schemas.openxmlformats.org/drawingml/2006/diagram" xmlns:o="urn:schemas-microsoft-com:office:office" xmlns:v="urn:schemas-microsoft-com:vml" xmlns:pvml="urn:schemas-microsoft-com:office:powerpoint" xmlns:com="http://schemas.openxmlformats.org/drawingml/2006/compatibility" xmlns:p14="http://schemas.microsoft.com/office/powerpoint/2010/main" xmlns:p15="http://schemas.microsoft.com/office/powerpoint/2012/main">
-  <p:cSld>
-    <p:spTree>
-      <p:nvGrpSpPr>
-        <p:cNvPr id="142" name="Shape 142"/>
-        <p:cNvGrpSpPr/>
-        <p:nvPr/>
-      </p:nvGrpSpPr>
-      <p:grpSpPr>
-        <a:xfrm>
-          <a:off x="0" y="0"/>
-          <a:ext cx="0" cy="0"/>
-          <a:chOff x="0" y="0"/>
-          <a:chExt cx="0" cy="0"/>
-        </a:xfrm>
-      </p:grpSpPr>
-      <p:sp>
-        <p:nvSpPr>
-          <p:cNvPr id="143" name="Google Shape;143;p24"/>
+          <p:cNvPr id="133" name="Google Shape;133;p23"/>
           <p:cNvSpPr txBox="1"/>
           <p:nvPr/>
         </p:nvSpPr>
@@ -8343,7 +8027,7 @@
       </p:sp>
       <p:pic>
         <p:nvPicPr>
-          <p:cNvPr id="144" name="Google Shape;144;p24"/>
+          <p:cNvPr id="134" name="Google Shape;134;p23"/>
           <p:cNvPicPr preferRelativeResize="0"/>
           <p:nvPr/>
         </p:nvPicPr>
@@ -8371,7 +8055,7 @@
       </p:pic>
       <p:sp>
         <p:nvSpPr>
-          <p:cNvPr id="145" name="Google Shape;145;p24"/>
+          <p:cNvPr id="135" name="Google Shape;135;p23"/>
           <p:cNvSpPr txBox="1"/>
           <p:nvPr/>
         </p:nvSpPr>
@@ -8496,7 +8180,7 @@
       </p:sp>
       <p:sp>
         <p:nvSpPr>
-          <p:cNvPr id="146" name="Google Shape;146;p24"/>
+          <p:cNvPr id="136" name="Google Shape;136;p23"/>
           <p:cNvSpPr txBox="1"/>
           <p:nvPr>
             <p:ph type="title"/>
@@ -8527,10 +8211,18 @@
               <a:buNone/>
             </a:pPr>
             <a:r>
-              <a:rPr b="1" lang="en" sz="1200"/>
+              <a:rPr b="1" lang="en" sz="1200">
+                <a:solidFill>
+                  <a:srgbClr val="9E9E9E"/>
+                </a:solidFill>
+              </a:rPr>
               <a:t>Constructing KNN Classifier</a:t>
             </a:r>
-            <a:endParaRPr b="1" sz="1200"/>
+            <a:endParaRPr b="1" sz="1200">
+              <a:solidFill>
+                <a:srgbClr val="9E9E9E"/>
+              </a:solidFill>
+            </a:endParaRPr>
           </a:p>
         </p:txBody>
       </p:sp>
@@ -8542,12 +8234,12 @@
 </p:sld>
 </file>
 
-<file path=ppt/slides/slide13.xml><?xml version="1.0" encoding="utf-8"?>
+<file path=ppt/slides/slide12.xml><?xml version="1.0" encoding="utf-8"?>
 <p:sld xmlns:a="http://schemas.openxmlformats.org/drawingml/2006/main" xmlns:r="http://schemas.openxmlformats.org/officeDocument/2006/relationships" xmlns:mc="http://schemas.openxmlformats.org/markup-compatibility/2006" xmlns:mv="urn:schemas-microsoft-com:mac:vml" xmlns:p="http://schemas.openxmlformats.org/presentationml/2006/main" xmlns:c="http://schemas.openxmlformats.org/drawingml/2006/chart" xmlns:dgm="http://schemas.openxmlformats.org/drawingml/2006/diagram" xmlns:o="urn:schemas-microsoft-com:office:office" xmlns:v="urn:schemas-microsoft-com:vml" xmlns:pvml="urn:schemas-microsoft-com:office:powerpoint" xmlns:com="http://schemas.openxmlformats.org/drawingml/2006/compatibility" xmlns:p14="http://schemas.microsoft.com/office/powerpoint/2010/main" xmlns:p15="http://schemas.microsoft.com/office/powerpoint/2012/main">
   <p:cSld>
     <p:spTree>
       <p:nvGrpSpPr>
-        <p:cNvPr id="150" name="Shape 150"/>
+        <p:cNvPr id="140" name="Shape 140"/>
         <p:cNvGrpSpPr/>
         <p:nvPr/>
       </p:nvGrpSpPr>
@@ -8559,14 +8251,188 @@
           <a:chExt cx="0" cy="0"/>
         </a:xfrm>
       </p:grpSpPr>
+      <p:sp>
+        <p:nvSpPr>
+          <p:cNvPr id="141" name="Google Shape;141;p24"/>
+          <p:cNvSpPr txBox="1"/>
+          <p:nvPr>
+            <p:ph type="title"/>
+          </p:nvPr>
+        </p:nvSpPr>
+        <p:spPr>
+          <a:xfrm>
+            <a:off x="311700" y="445025"/>
+            <a:ext cx="8668200" cy="341100"/>
+          </a:xfrm>
+          <a:prstGeom prst="rect">
+            <a:avLst/>
+          </a:prstGeom>
+        </p:spPr>
+        <p:txBody>
+          <a:bodyPr anchorCtr="0" anchor="t" bIns="91425" lIns="91425" spcFirstLastPara="1" rIns="91425" wrap="square" tIns="91425">
+            <a:noAutofit/>
+          </a:bodyPr>
+          <a:lstStyle/>
+          <a:p>
+            <a:pPr indent="0" lvl="0" marL="0" rtl="0" algn="l">
+              <a:spcBef>
+                <a:spcPts val="0"/>
+              </a:spcBef>
+              <a:spcAft>
+                <a:spcPts val="0"/>
+              </a:spcAft>
+              <a:buNone/>
+            </a:pPr>
+            <a:r>
+              <a:rPr b="1" lang="en" sz="1200">
+                <a:solidFill>
+                  <a:srgbClr val="9E9E9E"/>
+                </a:solidFill>
+              </a:rPr>
+              <a:t>Which classifier captures the relationship between IPA and Other ales?</a:t>
+            </a:r>
+            <a:endParaRPr b="1" sz="1200">
+              <a:solidFill>
+                <a:srgbClr val="9E9E9E"/>
+              </a:solidFill>
+            </a:endParaRPr>
+          </a:p>
+        </p:txBody>
+      </p:sp>
+      <p:pic>
+        <p:nvPicPr>
+          <p:cNvPr id="142" name="Google Shape;142;p24"/>
+          <p:cNvPicPr preferRelativeResize="0"/>
+          <p:nvPr/>
+        </p:nvPicPr>
+        <p:blipFill>
+          <a:blip r:embed="rId3">
+            <a:alphaModFix/>
+          </a:blip>
+          <a:stretch>
+            <a:fillRect/>
+          </a:stretch>
+        </p:blipFill>
+        <p:spPr>
+          <a:xfrm>
+            <a:off x="133550" y="888476"/>
+            <a:ext cx="2943639" cy="2102599"/>
+          </a:xfrm>
+          <a:prstGeom prst="rect">
+            <a:avLst/>
+          </a:prstGeom>
+          <a:noFill/>
+          <a:ln>
+            <a:noFill/>
+          </a:ln>
+        </p:spPr>
+      </p:pic>
+      <p:pic>
+        <p:nvPicPr>
+          <p:cNvPr id="143" name="Google Shape;143;p24"/>
+          <p:cNvPicPr preferRelativeResize="0"/>
+          <p:nvPr/>
+        </p:nvPicPr>
+        <p:blipFill>
+          <a:blip r:embed="rId4">
+            <a:alphaModFix/>
+          </a:blip>
+          <a:stretch>
+            <a:fillRect/>
+          </a:stretch>
+        </p:blipFill>
+        <p:spPr>
+          <a:xfrm>
+            <a:off x="6019600" y="953113"/>
+            <a:ext cx="2960301" cy="2114501"/>
+          </a:xfrm>
+          <a:prstGeom prst="rect">
+            <a:avLst/>
+          </a:prstGeom>
+          <a:noFill/>
+          <a:ln>
+            <a:noFill/>
+          </a:ln>
+        </p:spPr>
+      </p:pic>
+      <p:pic>
+        <p:nvPicPr>
+          <p:cNvPr id="144" name="Google Shape;144;p24"/>
+          <p:cNvPicPr preferRelativeResize="0"/>
+          <p:nvPr/>
+        </p:nvPicPr>
+        <p:blipFill>
+          <a:blip r:embed="rId5">
+            <a:alphaModFix/>
+          </a:blip>
+          <a:stretch>
+            <a:fillRect/>
+          </a:stretch>
+        </p:blipFill>
+        <p:spPr>
+          <a:xfrm>
+            <a:off x="3179763" y="1032763"/>
+            <a:ext cx="2737274" cy="1955201"/>
+          </a:xfrm>
+          <a:prstGeom prst="rect">
+            <a:avLst/>
+          </a:prstGeom>
+          <a:noFill/>
+          <a:ln>
+            <a:noFill/>
+          </a:ln>
+        </p:spPr>
+      </p:pic>
+      <p:sp>
+        <p:nvSpPr>
+          <p:cNvPr id="145" name="Google Shape;145;p24"/>
+          <p:cNvSpPr txBox="1"/>
+          <p:nvPr/>
+        </p:nvSpPr>
+        <p:spPr>
+          <a:xfrm>
+            <a:off x="3953850" y="747725"/>
+            <a:ext cx="675900" cy="393000"/>
+          </a:xfrm>
+          <a:prstGeom prst="rect">
+            <a:avLst/>
+          </a:prstGeom>
+          <a:noFill/>
+          <a:ln>
+            <a:noFill/>
+          </a:ln>
+        </p:spPr>
+        <p:txBody>
+          <a:bodyPr anchorCtr="0" anchor="t" bIns="91425" lIns="91425" spcFirstLastPara="1" rIns="91425" wrap="square" tIns="91425">
+            <a:noAutofit/>
+          </a:bodyPr>
+          <a:lstStyle/>
+          <a:p>
+            <a:pPr indent="0" lvl="0" marL="0" rtl="0" algn="l">
+              <a:spcBef>
+                <a:spcPts val="0"/>
+              </a:spcBef>
+              <a:spcAft>
+                <a:spcPts val="0"/>
+              </a:spcAft>
+              <a:buNone/>
+            </a:pPr>
+            <a:r>
+              <a:rPr lang="en"/>
+              <a:t>Truth</a:t>
+            </a:r>
+            <a:endParaRPr/>
+          </a:p>
+        </p:txBody>
+      </p:sp>
       <p:graphicFrame>
         <p:nvGraphicFramePr>
-          <p:cNvPr id="151" name="Google Shape;151;p25"/>
+          <p:cNvPr id="146" name="Google Shape;146;p24"/>
           <p:cNvGraphicFramePr/>
           <p:nvPr/>
         </p:nvGraphicFramePr>
         <p:xfrm>
-          <a:off x="1029400" y="998350"/>
+          <a:off x="799075" y="3234600"/>
           <a:ext cx="3000000" cy="3000000"/>
         </p:xfrm>
         <a:graphic>
@@ -8574,7 +8440,7 @@
             <a:tbl>
               <a:tblPr>
                 <a:noFill/>
-                <a:tableStyleId>{B036B06C-D44B-4C3A-87A3-7ABBB8758451}</a:tableStyleId>
+                <a:tableStyleId>{2036F789-2510-43E5-A703-83E1445A89AC}</a:tableStyleId>
               </a:tblPr>
               <a:tblGrid>
                 <a:gridCol w="1549475"/>
@@ -8583,7 +8449,7 @@
                 <a:gridCol w="1549475"/>
                 <a:gridCol w="1549475"/>
               </a:tblGrid>
-              <a:tr h="293675">
+              <a:tr h="268175">
                 <a:tc>
                   <a:txBody>
                     <a:bodyPr/>
@@ -8601,7 +8467,7 @@
                       <a:r>
                         <a:t/>
                       </a:r>
-                      <a:endParaRPr/>
+                      <a:endParaRPr sz="1000"/>
                     </a:p>
                   </a:txBody>
                   <a:tcPr marT="91425" marB="91425" marR="91425" marL="91425"/>
@@ -8621,10 +8487,10 @@
                         <a:buNone/>
                       </a:pPr>
                       <a:r>
-                        <a:rPr lang="en"/>
+                        <a:rPr lang="en" sz="1000"/>
                         <a:t>Constant ‘Other’</a:t>
                       </a:r>
-                      <a:endParaRPr/>
+                      <a:endParaRPr sz="1000"/>
                     </a:p>
                   </a:txBody>
                   <a:tcPr marT="91425" marB="91425" marR="91425" marL="91425"/>
@@ -8644,10 +8510,10 @@
                         <a:buNone/>
                       </a:pPr>
                       <a:r>
-                        <a:rPr lang="en"/>
+                        <a:rPr lang="en" sz="1000"/>
                         <a:t>Random</a:t>
                       </a:r>
-                      <a:endParaRPr/>
+                      <a:endParaRPr sz="1000"/>
                     </a:p>
                   </a:txBody>
                   <a:tcPr marT="91425" marB="91425" marR="91425" marL="91425"/>
@@ -8667,10 +8533,10 @@
                         <a:buNone/>
                       </a:pPr>
                       <a:r>
-                        <a:rPr lang="en"/>
+                        <a:rPr lang="en" sz="1000"/>
                         <a:t>Naive Bayes</a:t>
                       </a:r>
-                      <a:endParaRPr/>
+                      <a:endParaRPr sz="1000"/>
                     </a:p>
                   </a:txBody>
                   <a:tcPr marT="91425" marB="91425" marR="91425" marL="91425"/>
@@ -8690,16 +8556,16 @@
                         <a:buNone/>
                       </a:pPr>
                       <a:r>
-                        <a:rPr lang="en"/>
+                        <a:rPr lang="en" sz="1000"/>
                         <a:t>KNN</a:t>
                       </a:r>
-                      <a:endParaRPr/>
+                      <a:endParaRPr sz="1000"/>
                     </a:p>
                   </a:txBody>
                   <a:tcPr marT="91425" marB="91425" marR="91425" marL="91425"/>
                 </a:tc>
               </a:tr>
-              <a:tr h="381000">
+              <a:tr h="268175">
                 <a:tc>
                   <a:txBody>
                     <a:bodyPr/>
@@ -8715,10 +8581,10 @@
                         <a:buNone/>
                       </a:pPr>
                       <a:r>
-                        <a:rPr lang="en"/>
+                        <a:rPr lang="en" sz="1000"/>
                         <a:t>Sensitivity</a:t>
                       </a:r>
-                      <a:endParaRPr/>
+                      <a:endParaRPr sz="1000"/>
                     </a:p>
                   </a:txBody>
                   <a:tcPr marT="91425" marB="91425" marR="91425" marL="91425"/>
@@ -8738,10 +8604,10 @@
                         <a:buNone/>
                       </a:pPr>
                       <a:r>
-                        <a:rPr lang="en"/>
+                        <a:rPr lang="en" sz="1000"/>
                         <a:t>100%</a:t>
                       </a:r>
-                      <a:endParaRPr/>
+                      <a:endParaRPr sz="1000"/>
                     </a:p>
                   </a:txBody>
                   <a:tcPr marT="91425" marB="91425" marR="91425" marL="91425"/>
@@ -8761,10 +8627,10 @@
                         <a:buNone/>
                       </a:pPr>
                       <a:r>
-                        <a:rPr lang="en"/>
+                        <a:rPr lang="en" sz="1000"/>
                         <a:t>63%</a:t>
                       </a:r>
-                      <a:endParaRPr/>
+                      <a:endParaRPr sz="1000"/>
                     </a:p>
                   </a:txBody>
                   <a:tcPr marT="91425" marB="91425" marR="91425" marL="91425"/>
@@ -8784,10 +8650,10 @@
                         <a:buNone/>
                       </a:pPr>
                       <a:r>
-                        <a:rPr lang="en"/>
+                        <a:rPr lang="en" sz="1000"/>
                         <a:t>89%</a:t>
                       </a:r>
-                      <a:endParaRPr/>
+                      <a:endParaRPr sz="1000"/>
                     </a:p>
                   </a:txBody>
                   <a:tcPr marT="91425" marB="91425" marR="91425" marL="91425"/>
@@ -8807,16 +8673,16 @@
                         <a:buNone/>
                       </a:pPr>
                       <a:r>
-                        <a:rPr lang="en"/>
+                        <a:rPr lang="en" sz="1000"/>
                         <a:t>92%</a:t>
                       </a:r>
-                      <a:endParaRPr/>
+                      <a:endParaRPr sz="1000"/>
                     </a:p>
                   </a:txBody>
                   <a:tcPr marT="91425" marB="91425" marR="91425" marL="91425"/>
                 </a:tc>
               </a:tr>
-              <a:tr h="381000">
+              <a:tr h="268175">
                 <a:tc>
                   <a:txBody>
                     <a:bodyPr/>
@@ -8832,10 +8698,10 @@
                         <a:buNone/>
                       </a:pPr>
                       <a:r>
-                        <a:rPr lang="en"/>
+                        <a:rPr lang="en" sz="1000"/>
                         <a:t>Specificity</a:t>
                       </a:r>
-                      <a:endParaRPr/>
+                      <a:endParaRPr sz="1000"/>
                     </a:p>
                   </a:txBody>
                   <a:tcPr marT="91425" marB="91425" marR="91425" marL="91425"/>
@@ -8855,10 +8721,10 @@
                         <a:buNone/>
                       </a:pPr>
                       <a:r>
-                        <a:rPr lang="en"/>
+                        <a:rPr lang="en" sz="1000"/>
                         <a:t>0%</a:t>
                       </a:r>
-                      <a:endParaRPr/>
+                      <a:endParaRPr sz="1000"/>
                     </a:p>
                   </a:txBody>
                   <a:tcPr marT="91425" marB="91425" marR="91425" marL="91425"/>
@@ -8878,10 +8744,10 @@
                         <a:buNone/>
                       </a:pPr>
                       <a:r>
-                        <a:rPr lang="en"/>
+                        <a:rPr lang="en" sz="1000"/>
                         <a:t>37%</a:t>
                       </a:r>
-                      <a:endParaRPr/>
+                      <a:endParaRPr sz="1000"/>
                     </a:p>
                   </a:txBody>
                   <a:tcPr marT="91425" marB="91425" marR="91425" marL="91425"/>
@@ -8901,10 +8767,10 @@
                         <a:buNone/>
                       </a:pPr>
                       <a:r>
-                        <a:rPr lang="en"/>
+                        <a:rPr lang="en" sz="1000"/>
                         <a:t>81%</a:t>
                       </a:r>
-                      <a:endParaRPr/>
+                      <a:endParaRPr sz="1000"/>
                     </a:p>
                   </a:txBody>
                   <a:tcPr marT="91425" marB="91425" marR="91425" marL="91425"/>
@@ -8924,16 +8790,16 @@
                         <a:buNone/>
                       </a:pPr>
                       <a:r>
-                        <a:rPr lang="en"/>
+                        <a:rPr lang="en" sz="1000"/>
                         <a:t>85%</a:t>
                       </a:r>
-                      <a:endParaRPr/>
+                      <a:endParaRPr sz="1000"/>
                     </a:p>
                   </a:txBody>
                   <a:tcPr marT="91425" marB="91425" marR="91425" marL="91425"/>
                 </a:tc>
               </a:tr>
-              <a:tr h="381000">
+              <a:tr h="268175">
                 <a:tc>
                   <a:txBody>
                     <a:bodyPr/>
@@ -8949,10 +8815,10 @@
                         <a:buNone/>
                       </a:pPr>
                       <a:r>
-                        <a:rPr lang="en"/>
+                        <a:rPr lang="en" sz="1000"/>
                         <a:t>Overall Accuracy</a:t>
                       </a:r>
-                      <a:endParaRPr/>
+                      <a:endParaRPr sz="1000"/>
                     </a:p>
                   </a:txBody>
                   <a:tcPr marT="91425" marB="91425" marR="91425" marL="91425"/>
@@ -8972,10 +8838,10 @@
                         <a:buNone/>
                       </a:pPr>
                       <a:r>
-                        <a:rPr lang="en"/>
+                        <a:rPr lang="en" sz="1000"/>
                         <a:t>63%</a:t>
                       </a:r>
-                      <a:endParaRPr/>
+                      <a:endParaRPr sz="1000"/>
                     </a:p>
                   </a:txBody>
                   <a:tcPr marT="91425" marB="91425" marR="91425" marL="91425"/>
@@ -8995,10 +8861,10 @@
                         <a:buNone/>
                       </a:pPr>
                       <a:r>
-                        <a:rPr lang="en"/>
+                        <a:rPr lang="en" sz="1000"/>
                         <a:t>53%</a:t>
                       </a:r>
-                      <a:endParaRPr/>
+                      <a:endParaRPr sz="1000"/>
                     </a:p>
                   </a:txBody>
                   <a:tcPr marT="91425" marB="91425" marR="91425" marL="91425"/>
@@ -9018,10 +8884,10 @@
                         <a:buNone/>
                       </a:pPr>
                       <a:r>
-                        <a:rPr lang="en"/>
+                        <a:rPr lang="en" sz="1000"/>
                         <a:t>86%</a:t>
                       </a:r>
-                      <a:endParaRPr/>
+                      <a:endParaRPr sz="1000"/>
                     </a:p>
                   </a:txBody>
                   <a:tcPr marT="91425" marB="91425" marR="91425" marL="91425"/>
@@ -9041,10 +8907,10 @@
                         <a:buNone/>
                       </a:pPr>
                       <a:r>
-                        <a:rPr lang="en"/>
+                        <a:rPr lang="en" sz="1000"/>
                         <a:t>89%</a:t>
                       </a:r>
-                      <a:endParaRPr/>
+                      <a:endParaRPr sz="1000"/>
                     </a:p>
                   </a:txBody>
                   <a:tcPr marT="91425" marB="91425" marR="91425" marL="91425"/>
@@ -9054,15 +8920,166 @@
           </a:graphicData>
         </a:graphic>
       </p:graphicFrame>
+      <p:grpSp>
+        <p:nvGrpSpPr>
+          <p:cNvPr id="147" name="Google Shape;147;p24"/>
+          <p:cNvGrpSpPr/>
+          <p:nvPr/>
+        </p:nvGrpSpPr>
+        <p:grpSpPr>
+          <a:xfrm>
+            <a:off x="2348550" y="4609875"/>
+            <a:ext cx="6192950" cy="521250"/>
+            <a:chOff x="2551225" y="3179600"/>
+            <a:chExt cx="6192950" cy="521250"/>
+          </a:xfrm>
+        </p:grpSpPr>
+        <p:sp>
+          <p:nvSpPr>
+            <p:cNvPr id="148" name="Google Shape;148;p24"/>
+            <p:cNvSpPr/>
+            <p:nvPr/>
+          </p:nvSpPr>
+          <p:spPr>
+            <a:xfrm>
+              <a:off x="2578875" y="3179600"/>
+              <a:ext cx="6165300" cy="401700"/>
+            </a:xfrm>
+            <a:prstGeom prst="rightArrow">
+              <a:avLst>
+                <a:gd fmla="val 50000" name="adj1"/>
+                <a:gd fmla="val 50000" name="adj2"/>
+              </a:avLst>
+            </a:prstGeom>
+            <a:solidFill>
+              <a:schemeClr val="lt2"/>
+            </a:solidFill>
+            <a:ln cap="flat" cmpd="sng" w="9525">
+              <a:solidFill>
+                <a:schemeClr val="dk2"/>
+              </a:solidFill>
+              <a:prstDash val="solid"/>
+              <a:round/>
+              <a:headEnd len="sm" w="sm" type="none"/>
+              <a:tailEnd len="sm" w="sm" type="none"/>
+            </a:ln>
+          </p:spPr>
+          <p:txBody>
+            <a:bodyPr anchorCtr="0" anchor="ctr" bIns="91425" lIns="91425" spcFirstLastPara="1" rIns="91425" wrap="square" tIns="91425">
+              <a:noAutofit/>
+            </a:bodyPr>
+            <a:lstStyle/>
+            <a:p>
+              <a:pPr indent="0" lvl="0" marL="0" rtl="0" algn="l">
+                <a:spcBef>
+                  <a:spcPts val="0"/>
+                </a:spcBef>
+                <a:spcAft>
+                  <a:spcPts val="0"/>
+                </a:spcAft>
+                <a:buNone/>
+              </a:pPr>
+              <a:r>
+                <a:t/>
+              </a:r>
+              <a:endParaRPr/>
+            </a:p>
+          </p:txBody>
+        </p:sp>
+        <p:sp>
+          <p:nvSpPr>
+            <p:cNvPr id="149" name="Google Shape;149;p24"/>
+            <p:cNvSpPr txBox="1"/>
+            <p:nvPr/>
+          </p:nvSpPr>
+          <p:spPr>
+            <a:xfrm>
+              <a:off x="2551225" y="3184850"/>
+              <a:ext cx="596400" cy="516000"/>
+            </a:xfrm>
+            <a:prstGeom prst="rect">
+              <a:avLst/>
+            </a:prstGeom>
+            <a:noFill/>
+            <a:ln>
+              <a:noFill/>
+            </a:ln>
+          </p:spPr>
+          <p:txBody>
+            <a:bodyPr anchorCtr="0" anchor="t" bIns="91425" lIns="91425" spcFirstLastPara="1" rIns="91425" wrap="square" tIns="91425">
+              <a:noAutofit/>
+            </a:bodyPr>
+            <a:lstStyle/>
+            <a:p>
+              <a:pPr indent="0" lvl="0" marL="0" rtl="0" algn="l">
+                <a:spcBef>
+                  <a:spcPts val="0"/>
+                </a:spcBef>
+                <a:spcAft>
+                  <a:spcPts val="0"/>
+                </a:spcAft>
+                <a:buNone/>
+              </a:pPr>
+              <a:r>
+                <a:rPr b="1" lang="en" sz="1200"/>
+                <a:t>low</a:t>
+              </a:r>
+              <a:endParaRPr b="1" sz="1200"/>
+            </a:p>
+          </p:txBody>
+        </p:sp>
+        <p:sp>
+          <p:nvSpPr>
+            <p:cNvPr id="150" name="Google Shape;150;p24"/>
+            <p:cNvSpPr txBox="1"/>
+            <p:nvPr/>
+          </p:nvSpPr>
+          <p:spPr>
+            <a:xfrm>
+              <a:off x="8113825" y="3184850"/>
+              <a:ext cx="596400" cy="516000"/>
+            </a:xfrm>
+            <a:prstGeom prst="rect">
+              <a:avLst/>
+            </a:prstGeom>
+            <a:noFill/>
+            <a:ln>
+              <a:noFill/>
+            </a:ln>
+          </p:spPr>
+          <p:txBody>
+            <a:bodyPr anchorCtr="0" anchor="t" bIns="91425" lIns="91425" spcFirstLastPara="1" rIns="91425" wrap="square" tIns="91425">
+              <a:noAutofit/>
+            </a:bodyPr>
+            <a:lstStyle/>
+            <a:p>
+              <a:pPr indent="0" lvl="0" marL="0" rtl="0" algn="l">
+                <a:spcBef>
+                  <a:spcPts val="0"/>
+                </a:spcBef>
+                <a:spcAft>
+                  <a:spcPts val="0"/>
+                </a:spcAft>
+                <a:buNone/>
+              </a:pPr>
+              <a:r>
+                <a:rPr b="1" lang="en" sz="1200"/>
+                <a:t>high</a:t>
+              </a:r>
+              <a:endParaRPr b="1" sz="1200"/>
+            </a:p>
+          </p:txBody>
+        </p:sp>
+      </p:grpSp>
       <p:sp>
         <p:nvSpPr>
-          <p:cNvPr id="152" name="Google Shape;152;p25"/>
+          <p:cNvPr id="151" name="Google Shape;151;p24"/>
           <p:cNvSpPr txBox="1"/>
           <p:nvPr/>
         </p:nvSpPr>
         <p:spPr>
           <a:xfrm>
-            <a:off x="858525" y="3789200"/>
+            <a:off x="502950" y="4609875"/>
             <a:ext cx="1845600" cy="401700"/>
           </a:xfrm>
           <a:prstGeom prst="rect">
@@ -9096,38 +9113,138 @@
           </a:p>
         </p:txBody>
       </p:sp>
+    </p:spTree>
+  </p:cSld>
+  <p:clrMapOvr>
+    <a:masterClrMapping/>
+  </p:clrMapOvr>
+</p:sld>
+</file>
+
+<file path=ppt/slides/slide13.xml><?xml version="1.0" encoding="utf-8"?>
+<p:sld xmlns:a="http://schemas.openxmlformats.org/drawingml/2006/main" xmlns:r="http://schemas.openxmlformats.org/officeDocument/2006/relationships" xmlns:mc="http://schemas.openxmlformats.org/markup-compatibility/2006" xmlns:mv="urn:schemas-microsoft-com:mac:vml" xmlns:p="http://schemas.openxmlformats.org/presentationml/2006/main" xmlns:c="http://schemas.openxmlformats.org/drawingml/2006/chart" xmlns:dgm="http://schemas.openxmlformats.org/drawingml/2006/diagram" xmlns:o="urn:schemas-microsoft-com:office:office" xmlns:v="urn:schemas-microsoft-com:vml" xmlns:pvml="urn:schemas-microsoft-com:office:powerpoint" xmlns:com="http://schemas.openxmlformats.org/drawingml/2006/compatibility" xmlns:p14="http://schemas.microsoft.com/office/powerpoint/2010/main" xmlns:p15="http://schemas.microsoft.com/office/powerpoint/2012/main">
+  <p:cSld>
+    <p:spTree>
+      <p:nvGrpSpPr>
+        <p:cNvPr id="155" name="Shape 155"/>
+        <p:cNvGrpSpPr/>
+        <p:nvPr/>
+      </p:nvGrpSpPr>
+      <p:grpSpPr>
+        <a:xfrm>
+          <a:off x="0" y="0"/>
+          <a:ext cx="0" cy="0"/>
+          <a:chOff x="0" y="0"/>
+          <a:chExt cx="0" cy="0"/>
+        </a:xfrm>
+      </p:grpSpPr>
+      <p:grpSp>
+        <p:nvGrpSpPr>
+          <p:cNvPr id="156" name="Google Shape;156;p25"/>
+          <p:cNvGrpSpPr/>
+          <p:nvPr/>
+        </p:nvGrpSpPr>
+        <p:grpSpPr>
+          <a:xfrm>
+            <a:off x="2102900" y="533600"/>
+            <a:ext cx="2624592" cy="1902425"/>
+            <a:chOff x="2179100" y="533600"/>
+            <a:chExt cx="2624592" cy="1902425"/>
+          </a:xfrm>
+        </p:grpSpPr>
+        <p:pic>
+          <p:nvPicPr>
+            <p:cNvPr id="157" name="Google Shape;157;p25"/>
+            <p:cNvPicPr preferRelativeResize="0"/>
+            <p:nvPr/>
+          </p:nvPicPr>
+          <p:blipFill>
+            <a:blip r:embed="rId3">
+              <a:alphaModFix/>
+            </a:blip>
+            <a:stretch>
+              <a:fillRect/>
+            </a:stretch>
+          </p:blipFill>
+          <p:spPr>
+            <a:xfrm>
+              <a:off x="2179100" y="533600"/>
+              <a:ext cx="2624592" cy="1902425"/>
+            </a:xfrm>
+            <a:prstGeom prst="rect">
+              <a:avLst/>
+            </a:prstGeom>
+            <a:noFill/>
+            <a:ln>
+              <a:noFill/>
+            </a:ln>
+          </p:spPr>
+        </p:pic>
+        <p:sp>
+          <p:nvSpPr>
+            <p:cNvPr id="158" name="Google Shape;158;p25"/>
+            <p:cNvSpPr/>
+            <p:nvPr/>
+          </p:nvSpPr>
+          <p:spPr>
+            <a:xfrm>
+              <a:off x="4429800" y="2127150"/>
+              <a:ext cx="299400" cy="145200"/>
+            </a:xfrm>
+            <a:prstGeom prst="rect">
+              <a:avLst/>
+            </a:prstGeom>
+            <a:solidFill>
+              <a:srgbClr val="FFFFFF"/>
+            </a:solidFill>
+            <a:ln>
+              <a:noFill/>
+            </a:ln>
+          </p:spPr>
+          <p:txBody>
+            <a:bodyPr anchorCtr="0" anchor="ctr" bIns="91425" lIns="91425" spcFirstLastPara="1" rIns="91425" wrap="square" tIns="91425">
+              <a:noAutofit/>
+            </a:bodyPr>
+            <a:lstStyle/>
+            <a:p>
+              <a:pPr indent="0" lvl="0" marL="0" rtl="0" algn="l">
+                <a:spcBef>
+                  <a:spcPts val="0"/>
+                </a:spcBef>
+                <a:spcAft>
+                  <a:spcPts val="0"/>
+                </a:spcAft>
+                <a:buNone/>
+              </a:pPr>
+              <a:r>
+                <a:t/>
+              </a:r>
+              <a:endParaRPr/>
+            </a:p>
+          </p:txBody>
+        </p:sp>
+      </p:grpSp>
       <p:sp>
         <p:nvSpPr>
-          <p:cNvPr id="153" name="Google Shape;153;p25"/>
-          <p:cNvSpPr/>
+          <p:cNvPr id="159" name="Google Shape;159;p25"/>
+          <p:cNvSpPr txBox="1"/>
           <p:nvPr/>
         </p:nvSpPr>
         <p:spPr>
           <a:xfrm>
-            <a:off x="2845175" y="3789200"/>
-            <a:ext cx="5083800" cy="401700"/>
-          </a:xfrm>
-          <a:prstGeom prst="rightArrow">
-            <a:avLst>
-              <a:gd fmla="val 50000" name="adj1"/>
-              <a:gd fmla="val 50000" name="adj2"/>
-            </a:avLst>
+            <a:off x="682917" y="2857100"/>
+            <a:ext cx="2606700" cy="1414800"/>
+          </a:xfrm>
+          <a:prstGeom prst="rect">
+            <a:avLst/>
           </a:prstGeom>
-          <a:solidFill>
-            <a:schemeClr val="lt2"/>
-          </a:solidFill>
-          <a:ln cap="flat" cmpd="sng" w="9525">
-            <a:solidFill>
-              <a:schemeClr val="dk2"/>
-            </a:solidFill>
-            <a:prstDash val="solid"/>
-            <a:round/>
-            <a:headEnd len="sm" w="sm" type="none"/>
-            <a:tailEnd len="sm" w="sm" type="none"/>
+          <a:noFill/>
+          <a:ln>
+            <a:noFill/>
           </a:ln>
         </p:spPr>
         <p:txBody>
-          <a:bodyPr anchorCtr="0" anchor="ctr" bIns="91425" lIns="91425" spcFirstLastPara="1" rIns="91425" wrap="square" tIns="91425">
+          <a:bodyPr anchorCtr="0" anchor="t" bIns="91425" lIns="91425" spcFirstLastPara="1" rIns="91425" wrap="square" tIns="91425">
             <a:noAutofit/>
           </a:bodyPr>
           <a:lstStyle/>
@@ -9142,7 +9259,24 @@
               <a:buNone/>
             </a:pPr>
             <a:r>
-              <a:t/>
+              <a:rPr lang="en"/>
+              <a:t>States to target are those that have </a:t>
+            </a:r>
+            <a:r>
+              <a:rPr b="1" lang="en"/>
+              <a:t>population &gt; 5M</a:t>
+            </a:r>
+            <a:r>
+              <a:rPr lang="en"/>
+              <a:t> and a </a:t>
+            </a:r>
+            <a:r>
+              <a:rPr b="1" lang="en"/>
+              <a:t>lower than median number of breweries per capita</a:t>
+            </a:r>
+            <a:r>
+              <a:rPr lang="en"/>
+              <a:t>.</a:t>
             </a:r>
             <a:endParaRPr/>
           </a:p>
@@ -9150,15 +9284,15 @@
       </p:sp>
       <p:sp>
         <p:nvSpPr>
-          <p:cNvPr id="154" name="Google Shape;154;p25"/>
+          <p:cNvPr id="160" name="Google Shape;160;p25"/>
           <p:cNvSpPr txBox="1"/>
           <p:nvPr>
-            <p:ph type="title"/>
+            <p:ph idx="4294967295" type="title"/>
           </p:nvPr>
         </p:nvSpPr>
         <p:spPr>
           <a:xfrm>
-            <a:off x="952500" y="299800"/>
+            <a:off x="169450" y="77175"/>
             <a:ext cx="3179400" cy="572700"/>
           </a:xfrm>
           <a:prstGeom prst="rect">
@@ -9181,13 +9315,245 @@
               <a:buNone/>
             </a:pPr>
             <a:r>
-              <a:rPr b="1" lang="en" sz="1200"/>
-              <a:t>Comparing Performance of Predictors</a:t>
+              <a:rPr b="1" lang="en" sz="1200">
+                <a:solidFill>
+                  <a:srgbClr val="9E9E9E"/>
+                </a:solidFill>
+              </a:rPr>
+              <a:t>WHERE TO TARGET INVESTMENT</a:t>
             </a:r>
-            <a:endParaRPr b="1" sz="1200"/>
+            <a:endParaRPr b="1" sz="1200">
+              <a:solidFill>
+                <a:srgbClr val="9E9E9E"/>
+              </a:solidFill>
+            </a:endParaRPr>
           </a:p>
         </p:txBody>
       </p:sp>
+      <p:grpSp>
+        <p:nvGrpSpPr>
+          <p:cNvPr id="161" name="Google Shape;161;p25"/>
+          <p:cNvGrpSpPr/>
+          <p:nvPr/>
+        </p:nvGrpSpPr>
+        <p:grpSpPr>
+          <a:xfrm>
+            <a:off x="5202317" y="543425"/>
+            <a:ext cx="2597483" cy="1882775"/>
+            <a:chOff x="5583317" y="543425"/>
+            <a:chExt cx="2597483" cy="1882775"/>
+          </a:xfrm>
+        </p:grpSpPr>
+        <p:pic>
+          <p:nvPicPr>
+            <p:cNvPr id="162" name="Google Shape;162;p25"/>
+            <p:cNvPicPr preferRelativeResize="0"/>
+            <p:nvPr/>
+          </p:nvPicPr>
+          <p:blipFill>
+            <a:blip r:embed="rId4">
+              <a:alphaModFix/>
+            </a:blip>
+            <a:stretch>
+              <a:fillRect/>
+            </a:stretch>
+          </p:blipFill>
+          <p:spPr>
+            <a:xfrm>
+              <a:off x="5583317" y="543425"/>
+              <a:ext cx="2597483" cy="1882775"/>
+            </a:xfrm>
+            <a:prstGeom prst="rect">
+              <a:avLst/>
+            </a:prstGeom>
+            <a:noFill/>
+            <a:ln>
+              <a:noFill/>
+            </a:ln>
+          </p:spPr>
+        </p:pic>
+        <p:sp>
+          <p:nvSpPr>
+            <p:cNvPr id="163" name="Google Shape;163;p25"/>
+            <p:cNvSpPr/>
+            <p:nvPr/>
+          </p:nvSpPr>
+          <p:spPr>
+            <a:xfrm>
+              <a:off x="7696725" y="2097111"/>
+              <a:ext cx="299400" cy="145200"/>
+            </a:xfrm>
+            <a:prstGeom prst="rect">
+              <a:avLst/>
+            </a:prstGeom>
+            <a:solidFill>
+              <a:srgbClr val="FFFFFF"/>
+            </a:solidFill>
+            <a:ln>
+              <a:noFill/>
+            </a:ln>
+          </p:spPr>
+          <p:txBody>
+            <a:bodyPr anchorCtr="0" anchor="ctr" bIns="91425" lIns="91425" spcFirstLastPara="1" rIns="91425" wrap="square" tIns="91425">
+              <a:noAutofit/>
+            </a:bodyPr>
+            <a:lstStyle/>
+            <a:p>
+              <a:pPr indent="0" lvl="0" marL="0" rtl="0" algn="l">
+                <a:spcBef>
+                  <a:spcPts val="0"/>
+                </a:spcBef>
+                <a:spcAft>
+                  <a:spcPts val="0"/>
+                </a:spcAft>
+                <a:buNone/>
+              </a:pPr>
+              <a:r>
+                <a:t/>
+              </a:r>
+              <a:endParaRPr/>
+            </a:p>
+          </p:txBody>
+        </p:sp>
+      </p:grpSp>
+      <p:grpSp>
+        <p:nvGrpSpPr>
+          <p:cNvPr id="164" name="Google Shape;164;p25"/>
+          <p:cNvGrpSpPr/>
+          <p:nvPr/>
+        </p:nvGrpSpPr>
+        <p:grpSpPr>
+          <a:xfrm>
+            <a:off x="3047950" y="2306950"/>
+            <a:ext cx="4142425" cy="2912750"/>
+            <a:chOff x="3047950" y="2306950"/>
+            <a:chExt cx="4142425" cy="2912750"/>
+          </a:xfrm>
+        </p:grpSpPr>
+        <p:pic>
+          <p:nvPicPr>
+            <p:cNvPr id="165" name="Google Shape;165;p25"/>
+            <p:cNvPicPr preferRelativeResize="0"/>
+            <p:nvPr/>
+          </p:nvPicPr>
+          <p:blipFill>
+            <a:blip r:embed="rId5">
+              <a:alphaModFix/>
+            </a:blip>
+            <a:stretch>
+              <a:fillRect/>
+            </a:stretch>
+          </p:blipFill>
+          <p:spPr>
+            <a:xfrm>
+              <a:off x="3047950" y="2306950"/>
+              <a:ext cx="4142425" cy="2912750"/>
+            </a:xfrm>
+            <a:prstGeom prst="rect">
+              <a:avLst/>
+            </a:prstGeom>
+            <a:noFill/>
+            <a:ln>
+              <a:noFill/>
+            </a:ln>
+          </p:spPr>
+        </p:pic>
+        <p:sp>
+          <p:nvSpPr>
+            <p:cNvPr id="166" name="Google Shape;166;p25"/>
+            <p:cNvSpPr/>
+            <p:nvPr/>
+          </p:nvSpPr>
+          <p:spPr>
+            <a:xfrm>
+              <a:off x="6784900" y="4882672"/>
+              <a:ext cx="339600" cy="184800"/>
+            </a:xfrm>
+            <a:prstGeom prst="rect">
+              <a:avLst/>
+            </a:prstGeom>
+            <a:solidFill>
+              <a:srgbClr val="FFFFFF"/>
+            </a:solidFill>
+            <a:ln>
+              <a:noFill/>
+            </a:ln>
+          </p:spPr>
+          <p:txBody>
+            <a:bodyPr anchorCtr="0" anchor="ctr" bIns="91425" lIns="91425" spcFirstLastPara="1" rIns="91425" wrap="square" tIns="91425">
+              <a:noAutofit/>
+            </a:bodyPr>
+            <a:lstStyle/>
+            <a:p>
+              <a:pPr indent="0" lvl="0" marL="0" rtl="0" algn="l">
+                <a:spcBef>
+                  <a:spcPts val="0"/>
+                </a:spcBef>
+                <a:spcAft>
+                  <a:spcPts val="0"/>
+                </a:spcAft>
+                <a:buNone/>
+              </a:pPr>
+              <a:r>
+                <a:t/>
+              </a:r>
+              <a:endParaRPr/>
+            </a:p>
+          </p:txBody>
+        </p:sp>
+      </p:grpSp>
+      <p:cxnSp>
+        <p:nvCxnSpPr>
+          <p:cNvPr id="167" name="Google Shape;167;p25"/>
+          <p:cNvCxnSpPr/>
+          <p:nvPr/>
+        </p:nvCxnSpPr>
+        <p:spPr>
+          <a:xfrm>
+            <a:off x="4088875" y="2178125"/>
+            <a:ext cx="402900" cy="524700"/>
+          </a:xfrm>
+          <a:prstGeom prst="straightConnector1">
+            <a:avLst/>
+          </a:prstGeom>
+          <a:noFill/>
+          <a:ln cap="flat" cmpd="sng" w="9525">
+            <a:solidFill>
+              <a:schemeClr val="dk2"/>
+            </a:solidFill>
+            <a:prstDash val="solid"/>
+            <a:round/>
+            <a:headEnd len="med" w="med" type="none"/>
+            <a:tailEnd len="med" w="med" type="triangle"/>
+          </a:ln>
+        </p:spPr>
+      </p:cxnSp>
+      <p:cxnSp>
+        <p:nvCxnSpPr>
+          <p:cNvPr id="168" name="Google Shape;168;p25"/>
+          <p:cNvCxnSpPr/>
+          <p:nvPr/>
+        </p:nvCxnSpPr>
+        <p:spPr>
+          <a:xfrm flipH="1">
+            <a:off x="5306850" y="2187575"/>
+            <a:ext cx="459000" cy="505800"/>
+          </a:xfrm>
+          <a:prstGeom prst="straightConnector1">
+            <a:avLst/>
+          </a:prstGeom>
+          <a:noFill/>
+          <a:ln cap="flat" cmpd="sng" w="9525">
+            <a:solidFill>
+              <a:schemeClr val="dk2"/>
+            </a:solidFill>
+            <a:prstDash val="solid"/>
+            <a:round/>
+            <a:headEnd len="med" w="med" type="none"/>
+            <a:tailEnd len="med" w="med" type="triangle"/>
+          </a:ln>
+        </p:spPr>
+      </p:cxnSp>
     </p:spTree>
   </p:cSld>
   <p:clrMapOvr>
@@ -9201,7 +9567,7 @@
   <p:cSld>
     <p:spTree>
       <p:nvGrpSpPr>
-        <p:cNvPr id="158" name="Shape 158"/>
+        <p:cNvPr id="172" name="Shape 172"/>
         <p:cNvGrpSpPr/>
         <p:nvPr/>
       </p:nvGrpSpPr>
@@ -9213,14 +9579,242 @@
           <a:chExt cx="0" cy="0"/>
         </a:xfrm>
       </p:grpSpPr>
+      <p:sp>
+        <p:nvSpPr>
+          <p:cNvPr id="173" name="Google Shape;173;p26"/>
+          <p:cNvSpPr/>
+          <p:nvPr/>
+        </p:nvSpPr>
+        <p:spPr>
+          <a:xfrm>
+            <a:off x="5501150" y="168900"/>
+            <a:ext cx="3485400" cy="4790400"/>
+          </a:xfrm>
+          <a:prstGeom prst="rect">
+            <a:avLst/>
+          </a:prstGeom>
+          <a:noFill/>
+          <a:ln cap="flat" cmpd="sng" w="19050">
+            <a:solidFill>
+              <a:srgbClr val="9E9E9E"/>
+            </a:solidFill>
+            <a:prstDash val="solid"/>
+            <a:round/>
+            <a:headEnd len="sm" w="sm" type="none"/>
+            <a:tailEnd len="sm" w="sm" type="none"/>
+          </a:ln>
+        </p:spPr>
+        <p:txBody>
+          <a:bodyPr anchorCtr="0" anchor="ctr" bIns="91425" lIns="91425" spcFirstLastPara="1" rIns="91425" wrap="square" tIns="91425">
+            <a:noAutofit/>
+          </a:bodyPr>
+          <a:lstStyle/>
+          <a:p>
+            <a:pPr indent="0" lvl="0" marL="0" rtl="0" algn="l">
+              <a:spcBef>
+                <a:spcPts val="0"/>
+              </a:spcBef>
+              <a:spcAft>
+                <a:spcPts val="0"/>
+              </a:spcAft>
+              <a:buNone/>
+            </a:pPr>
+            <a:r>
+              <a:t/>
+            </a:r>
+            <a:endParaRPr/>
+          </a:p>
+        </p:txBody>
+      </p:sp>
+      <p:grpSp>
+        <p:nvGrpSpPr>
+          <p:cNvPr id="174" name="Google Shape;174;p26"/>
+          <p:cNvGrpSpPr/>
+          <p:nvPr/>
+        </p:nvGrpSpPr>
+        <p:grpSpPr>
+          <a:xfrm>
+            <a:off x="5725887" y="3135900"/>
+            <a:ext cx="3047796" cy="1770750"/>
+            <a:chOff x="5802087" y="3135900"/>
+            <a:chExt cx="3047796" cy="1770750"/>
+          </a:xfrm>
+        </p:grpSpPr>
+        <p:pic>
+          <p:nvPicPr>
+            <p:cNvPr id="175" name="Google Shape;175;p26"/>
+            <p:cNvPicPr preferRelativeResize="0"/>
+            <p:nvPr/>
+          </p:nvPicPr>
+          <p:blipFill>
+            <a:blip r:embed="rId3">
+              <a:alphaModFix/>
+            </a:blip>
+            <a:stretch>
+              <a:fillRect/>
+            </a:stretch>
+          </p:blipFill>
+          <p:spPr>
+            <a:xfrm>
+              <a:off x="5802087" y="3135900"/>
+              <a:ext cx="3047796" cy="1770750"/>
+            </a:xfrm>
+            <a:prstGeom prst="rect">
+              <a:avLst/>
+            </a:prstGeom>
+            <a:noFill/>
+            <a:ln>
+              <a:noFill/>
+            </a:ln>
+          </p:spPr>
+        </p:pic>
+        <p:cxnSp>
+          <p:nvCxnSpPr>
+            <p:cNvPr id="176" name="Google Shape;176;p26"/>
+            <p:cNvCxnSpPr/>
+            <p:nvPr/>
+          </p:nvCxnSpPr>
+          <p:spPr>
+            <a:xfrm>
+              <a:off x="7077748" y="3409202"/>
+              <a:ext cx="0" cy="1174500"/>
+            </a:xfrm>
+            <a:prstGeom prst="straightConnector1">
+              <a:avLst/>
+            </a:prstGeom>
+            <a:noFill/>
+            <a:ln cap="flat" cmpd="sng" w="9525">
+              <a:solidFill>
+                <a:srgbClr val="13294B"/>
+              </a:solidFill>
+              <a:prstDash val="dash"/>
+              <a:round/>
+              <a:headEnd len="med" w="med" type="none"/>
+              <a:tailEnd len="med" w="med" type="none"/>
+            </a:ln>
+          </p:spPr>
+        </p:cxnSp>
+      </p:grpSp>
+      <p:grpSp>
+        <p:nvGrpSpPr>
+          <p:cNvPr id="177" name="Google Shape;177;p26"/>
+          <p:cNvGrpSpPr/>
+          <p:nvPr/>
+        </p:nvGrpSpPr>
+        <p:grpSpPr>
+          <a:xfrm>
+            <a:off x="436414" y="1450252"/>
+            <a:ext cx="4807011" cy="3608990"/>
+            <a:chOff x="436425" y="1297800"/>
+            <a:chExt cx="4507700" cy="3485600"/>
+          </a:xfrm>
+        </p:grpSpPr>
+        <p:pic>
+          <p:nvPicPr>
+            <p:cNvPr id="178" name="Google Shape;178;p26"/>
+            <p:cNvPicPr preferRelativeResize="0"/>
+            <p:nvPr/>
+          </p:nvPicPr>
+          <p:blipFill>
+            <a:blip r:embed="rId4">
+              <a:alphaModFix/>
+            </a:blip>
+            <a:stretch>
+              <a:fillRect/>
+            </a:stretch>
+          </p:blipFill>
+          <p:spPr>
+            <a:xfrm>
+              <a:off x="436425" y="1297800"/>
+              <a:ext cx="4507700" cy="3485600"/>
+            </a:xfrm>
+            <a:prstGeom prst="rect">
+              <a:avLst/>
+            </a:prstGeom>
+            <a:noFill/>
+            <a:ln>
+              <a:noFill/>
+            </a:ln>
+          </p:spPr>
+        </p:pic>
+        <p:sp>
+          <p:nvSpPr>
+            <p:cNvPr id="179" name="Google Shape;179;p26"/>
+            <p:cNvSpPr/>
+            <p:nvPr/>
+          </p:nvSpPr>
+          <p:spPr>
+            <a:xfrm>
+              <a:off x="4422100" y="4192250"/>
+              <a:ext cx="453000" cy="237900"/>
+            </a:xfrm>
+            <a:prstGeom prst="rect">
+              <a:avLst/>
+            </a:prstGeom>
+            <a:solidFill>
+              <a:srgbClr val="FFFFFF"/>
+            </a:solidFill>
+            <a:ln>
+              <a:noFill/>
+            </a:ln>
+          </p:spPr>
+          <p:txBody>
+            <a:bodyPr anchorCtr="0" anchor="ctr" bIns="91425" lIns="91425" spcFirstLastPara="1" rIns="91425" wrap="square" tIns="91425">
+              <a:noAutofit/>
+            </a:bodyPr>
+            <a:lstStyle/>
+            <a:p>
+              <a:pPr indent="0" lvl="0" marL="0" rtl="0" algn="l">
+                <a:spcBef>
+                  <a:spcPts val="0"/>
+                </a:spcBef>
+                <a:spcAft>
+                  <a:spcPts val="0"/>
+                </a:spcAft>
+                <a:buNone/>
+              </a:pPr>
+              <a:r>
+                <a:t/>
+              </a:r>
+              <a:endParaRPr/>
+            </a:p>
+          </p:txBody>
+        </p:sp>
+      </p:grpSp>
+      <p:cxnSp>
+        <p:nvCxnSpPr>
+          <p:cNvPr id="180" name="Google Shape;180;p26"/>
+          <p:cNvCxnSpPr/>
+          <p:nvPr/>
+        </p:nvCxnSpPr>
+        <p:spPr>
+          <a:xfrm>
+            <a:off x="1205629" y="591775"/>
+            <a:ext cx="0" cy="1013400"/>
+          </a:xfrm>
+          <a:prstGeom prst="straightConnector1">
+            <a:avLst/>
+          </a:prstGeom>
+          <a:noFill/>
+          <a:ln cap="flat" cmpd="sng" w="9525">
+            <a:solidFill>
+              <a:schemeClr val="dk2"/>
+            </a:solidFill>
+            <a:prstDash val="solid"/>
+            <a:round/>
+            <a:headEnd len="med" w="med" type="none"/>
+            <a:tailEnd len="med" w="med" type="triangle"/>
+          </a:ln>
+        </p:spPr>
+      </p:cxnSp>
       <p:pic>
         <p:nvPicPr>
-          <p:cNvPr id="159" name="Google Shape;159;p26"/>
+          <p:cNvPr id="181" name="Google Shape;181;p26"/>
           <p:cNvPicPr preferRelativeResize="0"/>
           <p:nvPr/>
         </p:nvPicPr>
         <p:blipFill>
-          <a:blip r:embed="rId3">
+          <a:blip r:embed="rId5">
             <a:alphaModFix/>
           </a:blip>
           <a:stretch>
@@ -9229,8 +9823,8 @@
         </p:blipFill>
         <p:spPr>
           <a:xfrm>
-            <a:off x="4965475" y="2441900"/>
-            <a:ext cx="4143199" cy="2667625"/>
+            <a:off x="5619562" y="596225"/>
+            <a:ext cx="3260427" cy="2471725"/>
           </a:xfrm>
           <a:prstGeom prst="rect">
             <a:avLst/>
@@ -9241,24 +9835,42 @@
           </a:ln>
         </p:spPr>
       </p:pic>
-      <p:pic>
-        <p:nvPicPr>
-          <p:cNvPr id="160" name="Google Shape;160;p26"/>
-          <p:cNvPicPr preferRelativeResize="0"/>
+      <p:cxnSp>
+        <p:nvCxnSpPr>
+          <p:cNvPr id="182" name="Google Shape;182;p26"/>
+          <p:cNvCxnSpPr/>
           <p:nvPr/>
-        </p:nvPicPr>
-        <p:blipFill>
-          <a:blip r:embed="rId4">
-            <a:alphaModFix/>
-          </a:blip>
-          <a:stretch>
-            <a:fillRect/>
-          </a:stretch>
-        </p:blipFill>
-        <p:spPr>
-          <a:xfrm>
-            <a:off x="152400" y="152400"/>
-            <a:ext cx="5190950" cy="2159850"/>
+        </p:nvCxnSpPr>
+        <p:spPr>
+          <a:xfrm>
+            <a:off x="1205500" y="596225"/>
+            <a:ext cx="379800" cy="0"/>
+          </a:xfrm>
+          <a:prstGeom prst="straightConnector1">
+            <a:avLst/>
+          </a:prstGeom>
+          <a:noFill/>
+          <a:ln cap="flat" cmpd="sng" w="9525">
+            <a:solidFill>
+              <a:schemeClr val="dk2"/>
+            </a:solidFill>
+            <a:prstDash val="solid"/>
+            <a:round/>
+            <a:headEnd len="med" w="med" type="none"/>
+            <a:tailEnd len="med" w="med" type="none"/>
+          </a:ln>
+        </p:spPr>
+      </p:cxnSp>
+      <p:sp>
+        <p:nvSpPr>
+          <p:cNvPr id="183" name="Google Shape;183;p26"/>
+          <p:cNvSpPr txBox="1"/>
+          <p:nvPr/>
+        </p:nvSpPr>
+        <p:spPr>
+          <a:xfrm>
+            <a:off x="5725875" y="161850"/>
+            <a:ext cx="4422000" cy="516000"/>
           </a:xfrm>
           <a:prstGeom prst="rect">
             <a:avLst/>
@@ -9268,7 +9880,228 @@
             <a:noFill/>
           </a:ln>
         </p:spPr>
-      </p:pic>
+        <p:txBody>
+          <a:bodyPr anchorCtr="0" anchor="t" bIns="91425" lIns="91425" spcFirstLastPara="1" rIns="91425" wrap="square" tIns="91425">
+            <a:noAutofit/>
+          </a:bodyPr>
+          <a:lstStyle/>
+          <a:p>
+            <a:pPr indent="0" lvl="0" marL="0" rtl="0" algn="l">
+              <a:spcBef>
+                <a:spcPts val="0"/>
+              </a:spcBef>
+              <a:spcAft>
+                <a:spcPts val="0"/>
+              </a:spcAft>
+              <a:buNone/>
+            </a:pPr>
+            <a:r>
+              <a:rPr b="1" lang="en">
+                <a:solidFill>
+                  <a:srgbClr val="9E9E9E"/>
+                </a:solidFill>
+              </a:rPr>
+              <a:t>K-means diagnostics:</a:t>
+            </a:r>
+            <a:endParaRPr b="1">
+              <a:solidFill>
+                <a:srgbClr val="9E9E9E"/>
+              </a:solidFill>
+            </a:endParaRPr>
+          </a:p>
+        </p:txBody>
+      </p:sp>
+      <p:sp>
+        <p:nvSpPr>
+          <p:cNvPr id="184" name="Google Shape;184;p26"/>
+          <p:cNvSpPr txBox="1"/>
+          <p:nvPr/>
+        </p:nvSpPr>
+        <p:spPr>
+          <a:xfrm>
+            <a:off x="38625" y="744175"/>
+            <a:ext cx="1152600" cy="516000"/>
+          </a:xfrm>
+          <a:prstGeom prst="rect">
+            <a:avLst/>
+          </a:prstGeom>
+          <a:noFill/>
+          <a:ln>
+            <a:noFill/>
+          </a:ln>
+        </p:spPr>
+        <p:txBody>
+          <a:bodyPr anchorCtr="0" anchor="t" bIns="91425" lIns="91425" spcFirstLastPara="1" rIns="91425" wrap="square" tIns="91425">
+            <a:noAutofit/>
+          </a:bodyPr>
+          <a:lstStyle/>
+          <a:p>
+            <a:pPr indent="0" lvl="0" marL="0" rtl="0" algn="r">
+              <a:spcBef>
+                <a:spcPts val="0"/>
+              </a:spcBef>
+              <a:spcAft>
+                <a:spcPts val="0"/>
+              </a:spcAft>
+              <a:buNone/>
+            </a:pPr>
+            <a:r>
+              <a:rPr lang="en" sz="800"/>
+              <a:t>Median IBU</a:t>
+            </a:r>
+            <a:endParaRPr sz="800"/>
+          </a:p>
+          <a:p>
+            <a:pPr indent="0" lvl="0" marL="0" rtl="0" algn="r">
+              <a:spcBef>
+                <a:spcPts val="0"/>
+              </a:spcBef>
+              <a:spcAft>
+                <a:spcPts val="0"/>
+              </a:spcAft>
+              <a:buNone/>
+            </a:pPr>
+            <a:r>
+              <a:rPr lang="en" sz="800"/>
+              <a:t>Median ABV</a:t>
+            </a:r>
+            <a:endParaRPr sz="800"/>
+          </a:p>
+          <a:p>
+            <a:pPr indent="0" lvl="0" marL="0" rtl="0" algn="r">
+              <a:spcBef>
+                <a:spcPts val="0"/>
+              </a:spcBef>
+              <a:spcAft>
+                <a:spcPts val="0"/>
+              </a:spcAft>
+              <a:buNone/>
+            </a:pPr>
+            <a:r>
+              <a:rPr lang="en" sz="800"/>
+              <a:t>IBU:ABV ratio</a:t>
+            </a:r>
+            <a:endParaRPr sz="800"/>
+          </a:p>
+          <a:p>
+            <a:pPr indent="0" lvl="0" marL="0" rtl="0" algn="r">
+              <a:spcBef>
+                <a:spcPts val="0"/>
+              </a:spcBef>
+              <a:spcAft>
+                <a:spcPts val="0"/>
+              </a:spcAft>
+              <a:buNone/>
+            </a:pPr>
+            <a:r>
+              <a:rPr lang="en" sz="800"/>
+              <a:t>Breweries per capita</a:t>
+            </a:r>
+            <a:endParaRPr sz="800"/>
+          </a:p>
+          <a:p>
+            <a:pPr indent="0" lvl="0" marL="0" rtl="0" algn="r">
+              <a:spcBef>
+                <a:spcPts val="0"/>
+              </a:spcBef>
+              <a:spcAft>
+                <a:spcPts val="0"/>
+              </a:spcAft>
+              <a:buNone/>
+            </a:pPr>
+            <a:r>
+              <a:t/>
+            </a:r>
+            <a:endParaRPr sz="800"/>
+          </a:p>
+        </p:txBody>
+      </p:sp>
+      <p:grpSp>
+        <p:nvGrpSpPr>
+          <p:cNvPr id="185" name="Google Shape;185;p26"/>
+          <p:cNvGrpSpPr/>
+          <p:nvPr/>
+        </p:nvGrpSpPr>
+        <p:grpSpPr>
+          <a:xfrm>
+            <a:off x="1639675" y="94505"/>
+            <a:ext cx="2079911" cy="1445598"/>
+            <a:chOff x="3047950" y="2306950"/>
+            <a:chExt cx="4142425" cy="2912750"/>
+          </a:xfrm>
+        </p:grpSpPr>
+        <p:pic>
+          <p:nvPicPr>
+            <p:cNvPr id="186" name="Google Shape;186;p26"/>
+            <p:cNvPicPr preferRelativeResize="0"/>
+            <p:nvPr/>
+          </p:nvPicPr>
+          <p:blipFill>
+            <a:blip r:embed="rId6">
+              <a:alphaModFix/>
+            </a:blip>
+            <a:stretch>
+              <a:fillRect/>
+            </a:stretch>
+          </p:blipFill>
+          <p:spPr>
+            <a:xfrm>
+              <a:off x="3047950" y="2306950"/>
+              <a:ext cx="4142425" cy="2912750"/>
+            </a:xfrm>
+            <a:prstGeom prst="rect">
+              <a:avLst/>
+            </a:prstGeom>
+            <a:noFill/>
+            <a:ln>
+              <a:noFill/>
+            </a:ln>
+          </p:spPr>
+        </p:pic>
+        <p:sp>
+          <p:nvSpPr>
+            <p:cNvPr id="187" name="Google Shape;187;p26"/>
+            <p:cNvSpPr/>
+            <p:nvPr/>
+          </p:nvSpPr>
+          <p:spPr>
+            <a:xfrm>
+              <a:off x="6784900" y="4882672"/>
+              <a:ext cx="339600" cy="184800"/>
+            </a:xfrm>
+            <a:prstGeom prst="rect">
+              <a:avLst/>
+            </a:prstGeom>
+            <a:solidFill>
+              <a:srgbClr val="FFFFFF"/>
+            </a:solidFill>
+            <a:ln>
+              <a:noFill/>
+            </a:ln>
+          </p:spPr>
+          <p:txBody>
+            <a:bodyPr anchorCtr="0" anchor="ctr" bIns="91425" lIns="91425" spcFirstLastPara="1" rIns="91425" wrap="square" tIns="91425">
+              <a:noAutofit/>
+            </a:bodyPr>
+            <a:lstStyle/>
+            <a:p>
+              <a:pPr indent="0" lvl="0" marL="0" rtl="0" algn="l">
+                <a:spcBef>
+                  <a:spcPts val="0"/>
+                </a:spcBef>
+                <a:spcAft>
+                  <a:spcPts val="0"/>
+                </a:spcAft>
+                <a:buNone/>
+              </a:pPr>
+              <a:r>
+                <a:t/>
+              </a:r>
+              <a:endParaRPr/>
+            </a:p>
+          </p:txBody>
+        </p:sp>
+      </p:grpSp>
     </p:spTree>
   </p:cSld>
   <p:clrMapOvr>
@@ -9282,7 +10115,7 @@
   <p:cSld>
     <p:spTree>
       <p:nvGrpSpPr>
-        <p:cNvPr id="164" name="Shape 164"/>
+        <p:cNvPr id="191" name="Shape 191"/>
         <p:cNvGrpSpPr/>
         <p:nvPr/>
       </p:nvGrpSpPr>
@@ -9294,9 +10127,236 @@
           <a:chExt cx="0" cy="0"/>
         </a:xfrm>
       </p:grpSpPr>
+      <p:sp>
+        <p:nvSpPr>
+          <p:cNvPr id="192" name="Google Shape;192;p27"/>
+          <p:cNvSpPr txBox="1"/>
+          <p:nvPr/>
+        </p:nvSpPr>
+        <p:spPr>
+          <a:xfrm>
+            <a:off x="929150" y="3568700"/>
+            <a:ext cx="6686400" cy="1711800"/>
+          </a:xfrm>
+          <a:prstGeom prst="rect">
+            <a:avLst/>
+          </a:prstGeom>
+          <a:noFill/>
+          <a:ln>
+            <a:noFill/>
+          </a:ln>
+        </p:spPr>
+        <p:txBody>
+          <a:bodyPr anchorCtr="0" anchor="t" bIns="91425" lIns="91425" spcFirstLastPara="1" rIns="91425" wrap="square" tIns="91425">
+            <a:noAutofit/>
+          </a:bodyPr>
+          <a:lstStyle/>
+          <a:p>
+            <a:pPr indent="0" lvl="0" marL="0" rtl="0" algn="l">
+              <a:spcBef>
+                <a:spcPts val="0"/>
+              </a:spcBef>
+              <a:spcAft>
+                <a:spcPts val="0"/>
+              </a:spcAft>
+              <a:buNone/>
+            </a:pPr>
+            <a:r>
+              <a:rPr b="1" lang="en" sz="1100">
+                <a:solidFill>
+                  <a:schemeClr val="lt1"/>
+                </a:solidFill>
+                <a:highlight>
+                  <a:srgbClr val="C8102E"/>
+                </a:highlight>
+              </a:rPr>
+              <a:t>Cluster 1:</a:t>
+            </a:r>
+            <a:r>
+              <a:rPr lang="en" sz="1100">
+                <a:solidFill>
+                  <a:schemeClr val="lt1"/>
+                </a:solidFill>
+              </a:rPr>
+              <a:t> </a:t>
+            </a:r>
+            <a:r>
+              <a:rPr lang="en" sz="1100"/>
+              <a:t>States with high ABV, low IBU beers and already have a high number of breweries per capita.</a:t>
+            </a:r>
+            <a:endParaRPr sz="1100"/>
+          </a:p>
+          <a:p>
+            <a:pPr indent="0" lvl="0" marL="0" rtl="0" algn="l">
+              <a:spcBef>
+                <a:spcPts val="0"/>
+              </a:spcBef>
+              <a:spcAft>
+                <a:spcPts val="0"/>
+              </a:spcAft>
+              <a:buNone/>
+            </a:pPr>
+            <a:r>
+              <a:t/>
+            </a:r>
+            <a:endParaRPr sz="1100">
+              <a:solidFill>
+                <a:schemeClr val="lt1"/>
+              </a:solidFill>
+              <a:highlight>
+                <a:srgbClr val="C8102E"/>
+              </a:highlight>
+            </a:endParaRPr>
+          </a:p>
+          <a:p>
+            <a:pPr indent="0" lvl="0" marL="0" rtl="0" algn="l">
+              <a:spcBef>
+                <a:spcPts val="0"/>
+              </a:spcBef>
+              <a:spcAft>
+                <a:spcPts val="0"/>
+              </a:spcAft>
+              <a:buNone/>
+            </a:pPr>
+            <a:r>
+              <a:rPr b="1" lang="en" sz="1100">
+                <a:solidFill>
+                  <a:schemeClr val="lt1"/>
+                </a:solidFill>
+                <a:highlight>
+                  <a:srgbClr val="13294B"/>
+                </a:highlight>
+              </a:rPr>
+              <a:t>Cluster 2:</a:t>
+            </a:r>
+            <a:r>
+              <a:rPr b="1" lang="en" sz="1100"/>
+              <a:t> </a:t>
+            </a:r>
+            <a:r>
+              <a:rPr lang="en" sz="1100"/>
+              <a:t>States with high ABV, moderate IBU beers and a wide range of breweries per capita</a:t>
+            </a:r>
+            <a:endParaRPr sz="1100"/>
+          </a:p>
+          <a:p>
+            <a:pPr indent="0" lvl="0" marL="0" rtl="0" algn="l">
+              <a:spcBef>
+                <a:spcPts val="0"/>
+              </a:spcBef>
+              <a:spcAft>
+                <a:spcPts val="0"/>
+              </a:spcAft>
+              <a:buNone/>
+            </a:pPr>
+            <a:r>
+              <a:t/>
+            </a:r>
+            <a:endParaRPr sz="1100">
+              <a:solidFill>
+                <a:schemeClr val="lt1"/>
+              </a:solidFill>
+              <a:highlight>
+                <a:srgbClr val="274E13"/>
+              </a:highlight>
+            </a:endParaRPr>
+          </a:p>
+          <a:p>
+            <a:pPr indent="0" lvl="0" marL="0" rtl="0" algn="l">
+              <a:spcBef>
+                <a:spcPts val="0"/>
+              </a:spcBef>
+              <a:spcAft>
+                <a:spcPts val="0"/>
+              </a:spcAft>
+              <a:buNone/>
+            </a:pPr>
+            <a:r>
+              <a:rPr b="1" lang="en" sz="1100">
+                <a:solidFill>
+                  <a:schemeClr val="lt1"/>
+                </a:solidFill>
+                <a:highlight>
+                  <a:srgbClr val="274E13"/>
+                </a:highlight>
+              </a:rPr>
+              <a:t>Cluster 3:</a:t>
+            </a:r>
+            <a:r>
+              <a:rPr lang="en" sz="1100"/>
+              <a:t> NJ has low ABV, moderate IBU beers and has a very low number of breweries per capita.</a:t>
+            </a:r>
+            <a:endParaRPr sz="1100"/>
+          </a:p>
+          <a:p>
+            <a:pPr indent="0" lvl="0" marL="0" rtl="0" algn="l">
+              <a:spcBef>
+                <a:spcPts val="0"/>
+              </a:spcBef>
+              <a:spcAft>
+                <a:spcPts val="0"/>
+              </a:spcAft>
+              <a:buNone/>
+            </a:pPr>
+            <a:r>
+              <a:t/>
+            </a:r>
+            <a:endParaRPr sz="1100">
+              <a:solidFill>
+                <a:schemeClr val="lt1"/>
+              </a:solidFill>
+              <a:highlight>
+                <a:srgbClr val="9E9E9E"/>
+              </a:highlight>
+            </a:endParaRPr>
+          </a:p>
+          <a:p>
+            <a:pPr indent="0" lvl="0" marL="0" rtl="0" algn="l">
+              <a:spcBef>
+                <a:spcPts val="0"/>
+              </a:spcBef>
+              <a:spcAft>
+                <a:spcPts val="0"/>
+              </a:spcAft>
+              <a:buNone/>
+            </a:pPr>
+            <a:r>
+              <a:rPr b="1" lang="en" sz="1100">
+                <a:solidFill>
+                  <a:schemeClr val="lt1"/>
+                </a:solidFill>
+                <a:highlight>
+                  <a:srgbClr val="9E9E9E"/>
+                </a:highlight>
+              </a:rPr>
+              <a:t>Cluster 4:</a:t>
+            </a:r>
+            <a:r>
+              <a:rPr lang="en" sz="1100"/>
+              <a:t> States with high ABV, high IBU beers and a low number of breweries per capita.</a:t>
+            </a:r>
+            <a:endParaRPr sz="1100"/>
+          </a:p>
+          <a:p>
+            <a:pPr indent="0" lvl="0" marL="0" rtl="0" algn="l">
+              <a:spcBef>
+                <a:spcPts val="0"/>
+              </a:spcBef>
+              <a:spcAft>
+                <a:spcPts val="0"/>
+              </a:spcAft>
+              <a:buNone/>
+            </a:pPr>
+            <a:r>
+              <a:t/>
+            </a:r>
+            <a:endParaRPr sz="1100"/>
+          </a:p>
+        </p:txBody>
+      </p:sp>
       <p:pic>
         <p:nvPicPr>
-          <p:cNvPr id="165" name="Google Shape;165;p27"/>
+          <p:cNvPr id="193" name="Google Shape;193;p27"/>
           <p:cNvPicPr preferRelativeResize="0"/>
           <p:nvPr/>
         </p:nvPicPr>
@@ -9310,8 +10370,8 @@
         </p:blipFill>
         <p:spPr>
           <a:xfrm>
-            <a:off x="1526675" y="255996"/>
-            <a:ext cx="3200400" cy="1824228"/>
+            <a:off x="359675" y="488400"/>
+            <a:ext cx="4005938" cy="3035300"/>
           </a:xfrm>
           <a:prstGeom prst="rect">
             <a:avLst/>
@@ -9324,7 +10384,7 @@
       </p:pic>
       <p:pic>
         <p:nvPicPr>
-          <p:cNvPr id="166" name="Google Shape;166;p27"/>
+          <p:cNvPr id="194" name="Google Shape;194;p27"/>
           <p:cNvPicPr preferRelativeResize="0"/>
           <p:nvPr/>
         </p:nvPicPr>
@@ -9338,8 +10398,8 @@
         </p:blipFill>
         <p:spPr>
           <a:xfrm>
-            <a:off x="4780625" y="255987"/>
-            <a:ext cx="3200400" cy="1824228"/>
+            <a:off x="4679213" y="488400"/>
+            <a:ext cx="4005938" cy="3035300"/>
           </a:xfrm>
           <a:prstGeom prst="rect">
             <a:avLst/>
@@ -9350,104 +10410,22 @@
           </a:ln>
         </p:spPr>
       </p:pic>
-      <p:pic>
-        <p:nvPicPr>
-          <p:cNvPr id="167" name="Google Shape;167;p27"/>
-          <p:cNvPicPr preferRelativeResize="0"/>
-          <p:nvPr/>
-        </p:nvPicPr>
-        <p:blipFill>
-          <a:blip r:embed="rId5">
-            <a:alphaModFix/>
-          </a:blip>
-          <a:stretch>
-            <a:fillRect/>
-          </a:stretch>
-        </p:blipFill>
-        <p:spPr>
-          <a:xfrm>
-            <a:off x="2597513" y="2376250"/>
-            <a:ext cx="4572000" cy="2594610"/>
+      <p:sp>
+        <p:nvSpPr>
+          <p:cNvPr id="195" name="Google Shape;195;p27"/>
+          <p:cNvSpPr txBox="1"/>
+          <p:nvPr>
+            <p:ph idx="4294967295" type="title"/>
+          </p:nvPr>
+        </p:nvSpPr>
+        <p:spPr>
+          <a:xfrm>
+            <a:off x="169450" y="77175"/>
+            <a:ext cx="3179400" cy="572700"/>
           </a:xfrm>
           <a:prstGeom prst="rect">
             <a:avLst/>
           </a:prstGeom>
-          <a:noFill/>
-          <a:ln>
-            <a:noFill/>
-          </a:ln>
-        </p:spPr>
-      </p:pic>
-      <p:cxnSp>
-        <p:nvCxnSpPr>
-          <p:cNvPr id="168" name="Google Shape;168;p27"/>
-          <p:cNvCxnSpPr/>
-          <p:nvPr/>
-        </p:nvCxnSpPr>
-        <p:spPr>
-          <a:xfrm>
-            <a:off x="3860275" y="1949525"/>
-            <a:ext cx="402900" cy="524700"/>
-          </a:xfrm>
-          <a:prstGeom prst="straightConnector1">
-            <a:avLst/>
-          </a:prstGeom>
-          <a:noFill/>
-          <a:ln cap="flat" cmpd="sng" w="9525">
-            <a:solidFill>
-              <a:schemeClr val="dk2"/>
-            </a:solidFill>
-            <a:prstDash val="solid"/>
-            <a:round/>
-            <a:headEnd len="med" w="med" type="none"/>
-            <a:tailEnd len="med" w="med" type="triangle"/>
-          </a:ln>
-        </p:spPr>
-      </p:cxnSp>
-      <p:cxnSp>
-        <p:nvCxnSpPr>
-          <p:cNvPr id="169" name="Google Shape;169;p27"/>
-          <p:cNvCxnSpPr/>
-          <p:nvPr/>
-        </p:nvCxnSpPr>
-        <p:spPr>
-          <a:xfrm flipH="1">
-            <a:off x="5078250" y="1958975"/>
-            <a:ext cx="459000" cy="505800"/>
-          </a:xfrm>
-          <a:prstGeom prst="straightConnector1">
-            <a:avLst/>
-          </a:prstGeom>
-          <a:noFill/>
-          <a:ln cap="flat" cmpd="sng" w="9525">
-            <a:solidFill>
-              <a:schemeClr val="dk2"/>
-            </a:solidFill>
-            <a:prstDash val="solid"/>
-            <a:round/>
-            <a:headEnd len="med" w="med" type="none"/>
-            <a:tailEnd len="med" w="med" type="triangle"/>
-          </a:ln>
-        </p:spPr>
-      </p:cxnSp>
-      <p:sp>
-        <p:nvSpPr>
-          <p:cNvPr id="170" name="Google Shape;170;p27"/>
-          <p:cNvSpPr txBox="1"/>
-          <p:nvPr/>
-        </p:nvSpPr>
-        <p:spPr>
-          <a:xfrm>
-            <a:off x="759125" y="2780900"/>
-            <a:ext cx="2385300" cy="1414800"/>
-          </a:xfrm>
-          <a:prstGeom prst="rect">
-            <a:avLst/>
-          </a:prstGeom>
-          <a:noFill/>
-          <a:ln>
-            <a:noFill/>
-          </a:ln>
         </p:spPr>
         <p:txBody>
           <a:bodyPr anchorCtr="0" anchor="t" bIns="91425" lIns="91425" spcFirstLastPara="1" rIns="91425" wrap="square" tIns="91425">
@@ -9465,10 +10443,18 @@
               <a:buNone/>
             </a:pPr>
             <a:r>
-              <a:rPr lang="en"/>
-              <a:t>States to target are those that have population &gt; 5M and a lower than median number of breweries per capita. (they are underrepresented by craft breweries...Budweiser should investigate further.)</a:t>
+              <a:rPr b="1" lang="en" sz="1200">
+                <a:solidFill>
+                  <a:srgbClr val="9E9E9E"/>
+                </a:solidFill>
+              </a:rPr>
+              <a:t>CLASSIFICATION OF TARGET STATES</a:t>
             </a:r>
-            <a:endParaRPr/>
+            <a:endParaRPr b="1" sz="1200">
+              <a:solidFill>
+                <a:srgbClr val="9E9E9E"/>
+              </a:solidFill>
+            </a:endParaRPr>
           </a:p>
         </p:txBody>
       </p:sp>
@@ -9485,7 +10471,353 @@
   <p:cSld>
     <p:spTree>
       <p:nvGrpSpPr>
-        <p:cNvPr id="174" name="Shape 174"/>
+        <p:cNvPr id="199" name="Shape 199"/>
+        <p:cNvGrpSpPr/>
+        <p:nvPr/>
+      </p:nvGrpSpPr>
+      <p:grpSpPr>
+        <a:xfrm>
+          <a:off x="0" y="0"/>
+          <a:ext cx="0" cy="0"/>
+          <a:chOff x="0" y="0"/>
+          <a:chExt cx="0" cy="0"/>
+        </a:xfrm>
+      </p:grpSpPr>
+      <p:sp>
+        <p:nvSpPr>
+          <p:cNvPr id="200" name="Google Shape;200;p28"/>
+          <p:cNvSpPr txBox="1"/>
+          <p:nvPr>
+            <p:ph type="title"/>
+          </p:nvPr>
+        </p:nvSpPr>
+        <p:spPr>
+          <a:xfrm>
+            <a:off x="311700" y="445025"/>
+            <a:ext cx="8668200" cy="341100"/>
+          </a:xfrm>
+          <a:prstGeom prst="rect">
+            <a:avLst/>
+          </a:prstGeom>
+        </p:spPr>
+        <p:txBody>
+          <a:bodyPr anchorCtr="0" anchor="t" bIns="91425" lIns="91425" spcFirstLastPara="1" rIns="91425" wrap="square" tIns="91425">
+            <a:noAutofit/>
+          </a:bodyPr>
+          <a:lstStyle/>
+          <a:p>
+            <a:pPr indent="0" lvl="0" marL="0" rtl="0" algn="l">
+              <a:spcBef>
+                <a:spcPts val="0"/>
+              </a:spcBef>
+              <a:spcAft>
+                <a:spcPts val="0"/>
+              </a:spcAft>
+              <a:buNone/>
+            </a:pPr>
+            <a:r>
+              <a:rPr b="1" lang="en" sz="1200">
+                <a:solidFill>
+                  <a:srgbClr val="9E9E9E"/>
+                </a:solidFill>
+              </a:rPr>
+              <a:t>What Type of Beer would sell in each Underserved Market?</a:t>
+            </a:r>
+            <a:endParaRPr b="1" sz="1200">
+              <a:solidFill>
+                <a:srgbClr val="9E9E9E"/>
+              </a:solidFill>
+            </a:endParaRPr>
+          </a:p>
+        </p:txBody>
+      </p:sp>
+      <p:pic>
+        <p:nvPicPr>
+          <p:cNvPr id="201" name="Google Shape;201;p28"/>
+          <p:cNvPicPr preferRelativeResize="0"/>
+          <p:nvPr/>
+        </p:nvPicPr>
+        <p:blipFill>
+          <a:blip r:embed="rId3">
+            <a:alphaModFix/>
+          </a:blip>
+          <a:stretch>
+            <a:fillRect/>
+          </a:stretch>
+        </p:blipFill>
+        <p:spPr>
+          <a:xfrm>
+            <a:off x="785100" y="936225"/>
+            <a:ext cx="3014950" cy="2284425"/>
+          </a:xfrm>
+          <a:prstGeom prst="rect">
+            <a:avLst/>
+          </a:prstGeom>
+          <a:noFill/>
+          <a:ln>
+            <a:noFill/>
+          </a:ln>
+        </p:spPr>
+      </p:pic>
+      <p:graphicFrame>
+        <p:nvGraphicFramePr>
+          <p:cNvPr id="202" name="Google Shape;202;p28"/>
+          <p:cNvGraphicFramePr/>
+          <p:nvPr/>
+        </p:nvGraphicFramePr>
+        <p:xfrm>
+          <a:off x="639000" y="3424750"/>
+          <a:ext cx="3000000" cy="3000000"/>
+        </p:xfrm>
+        <a:graphic>
+          <a:graphicData uri="http://schemas.openxmlformats.org/drawingml/2006/table">
+            <a:tbl>
+              <a:tblPr>
+                <a:noFill/>
+                <a:tableStyleId>{2036F789-2510-43E5-A703-83E1445A89AC}</a:tableStyleId>
+              </a:tblPr>
+              <a:tblGrid>
+                <a:gridCol w="3619500"/>
+                <a:gridCol w="3619500"/>
+              </a:tblGrid>
+              <a:tr h="387300">
+                <a:tc>
+                  <a:txBody>
+                    <a:bodyPr/>
+                    <a:lstStyle/>
+                    <a:p>
+                      <a:pPr indent="0" lvl="0" marL="0" rtl="0" algn="l">
+                        <a:spcBef>
+                          <a:spcPts val="0"/>
+                        </a:spcBef>
+                        <a:spcAft>
+                          <a:spcPts val="0"/>
+                        </a:spcAft>
+                        <a:buNone/>
+                      </a:pPr>
+                      <a:r>
+                        <a:rPr lang="en" sz="1000"/>
+                        <a:t>Target Market</a:t>
+                      </a:r>
+                      <a:endParaRPr sz="1000"/>
+                    </a:p>
+                  </a:txBody>
+                  <a:tcPr marT="91425" marB="91425" marR="91425" marL="91425"/>
+                </a:tc>
+                <a:tc>
+                  <a:txBody>
+                    <a:bodyPr/>
+                    <a:lstStyle/>
+                    <a:p>
+                      <a:pPr indent="0" lvl="0" marL="0" rtl="0" algn="l">
+                        <a:spcBef>
+                          <a:spcPts val="0"/>
+                        </a:spcBef>
+                        <a:spcAft>
+                          <a:spcPts val="0"/>
+                        </a:spcAft>
+                        <a:buNone/>
+                      </a:pPr>
+                      <a:r>
+                        <a:rPr lang="en" sz="1000"/>
+                        <a:t>Suggested Beer Style</a:t>
+                      </a:r>
+                      <a:endParaRPr sz="1000"/>
+                    </a:p>
+                  </a:txBody>
+                  <a:tcPr marT="91425" marB="91425" marR="91425" marL="91425"/>
+                </a:tc>
+              </a:tr>
+              <a:tr h="387300">
+                <a:tc>
+                  <a:txBody>
+                    <a:bodyPr/>
+                    <a:lstStyle/>
+                    <a:p>
+                      <a:pPr indent="0" lvl="0" marL="0" rtl="0" algn="l">
+                        <a:spcBef>
+                          <a:spcPts val="0"/>
+                        </a:spcBef>
+                        <a:spcAft>
+                          <a:spcPts val="0"/>
+                        </a:spcAft>
+                        <a:buNone/>
+                      </a:pPr>
+                      <a:r>
+                        <a:rPr lang="en" sz="1000"/>
+                        <a:t>GA, FL, NY</a:t>
+                      </a:r>
+                      <a:endParaRPr sz="1000"/>
+                    </a:p>
+                  </a:txBody>
+                  <a:tcPr marT="91425" marB="91425" marR="91425" marL="91425"/>
+                </a:tc>
+                <a:tc>
+                  <a:txBody>
+                    <a:bodyPr/>
+                    <a:lstStyle/>
+                    <a:p>
+                      <a:pPr indent="0" lvl="0" marL="0" rtl="0" algn="l">
+                        <a:spcBef>
+                          <a:spcPts val="0"/>
+                        </a:spcBef>
+                        <a:spcAft>
+                          <a:spcPts val="0"/>
+                        </a:spcAft>
+                        <a:buNone/>
+                      </a:pPr>
+                      <a:r>
+                        <a:rPr lang="en" sz="1000"/>
+                        <a:t>IPA</a:t>
+                      </a:r>
+                      <a:endParaRPr sz="1000"/>
+                    </a:p>
+                  </a:txBody>
+                  <a:tcPr marT="91425" marB="91425" marR="91425" marL="91425"/>
+                </a:tc>
+              </a:tr>
+              <a:tr h="387300">
+                <a:tc>
+                  <a:txBody>
+                    <a:bodyPr/>
+                    <a:lstStyle/>
+                    <a:p>
+                      <a:pPr indent="0" lvl="0" marL="0" rtl="0" algn="l">
+                        <a:spcBef>
+                          <a:spcPts val="0"/>
+                        </a:spcBef>
+                        <a:spcAft>
+                          <a:spcPts val="0"/>
+                        </a:spcAft>
+                        <a:buNone/>
+                      </a:pPr>
+                      <a:r>
+                        <a:rPr lang="en" sz="1000"/>
+                        <a:t>MO, TX, MD, IL, TN, OH, CA</a:t>
+                      </a:r>
+                      <a:endParaRPr sz="1000"/>
+                    </a:p>
+                  </a:txBody>
+                  <a:tcPr marT="91425" marB="91425" marR="91425" marL="91425"/>
+                </a:tc>
+                <a:tc>
+                  <a:txBody>
+                    <a:bodyPr/>
+                    <a:lstStyle/>
+                    <a:p>
+                      <a:pPr indent="0" lvl="0" marL="0" rtl="0" algn="l">
+                        <a:spcBef>
+                          <a:spcPts val="0"/>
+                        </a:spcBef>
+                        <a:spcAft>
+                          <a:spcPts val="0"/>
+                        </a:spcAft>
+                        <a:buNone/>
+                      </a:pPr>
+                      <a:r>
+                        <a:rPr lang="en" sz="1000"/>
+                        <a:t>Higher Alcohol Ale</a:t>
+                      </a:r>
+                      <a:endParaRPr sz="1000"/>
+                    </a:p>
+                  </a:txBody>
+                  <a:tcPr marT="91425" marB="91425" marR="91425" marL="91425"/>
+                </a:tc>
+              </a:tr>
+              <a:tr h="387300">
+                <a:tc>
+                  <a:txBody>
+                    <a:bodyPr/>
+                    <a:lstStyle/>
+                    <a:p>
+                      <a:pPr indent="0" lvl="0" marL="0" rtl="0" algn="l">
+                        <a:spcBef>
+                          <a:spcPts val="0"/>
+                        </a:spcBef>
+                        <a:spcAft>
+                          <a:spcPts val="0"/>
+                        </a:spcAft>
+                        <a:buNone/>
+                      </a:pPr>
+                      <a:r>
+                        <a:rPr lang="en" sz="1000"/>
+                        <a:t>NJ</a:t>
+                      </a:r>
+                      <a:endParaRPr sz="1000"/>
+                    </a:p>
+                  </a:txBody>
+                  <a:tcPr marT="91425" marB="91425" marR="91425" marL="91425"/>
+                </a:tc>
+                <a:tc>
+                  <a:txBody>
+                    <a:bodyPr/>
+                    <a:lstStyle/>
+                    <a:p>
+                      <a:pPr indent="0" lvl="0" marL="0" rtl="0" algn="l">
+                        <a:spcBef>
+                          <a:spcPts val="0"/>
+                        </a:spcBef>
+                        <a:spcAft>
+                          <a:spcPts val="0"/>
+                        </a:spcAft>
+                        <a:buNone/>
+                      </a:pPr>
+                      <a:r>
+                        <a:rPr lang="en" sz="1000"/>
+                        <a:t>Lower Alcohol Ale</a:t>
+                      </a:r>
+                      <a:endParaRPr sz="1000"/>
+                    </a:p>
+                  </a:txBody>
+                  <a:tcPr marT="91425" marB="91425" marR="91425" marL="91425"/>
+                </a:tc>
+              </a:tr>
+            </a:tbl>
+          </a:graphicData>
+        </a:graphic>
+      </p:graphicFrame>
+      <p:pic>
+        <p:nvPicPr>
+          <p:cNvPr id="203" name="Google Shape;203;p28"/>
+          <p:cNvPicPr preferRelativeResize="0"/>
+          <p:nvPr/>
+        </p:nvPicPr>
+        <p:blipFill>
+          <a:blip r:embed="rId4">
+            <a:alphaModFix/>
+          </a:blip>
+          <a:stretch>
+            <a:fillRect/>
+          </a:stretch>
+        </p:blipFill>
+        <p:spPr>
+          <a:xfrm>
+            <a:off x="4680775" y="911525"/>
+            <a:ext cx="3267355" cy="2333825"/>
+          </a:xfrm>
+          <a:prstGeom prst="rect">
+            <a:avLst/>
+          </a:prstGeom>
+          <a:noFill/>
+          <a:ln>
+            <a:noFill/>
+          </a:ln>
+        </p:spPr>
+      </p:pic>
+    </p:spTree>
+  </p:cSld>
+  <p:clrMapOvr>
+    <a:masterClrMapping/>
+  </p:clrMapOvr>
+</p:sld>
+</file>
+
+<file path=ppt/slides/slide17.xml><?xml version="1.0" encoding="utf-8"?>
+<p:sld xmlns:a="http://schemas.openxmlformats.org/drawingml/2006/main" xmlns:r="http://schemas.openxmlformats.org/officeDocument/2006/relationships" xmlns:mc="http://schemas.openxmlformats.org/markup-compatibility/2006" xmlns:mv="urn:schemas-microsoft-com:mac:vml" xmlns:p="http://schemas.openxmlformats.org/presentationml/2006/main" xmlns:c="http://schemas.openxmlformats.org/drawingml/2006/chart" xmlns:dgm="http://schemas.openxmlformats.org/drawingml/2006/diagram" xmlns:o="urn:schemas-microsoft-com:office:office" xmlns:v="urn:schemas-microsoft-com:vml" xmlns:pvml="urn:schemas-microsoft-com:office:powerpoint" xmlns:com="http://schemas.openxmlformats.org/drawingml/2006/compatibility" xmlns:p14="http://schemas.microsoft.com/office/powerpoint/2010/main" xmlns:p15="http://schemas.microsoft.com/office/powerpoint/2012/main">
+  <p:cSld>
+    <p:spTree>
+      <p:nvGrpSpPr>
+        <p:cNvPr id="207" name="Shape 207"/>
         <p:cNvGrpSpPr/>
         <p:nvPr/>
       </p:nvGrpSpPr>
@@ -9499,7 +10831,7 @@
       </p:grpSpPr>
       <p:pic>
         <p:nvPicPr>
-          <p:cNvPr id="175" name="Google Shape;175;p28"/>
+          <p:cNvPr id="208" name="Google Shape;208;p29"/>
           <p:cNvPicPr preferRelativeResize="0"/>
           <p:nvPr/>
         </p:nvPicPr>
@@ -9513,8 +10845,8 @@
         </p:blipFill>
         <p:spPr>
           <a:xfrm>
-            <a:off x="1845554" y="0"/>
-            <a:ext cx="6323771" cy="5143500"/>
+            <a:off x="421950" y="3551483"/>
+            <a:ext cx="1951125" cy="1951125"/>
           </a:xfrm>
           <a:prstGeom prst="rect">
             <a:avLst/>
@@ -9525,16 +10857,24 @@
           </a:ln>
         </p:spPr>
       </p:pic>
-      <p:sp>
-        <p:nvSpPr>
-          <p:cNvPr id="176" name="Google Shape;176;p28"/>
-          <p:cNvSpPr txBox="1"/>
+      <p:pic>
+        <p:nvPicPr>
+          <p:cNvPr id="209" name="Google Shape;209;p29"/>
+          <p:cNvPicPr preferRelativeResize="0"/>
           <p:nvPr/>
-        </p:nvSpPr>
-        <p:spPr>
-          <a:xfrm>
-            <a:off x="1251575" y="200250"/>
-            <a:ext cx="6057000" cy="516000"/>
+        </p:nvPicPr>
+        <p:blipFill>
+          <a:blip r:embed="rId4">
+            <a:alphaModFix/>
+          </a:blip>
+          <a:stretch>
+            <a:fillRect/>
+          </a:stretch>
+        </p:blipFill>
+        <p:spPr>
+          <a:xfrm>
+            <a:off x="5692000" y="4547000"/>
+            <a:ext cx="3079901" cy="271875"/>
           </a:xfrm>
           <a:prstGeom prst="rect">
             <a:avLst/>
@@ -9544,6 +10884,24 @@
             <a:noFill/>
           </a:ln>
         </p:spPr>
+      </p:pic>
+      <p:sp>
+        <p:nvSpPr>
+          <p:cNvPr id="210" name="Google Shape;210;p29"/>
+          <p:cNvSpPr txBox="1"/>
+          <p:nvPr>
+            <p:ph type="title"/>
+          </p:nvPr>
+        </p:nvSpPr>
+        <p:spPr>
+          <a:xfrm>
+            <a:off x="311700" y="445025"/>
+            <a:ext cx="8520600" cy="572700"/>
+          </a:xfrm>
+          <a:prstGeom prst="rect">
+            <a:avLst/>
+          </a:prstGeom>
+        </p:spPr>
         <p:txBody>
           <a:bodyPr anchorCtr="0" anchor="t" bIns="91425" lIns="91425" spcFirstLastPara="1" rIns="91425" wrap="square" tIns="91425">
             <a:noAutofit/>
@@ -9561,155 +10919,24 @@
             </a:pPr>
             <a:r>
               <a:rPr lang="en"/>
-              <a:t>What is the most frequent beer style in each of the “states to target”</a:t>
+              <a:t>Conclusions</a:t>
             </a:r>
             <a:endParaRPr/>
           </a:p>
         </p:txBody>
       </p:sp>
-    </p:spTree>
-  </p:cSld>
-  <p:clrMapOvr>
-    <a:masterClrMapping/>
-  </p:clrMapOvr>
-</p:sld>
-</file>
-
-<file path=ppt/slides/slide17.xml><?xml version="1.0" encoding="utf-8"?>
-<p:sld xmlns:a="http://schemas.openxmlformats.org/drawingml/2006/main" xmlns:r="http://schemas.openxmlformats.org/officeDocument/2006/relationships" xmlns:mc="http://schemas.openxmlformats.org/markup-compatibility/2006" xmlns:mv="urn:schemas-microsoft-com:mac:vml" xmlns:p="http://schemas.openxmlformats.org/presentationml/2006/main" xmlns:c="http://schemas.openxmlformats.org/drawingml/2006/chart" xmlns:dgm="http://schemas.openxmlformats.org/drawingml/2006/diagram" xmlns:o="urn:schemas-microsoft-com:office:office" xmlns:v="urn:schemas-microsoft-com:vml" xmlns:pvml="urn:schemas-microsoft-com:office:powerpoint" xmlns:com="http://schemas.openxmlformats.org/drawingml/2006/compatibility" xmlns:p14="http://schemas.microsoft.com/office/powerpoint/2010/main" xmlns:p15="http://schemas.microsoft.com/office/powerpoint/2012/main">
-  <p:cSld>
-    <p:spTree>
-      <p:nvGrpSpPr>
-        <p:cNvPr id="180" name="Shape 180"/>
-        <p:cNvGrpSpPr/>
-        <p:nvPr/>
-      </p:nvGrpSpPr>
-      <p:grpSpPr>
-        <a:xfrm>
-          <a:off x="0" y="0"/>
-          <a:ext cx="0" cy="0"/>
-          <a:chOff x="0" y="0"/>
-          <a:chExt cx="0" cy="0"/>
-        </a:xfrm>
-      </p:grpSpPr>
-      <p:pic>
-        <p:nvPicPr>
-          <p:cNvPr id="181" name="Google Shape;181;p29"/>
-          <p:cNvPicPr preferRelativeResize="0"/>
-          <p:nvPr/>
-        </p:nvPicPr>
-        <p:blipFill>
-          <a:blip r:embed="rId3">
-            <a:alphaModFix/>
-          </a:blip>
-          <a:stretch>
-            <a:fillRect/>
-          </a:stretch>
-        </p:blipFill>
-        <p:spPr>
-          <a:xfrm>
-            <a:off x="2103412" y="0"/>
-            <a:ext cx="6323784" cy="5143500"/>
-          </a:xfrm>
-          <a:prstGeom prst="rect">
-            <a:avLst/>
-          </a:prstGeom>
-          <a:noFill/>
-          <a:ln>
-            <a:noFill/>
-          </a:ln>
-        </p:spPr>
-      </p:pic>
-    </p:spTree>
-  </p:cSld>
-  <p:clrMapOvr>
-    <a:masterClrMapping/>
-  </p:clrMapOvr>
-</p:sld>
-</file>
-
-<file path=ppt/slides/slide18.xml><?xml version="1.0" encoding="utf-8"?>
-<p:sld xmlns:a="http://schemas.openxmlformats.org/drawingml/2006/main" xmlns:r="http://schemas.openxmlformats.org/officeDocument/2006/relationships" xmlns:mc="http://schemas.openxmlformats.org/markup-compatibility/2006" xmlns:mv="urn:schemas-microsoft-com:mac:vml" xmlns:p="http://schemas.openxmlformats.org/presentationml/2006/main" xmlns:c="http://schemas.openxmlformats.org/drawingml/2006/chart" xmlns:dgm="http://schemas.openxmlformats.org/drawingml/2006/diagram" xmlns:o="urn:schemas-microsoft-com:office:office" xmlns:v="urn:schemas-microsoft-com:vml" xmlns:pvml="urn:schemas-microsoft-com:office:powerpoint" xmlns:com="http://schemas.openxmlformats.org/drawingml/2006/compatibility" xmlns:p14="http://schemas.microsoft.com/office/powerpoint/2010/main" xmlns:p15="http://schemas.microsoft.com/office/powerpoint/2012/main">
-  <p:cSld>
-    <p:spTree>
-      <p:nvGrpSpPr>
-        <p:cNvPr id="185" name="Shape 185"/>
-        <p:cNvGrpSpPr/>
-        <p:nvPr/>
-      </p:nvGrpSpPr>
-      <p:grpSpPr>
-        <a:xfrm>
-          <a:off x="0" y="0"/>
-          <a:ext cx="0" cy="0"/>
-          <a:chOff x="0" y="0"/>
-          <a:chExt cx="0" cy="0"/>
-        </a:xfrm>
-      </p:grpSpPr>
-      <p:pic>
-        <p:nvPicPr>
-          <p:cNvPr id="186" name="Google Shape;186;p30"/>
-          <p:cNvPicPr preferRelativeResize="0"/>
-          <p:nvPr/>
-        </p:nvPicPr>
-        <p:blipFill>
-          <a:blip r:embed="rId3">
-            <a:alphaModFix/>
-          </a:blip>
-          <a:stretch>
-            <a:fillRect/>
-          </a:stretch>
-        </p:blipFill>
-        <p:spPr>
-          <a:xfrm>
-            <a:off x="1564925" y="600075"/>
-            <a:ext cx="6124575" cy="3943350"/>
-          </a:xfrm>
-          <a:prstGeom prst="rect">
-            <a:avLst/>
-          </a:prstGeom>
-          <a:noFill/>
-          <a:ln>
-            <a:noFill/>
-          </a:ln>
-        </p:spPr>
-      </p:pic>
-    </p:spTree>
-  </p:cSld>
-  <p:clrMapOvr>
-    <a:masterClrMapping/>
-  </p:clrMapOvr>
-</p:sld>
-</file>
-
-<file path=ppt/slides/slide19.xml><?xml version="1.0" encoding="utf-8"?>
-<p:sld xmlns:a="http://schemas.openxmlformats.org/drawingml/2006/main" xmlns:r="http://schemas.openxmlformats.org/officeDocument/2006/relationships" xmlns:mc="http://schemas.openxmlformats.org/markup-compatibility/2006" xmlns:mv="urn:schemas-microsoft-com:mac:vml" xmlns:p="http://schemas.openxmlformats.org/presentationml/2006/main" xmlns:c="http://schemas.openxmlformats.org/drawingml/2006/chart" xmlns:dgm="http://schemas.openxmlformats.org/drawingml/2006/diagram" xmlns:o="urn:schemas-microsoft-com:office:office" xmlns:v="urn:schemas-microsoft-com:vml" xmlns:pvml="urn:schemas-microsoft-com:office:powerpoint" xmlns:com="http://schemas.openxmlformats.org/drawingml/2006/compatibility" xmlns:p14="http://schemas.microsoft.com/office/powerpoint/2010/main" xmlns:p15="http://schemas.microsoft.com/office/powerpoint/2012/main">
-  <p:cSld>
-    <p:spTree>
-      <p:nvGrpSpPr>
-        <p:cNvPr id="190" name="Shape 190"/>
-        <p:cNvGrpSpPr/>
-        <p:nvPr/>
-      </p:nvGrpSpPr>
-      <p:grpSpPr>
-        <a:xfrm>
-          <a:off x="0" y="0"/>
-          <a:ext cx="0" cy="0"/>
-          <a:chOff x="0" y="0"/>
-          <a:chExt cx="0" cy="0"/>
-        </a:xfrm>
-      </p:grpSpPr>
       <p:sp>
         <p:nvSpPr>
-          <p:cNvPr id="191" name="Google Shape;191;p31"/>
+          <p:cNvPr id="211" name="Google Shape;211;p29"/>
           <p:cNvSpPr txBox="1"/>
           <p:nvPr>
-            <p:ph type="title"/>
+            <p:ph idx="1" type="body"/>
           </p:nvPr>
         </p:nvSpPr>
         <p:spPr>
           <a:xfrm>
-            <a:off x="311700" y="445025"/>
-            <a:ext cx="8520600" cy="572700"/>
+            <a:off x="311700" y="1152475"/>
+            <a:ext cx="8520600" cy="3416400"/>
           </a:xfrm>
           <a:prstGeom prst="rect">
             <a:avLst/>
@@ -9732,71 +10959,39 @@
             </a:pPr>
             <a:r>
               <a:rPr lang="en"/>
-              <a:t>Directions for Additional Work</a:t>
+              <a:t>Craft beers are available across the country; but are most popular in the mountain states, particularly Colorado.  </a:t>
             </a:r>
             <a:endParaRPr/>
           </a:p>
-        </p:txBody>
-      </p:sp>
-      <p:sp>
-        <p:nvSpPr>
-          <p:cNvPr id="192" name="Google Shape;192;p31"/>
-          <p:cNvSpPr txBox="1"/>
-          <p:nvPr>
-            <p:ph idx="1" type="body"/>
-          </p:nvPr>
-        </p:nvSpPr>
-        <p:spPr>
-          <a:xfrm>
-            <a:off x="311700" y="1152475"/>
-            <a:ext cx="8520600" cy="3416400"/>
-          </a:xfrm>
-          <a:prstGeom prst="rect">
-            <a:avLst/>
-          </a:prstGeom>
-        </p:spPr>
-        <p:txBody>
-          <a:bodyPr anchorCtr="0" anchor="t" bIns="91425" lIns="91425" spcFirstLastPara="1" rIns="91425" wrap="square" tIns="91425">
-            <a:noAutofit/>
-          </a:bodyPr>
-          <a:lstStyle/>
           <a:p>
             <a:pPr indent="0" lvl="0" marL="0" rtl="0" algn="l">
               <a:spcBef>
-                <a:spcPts val="0"/>
-              </a:spcBef>
-              <a:spcAft>
                 <a:spcPts val="1600"/>
+              </a:spcBef>
+              <a:spcAft>
+                <a:spcPts val="0"/>
               </a:spcAft>
               <a:buNone/>
             </a:pPr>
             <a:r>
               <a:rPr lang="en"/>
-              <a:t>Ideas for question 9: </a:t>
+              <a:t>There are modest variations in alcoholic content (ABV) and bitterness (IBU) throughout the US.  The variations correlate well with beer style.</a:t>
             </a:r>
-            <a:r>
-              <a:rPr b="1" lang="en"/>
-              <a:t>a)</a:t>
-            </a:r>
+            <a:endParaRPr/>
+          </a:p>
+          <a:p>
+            <a:pPr indent="0" lvl="0" marL="0" rtl="0" algn="l">
+              <a:spcBef>
+                <a:spcPts val="1600"/>
+              </a:spcBef>
+              <a:spcAft>
+                <a:spcPts val="1600"/>
+              </a:spcAft>
+              <a:buNone/>
+            </a:pPr>
             <a:r>
               <a:rPr lang="en"/>
-              <a:t> Group states into geographic regions and repeat analysis for mean/max ABV and IBU by region, </a:t>
-            </a:r>
-            <a:r>
-              <a:rPr b="1" lang="en"/>
-              <a:t>b)</a:t>
-            </a:r>
-            <a:r>
-              <a:rPr lang="en"/>
-              <a:t> do some feature engineering (IBU:ABV ratio) or external data (census data, etc.), </a:t>
-            </a:r>
-            <a:r>
-              <a:rPr b="1" lang="en"/>
-              <a:t>c)</a:t>
-            </a:r>
-            <a:r>
-              <a:rPr lang="en"/>
-              <a:t> deep dive into one state...maybe one with lots of breweries...and provide some state-level insights. I’m currently most inclined toward option “b”.</a:t>
+              <a:t>We have identified 11 states with potentially underserved market and have grouped them with recommended styles based on current tastes.  </a:t>
             </a:r>
             <a:endParaRPr/>
           </a:p>
@@ -9815,7 +11010,7 @@
   <p:cSld>
     <p:spTree>
       <p:nvGrpSpPr>
-        <p:cNvPr id="63" name="Shape 63"/>
+        <p:cNvPr id="62" name="Shape 62"/>
         <p:cNvGrpSpPr/>
         <p:nvPr/>
       </p:nvGrpSpPr>
@@ -9829,7 +11024,7 @@
       </p:grpSpPr>
       <p:sp>
         <p:nvSpPr>
-          <p:cNvPr id="64" name="Google Shape;64;p14"/>
+          <p:cNvPr id="63" name="Google Shape;63;p14"/>
           <p:cNvSpPr txBox="1"/>
           <p:nvPr>
             <p:ph type="title"/>
@@ -9869,7 +11064,7 @@
       </p:sp>
       <p:sp>
         <p:nvSpPr>
-          <p:cNvPr id="65" name="Google Shape;65;p14"/>
+          <p:cNvPr id="64" name="Google Shape;64;p14"/>
           <p:cNvSpPr txBox="1"/>
           <p:nvPr>
             <p:ph idx="1" type="body"/>
@@ -9905,7 +11100,7 @@
               <a:buNone/>
             </a:pPr>
             <a:r>
-              <a:rPr lang="en" sz="1050">
+              <a:rPr lang="en" sz="1400">
                 <a:solidFill>
                   <a:srgbClr val="333333"/>
                 </a:solidFill>
@@ -9915,7 +11110,7 @@
               </a:rPr>
               <a:t>We were presented with data on 2410 beers produced by 558 breweries in the United States.</a:t>
             </a:r>
-            <a:endParaRPr sz="1050">
+            <a:endParaRPr sz="1400">
               <a:solidFill>
                 <a:srgbClr val="333333"/>
               </a:solidFill>
@@ -9940,7 +11135,7 @@
               <a:buNone/>
             </a:pPr>
             <a:r>
-              <a:rPr lang="en" sz="1050">
+              <a:rPr lang="en" sz="1400">
                 <a:solidFill>
                   <a:srgbClr val="333333"/>
                 </a:solidFill>
@@ -9950,7 +11145,7 @@
               </a:rPr>
               <a:t>For each brewery, we have its name, and the city and state it is located in.</a:t>
             </a:r>
-            <a:endParaRPr sz="1050">
+            <a:endParaRPr sz="1400">
               <a:solidFill>
                 <a:srgbClr val="333333"/>
               </a:solidFill>
@@ -9975,7 +11170,7 @@
               <a:buNone/>
             </a:pPr>
             <a:r>
-              <a:rPr lang="en" sz="1050">
+              <a:rPr lang="en" sz="1400">
                 <a:solidFill>
                   <a:srgbClr val="333333"/>
                 </a:solidFill>
@@ -9985,7 +11180,7 @@
               </a:rPr>
               <a:t>For each beer, we have its style as well as numeric values for ABV (alcohol by volume), IBU (international bitterness units), and the serving size in ounces.</a:t>
             </a:r>
-            <a:endParaRPr sz="1050">
+            <a:endParaRPr sz="1400">
               <a:solidFill>
                 <a:srgbClr val="333333"/>
               </a:solidFill>
@@ -10010,7 +11205,7 @@
               <a:buNone/>
             </a:pPr>
             <a:r>
-              <a:rPr lang="en" sz="1050">
+              <a:rPr lang="en" sz="1400">
                 <a:solidFill>
                   <a:srgbClr val="333333"/>
                 </a:solidFill>
@@ -10020,7 +11215,7 @@
               </a:rPr>
               <a:t>In this dataset, there were 100 different styles of beer represented.</a:t>
             </a:r>
-            <a:endParaRPr sz="1050">
+            <a:endParaRPr sz="1400">
               <a:solidFill>
                 <a:srgbClr val="333333"/>
               </a:solidFill>
@@ -10045,7 +11240,7 @@
               <a:buNone/>
             </a:pPr>
             <a:r>
-              <a:rPr lang="en" sz="1050">
+              <a:rPr lang="en" sz="1400">
                 <a:solidFill>
                   <a:srgbClr val="333333"/>
                 </a:solidFill>
@@ -10055,7 +11250,7 @@
               </a:rPr>
               <a:t>There were beers produced in every state of the nation, as well as in the District of Columbia.</a:t>
             </a:r>
-            <a:endParaRPr sz="1050">
+            <a:endParaRPr sz="1400">
               <a:solidFill>
                 <a:srgbClr val="333333"/>
               </a:solidFill>
@@ -10072,15 +11267,10 @@
               <a:spcAft>
                 <a:spcPts val="0"/>
               </a:spcAft>
-              <a:buClr>
-                <a:schemeClr val="dk1"/>
-              </a:buClr>
-              <a:buSzPts val="1100"/>
-              <a:buFont typeface="Arial"/>
               <a:buNone/>
             </a:pPr>
             <a:r>
-              <a:rPr lang="en" sz="1050">
+              <a:rPr lang="en" sz="1400">
                 <a:solidFill>
                   <a:srgbClr val="333333"/>
                 </a:solidFill>
@@ -10088,145 +11278,9 @@
                   <a:srgbClr val="FFFFFF"/>
                 </a:highlight>
               </a:rPr>
-              <a:t>Today we will present a summary of what we have found in the data so far, including</a:t>
+              <a:t>We have studied how well the ABV and IBU correlate with styles of beer.</a:t>
             </a:r>
-            <a:endParaRPr sz="1050">
-              <a:solidFill>
-                <a:srgbClr val="333333"/>
-              </a:solidFill>
-              <a:highlight>
-                <a:srgbClr val="FFFFFF"/>
-              </a:highlight>
-            </a:endParaRPr>
-          </a:p>
-          <a:p>
-            <a:pPr indent="-295275" lvl="0" marL="457200" rtl="0" algn="l">
-              <a:spcBef>
-                <a:spcPts val="800"/>
-              </a:spcBef>
-              <a:spcAft>
-                <a:spcPts val="0"/>
-              </a:spcAft>
-              <a:buClr>
-                <a:srgbClr val="333333"/>
-              </a:buClr>
-              <a:buSzPts val="1050"/>
-              <a:buChar char="-"/>
-            </a:pPr>
-            <a:r>
-              <a:rPr lang="en" sz="1050">
-                <a:solidFill>
-                  <a:srgbClr val="333333"/>
-                </a:solidFill>
-                <a:highlight>
-                  <a:srgbClr val="FFFFFF"/>
-                </a:highlight>
-              </a:rPr>
-              <a:t>Count of breweries by state</a:t>
-            </a:r>
-            <a:endParaRPr sz="1050">
-              <a:solidFill>
-                <a:srgbClr val="333333"/>
-              </a:solidFill>
-              <a:highlight>
-                <a:srgbClr val="FFFFFF"/>
-              </a:highlight>
-            </a:endParaRPr>
-          </a:p>
-          <a:p>
-            <a:pPr indent="-295275" lvl="0" marL="457200" rtl="0" algn="l">
-              <a:spcBef>
-                <a:spcPts val="0"/>
-              </a:spcBef>
-              <a:spcAft>
-                <a:spcPts val="0"/>
-              </a:spcAft>
-              <a:buClr>
-                <a:srgbClr val="333333"/>
-              </a:buClr>
-              <a:buSzPts val="1050"/>
-              <a:buChar char="-"/>
-            </a:pPr>
-            <a:r>
-              <a:rPr lang="en" sz="1050">
-                <a:solidFill>
-                  <a:srgbClr val="333333"/>
-                </a:solidFill>
-                <a:highlight>
-                  <a:srgbClr val="FFFFFF"/>
-                </a:highlight>
-              </a:rPr>
-              <a:t>Study of ABV and IBU by state</a:t>
-            </a:r>
-            <a:endParaRPr sz="1050">
-              <a:solidFill>
-                <a:srgbClr val="333333"/>
-              </a:solidFill>
-              <a:highlight>
-                <a:srgbClr val="FFFFFF"/>
-              </a:highlight>
-            </a:endParaRPr>
-          </a:p>
-          <a:p>
-            <a:pPr indent="-295275" lvl="0" marL="457200" rtl="0" algn="l">
-              <a:spcBef>
-                <a:spcPts val="0"/>
-              </a:spcBef>
-              <a:spcAft>
-                <a:spcPts val="0"/>
-              </a:spcAft>
-              <a:buClr>
-                <a:srgbClr val="333333"/>
-              </a:buClr>
-              <a:buSzPts val="1050"/>
-              <a:buChar char="-"/>
-            </a:pPr>
-            <a:r>
-              <a:rPr lang="en" sz="1050">
-                <a:solidFill>
-                  <a:srgbClr val="333333"/>
-                </a:solidFill>
-                <a:highlight>
-                  <a:srgbClr val="FFFFFF"/>
-                </a:highlight>
-              </a:rPr>
-              <a:t>Distribution of ABV and its relationship to IBU</a:t>
-            </a:r>
-            <a:endParaRPr sz="1050">
-              <a:solidFill>
-                <a:srgbClr val="333333"/>
-              </a:solidFill>
-              <a:highlight>
-                <a:srgbClr val="FFFFFF"/>
-              </a:highlight>
-            </a:endParaRPr>
-          </a:p>
-          <a:p>
-            <a:pPr indent="-295275" lvl="0" marL="457200" rtl="0" algn="l">
-              <a:spcBef>
-                <a:spcPts val="0"/>
-              </a:spcBef>
-              <a:spcAft>
-                <a:spcPts val="0"/>
-              </a:spcAft>
-              <a:buClr>
-                <a:srgbClr val="333333"/>
-              </a:buClr>
-              <a:buSzPts val="1050"/>
-              <a:buChar char="-"/>
-            </a:pPr>
-            <a:r>
-              <a:rPr lang="en" sz="1050">
-                <a:solidFill>
-                  <a:srgbClr val="333333"/>
-                </a:solidFill>
-                <a:highlight>
-                  <a:srgbClr val="FFFFFF"/>
-                </a:highlight>
-              </a:rPr>
-              <a:t>Examination of missing data and actions to address it</a:t>
-            </a:r>
-            <a:endParaRPr sz="1050">
+            <a:endParaRPr sz="1400">
               <a:solidFill>
                 <a:srgbClr val="333333"/>
               </a:solidFill>
@@ -10241,6 +11295,36 @@
                 <a:spcPts val="800"/>
               </a:spcBef>
               <a:spcAft>
+                <a:spcPts val="0"/>
+              </a:spcAft>
+              <a:buNone/>
+            </a:pPr>
+            <a:r>
+              <a:rPr lang="en" sz="1400">
+                <a:solidFill>
+                  <a:srgbClr val="333333"/>
+                </a:solidFill>
+                <a:highlight>
+                  <a:srgbClr val="FFFFFF"/>
+                </a:highlight>
+              </a:rPr>
+              <a:t>We also found what may be underserved markets and have recommendations for entering them.</a:t>
+            </a:r>
+            <a:endParaRPr sz="1400">
+              <a:solidFill>
+                <a:srgbClr val="333333"/>
+              </a:solidFill>
+              <a:highlight>
+                <a:srgbClr val="FFFFFF"/>
+              </a:highlight>
+            </a:endParaRPr>
+          </a:p>
+          <a:p>
+            <a:pPr indent="0" lvl="0" marL="0" rtl="0" algn="l">
+              <a:spcBef>
+                <a:spcPts val="800"/>
+              </a:spcBef>
+              <a:spcAft>
                 <a:spcPts val="1600"/>
               </a:spcAft>
               <a:buNone/>
@@ -10248,7 +11332,7 @@
             <a:r>
               <a:t/>
             </a:r>
-            <a:endParaRPr/>
+            <a:endParaRPr sz="1400"/>
           </a:p>
         </p:txBody>
       </p:sp>
@@ -10265,7 +11349,7 @@
   <p:cSld>
     <p:spTree>
       <p:nvGrpSpPr>
-        <p:cNvPr id="69" name="Shape 69"/>
+        <p:cNvPr id="68" name="Shape 68"/>
         <p:cNvGrpSpPr/>
         <p:nvPr/>
       </p:nvGrpSpPr>
@@ -10279,7 +11363,7 @@
       </p:grpSpPr>
       <p:sp>
         <p:nvSpPr>
-          <p:cNvPr id="70" name="Google Shape;70;p15"/>
+          <p:cNvPr id="69" name="Google Shape;69;p15"/>
           <p:cNvSpPr txBox="1"/>
           <p:nvPr/>
         </p:nvSpPr>
@@ -10313,45 +11397,19 @@
             </a:pPr>
             <a:r>
               <a:rPr b="1" lang="en" sz="1200">
+                <a:solidFill>
+                  <a:srgbClr val="9E9E9E"/>
+                </a:solidFill>
                 <a:latin typeface="Trebuchet MS"/>
                 <a:ea typeface="Trebuchet MS"/>
                 <a:cs typeface="Trebuchet MS"/>
                 <a:sym typeface="Trebuchet MS"/>
               </a:rPr>
-              <a:t>QUESTION</a:t>
-            </a:r>
-            <a:r>
-              <a:rPr b="1" lang="en" sz="1200">
-                <a:latin typeface="Trebuchet MS"/>
-                <a:ea typeface="Trebuchet MS"/>
-                <a:cs typeface="Trebuchet MS"/>
-                <a:sym typeface="Trebuchet MS"/>
-              </a:rPr>
-              <a:t> 1 - BREWERIES BY STATE</a:t>
-            </a:r>
-            <a:endParaRPr b="1" sz="600">
-              <a:latin typeface="Trebuchet MS"/>
-              <a:ea typeface="Trebuchet MS"/>
-              <a:cs typeface="Trebuchet MS"/>
-              <a:sym typeface="Trebuchet MS"/>
-            </a:endParaRPr>
-          </a:p>
-          <a:p>
-            <a:pPr indent="0" lvl="0" marL="0" rtl="0" algn="l">
-              <a:spcBef>
-                <a:spcPts val="0"/>
-              </a:spcBef>
-              <a:spcAft>
-                <a:spcPts val="0"/>
-              </a:spcAft>
-              <a:buNone/>
-            </a:pPr>
-            <a:r>
-              <a:t/>
+              <a:t>NUMBER OF BREWERIES IN EACH STATE</a:t>
             </a:r>
             <a:endParaRPr sz="1000">
               <a:solidFill>
-                <a:srgbClr val="000000"/>
+                <a:srgbClr val="9E9E9E"/>
               </a:solidFill>
               <a:latin typeface="Trebuchet MS"/>
               <a:ea typeface="Trebuchet MS"/>
@@ -10373,6 +11431,9 @@
               <a:t/>
             </a:r>
             <a:endParaRPr sz="1000">
+              <a:solidFill>
+                <a:srgbClr val="9E9E9E"/>
+              </a:solidFill>
               <a:latin typeface="Trebuchet MS"/>
               <a:ea typeface="Trebuchet MS"/>
               <a:cs typeface="Trebuchet MS"/>
@@ -10383,7 +11444,7 @@
       </p:sp>
       <p:pic>
         <p:nvPicPr>
-          <p:cNvPr id="71" name="Google Shape;71;p15"/>
+          <p:cNvPr id="70" name="Google Shape;70;p15"/>
           <p:cNvPicPr preferRelativeResize="0"/>
           <p:nvPr/>
         </p:nvPicPr>
@@ -10397,8 +11458,8 @@
         </p:blipFill>
         <p:spPr>
           <a:xfrm>
-            <a:off x="316050" y="724725"/>
-            <a:ext cx="4389120" cy="3240478"/>
+            <a:off x="456101" y="736150"/>
+            <a:ext cx="5981850" cy="4206150"/>
           </a:xfrm>
           <a:prstGeom prst="rect">
             <a:avLst/>
@@ -10411,7 +11472,7 @@
       </p:pic>
       <p:pic>
         <p:nvPicPr>
-          <p:cNvPr id="72" name="Google Shape;72;p15"/>
+          <p:cNvPr id="71" name="Google Shape;71;p15"/>
           <p:cNvPicPr preferRelativeResize="0"/>
           <p:nvPr/>
         </p:nvPicPr>
@@ -10425,8 +11486,8 @@
         </p:blipFill>
         <p:spPr>
           <a:xfrm>
-            <a:off x="4618523" y="724725"/>
-            <a:ext cx="4389120" cy="3240478"/>
+            <a:off x="5842751" y="351426"/>
+            <a:ext cx="2861675" cy="2012200"/>
           </a:xfrm>
           <a:prstGeom prst="rect">
             <a:avLst/>
@@ -10450,7 +11511,7 @@
   <p:cSld>
     <p:spTree>
       <p:nvGrpSpPr>
-        <p:cNvPr id="76" name="Shape 76"/>
+        <p:cNvPr id="75" name="Shape 75"/>
         <p:cNvGrpSpPr/>
         <p:nvPr/>
       </p:nvGrpSpPr>
@@ -10462,104 +11523,9 @@
           <a:chExt cx="0" cy="0"/>
         </a:xfrm>
       </p:grpSpPr>
-      <p:sp>
-        <p:nvSpPr>
-          <p:cNvPr id="77" name="Google Shape;77;p16"/>
-          <p:cNvSpPr txBox="1"/>
-          <p:nvPr/>
-        </p:nvSpPr>
-        <p:spPr>
-          <a:xfrm>
-            <a:off x="195425" y="65925"/>
-            <a:ext cx="8625900" cy="506400"/>
-          </a:xfrm>
-          <a:prstGeom prst="rect">
-            <a:avLst/>
-          </a:prstGeom>
-          <a:noFill/>
-          <a:ln>
-            <a:noFill/>
-          </a:ln>
-        </p:spPr>
-        <p:txBody>
-          <a:bodyPr anchorCtr="0" anchor="t" bIns="91425" lIns="91425" spcFirstLastPara="1" rIns="91425" wrap="square" tIns="91425">
-            <a:noAutofit/>
-          </a:bodyPr>
-          <a:lstStyle/>
-          <a:p>
-            <a:pPr indent="0" lvl="0" marL="0" rtl="0" algn="l">
-              <a:spcBef>
-                <a:spcPts val="0"/>
-              </a:spcBef>
-              <a:spcAft>
-                <a:spcPts val="0"/>
-              </a:spcAft>
-              <a:buNone/>
-            </a:pPr>
-            <a:r>
-              <a:rPr b="1" lang="en" sz="1200">
-                <a:latin typeface="Trebuchet MS"/>
-                <a:ea typeface="Trebuchet MS"/>
-                <a:cs typeface="Trebuchet MS"/>
-                <a:sym typeface="Trebuchet MS"/>
-              </a:rPr>
-              <a:t>QUESTION 3 - ADDRESS THE MISSING VALUES</a:t>
-            </a:r>
-            <a:endParaRPr b="1" sz="600">
-              <a:latin typeface="Trebuchet MS"/>
-              <a:ea typeface="Trebuchet MS"/>
-              <a:cs typeface="Trebuchet MS"/>
-              <a:sym typeface="Trebuchet MS"/>
-            </a:endParaRPr>
-          </a:p>
-          <a:p>
-            <a:pPr indent="0" lvl="0" marL="0" rtl="0" algn="l">
-              <a:spcBef>
-                <a:spcPts val="0"/>
-              </a:spcBef>
-              <a:spcAft>
-                <a:spcPts val="0"/>
-              </a:spcAft>
-              <a:buNone/>
-            </a:pPr>
-            <a:r>
-              <a:t/>
-            </a:r>
-            <a:endParaRPr sz="1000">
-              <a:solidFill>
-                <a:srgbClr val="000000"/>
-              </a:solidFill>
-              <a:latin typeface="Trebuchet MS"/>
-              <a:ea typeface="Trebuchet MS"/>
-              <a:cs typeface="Trebuchet MS"/>
-              <a:sym typeface="Trebuchet MS"/>
-            </a:endParaRPr>
-          </a:p>
-          <a:p>
-            <a:pPr indent="0" lvl="0" marL="0" rtl="0" algn="l">
-              <a:spcBef>
-                <a:spcPts val="0"/>
-              </a:spcBef>
-              <a:spcAft>
-                <a:spcPts val="0"/>
-              </a:spcAft>
-              <a:buNone/>
-            </a:pPr>
-            <a:r>
-              <a:t/>
-            </a:r>
-            <a:endParaRPr sz="1000">
-              <a:latin typeface="Trebuchet MS"/>
-              <a:ea typeface="Trebuchet MS"/>
-              <a:cs typeface="Trebuchet MS"/>
-              <a:sym typeface="Trebuchet MS"/>
-            </a:endParaRPr>
-          </a:p>
-        </p:txBody>
-      </p:sp>
       <p:pic>
         <p:nvPicPr>
-          <p:cNvPr id="78" name="Google Shape;78;p16"/>
+          <p:cNvPr id="76" name="Google Shape;76;p16"/>
           <p:cNvPicPr preferRelativeResize="0"/>
           <p:nvPr/>
         </p:nvPicPr>
@@ -10573,7 +11539,7 @@
         </p:blipFill>
         <p:spPr>
           <a:xfrm>
-            <a:off x="200950" y="547425"/>
+            <a:off x="233675" y="483150"/>
             <a:ext cx="8676651" cy="2855525"/>
           </a:xfrm>
           <a:prstGeom prst="rect">
@@ -10587,14 +11553,14 @@
       </p:pic>
       <p:sp>
         <p:nvSpPr>
-          <p:cNvPr id="79" name="Google Shape;79;p16"/>
+          <p:cNvPr id="77" name="Google Shape;77;p16"/>
           <p:cNvSpPr txBox="1"/>
           <p:nvPr/>
         </p:nvSpPr>
         <p:spPr>
           <a:xfrm>
-            <a:off x="635225" y="3413675"/>
-            <a:ext cx="5782800" cy="1387800"/>
+            <a:off x="309875" y="3159200"/>
+            <a:ext cx="4887000" cy="1387800"/>
           </a:xfrm>
           <a:prstGeom prst="rect">
             <a:avLst/>
@@ -10610,26 +11576,100 @@
           </a:bodyPr>
           <a:lstStyle/>
           <a:p>
-            <a:pPr indent="0" lvl="0" marL="0" rtl="0" algn="l">
-              <a:spcBef>
-                <a:spcPts val="0"/>
-              </a:spcBef>
-              <a:spcAft>
-                <a:spcPts val="0"/>
-              </a:spcAft>
-              <a:buNone/>
+            <a:pPr indent="-304800" lvl="0" marL="457200" rtl="0" algn="l">
+              <a:spcBef>
+                <a:spcPts val="0"/>
+              </a:spcBef>
+              <a:spcAft>
+                <a:spcPts val="0"/>
+              </a:spcAft>
+              <a:buSzPts val="1200"/>
+              <a:buChar char="●"/>
             </a:pPr>
             <a:r>
-              <a:rPr lang="en"/>
-              <a:t>We found that ABV had 62 NAs and IBU had 1005 NAs. All of the ABV NAs also had NA IBU. We decided to fill ABV values with the median ABV from beers of the same type. To fill missing values in IBU, we fit a regression tree to observations without missing values and then used that model to predict each missing IBU value.</a:t>
+              <a:rPr lang="en" sz="1200"/>
+              <a:t>ABV had 62 missing values and IBU had 1005 missing values.</a:t>
             </a:r>
-            <a:endParaRPr/>
+            <a:endParaRPr sz="1200"/>
+          </a:p>
+          <a:p>
+            <a:pPr indent="0" lvl="0" marL="457200" rtl="0" algn="l">
+              <a:spcBef>
+                <a:spcPts val="0"/>
+              </a:spcBef>
+              <a:spcAft>
+                <a:spcPts val="0"/>
+              </a:spcAft>
+              <a:buNone/>
+            </a:pPr>
+            <a:r>
+              <a:t/>
+            </a:r>
+            <a:endParaRPr sz="1200"/>
+          </a:p>
+          <a:p>
+            <a:pPr indent="-304800" lvl="0" marL="457200" rtl="0" algn="l">
+              <a:spcBef>
+                <a:spcPts val="0"/>
+              </a:spcBef>
+              <a:spcAft>
+                <a:spcPts val="0"/>
+              </a:spcAft>
+              <a:buSzPts val="1200"/>
+              <a:buChar char="●"/>
+            </a:pPr>
+            <a:r>
+              <a:rPr lang="en" sz="1200"/>
+              <a:t>We filled missing ABV values with the median ABV from beers of the same style.</a:t>
+            </a:r>
+            <a:endParaRPr sz="1200"/>
+          </a:p>
+          <a:p>
+            <a:pPr indent="0" lvl="0" marL="457200" rtl="0" algn="l">
+              <a:spcBef>
+                <a:spcPts val="0"/>
+              </a:spcBef>
+              <a:spcAft>
+                <a:spcPts val="0"/>
+              </a:spcAft>
+              <a:buNone/>
+            </a:pPr>
+            <a:r>
+              <a:rPr lang="en" sz="1200"/>
+              <a:t> </a:t>
+            </a:r>
+            <a:endParaRPr sz="1200"/>
+          </a:p>
+          <a:p>
+            <a:pPr indent="-304800" lvl="0" marL="457200" rtl="0" algn="l">
+              <a:spcBef>
+                <a:spcPts val="0"/>
+              </a:spcBef>
+              <a:spcAft>
+                <a:spcPts val="0"/>
+              </a:spcAft>
+              <a:buSzPts val="1200"/>
+              <a:buChar char="●"/>
+            </a:pPr>
+            <a:r>
+              <a:rPr lang="en" sz="1200"/>
+              <a:t>To fill missing values in IBU, we fit a regression tree (</a:t>
+            </a:r>
+            <a:r>
+              <a:rPr i="1" lang="en" sz="1200"/>
+              <a:t>ABV and Beer Style as inputs</a:t>
+            </a:r>
+            <a:r>
+              <a:rPr lang="en" sz="1200"/>
+              <a:t>) to observations without missing values and then used that model to predict each missing IBU value.</a:t>
+            </a:r>
+            <a:endParaRPr sz="1200"/>
           </a:p>
         </p:txBody>
       </p:sp>
       <p:pic>
         <p:nvPicPr>
-          <p:cNvPr id="80" name="Google Shape;80;p16"/>
+          <p:cNvPr id="78" name="Google Shape;78;p16"/>
           <p:cNvPicPr preferRelativeResize="0"/>
           <p:nvPr/>
         </p:nvPicPr>
@@ -10643,8 +11683,8 @@
         </p:blipFill>
         <p:spPr>
           <a:xfrm>
-            <a:off x="6520975" y="3159826"/>
-            <a:ext cx="2356625" cy="1879575"/>
+            <a:off x="5857700" y="2909075"/>
+            <a:ext cx="2766550" cy="2206525"/>
           </a:xfrm>
           <a:prstGeom prst="rect">
             <a:avLst/>
@@ -10655,6 +11695,87 @@
           </a:ln>
         </p:spPr>
       </p:pic>
+      <p:sp>
+        <p:nvSpPr>
+          <p:cNvPr id="79" name="Google Shape;79;p16"/>
+          <p:cNvSpPr txBox="1"/>
+          <p:nvPr/>
+        </p:nvSpPr>
+        <p:spPr>
+          <a:xfrm>
+            <a:off x="195425" y="65925"/>
+            <a:ext cx="8625900" cy="506400"/>
+          </a:xfrm>
+          <a:prstGeom prst="rect">
+            <a:avLst/>
+          </a:prstGeom>
+          <a:noFill/>
+          <a:ln>
+            <a:noFill/>
+          </a:ln>
+        </p:spPr>
+        <p:txBody>
+          <a:bodyPr anchorCtr="0" anchor="t" bIns="91425" lIns="91425" spcFirstLastPara="1" rIns="91425" wrap="square" tIns="91425">
+            <a:noAutofit/>
+          </a:bodyPr>
+          <a:lstStyle/>
+          <a:p>
+            <a:pPr indent="0" lvl="0" marL="0" rtl="0" algn="l">
+              <a:spcBef>
+                <a:spcPts val="0"/>
+              </a:spcBef>
+              <a:spcAft>
+                <a:spcPts val="0"/>
+              </a:spcAft>
+              <a:buNone/>
+            </a:pPr>
+            <a:r>
+              <a:rPr b="1" lang="en" sz="1200">
+                <a:solidFill>
+                  <a:srgbClr val="9E9E9E"/>
+                </a:solidFill>
+                <a:latin typeface="Trebuchet MS"/>
+                <a:ea typeface="Trebuchet MS"/>
+                <a:cs typeface="Trebuchet MS"/>
+                <a:sym typeface="Trebuchet MS"/>
+              </a:rPr>
+              <a:t>MISSING VALUES</a:t>
+            </a:r>
+            <a:endParaRPr sz="1000">
+              <a:solidFill>
+                <a:srgbClr val="9E9E9E"/>
+              </a:solidFill>
+              <a:latin typeface="Trebuchet MS"/>
+              <a:ea typeface="Trebuchet MS"/>
+              <a:cs typeface="Trebuchet MS"/>
+              <a:sym typeface="Trebuchet MS"/>
+            </a:endParaRPr>
+          </a:p>
+          <a:p>
+            <a:pPr indent="0" lvl="0" marL="0" rtl="0" algn="l">
+              <a:spcBef>
+                <a:spcPts val="0"/>
+              </a:spcBef>
+              <a:spcAft>
+                <a:spcPts val="0"/>
+              </a:spcAft>
+              <a:buNone/>
+            </a:pPr>
+            <a:r>
+              <a:t/>
+            </a:r>
+            <a:endParaRPr sz="1000">
+              <a:solidFill>
+                <a:srgbClr val="9E9E9E"/>
+              </a:solidFill>
+              <a:latin typeface="Trebuchet MS"/>
+              <a:ea typeface="Trebuchet MS"/>
+              <a:cs typeface="Trebuchet MS"/>
+              <a:sym typeface="Trebuchet MS"/>
+            </a:endParaRPr>
+          </a:p>
+        </p:txBody>
+      </p:sp>
     </p:spTree>
   </p:cSld>
   <p:clrMapOvr>
@@ -10668,7 +11789,7 @@
   <p:cSld>
     <p:spTree>
       <p:nvGrpSpPr>
-        <p:cNvPr id="84" name="Shape 84"/>
+        <p:cNvPr id="83" name="Shape 83"/>
         <p:cNvGrpSpPr/>
         <p:nvPr/>
       </p:nvGrpSpPr>
@@ -10682,7 +11803,7 @@
       </p:grpSpPr>
       <p:pic>
         <p:nvPicPr>
-          <p:cNvPr id="85" name="Google Shape;85;p17"/>
+          <p:cNvPr id="84" name="Google Shape;84;p17"/>
           <p:cNvPicPr preferRelativeResize="0"/>
           <p:nvPr/>
         </p:nvPicPr>
@@ -10710,7 +11831,7 @@
       </p:pic>
       <p:pic>
         <p:nvPicPr>
-          <p:cNvPr id="86" name="Google Shape;86;p17"/>
+          <p:cNvPr id="85" name="Google Shape;85;p17"/>
           <p:cNvPicPr preferRelativeResize="0"/>
           <p:nvPr/>
         </p:nvPicPr>
@@ -10749,7 +11870,7 @@
   <p:cSld>
     <p:spTree>
       <p:nvGrpSpPr>
-        <p:cNvPr id="90" name="Shape 90"/>
+        <p:cNvPr id="89" name="Shape 89"/>
         <p:cNvGrpSpPr/>
         <p:nvPr/>
       </p:nvGrpSpPr>
@@ -10763,7 +11884,7 @@
       </p:grpSpPr>
       <p:sp>
         <p:nvSpPr>
-          <p:cNvPr id="91" name="Google Shape;91;p18"/>
+          <p:cNvPr id="90" name="Google Shape;90;p18"/>
           <p:cNvSpPr txBox="1"/>
           <p:nvPr/>
         </p:nvSpPr>
@@ -10797,16 +11918,19 @@
             </a:pPr>
             <a:r>
               <a:rPr b="1" lang="en" sz="1200">
+                <a:solidFill>
+                  <a:srgbClr val="9E9E9E"/>
+                </a:solidFill>
                 <a:latin typeface="Trebuchet MS"/>
                 <a:ea typeface="Trebuchet MS"/>
                 <a:cs typeface="Trebuchet MS"/>
                 <a:sym typeface="Trebuchet MS"/>
               </a:rPr>
-              <a:t>QUESTION 5 - Max ABV and IBU by state</a:t>
+              <a:t>STATES WITH HIGHEST ABV AND IBU</a:t>
             </a:r>
             <a:endParaRPr sz="1000">
               <a:solidFill>
-                <a:srgbClr val="000000"/>
+                <a:srgbClr val="9E9E9E"/>
               </a:solidFill>
               <a:latin typeface="Trebuchet MS"/>
               <a:ea typeface="Trebuchet MS"/>
@@ -10828,6 +11952,9 @@
               <a:t/>
             </a:r>
             <a:endParaRPr sz="1000">
+              <a:solidFill>
+                <a:srgbClr val="9E9E9E"/>
+              </a:solidFill>
               <a:latin typeface="Trebuchet MS"/>
               <a:ea typeface="Trebuchet MS"/>
               <a:cs typeface="Trebuchet MS"/>
@@ -10838,7 +11965,7 @@
       </p:sp>
       <p:pic>
         <p:nvPicPr>
-          <p:cNvPr id="92" name="Google Shape;92;p18"/>
+          <p:cNvPr id="91" name="Google Shape;91;p18"/>
           <p:cNvPicPr preferRelativeResize="0"/>
           <p:nvPr/>
         </p:nvPicPr>
@@ -10866,7 +11993,7 @@
       </p:pic>
       <p:pic>
         <p:nvPicPr>
-          <p:cNvPr id="93" name="Google Shape;93;p18"/>
+          <p:cNvPr id="92" name="Google Shape;92;p18"/>
           <p:cNvPicPr preferRelativeResize="0"/>
           <p:nvPr/>
         </p:nvPicPr>
@@ -10894,7 +12021,7 @@
       </p:pic>
       <p:pic>
         <p:nvPicPr>
-          <p:cNvPr id="94" name="Google Shape;94;p18"/>
+          <p:cNvPr id="93" name="Google Shape;93;p18"/>
           <p:cNvPicPr preferRelativeResize="0"/>
           <p:nvPr/>
         </p:nvPicPr>
@@ -10922,7 +12049,7 @@
       </p:pic>
       <p:pic>
         <p:nvPicPr>
-          <p:cNvPr id="95" name="Google Shape;95;p18"/>
+          <p:cNvPr id="94" name="Google Shape;94;p18"/>
           <p:cNvPicPr preferRelativeResize="0"/>
           <p:nvPr/>
         </p:nvPicPr>
@@ -10961,7 +12088,7 @@
   <p:cSld>
     <p:spTree>
       <p:nvGrpSpPr>
-        <p:cNvPr id="99" name="Shape 99"/>
+        <p:cNvPr id="98" name="Shape 98"/>
         <p:cNvGrpSpPr/>
         <p:nvPr/>
       </p:nvGrpSpPr>
@@ -10975,7 +12102,7 @@
       </p:grpSpPr>
       <p:sp>
         <p:nvSpPr>
-          <p:cNvPr id="100" name="Google Shape;100;p19"/>
+          <p:cNvPr id="99" name="Google Shape;99;p19"/>
           <p:cNvSpPr txBox="1"/>
           <p:nvPr/>
         </p:nvSpPr>
@@ -11009,16 +12136,19 @@
             </a:pPr>
             <a:r>
               <a:rPr b="1" lang="en" sz="1200">
+                <a:solidFill>
+                  <a:srgbClr val="9E9E9E"/>
+                </a:solidFill>
                 <a:latin typeface="Trebuchet MS"/>
                 <a:ea typeface="Trebuchet MS"/>
                 <a:cs typeface="Trebuchet MS"/>
                 <a:sym typeface="Trebuchet MS"/>
               </a:rPr>
-              <a:t>QUESTION 6 - Examine distribution of ABV values.</a:t>
+              <a:t>Examine distribution of ABV values.</a:t>
             </a:r>
             <a:endParaRPr sz="1000">
               <a:solidFill>
-                <a:srgbClr val="000000"/>
+                <a:srgbClr val="9E9E9E"/>
               </a:solidFill>
               <a:latin typeface="Trebuchet MS"/>
               <a:ea typeface="Trebuchet MS"/>
@@ -11040,6 +12170,9 @@
               <a:t/>
             </a:r>
             <a:endParaRPr sz="1000">
+              <a:solidFill>
+                <a:srgbClr val="9E9E9E"/>
+              </a:solidFill>
               <a:latin typeface="Trebuchet MS"/>
               <a:ea typeface="Trebuchet MS"/>
               <a:cs typeface="Trebuchet MS"/>
@@ -11050,7 +12183,7 @@
       </p:sp>
       <p:sp>
         <p:nvSpPr>
-          <p:cNvPr id="101" name="Google Shape;101;p19"/>
+          <p:cNvPr id="100" name="Google Shape;100;p19"/>
           <p:cNvSpPr txBox="1"/>
           <p:nvPr/>
         </p:nvSpPr>
@@ -11261,7 +12394,7 @@
       </p:sp>
       <p:pic>
         <p:nvPicPr>
-          <p:cNvPr id="102" name="Google Shape;102;p19"/>
+          <p:cNvPr id="101" name="Google Shape;101;p19"/>
           <p:cNvPicPr preferRelativeResize="0"/>
           <p:nvPr/>
         </p:nvPicPr>
@@ -11289,7 +12422,7 @@
       </p:pic>
       <p:pic>
         <p:nvPicPr>
-          <p:cNvPr id="103" name="Google Shape;103;p19"/>
+          <p:cNvPr id="102" name="Google Shape;102;p19"/>
           <p:cNvPicPr preferRelativeResize="0"/>
           <p:nvPr/>
         </p:nvPicPr>
@@ -11317,7 +12450,7 @@
       </p:pic>
       <p:pic>
         <p:nvPicPr>
-          <p:cNvPr id="104" name="Google Shape;104;p19"/>
+          <p:cNvPr id="103" name="Google Shape;103;p19"/>
           <p:cNvPicPr preferRelativeResize="0"/>
           <p:nvPr/>
         </p:nvPicPr>
@@ -11356,7 +12489,7 @@
   <p:cSld>
     <p:spTree>
       <p:nvGrpSpPr>
-        <p:cNvPr id="108" name="Shape 108"/>
+        <p:cNvPr id="107" name="Shape 107"/>
         <p:cNvGrpSpPr/>
         <p:nvPr/>
       </p:nvGrpSpPr>
@@ -11370,7 +12503,7 @@
       </p:grpSpPr>
       <p:sp>
         <p:nvSpPr>
-          <p:cNvPr id="109" name="Google Shape;109;p20"/>
+          <p:cNvPr id="108" name="Google Shape;108;p20"/>
           <p:cNvSpPr txBox="1"/>
           <p:nvPr/>
         </p:nvSpPr>
@@ -11404,16 +12537,19 @@
             </a:pPr>
             <a:r>
               <a:rPr b="1" lang="en" sz="1200">
+                <a:solidFill>
+                  <a:srgbClr val="9E9E9E"/>
+                </a:solidFill>
                 <a:latin typeface="Trebuchet MS"/>
                 <a:ea typeface="Trebuchet MS"/>
                 <a:cs typeface="Trebuchet MS"/>
                 <a:sym typeface="Trebuchet MS"/>
               </a:rPr>
-              <a:t>QUESTION 7 - SCATTERPLOT OF IBU VS. ABV</a:t>
+              <a:t>RELATIONSHIP BETWEEN IBU AND ABV</a:t>
             </a:r>
             <a:endParaRPr sz="1000">
               <a:solidFill>
-                <a:srgbClr val="000000"/>
+                <a:srgbClr val="9E9E9E"/>
               </a:solidFill>
               <a:latin typeface="Trebuchet MS"/>
               <a:ea typeface="Trebuchet MS"/>
@@ -11435,6 +12571,9 @@
               <a:t/>
             </a:r>
             <a:endParaRPr sz="1000">
+              <a:solidFill>
+                <a:srgbClr val="9E9E9E"/>
+              </a:solidFill>
               <a:latin typeface="Trebuchet MS"/>
               <a:ea typeface="Trebuchet MS"/>
               <a:cs typeface="Trebuchet MS"/>
@@ -11445,7 +12584,7 @@
       </p:sp>
       <p:pic>
         <p:nvPicPr>
-          <p:cNvPr id="110" name="Google Shape;110;p20"/>
+          <p:cNvPr id="109" name="Google Shape;109;p20"/>
           <p:cNvPicPr preferRelativeResize="0"/>
           <p:nvPr/>
         </p:nvPicPr>
@@ -11459,8 +12598,8 @@
         </p:blipFill>
         <p:spPr>
           <a:xfrm>
-            <a:off x="2036154" y="1290350"/>
-            <a:ext cx="4944446" cy="3571374"/>
+            <a:off x="1740255" y="614775"/>
+            <a:ext cx="5240345" cy="3785099"/>
           </a:xfrm>
           <a:prstGeom prst="rect">
             <a:avLst/>
@@ -11473,13 +12612,13 @@
       </p:pic>
       <p:sp>
         <p:nvSpPr>
-          <p:cNvPr id="111" name="Google Shape;111;p20"/>
+          <p:cNvPr id="110" name="Google Shape;110;p20"/>
           <p:cNvSpPr txBox="1"/>
           <p:nvPr/>
         </p:nvSpPr>
         <p:spPr>
           <a:xfrm>
-            <a:off x="3647725" y="4033275"/>
+            <a:off x="3571525" y="3576075"/>
             <a:ext cx="2596200" cy="629700"/>
           </a:xfrm>
           <a:prstGeom prst="rect">
@@ -11564,13 +12703,13 @@
       </p:sp>
       <p:sp>
         <p:nvSpPr>
-          <p:cNvPr id="112" name="Google Shape;112;p20"/>
+          <p:cNvPr id="111" name="Google Shape;111;p20"/>
           <p:cNvSpPr txBox="1"/>
           <p:nvPr/>
         </p:nvSpPr>
         <p:spPr>
           <a:xfrm>
-            <a:off x="439525" y="673338"/>
+            <a:off x="324375" y="4442688"/>
             <a:ext cx="8012100" cy="516000"/>
           </a:xfrm>
           <a:prstGeom prst="rect">
@@ -11617,7 +12756,7 @@
   <p:cSld>
     <p:spTree>
       <p:nvGrpSpPr>
-        <p:cNvPr id="116" name="Shape 116"/>
+        <p:cNvPr id="115" name="Shape 115"/>
         <p:cNvGrpSpPr/>
         <p:nvPr/>
       </p:nvGrpSpPr>
@@ -11629,59 +12768,9 @@
           <a:chExt cx="0" cy="0"/>
         </a:xfrm>
       </p:grpSpPr>
-      <p:sp>
-        <p:nvSpPr>
-          <p:cNvPr id="117" name="Google Shape;117;p21"/>
-          <p:cNvSpPr txBox="1"/>
-          <p:nvPr>
-            <p:ph type="title"/>
-          </p:nvPr>
-        </p:nvSpPr>
-        <p:spPr>
-          <a:xfrm>
-            <a:off x="273775" y="262975"/>
-            <a:ext cx="8520600" cy="333600"/>
-          </a:xfrm>
-          <a:prstGeom prst="rect">
-            <a:avLst/>
-          </a:prstGeom>
-        </p:spPr>
-        <p:txBody>
-          <a:bodyPr anchorCtr="0" anchor="t" bIns="91425" lIns="91425" spcFirstLastPara="1" rIns="91425" wrap="square" tIns="91425">
-            <a:noAutofit/>
-          </a:bodyPr>
-          <a:lstStyle/>
-          <a:p>
-            <a:pPr indent="0" lvl="0" marL="0" rtl="0" algn="l">
-              <a:spcBef>
-                <a:spcPts val="0"/>
-              </a:spcBef>
-              <a:spcAft>
-                <a:spcPts val="0"/>
-              </a:spcAft>
-              <a:buNone/>
-            </a:pPr>
-            <a:r>
-              <a:rPr b="1" lang="en" sz="1200">
-                <a:latin typeface="Trebuchet MS"/>
-                <a:ea typeface="Trebuchet MS"/>
-                <a:cs typeface="Trebuchet MS"/>
-                <a:sym typeface="Trebuchet MS"/>
-              </a:rPr>
-              <a:t>Question 8 - Investigate difference in ABV and IBU between IPAs and other ales.</a:t>
-            </a:r>
-            <a:endParaRPr b="1" sz="1200">
-              <a:latin typeface="Trebuchet MS"/>
-              <a:ea typeface="Trebuchet MS"/>
-              <a:cs typeface="Trebuchet MS"/>
-              <a:sym typeface="Trebuchet MS"/>
-            </a:endParaRPr>
-          </a:p>
-        </p:txBody>
-      </p:sp>
       <p:pic>
         <p:nvPicPr>
-          <p:cNvPr id="118" name="Google Shape;118;p21"/>
+          <p:cNvPr id="116" name="Google Shape;116;p21"/>
           <p:cNvPicPr preferRelativeResize="0"/>
           <p:nvPr/>
         </p:nvPicPr>
@@ -11709,7 +12798,7 @@
       </p:pic>
       <p:pic>
         <p:nvPicPr>
-          <p:cNvPr id="119" name="Google Shape;119;p21"/>
+          <p:cNvPr id="117" name="Google Shape;117;p21"/>
           <p:cNvPicPr preferRelativeResize="0"/>
           <p:nvPr/>
         </p:nvPicPr>
@@ -11737,7 +12826,7 @@
       </p:pic>
       <p:sp>
         <p:nvSpPr>
-          <p:cNvPr id="120" name="Google Shape;120;p21"/>
+          <p:cNvPr id="118" name="Google Shape;118;p21"/>
           <p:cNvSpPr txBox="1"/>
           <p:nvPr/>
         </p:nvSpPr>
@@ -11774,6 +12863,87 @@
               <a:t>Infilling missing values for ABV and IBU does not change the character of their relationship, so subsequent analyses will use infilled datasets</a:t>
             </a:r>
             <a:endParaRPr/>
+          </a:p>
+        </p:txBody>
+      </p:sp>
+      <p:sp>
+        <p:nvSpPr>
+          <p:cNvPr id="119" name="Google Shape;119;p21"/>
+          <p:cNvSpPr txBox="1"/>
+          <p:nvPr/>
+        </p:nvSpPr>
+        <p:spPr>
+          <a:xfrm>
+            <a:off x="195425" y="65925"/>
+            <a:ext cx="8625900" cy="506400"/>
+          </a:xfrm>
+          <a:prstGeom prst="rect">
+            <a:avLst/>
+          </a:prstGeom>
+          <a:noFill/>
+          <a:ln>
+            <a:noFill/>
+          </a:ln>
+        </p:spPr>
+        <p:txBody>
+          <a:bodyPr anchorCtr="0" anchor="t" bIns="91425" lIns="91425" spcFirstLastPara="1" rIns="91425" wrap="square" tIns="91425">
+            <a:noAutofit/>
+          </a:bodyPr>
+          <a:lstStyle/>
+          <a:p>
+            <a:pPr indent="0" lvl="0" marL="0" rtl="0" algn="l">
+              <a:spcBef>
+                <a:spcPts val="0"/>
+              </a:spcBef>
+              <a:spcAft>
+                <a:spcPts val="0"/>
+              </a:spcAft>
+              <a:buNone/>
+            </a:pPr>
+            <a:r>
+              <a:rPr b="1" lang="en" sz="1200">
+                <a:solidFill>
+                  <a:srgbClr val="9E9E9E"/>
+                </a:solidFill>
+                <a:latin typeface="Trebuchet MS"/>
+                <a:ea typeface="Trebuchet MS"/>
+                <a:cs typeface="Trebuchet MS"/>
+                <a:sym typeface="Trebuchet MS"/>
+              </a:rPr>
+              <a:t>IPAs compared to other Ales</a:t>
+            </a:r>
+            <a:endParaRPr sz="1000">
+              <a:solidFill>
+                <a:srgbClr val="9E9E9E"/>
+              </a:solidFill>
+              <a:latin typeface="Trebuchet MS"/>
+              <a:ea typeface="Trebuchet MS"/>
+              <a:cs typeface="Trebuchet MS"/>
+              <a:sym typeface="Trebuchet MS"/>
+            </a:endParaRPr>
+          </a:p>
+          <a:p>
+            <a:pPr indent="0" lvl="0" marL="0" rtl="0" algn="l">
+              <a:spcBef>
+                <a:spcPts val="0"/>
+              </a:spcBef>
+              <a:spcAft>
+                <a:spcPts val="0"/>
+              </a:spcAft>
+              <a:buNone/>
+            </a:pPr>
+            <a:r>
+              <a:t/>
+            </a:r>
+            <a:endParaRPr sz="1000">
+              <a:solidFill>
+                <a:srgbClr val="9E9E9E"/>
+              </a:solidFill>
+              <a:latin typeface="Trebuchet MS"/>
+              <a:ea typeface="Trebuchet MS"/>
+              <a:cs typeface="Trebuchet MS"/>
+              <a:sym typeface="Trebuchet MS"/>
+            </a:endParaRPr>
           </a:p>
         </p:txBody>
       </p:sp>
@@ -11786,6 +12956,285 @@
 </file>
 
 <file path=ppt/theme/theme1.xml><?xml version="1.0" encoding="utf-8"?>
+<a:theme xmlns:a="http://schemas.openxmlformats.org/drawingml/2006/main" xmlns:r="http://schemas.openxmlformats.org/officeDocument/2006/relationships" name="Simple Light">
+  <a:themeElements>
+    <a:clrScheme name="Simple Light">
+      <a:dk1>
+        <a:srgbClr val="000000"/>
+      </a:dk1>
+      <a:lt1>
+        <a:srgbClr val="FFFFFF"/>
+      </a:lt1>
+      <a:dk2>
+        <a:srgbClr val="595959"/>
+      </a:dk2>
+      <a:lt2>
+        <a:srgbClr val="EEEEEE"/>
+      </a:lt2>
+      <a:accent1>
+        <a:srgbClr val="FFAB40"/>
+      </a:accent1>
+      <a:accent2>
+        <a:srgbClr val="212121"/>
+      </a:accent2>
+      <a:accent3>
+        <a:srgbClr val="78909C"/>
+      </a:accent3>
+      <a:accent4>
+        <a:srgbClr val="FFAB40"/>
+      </a:accent4>
+      <a:accent5>
+        <a:srgbClr val="0097A7"/>
+      </a:accent5>
+      <a:accent6>
+        <a:srgbClr val="EEFF41"/>
+      </a:accent6>
+      <a:hlink>
+        <a:srgbClr val="0097A7"/>
+      </a:hlink>
+      <a:folHlink>
+        <a:srgbClr val="0097A7"/>
+      </a:folHlink>
+    </a:clrScheme>
+    <a:fontScheme name="Office">
+      <a:majorFont>
+        <a:latin typeface="Arial"/>
+        <a:ea typeface=""/>
+        <a:cs typeface=""/>
+        <a:font script="Jpan" typeface="ＭＳ Ｐゴシック"/>
+        <a:font script="Hang" typeface="맑은 고딕"/>
+        <a:font script="Hans" typeface="宋体"/>
+        <a:font script="Hant" typeface="新細明體"/>
+        <a:font script="Arab" typeface="Times New Roman"/>
+        <a:font script="Hebr" typeface="Times New Roman"/>
+        <a:font script="Thai" typeface="Angsana New"/>
+        <a:font script="Ethi" typeface="Nyala"/>
+        <a:font script="Beng" typeface="Vrinda"/>
+        <a:font script="Gujr" typeface="Shruti"/>
+        <a:font script="Khmr" typeface="MoolBoran"/>
+        <a:font script="Knda" typeface="Tunga"/>
+        <a:font script="Guru" typeface="Raavi"/>
+        <a:font script="Cans" typeface="Euphemia"/>
+        <a:font script="Cher" typeface="Plantagenet Cherokee"/>
+        <a:font script="Yiii" typeface="Microsoft Yi Baiti"/>
+        <a:font script="Tibt" typeface="Microsoft Himalaya"/>
+        <a:font script="Thaa" typeface="MV Boli"/>
+        <a:font script="Deva" typeface="Mangal"/>
+        <a:font script="Telu" typeface="Gautami"/>
+        <a:font script="Taml" typeface="Latha"/>
+        <a:font script="Syrc" typeface="Estrangelo Edessa"/>
+        <a:font script="Orya" typeface="Kalinga"/>
+        <a:font script="Mlym" typeface="Kartika"/>
+        <a:font script="Laoo" typeface="DokChampa"/>
+        <a:font script="Sinh" typeface="Iskoola Pota"/>
+        <a:font script="Mong" typeface="Mongolian Baiti"/>
+        <a:font script="Viet" typeface="Times New Roman"/>
+        <a:font script="Uigh" typeface="Microsoft Uighur"/>
+        <a:font script="Geor" typeface="Sylfaen"/>
+      </a:majorFont>
+      <a:minorFont>
+        <a:latin typeface="Arial"/>
+        <a:ea typeface=""/>
+        <a:cs typeface=""/>
+        <a:font script="Jpan" typeface="ＭＳ Ｐゴシック"/>
+        <a:font script="Hang" typeface="맑은 고딕"/>
+        <a:font script="Hans" typeface="宋体"/>
+        <a:font script="Hant" typeface="新細明體"/>
+        <a:font script="Arab" typeface="Arial"/>
+        <a:font script="Hebr" typeface="Arial"/>
+        <a:font script="Thai" typeface="Cordia New"/>
+        <a:font script="Ethi" typeface="Nyala"/>
+        <a:font script="Beng" typeface="Vrinda"/>
+        <a:font script="Gujr" typeface="Shruti"/>
+        <a:font script="Khmr" typeface="DaunPenh"/>
+        <a:font script="Knda" typeface="Tunga"/>
+        <a:font script="Guru" typeface="Raavi"/>
+        <a:font script="Cans" typeface="Euphemia"/>
+        <a:font script="Cher" typeface="Plantagenet Cherokee"/>
+        <a:font script="Yiii" typeface="Microsoft Yi Baiti"/>
+        <a:font script="Tibt" typeface="Microsoft Himalaya"/>
+        <a:font script="Thaa" typeface="MV Boli"/>
+        <a:font script="Deva" typeface="Mangal"/>
+        <a:font script="Telu" typeface="Gautami"/>
+        <a:font script="Taml" typeface="Latha"/>
+        <a:font script="Syrc" typeface="Estrangelo Edessa"/>
+        <a:font script="Orya" typeface="Kalinga"/>
+        <a:font script="Mlym" typeface="Kartika"/>
+        <a:font script="Laoo" typeface="DokChampa"/>
+        <a:font script="Sinh" typeface="Iskoola Pota"/>
+        <a:font script="Mong" typeface="Mongolian Baiti"/>
+        <a:font script="Viet" typeface="Arial"/>
+        <a:font script="Uigh" typeface="Microsoft Uighur"/>
+        <a:font script="Geor" typeface="Sylfaen"/>
+      </a:minorFont>
+    </a:fontScheme>
+    <a:fmtScheme name="Office">
+      <a:fillStyleLst>
+        <a:solidFill>
+          <a:schemeClr val="phClr"/>
+        </a:solidFill>
+        <a:gradFill rotWithShape="1">
+          <a:gsLst>
+            <a:gs pos="0">
+              <a:schemeClr val="phClr">
+                <a:tint val="50000"/>
+                <a:satMod val="300000"/>
+              </a:schemeClr>
+            </a:gs>
+            <a:gs pos="35000">
+              <a:schemeClr val="phClr">
+                <a:tint val="37000"/>
+                <a:satMod val="300000"/>
+              </a:schemeClr>
+            </a:gs>
+            <a:gs pos="100000">
+              <a:schemeClr val="phClr">
+                <a:tint val="15000"/>
+                <a:satMod val="350000"/>
+              </a:schemeClr>
+            </a:gs>
+          </a:gsLst>
+          <a:lin ang="16200000" scaled="1"/>
+        </a:gradFill>
+        <a:gradFill rotWithShape="1">
+          <a:gsLst>
+            <a:gs pos="0">
+              <a:schemeClr val="phClr">
+                <a:tint val="100000"/>
+                <a:shade val="100000"/>
+                <a:satMod val="130000"/>
+              </a:schemeClr>
+            </a:gs>
+            <a:gs pos="100000">
+              <a:schemeClr val="phClr">
+                <a:tint val="50000"/>
+                <a:shade val="100000"/>
+                <a:satMod val="350000"/>
+              </a:schemeClr>
+            </a:gs>
+          </a:gsLst>
+          <a:lin ang="16200000" scaled="0"/>
+        </a:gradFill>
+      </a:fillStyleLst>
+      <a:lnStyleLst>
+        <a:ln w="9525" cap="flat" cmpd="sng" algn="ctr">
+          <a:solidFill>
+            <a:schemeClr val="phClr">
+              <a:shade val="95000"/>
+              <a:satMod val="105000"/>
+            </a:schemeClr>
+          </a:solidFill>
+          <a:prstDash val="solid"/>
+        </a:ln>
+        <a:ln w="25400" cap="flat" cmpd="sng" algn="ctr">
+          <a:solidFill>
+            <a:schemeClr val="phClr"/>
+          </a:solidFill>
+          <a:prstDash val="solid"/>
+        </a:ln>
+        <a:ln w="38100" cap="flat" cmpd="sng" algn="ctr">
+          <a:solidFill>
+            <a:schemeClr val="phClr"/>
+          </a:solidFill>
+          <a:prstDash val="solid"/>
+        </a:ln>
+      </a:lnStyleLst>
+      <a:effectStyleLst>
+        <a:effectStyle>
+          <a:effectLst>
+            <a:outerShdw blurRad="40000" dist="20000" dir="5400000" rotWithShape="0">
+              <a:srgbClr val="000000">
+                <a:alpha val="38000"/>
+              </a:srgbClr>
+            </a:outerShdw>
+          </a:effectLst>
+        </a:effectStyle>
+        <a:effectStyle>
+          <a:effectLst>
+            <a:outerShdw blurRad="40000" dist="23000" dir="5400000" rotWithShape="0">
+              <a:srgbClr val="000000">
+                <a:alpha val="35000"/>
+              </a:srgbClr>
+            </a:outerShdw>
+          </a:effectLst>
+        </a:effectStyle>
+        <a:effectStyle>
+          <a:effectLst>
+            <a:outerShdw blurRad="40000" dist="23000" dir="5400000" rotWithShape="0">
+              <a:srgbClr val="000000">
+                <a:alpha val="35000"/>
+              </a:srgbClr>
+            </a:outerShdw>
+          </a:effectLst>
+          <a:scene3d>
+            <a:camera prst="orthographicFront">
+              <a:rot lat="0" lon="0" rev="0"/>
+            </a:camera>
+            <a:lightRig rig="threePt" dir="t">
+              <a:rot lat="0" lon="0" rev="1200000"/>
+            </a:lightRig>
+          </a:scene3d>
+          <a:sp3d>
+            <a:bevelT w="63500" h="25400"/>
+          </a:sp3d>
+        </a:effectStyle>
+      </a:effectStyleLst>
+      <a:bgFillStyleLst>
+        <a:solidFill>
+          <a:schemeClr val="phClr"/>
+        </a:solidFill>
+        <a:gradFill rotWithShape="1">
+          <a:gsLst>
+            <a:gs pos="0">
+              <a:schemeClr val="phClr">
+                <a:tint val="40000"/>
+                <a:satMod val="350000"/>
+              </a:schemeClr>
+            </a:gs>
+            <a:gs pos="40000">
+              <a:schemeClr val="phClr">
+                <a:tint val="45000"/>
+                <a:shade val="99000"/>
+                <a:satMod val="350000"/>
+              </a:schemeClr>
+            </a:gs>
+            <a:gs pos="100000">
+              <a:schemeClr val="phClr">
+                <a:shade val="20000"/>
+                <a:satMod val="255000"/>
+              </a:schemeClr>
+            </a:gs>
+          </a:gsLst>
+          <a:path path="circle">
+            <a:fillToRect l="50000" t="-80000" r="50000" b="180000"/>
+          </a:path>
+        </a:gradFill>
+        <a:gradFill rotWithShape="1">
+          <a:gsLst>
+            <a:gs pos="0">
+              <a:schemeClr val="phClr">
+                <a:tint val="80000"/>
+                <a:satMod val="300000"/>
+              </a:schemeClr>
+            </a:gs>
+            <a:gs pos="100000">
+              <a:schemeClr val="phClr">
+                <a:shade val="30000"/>
+                <a:satMod val="200000"/>
+              </a:schemeClr>
+            </a:gs>
+          </a:gsLst>
+          <a:path path="circle">
+            <a:fillToRect l="50000" t="50000" r="50000" b="50000"/>
+          </a:path>
+        </a:gradFill>
+      </a:bgFillStyleLst>
+    </a:fmtScheme>
+  </a:themeElements>
+</a:theme>
+</file>
+
+<file path=ppt/theme/theme2.xml><?xml version="1.0" encoding="utf-8"?>
 <a:theme xmlns:a="http://schemas.openxmlformats.org/drawingml/2006/main" xmlns:r="http://schemas.openxmlformats.org/officeDocument/2006/relationships">
   <a:themeElements>
     <a:clrScheme name="Default">
@@ -12062,283 +13511,4 @@
     </a:fmtScheme>
   </a:themeElements>
 </a:theme>
-</file>
-
-<file path=ppt/theme/theme2.xml><?xml version="1.0" encoding="utf-8"?>
-<a:theme xmlns:a="http://schemas.openxmlformats.org/drawingml/2006/main" xmlns:r="http://schemas.openxmlformats.org/officeDocument/2006/relationships" name="Simple Light">
-  <a:themeElements>
-    <a:clrScheme name="Simple Light">
-      <a:dk1>
-        <a:srgbClr val="000000"/>
-      </a:dk1>
-      <a:lt1>
-        <a:srgbClr val="FFFFFF"/>
-      </a:lt1>
-      <a:dk2>
-        <a:srgbClr val="595959"/>
-      </a:dk2>
-      <a:lt2>
-        <a:srgbClr val="EEEEEE"/>
-      </a:lt2>
-      <a:accent1>
-        <a:srgbClr val="FFAB40"/>
-      </a:accent1>
-      <a:accent2>
-        <a:srgbClr val="212121"/>
-      </a:accent2>
-      <a:accent3>
-        <a:srgbClr val="78909C"/>
-      </a:accent3>
-      <a:accent4>
-        <a:srgbClr val="FFAB40"/>
-      </a:accent4>
-      <a:accent5>
-        <a:srgbClr val="0097A7"/>
-      </a:accent5>
-      <a:accent6>
-        <a:srgbClr val="EEFF41"/>
-      </a:accent6>
-      <a:hlink>
-        <a:srgbClr val="0097A7"/>
-      </a:hlink>
-      <a:folHlink>
-        <a:srgbClr val="0097A7"/>
-      </a:folHlink>
-    </a:clrScheme>
-    <a:fontScheme name="Office">
-      <a:majorFont>
-        <a:latin typeface="Arial"/>
-        <a:ea typeface=""/>
-        <a:cs typeface=""/>
-        <a:font script="Jpan" typeface="ＭＳ Ｐゴシック"/>
-        <a:font script="Hang" typeface="맑은 고딕"/>
-        <a:font script="Hans" typeface="宋体"/>
-        <a:font script="Hant" typeface="新細明體"/>
-        <a:font script="Arab" typeface="Times New Roman"/>
-        <a:font script="Hebr" typeface="Times New Roman"/>
-        <a:font script="Thai" typeface="Angsana New"/>
-        <a:font script="Ethi" typeface="Nyala"/>
-        <a:font script="Beng" typeface="Vrinda"/>
-        <a:font script="Gujr" typeface="Shruti"/>
-        <a:font script="Khmr" typeface="MoolBoran"/>
-        <a:font script="Knda" typeface="Tunga"/>
-        <a:font script="Guru" typeface="Raavi"/>
-        <a:font script="Cans" typeface="Euphemia"/>
-        <a:font script="Cher" typeface="Plantagenet Cherokee"/>
-        <a:font script="Yiii" typeface="Microsoft Yi Baiti"/>
-        <a:font script="Tibt" typeface="Microsoft Himalaya"/>
-        <a:font script="Thaa" typeface="MV Boli"/>
-        <a:font script="Deva" typeface="Mangal"/>
-        <a:font script="Telu" typeface="Gautami"/>
-        <a:font script="Taml" typeface="Latha"/>
-        <a:font script="Syrc" typeface="Estrangelo Edessa"/>
-        <a:font script="Orya" typeface="Kalinga"/>
-        <a:font script="Mlym" typeface="Kartika"/>
-        <a:font script="Laoo" typeface="DokChampa"/>
-        <a:font script="Sinh" typeface="Iskoola Pota"/>
-        <a:font script="Mong" typeface="Mongolian Baiti"/>
-        <a:font script="Viet" typeface="Times New Roman"/>
-        <a:font script="Uigh" typeface="Microsoft Uighur"/>
-        <a:font script="Geor" typeface="Sylfaen"/>
-      </a:majorFont>
-      <a:minorFont>
-        <a:latin typeface="Arial"/>
-        <a:ea typeface=""/>
-        <a:cs typeface=""/>
-        <a:font script="Jpan" typeface="ＭＳ Ｐゴシック"/>
-        <a:font script="Hang" typeface="맑은 고딕"/>
-        <a:font script="Hans" typeface="宋体"/>
-        <a:font script="Hant" typeface="新細明體"/>
-        <a:font script="Arab" typeface="Arial"/>
-        <a:font script="Hebr" typeface="Arial"/>
-        <a:font script="Thai" typeface="Cordia New"/>
-        <a:font script="Ethi" typeface="Nyala"/>
-        <a:font script="Beng" typeface="Vrinda"/>
-        <a:font script="Gujr" typeface="Shruti"/>
-        <a:font script="Khmr" typeface="DaunPenh"/>
-        <a:font script="Knda" typeface="Tunga"/>
-        <a:font script="Guru" typeface="Raavi"/>
-        <a:font script="Cans" typeface="Euphemia"/>
-        <a:font script="Cher" typeface="Plantagenet Cherokee"/>
-        <a:font script="Yiii" typeface="Microsoft Yi Baiti"/>
-        <a:font script="Tibt" typeface="Microsoft Himalaya"/>
-        <a:font script="Thaa" typeface="MV Boli"/>
-        <a:font script="Deva" typeface="Mangal"/>
-        <a:font script="Telu" typeface="Gautami"/>
-        <a:font script="Taml" typeface="Latha"/>
-        <a:font script="Syrc" typeface="Estrangelo Edessa"/>
-        <a:font script="Orya" typeface="Kalinga"/>
-        <a:font script="Mlym" typeface="Kartika"/>
-        <a:font script="Laoo" typeface="DokChampa"/>
-        <a:font script="Sinh" typeface="Iskoola Pota"/>
-        <a:font script="Mong" typeface="Mongolian Baiti"/>
-        <a:font script="Viet" typeface="Arial"/>
-        <a:font script="Uigh" typeface="Microsoft Uighur"/>
-        <a:font script="Geor" typeface="Sylfaen"/>
-      </a:minorFont>
-    </a:fontScheme>
-    <a:fmtScheme name="Office">
-      <a:fillStyleLst>
-        <a:solidFill>
-          <a:schemeClr val="phClr"/>
-        </a:solidFill>
-        <a:gradFill rotWithShape="1">
-          <a:gsLst>
-            <a:gs pos="0">
-              <a:schemeClr val="phClr">
-                <a:tint val="50000"/>
-                <a:satMod val="300000"/>
-              </a:schemeClr>
-            </a:gs>
-            <a:gs pos="35000">
-              <a:schemeClr val="phClr">
-                <a:tint val="37000"/>
-                <a:satMod val="300000"/>
-              </a:schemeClr>
-            </a:gs>
-            <a:gs pos="100000">
-              <a:schemeClr val="phClr">
-                <a:tint val="15000"/>
-                <a:satMod val="350000"/>
-              </a:schemeClr>
-            </a:gs>
-          </a:gsLst>
-          <a:lin ang="16200000" scaled="1"/>
-        </a:gradFill>
-        <a:gradFill rotWithShape="1">
-          <a:gsLst>
-            <a:gs pos="0">
-              <a:schemeClr val="phClr">
-                <a:tint val="100000"/>
-                <a:shade val="100000"/>
-                <a:satMod val="130000"/>
-              </a:schemeClr>
-            </a:gs>
-            <a:gs pos="100000">
-              <a:schemeClr val="phClr">
-                <a:tint val="50000"/>
-                <a:shade val="100000"/>
-                <a:satMod val="350000"/>
-              </a:schemeClr>
-            </a:gs>
-          </a:gsLst>
-          <a:lin ang="16200000" scaled="0"/>
-        </a:gradFill>
-      </a:fillStyleLst>
-      <a:lnStyleLst>
-        <a:ln w="9525" cap="flat" cmpd="sng" algn="ctr">
-          <a:solidFill>
-            <a:schemeClr val="phClr">
-              <a:shade val="95000"/>
-              <a:satMod val="105000"/>
-            </a:schemeClr>
-          </a:solidFill>
-          <a:prstDash val="solid"/>
-        </a:ln>
-        <a:ln w="25400" cap="flat" cmpd="sng" algn="ctr">
-          <a:solidFill>
-            <a:schemeClr val="phClr"/>
-          </a:solidFill>
-          <a:prstDash val="solid"/>
-        </a:ln>
-        <a:ln w="38100" cap="flat" cmpd="sng" algn="ctr">
-          <a:solidFill>
-            <a:schemeClr val="phClr"/>
-          </a:solidFill>
-          <a:prstDash val="solid"/>
-        </a:ln>
-      </a:lnStyleLst>
-      <a:effectStyleLst>
-        <a:effectStyle>
-          <a:effectLst>
-            <a:outerShdw blurRad="40000" dist="20000" dir="5400000" rotWithShape="0">
-              <a:srgbClr val="000000">
-                <a:alpha val="38000"/>
-              </a:srgbClr>
-            </a:outerShdw>
-          </a:effectLst>
-        </a:effectStyle>
-        <a:effectStyle>
-          <a:effectLst>
-            <a:outerShdw blurRad="40000" dist="23000" dir="5400000" rotWithShape="0">
-              <a:srgbClr val="000000">
-                <a:alpha val="35000"/>
-              </a:srgbClr>
-            </a:outerShdw>
-          </a:effectLst>
-        </a:effectStyle>
-        <a:effectStyle>
-          <a:effectLst>
-            <a:outerShdw blurRad="40000" dist="23000" dir="5400000" rotWithShape="0">
-              <a:srgbClr val="000000">
-                <a:alpha val="35000"/>
-              </a:srgbClr>
-            </a:outerShdw>
-          </a:effectLst>
-          <a:scene3d>
-            <a:camera prst="orthographicFront">
-              <a:rot lat="0" lon="0" rev="0"/>
-            </a:camera>
-            <a:lightRig rig="threePt" dir="t">
-              <a:rot lat="0" lon="0" rev="1200000"/>
-            </a:lightRig>
-          </a:scene3d>
-          <a:sp3d>
-            <a:bevelT w="63500" h="25400"/>
-          </a:sp3d>
-        </a:effectStyle>
-      </a:effectStyleLst>
-      <a:bgFillStyleLst>
-        <a:solidFill>
-          <a:schemeClr val="phClr"/>
-        </a:solidFill>
-        <a:gradFill rotWithShape="1">
-          <a:gsLst>
-            <a:gs pos="0">
-              <a:schemeClr val="phClr">
-                <a:tint val="40000"/>
-                <a:satMod val="350000"/>
-              </a:schemeClr>
-            </a:gs>
-            <a:gs pos="40000">
-              <a:schemeClr val="phClr">
-                <a:tint val="45000"/>
-                <a:shade val="99000"/>
-                <a:satMod val="350000"/>
-              </a:schemeClr>
-            </a:gs>
-            <a:gs pos="100000">
-              <a:schemeClr val="phClr">
-                <a:shade val="20000"/>
-                <a:satMod val="255000"/>
-              </a:schemeClr>
-            </a:gs>
-          </a:gsLst>
-          <a:path path="circle">
-            <a:fillToRect l="50000" t="-80000" r="50000" b="180000"/>
-          </a:path>
-        </a:gradFill>
-        <a:gradFill rotWithShape="1">
-          <a:gsLst>
-            <a:gs pos="0">
-              <a:schemeClr val="phClr">
-                <a:tint val="80000"/>
-                <a:satMod val="300000"/>
-              </a:schemeClr>
-            </a:gs>
-            <a:gs pos="100000">
-              <a:schemeClr val="phClr">
-                <a:shade val="30000"/>
-                <a:satMod val="200000"/>
-              </a:schemeClr>
-            </a:gs>
-          </a:gsLst>
-          <a:path path="circle">
-            <a:fillToRect l="50000" t="50000" r="50000" b="50000"/>
-          </a:path>
-        </a:gradFill>
-      </a:bgFillStyleLst>
-    </a:fmtScheme>
-  </a:themeElements>
-</a:theme>
 </file>